--- a/Reports/WPT/theroyOfEverything.pptx
+++ b/Reports/WPT/theroyOfEverything.pptx
@@ -124,6 +124,11 @@
       </a:defRPr>
     </a:lvl9pPr>
   </p:defaultTextStyle>
+  <p:extLst>
+    <p:ext uri="{EFAFB233-063F-42B5-8137-9DF3F51BA10A}">
+      <p15:sldGuideLst xmlns:p15="http://schemas.microsoft.com/office/powerpoint/2012/main"/>
+    </p:ext>
+  </p:extLst>
 </p:presentation>
 </file>
 
@@ -209,7 +214,7 @@
           <a:p>
             <a:fld id="{8FBC9892-8BB1-4194-A8B3-DEC2822B9420}" type="datetimeFigureOut">
               <a:rPr lang="en-US" smtClean="0"/>
-              <a:t>6/13/2020</a:t>
+              <a:t>6/15/2020</a:t>
             </a:fld>
             <a:endParaRPr lang="en-US"/>
           </a:p>
@@ -791,7 +796,7 @@
           <a:p>
             <a:fld id="{691F3832-ADA9-4762-B9E7-A1ECA5F75D0F}" type="datetimeFigureOut">
               <a:rPr lang="en-US" smtClean="0"/>
-              <a:t>6/13/2020</a:t>
+              <a:t>6/15/2020</a:t>
             </a:fld>
             <a:endParaRPr lang="en-US"/>
           </a:p>
@@ -989,7 +994,7 @@
           <a:p>
             <a:fld id="{691F3832-ADA9-4762-B9E7-A1ECA5F75D0F}" type="datetimeFigureOut">
               <a:rPr lang="en-US" smtClean="0"/>
-              <a:t>6/13/2020</a:t>
+              <a:t>6/15/2020</a:t>
             </a:fld>
             <a:endParaRPr lang="en-US"/>
           </a:p>
@@ -1197,7 +1202,7 @@
           <a:p>
             <a:fld id="{691F3832-ADA9-4762-B9E7-A1ECA5F75D0F}" type="datetimeFigureOut">
               <a:rPr lang="en-US" smtClean="0"/>
-              <a:t>6/13/2020</a:t>
+              <a:t>6/15/2020</a:t>
             </a:fld>
             <a:endParaRPr lang="en-US"/>
           </a:p>
@@ -1395,7 +1400,7 @@
           <a:p>
             <a:fld id="{691F3832-ADA9-4762-B9E7-A1ECA5F75D0F}" type="datetimeFigureOut">
               <a:rPr lang="en-US" smtClean="0"/>
-              <a:t>6/13/2020</a:t>
+              <a:t>6/15/2020</a:t>
             </a:fld>
             <a:endParaRPr lang="en-US"/>
           </a:p>
@@ -1670,7 +1675,7 @@
           <a:p>
             <a:fld id="{691F3832-ADA9-4762-B9E7-A1ECA5F75D0F}" type="datetimeFigureOut">
               <a:rPr lang="en-US" smtClean="0"/>
-              <a:t>6/13/2020</a:t>
+              <a:t>6/15/2020</a:t>
             </a:fld>
             <a:endParaRPr lang="en-US"/>
           </a:p>
@@ -1935,7 +1940,7 @@
           <a:p>
             <a:fld id="{691F3832-ADA9-4762-B9E7-A1ECA5F75D0F}" type="datetimeFigureOut">
               <a:rPr lang="en-US" smtClean="0"/>
-              <a:t>6/13/2020</a:t>
+              <a:t>6/15/2020</a:t>
             </a:fld>
             <a:endParaRPr lang="en-US"/>
           </a:p>
@@ -2347,7 +2352,7 @@
           <a:p>
             <a:fld id="{691F3832-ADA9-4762-B9E7-A1ECA5F75D0F}" type="datetimeFigureOut">
               <a:rPr lang="en-US" smtClean="0"/>
-              <a:t>6/13/2020</a:t>
+              <a:t>6/15/2020</a:t>
             </a:fld>
             <a:endParaRPr lang="en-US"/>
           </a:p>
@@ -2488,7 +2493,7 @@
           <a:p>
             <a:fld id="{691F3832-ADA9-4762-B9E7-A1ECA5F75D0F}" type="datetimeFigureOut">
               <a:rPr lang="en-US" smtClean="0"/>
-              <a:t>6/13/2020</a:t>
+              <a:t>6/15/2020</a:t>
             </a:fld>
             <a:endParaRPr lang="en-US"/>
           </a:p>
@@ -2601,7 +2606,7 @@
           <a:p>
             <a:fld id="{691F3832-ADA9-4762-B9E7-A1ECA5F75D0F}" type="datetimeFigureOut">
               <a:rPr lang="en-US" smtClean="0"/>
-              <a:t>6/13/2020</a:t>
+              <a:t>6/15/2020</a:t>
             </a:fld>
             <a:endParaRPr lang="en-US"/>
           </a:p>
@@ -2912,7 +2917,7 @@
           <a:p>
             <a:fld id="{691F3832-ADA9-4762-B9E7-A1ECA5F75D0F}" type="datetimeFigureOut">
               <a:rPr lang="en-US" smtClean="0"/>
-              <a:t>6/13/2020</a:t>
+              <a:t>6/15/2020</a:t>
             </a:fld>
             <a:endParaRPr lang="en-US"/>
           </a:p>
@@ -3200,7 +3205,7 @@
           <a:p>
             <a:fld id="{691F3832-ADA9-4762-B9E7-A1ECA5F75D0F}" type="datetimeFigureOut">
               <a:rPr lang="en-US" smtClean="0"/>
-              <a:t>6/13/2020</a:t>
+              <a:t>6/15/2020</a:t>
             </a:fld>
             <a:endParaRPr lang="en-US"/>
           </a:p>
@@ -3441,7 +3446,7 @@
           <a:p>
             <a:fld id="{691F3832-ADA9-4762-B9E7-A1ECA5F75D0F}" type="datetimeFigureOut">
               <a:rPr lang="en-US" smtClean="0"/>
-              <a:t>6/13/2020</a:t>
+              <a:t>6/15/2020</a:t>
             </a:fld>
             <a:endParaRPr lang="en-US"/>
           </a:p>
@@ -3888,8 +3893,8 @@
           </a:prstGeom>
         </p:spPr>
       </p:pic>
-      <mc:AlternateContent xmlns:mc="http://schemas.openxmlformats.org/markup-compatibility/2006">
-        <mc:Choice xmlns:a14="http://schemas.microsoft.com/office/drawing/2010/main" Requires="a14">
+      <mc:AlternateContent xmlns:mc="http://schemas.openxmlformats.org/markup-compatibility/2006" xmlns:a14="http://schemas.microsoft.com/office/drawing/2010/main">
+        <mc:Choice Requires="a14">
           <p:graphicFrame>
             <p:nvGraphicFramePr>
               <p:cNvPr id="5" name="Table 4">
@@ -7160,7 +7165,7 @@
             </a:graphic>
           </p:graphicFrame>
         </mc:Choice>
-        <mc:Fallback>
+        <mc:Fallback xmlns="">
           <p:graphicFrame>
             <p:nvGraphicFramePr>
               <p:cNvPr id="5" name="Table 4">
@@ -8728,8 +8733,8 @@
           </p:graphicFrame>
         </mc:Fallback>
       </mc:AlternateContent>
-      <mc:AlternateContent xmlns:mc="http://schemas.openxmlformats.org/markup-compatibility/2006">
-        <mc:Choice xmlns:a14="http://schemas.microsoft.com/office/drawing/2010/main" Requires="a14">
+      <mc:AlternateContent xmlns:mc="http://schemas.openxmlformats.org/markup-compatibility/2006" xmlns:a14="http://schemas.microsoft.com/office/drawing/2010/main">
+        <mc:Choice Requires="a14">
           <p:graphicFrame>
             <p:nvGraphicFramePr>
               <p:cNvPr id="7" name="Table 6">
@@ -10010,7 +10015,7 @@
             </a:graphic>
           </p:graphicFrame>
         </mc:Choice>
-        <mc:Fallback>
+        <mc:Fallback xmlns="">
           <p:graphicFrame>
             <p:nvGraphicFramePr>
               <p:cNvPr id="7" name="Table 6">
@@ -11032,7 +11037,7 @@
             </p:nvSpPr>
             <p:spPr>
               <a:xfrm>
-                <a:off x="821188" y="861916"/>
+                <a:off x="898461" y="861916"/>
                 <a:ext cx="3599645" cy="2905154"/>
               </a:xfrm>
               <a:prstGeom prst="rect">
@@ -11342,13 +11347,7 @@
                       <a:rPr lang="tr-TR" b="0" i="1" smtClean="0">
                         <a:latin typeface="Cambria Math" panose="02040503050406030204" pitchFamily="18" charset="0"/>
                       </a:rPr>
-                      <m:t>&lt;</m:t>
-                    </m:r>
-                    <m:r>
-                      <a:rPr lang="tr-TR" b="0" i="1" smtClean="0">
-                        <a:latin typeface="Cambria Math" panose="02040503050406030204" pitchFamily="18" charset="0"/>
-                      </a:rPr>
-                      <m:t>0</m:t>
+                      <m:t>&lt;0</m:t>
                     </m:r>
                   </m:oMath>
                 </a14:m>
@@ -11487,7 +11486,7 @@
             </p:nvSpPr>
             <p:spPr>
               <a:xfrm>
-                <a:off x="821188" y="861916"/>
+                <a:off x="898461" y="861916"/>
                 <a:ext cx="3599645" cy="2905154"/>
               </a:xfrm>
               <a:prstGeom prst="rect">
@@ -11496,7 +11495,7 @@
               <a:blipFill>
                 <a:blip r:embed="rId2"/>
                 <a:stretch>
-                  <a:fillRect l="-1186" t="-1048"/>
+                  <a:fillRect l="-1015" t="-1048"/>
                 </a:stretch>
               </a:blipFill>
             </p:spPr>
@@ -11639,8 +11638,8 @@
           </a:p>
         </p:txBody>
       </p:sp>
-      <mc:AlternateContent xmlns:mc="http://schemas.openxmlformats.org/markup-compatibility/2006">
-        <mc:Choice xmlns:a14="http://schemas.microsoft.com/office/drawing/2010/main" Requires="a14">
+      <mc:AlternateContent xmlns:mc="http://schemas.openxmlformats.org/markup-compatibility/2006" xmlns:a14="http://schemas.microsoft.com/office/drawing/2010/main">
+        <mc:Choice Requires="a14">
           <p:sp>
             <p:nvSpPr>
               <p:cNvPr id="6" name="Rectangle 5">
@@ -11668,6 +11667,7 @@
               </a:bodyPr>
               <a:lstStyle/>
               <a:p>
+                <a:pPr/>
                 <a14:m>
                   <m:oMathPara xmlns:m="http://schemas.openxmlformats.org/officeDocument/2006/math">
                     <m:oMathParaPr>
@@ -11976,7 +11976,7 @@
             </p:txBody>
           </p:sp>
         </mc:Choice>
-        <mc:Fallback>
+        <mc:Fallback xmlns="">
           <p:sp>
             <p:nvSpPr>
               <p:cNvPr id="6" name="Rectangle 5">
@@ -12187,8 +12187,8 @@
           </a:p>
         </p:txBody>
       </p:sp>
-      <mc:AlternateContent xmlns:mc="http://schemas.openxmlformats.org/markup-compatibility/2006">
-        <mc:Choice xmlns:a14="http://schemas.microsoft.com/office/drawing/2010/main" Requires="a14">
+      <mc:AlternateContent xmlns:mc="http://schemas.openxmlformats.org/markup-compatibility/2006" xmlns:a14="http://schemas.microsoft.com/office/drawing/2010/main">
+        <mc:Choice Requires="a14">
           <p:sp>
             <p:nvSpPr>
               <p:cNvPr id="14" name="Rectangle 13">
@@ -12216,6 +12216,7 @@
               </a:bodyPr>
               <a:lstStyle/>
               <a:p>
+                <a:pPr/>
                 <a14:m>
                   <m:oMathPara xmlns:m="http://schemas.openxmlformats.org/officeDocument/2006/math">
                     <m:oMathParaPr>
@@ -12311,7 +12312,7 @@
             </p:txBody>
           </p:sp>
         </mc:Choice>
-        <mc:Fallback>
+        <mc:Fallback xmlns="">
           <p:sp>
             <p:nvSpPr>
               <p:cNvPr id="14" name="Rectangle 13">
@@ -12450,8 +12451,8 @@
           </a:prstGeom>
         </p:spPr>
       </p:pic>
-      <mc:AlternateContent xmlns:mc="http://schemas.openxmlformats.org/markup-compatibility/2006">
-        <mc:Choice xmlns:a14="http://schemas.microsoft.com/office/drawing/2010/main" Requires="a14">
+      <mc:AlternateContent xmlns:mc="http://schemas.openxmlformats.org/markup-compatibility/2006" xmlns:a14="http://schemas.microsoft.com/office/drawing/2010/main">
+        <mc:Choice Requires="a14">
           <p:sp>
             <p:nvSpPr>
               <p:cNvPr id="5" name="TextBox 4">
@@ -13265,7 +13266,7 @@
             </p:txBody>
           </p:sp>
         </mc:Choice>
-        <mc:Fallback>
+        <mc:Fallback xmlns="">
           <p:sp>
             <p:nvSpPr>
               <p:cNvPr id="5" name="TextBox 4">
@@ -13349,8 +13350,8 @@
           </a:fontRef>
         </p:style>
       </p:cxnSp>
-      <mc:AlternateContent xmlns:mc="http://schemas.openxmlformats.org/markup-compatibility/2006">
-        <mc:Choice xmlns:a14="http://schemas.microsoft.com/office/drawing/2010/main" Requires="a14">
+      <mc:AlternateContent xmlns:mc="http://schemas.openxmlformats.org/markup-compatibility/2006" xmlns:a14="http://schemas.microsoft.com/office/drawing/2010/main">
+        <mc:Choice Requires="a14">
           <p:sp>
             <p:nvSpPr>
               <p:cNvPr id="11" name="TextBox 10">
@@ -13379,6 +13380,7 @@
               </a:bodyPr>
               <a:lstStyle/>
               <a:p>
+                <a:pPr/>
                 <a14:m>
                   <m:oMathPara xmlns:m="http://schemas.openxmlformats.org/officeDocument/2006/math">
                     <m:oMathParaPr>
@@ -13939,7 +13941,7 @@
             </p:txBody>
           </p:sp>
         </mc:Choice>
-        <mc:Fallback>
+        <mc:Fallback xmlns="">
           <p:sp>
             <p:nvSpPr>
               <p:cNvPr id="11" name="TextBox 10">
@@ -14118,8 +14120,8 @@
           <a:chExt cx="0" cy="0"/>
         </a:xfrm>
       </p:grpSpPr>
-      <mc:AlternateContent xmlns:mc="http://schemas.openxmlformats.org/markup-compatibility/2006">
-        <mc:Choice xmlns:a14="http://schemas.microsoft.com/office/drawing/2010/main" Requires="a14">
+      <mc:AlternateContent xmlns:mc="http://schemas.openxmlformats.org/markup-compatibility/2006" xmlns:a14="http://schemas.microsoft.com/office/drawing/2010/main">
+        <mc:Choice Requires="a14">
           <p:sp>
             <p:nvSpPr>
               <p:cNvPr id="4" name="Rectangle 3">
@@ -14147,6 +14149,7 @@
               </a:bodyPr>
               <a:lstStyle/>
               <a:p>
+                <a:pPr/>
                 <a14:m>
                   <m:oMathPara xmlns:m="http://schemas.openxmlformats.org/officeDocument/2006/math">
                     <m:oMathParaPr>
@@ -14479,13 +14482,7 @@
                             <a:rPr lang="tr-TR" b="0" i="1" smtClean="0">
                               <a:latin typeface="Cambria Math" panose="02040503050406030204" pitchFamily="18" charset="0"/>
                             </a:rPr>
-                            <m:t>)</m:t>
-                          </m:r>
-                          <m:r>
-                            <a:rPr lang="tr-TR" b="0" i="1" smtClean="0">
-                              <a:latin typeface="Cambria Math" panose="02040503050406030204" pitchFamily="18" charset="0"/>
-                            </a:rPr>
-                            <m:t>)</m:t>
+                            <m:t>))</m:t>
                           </m:r>
                         </m:den>
                       </m:f>
@@ -14497,7 +14494,7 @@
             </p:txBody>
           </p:sp>
         </mc:Choice>
-        <mc:Fallback>
+        <mc:Fallback xmlns="">
           <p:sp>
             <p:nvSpPr>
               <p:cNvPr id="4" name="Rectangle 3">
@@ -14571,6 +14568,7 @@
               </a:bodyPr>
               <a:lstStyle/>
               <a:p>
+                <a:pPr/>
                 <a14:m>
                   <m:oMathPara xmlns:m="http://schemas.openxmlformats.org/officeDocument/2006/math">
                     <m:oMathParaPr>
@@ -14604,7 +14602,7 @@
                             <a:rPr lang="tr-TR" b="0" i="1" smtClean="0">
                               <a:latin typeface="Cambria Math" panose="02040503050406030204" pitchFamily="18" charset="0"/>
                             </a:rPr>
-                            <m:t>1</m:t>
+                            <m:t>2</m:t>
                           </m:r>
                         </m:sub>
                       </m:sSub>
@@ -15127,8 +15125,8 @@
           </a:p>
         </p:txBody>
       </p:sp>
-      <mc:AlternateContent xmlns:mc="http://schemas.openxmlformats.org/markup-compatibility/2006">
-        <mc:Choice xmlns:a14="http://schemas.microsoft.com/office/drawing/2010/main" Requires="a14">
+      <mc:AlternateContent xmlns:mc="http://schemas.openxmlformats.org/markup-compatibility/2006" xmlns:a14="http://schemas.microsoft.com/office/drawing/2010/main">
+        <mc:Choice Requires="a14">
           <p:sp>
             <p:nvSpPr>
               <p:cNvPr id="10" name="Rectangle 9">
@@ -15156,6 +15154,7 @@
               </a:bodyPr>
               <a:lstStyle/>
               <a:p>
+                <a:pPr/>
                 <a14:m>
                   <m:oMathPara xmlns:m="http://schemas.openxmlformats.org/officeDocument/2006/math">
                     <m:oMathParaPr>
@@ -15335,7 +15334,7 @@
             </p:txBody>
           </p:sp>
         </mc:Choice>
-        <mc:Fallback>
+        <mc:Fallback xmlns="">
           <p:sp>
             <p:nvSpPr>
               <p:cNvPr id="10" name="Rectangle 9">
@@ -15380,8 +15379,8 @@
           </p:sp>
         </mc:Fallback>
       </mc:AlternateContent>
-      <mc:AlternateContent xmlns:mc="http://schemas.openxmlformats.org/markup-compatibility/2006">
-        <mc:Choice xmlns:a14="http://schemas.microsoft.com/office/drawing/2010/main" Requires="a14">
+      <mc:AlternateContent xmlns:mc="http://schemas.openxmlformats.org/markup-compatibility/2006" xmlns:a14="http://schemas.microsoft.com/office/drawing/2010/main">
+        <mc:Choice Requires="a14">
           <p:sp>
             <p:nvSpPr>
               <p:cNvPr id="11" name="Rectangle 10">
@@ -15409,6 +15408,7 @@
               </a:bodyPr>
               <a:lstStyle/>
               <a:p>
+                <a:pPr/>
                 <a14:m>
                   <m:oMathPara xmlns:m="http://schemas.openxmlformats.org/officeDocument/2006/math">
                     <m:oMathParaPr>
@@ -15462,13 +15462,7 @@
                         <a:rPr lang="tr-TR" b="0" i="1" smtClean="0">
                           <a:latin typeface="Cambria Math" panose="02040503050406030204" pitchFamily="18" charset="0"/>
                         </a:rPr>
-                        <m:t>)</m:t>
-                      </m:r>
-                      <m:r>
-                        <a:rPr lang="tr-TR" b="0" i="1" smtClean="0">
-                          <a:latin typeface="Cambria Math" panose="02040503050406030204" pitchFamily="18" charset="0"/>
-                        </a:rPr>
-                        <m:t>=</m:t>
+                        <m:t>)=</m:t>
                       </m:r>
                       <m:f>
                         <m:fPr>
@@ -15787,13 +15781,7 @@
                             <a:rPr lang="tr-TR" b="0" i="1" smtClean="0">
                               <a:latin typeface="Cambria Math" panose="02040503050406030204" pitchFamily="18" charset="0"/>
                             </a:rPr>
-                            <m:t>)</m:t>
-                          </m:r>
-                          <m:r>
-                            <a:rPr lang="tr-TR" b="0" i="1" smtClean="0">
-                              <a:latin typeface="Cambria Math" panose="02040503050406030204" pitchFamily="18" charset="0"/>
-                            </a:rPr>
-                            <m:t>)</m:t>
+                            <m:t>))</m:t>
                           </m:r>
                         </m:den>
                       </m:f>
@@ -15805,7 +15793,7 @@
             </p:txBody>
           </p:sp>
         </mc:Choice>
-        <mc:Fallback>
+        <mc:Fallback xmlns="">
           <p:sp>
             <p:nvSpPr>
               <p:cNvPr id="11" name="Rectangle 10">
@@ -15850,8 +15838,8 @@
           </p:sp>
         </mc:Fallback>
       </mc:AlternateContent>
-      <mc:AlternateContent xmlns:mc="http://schemas.openxmlformats.org/markup-compatibility/2006">
-        <mc:Choice xmlns:a14="http://schemas.microsoft.com/office/drawing/2010/main" Requires="a14">
+      <mc:AlternateContent xmlns:mc="http://schemas.openxmlformats.org/markup-compatibility/2006" xmlns:a14="http://schemas.microsoft.com/office/drawing/2010/main">
+        <mc:Choice Requires="a14">
           <p:sp>
             <p:nvSpPr>
               <p:cNvPr id="12" name="Rectangle 11">
@@ -15879,6 +15867,7 @@
               </a:bodyPr>
               <a:lstStyle/>
               <a:p>
+                <a:pPr/>
                 <a14:m>
                   <m:oMathPara xmlns:m="http://schemas.openxmlformats.org/officeDocument/2006/math">
                     <m:oMathParaPr>
@@ -16263,7 +16252,7 @@
             </p:txBody>
           </p:sp>
         </mc:Choice>
-        <mc:Fallback>
+        <mc:Fallback xmlns="">
           <p:sp>
             <p:nvSpPr>
               <p:cNvPr id="12" name="Rectangle 11">
@@ -16338,8 +16327,8 @@
           <a:chExt cx="0" cy="0"/>
         </a:xfrm>
       </p:grpSpPr>
-      <mc:AlternateContent xmlns:mc="http://schemas.openxmlformats.org/markup-compatibility/2006">
-        <mc:Choice xmlns:a14="http://schemas.microsoft.com/office/drawing/2010/main" Requires="a14">
+      <mc:AlternateContent xmlns:mc="http://schemas.openxmlformats.org/markup-compatibility/2006" xmlns:a14="http://schemas.microsoft.com/office/drawing/2010/main">
+        <mc:Choice Requires="a14">
           <p:sp>
             <p:nvSpPr>
               <p:cNvPr id="4" name="Rectangle 3">
@@ -16367,6 +16356,7 @@
               </a:bodyPr>
               <a:lstStyle/>
               <a:p>
+                <a:pPr/>
                 <a14:m>
                   <m:oMathPara xmlns:m="http://schemas.openxmlformats.org/officeDocument/2006/math">
                     <m:oMathParaPr>
@@ -16551,7 +16541,7 @@
             </p:txBody>
           </p:sp>
         </mc:Choice>
-        <mc:Fallback>
+        <mc:Fallback xmlns="">
           <p:sp>
             <p:nvSpPr>
               <p:cNvPr id="4" name="Rectangle 3">
@@ -16596,8 +16586,8 @@
           </p:sp>
         </mc:Fallback>
       </mc:AlternateContent>
-      <mc:AlternateContent xmlns:mc="http://schemas.openxmlformats.org/markup-compatibility/2006">
-        <mc:Choice xmlns:a14="http://schemas.microsoft.com/office/drawing/2010/main" Requires="a14">
+      <mc:AlternateContent xmlns:mc="http://schemas.openxmlformats.org/markup-compatibility/2006" xmlns:a14="http://schemas.microsoft.com/office/drawing/2010/main">
+        <mc:Choice Requires="a14">
           <p:sp>
             <p:nvSpPr>
               <p:cNvPr id="5" name="Rectangle 4">
@@ -16972,13 +16962,7 @@
                       <a:rPr lang="tr-TR" b="0" i="1" smtClean="0">
                         <a:latin typeface="Cambria Math" panose="02040503050406030204" pitchFamily="18" charset="0"/>
                       </a:rPr>
-                      <m:t>))</m:t>
-                    </m:r>
-                    <m:r>
-                      <a:rPr lang="tr-TR" b="0" i="1" smtClean="0">
-                        <a:latin typeface="Cambria Math" panose="02040503050406030204" pitchFamily="18" charset="0"/>
-                      </a:rPr>
-                      <m:t>−</m:t>
+                      <m:t>))−</m:t>
                     </m:r>
                     <m:sSub>
                       <m:sSubPr>
@@ -17337,7 +17321,7 @@
             </p:txBody>
           </p:sp>
         </mc:Choice>
-        <mc:Fallback>
+        <mc:Fallback xmlns="">
           <p:sp>
             <p:nvSpPr>
               <p:cNvPr id="5" name="Rectangle 4">
@@ -17382,8 +17366,8 @@
           </p:sp>
         </mc:Fallback>
       </mc:AlternateContent>
-      <mc:AlternateContent xmlns:mc="http://schemas.openxmlformats.org/markup-compatibility/2006">
-        <mc:Choice xmlns:a14="http://schemas.microsoft.com/office/drawing/2010/main" Requires="a14">
+      <mc:AlternateContent xmlns:mc="http://schemas.openxmlformats.org/markup-compatibility/2006" xmlns:a14="http://schemas.microsoft.com/office/drawing/2010/main">
+        <mc:Choice Requires="a14">
           <p:sp>
             <p:nvSpPr>
               <p:cNvPr id="6" name="TextBox 5">
@@ -17489,7 +17473,7 @@
             </p:txBody>
           </p:sp>
         </mc:Choice>
-        <mc:Fallback>
+        <mc:Fallback xmlns="">
           <p:sp>
             <p:nvSpPr>
               <p:cNvPr id="6" name="TextBox 5">
@@ -17534,8 +17518,8 @@
           </p:sp>
         </mc:Fallback>
       </mc:AlternateContent>
-      <mc:AlternateContent xmlns:mc="http://schemas.openxmlformats.org/markup-compatibility/2006">
-        <mc:Choice xmlns:a14="http://schemas.microsoft.com/office/drawing/2010/main" Requires="a14">
+      <mc:AlternateContent xmlns:mc="http://schemas.openxmlformats.org/markup-compatibility/2006" xmlns:a14="http://schemas.microsoft.com/office/drawing/2010/main">
+        <mc:Choice Requires="a14">
           <p:sp>
             <p:nvSpPr>
               <p:cNvPr id="7" name="Rectangle 6">
@@ -17896,7 +17880,7 @@
             </p:txBody>
           </p:sp>
         </mc:Choice>
-        <mc:Fallback>
+        <mc:Fallback xmlns="">
           <p:sp>
             <p:nvSpPr>
               <p:cNvPr id="7" name="Rectangle 6">
@@ -17941,8 +17925,8 @@
           </p:sp>
         </mc:Fallback>
       </mc:AlternateContent>
-      <mc:AlternateContent xmlns:mc="http://schemas.openxmlformats.org/markup-compatibility/2006">
-        <mc:Choice xmlns:a14="http://schemas.microsoft.com/office/drawing/2010/main" Requires="a14">
+      <mc:AlternateContent xmlns:mc="http://schemas.openxmlformats.org/markup-compatibility/2006" xmlns:a14="http://schemas.microsoft.com/office/drawing/2010/main">
+        <mc:Choice Requires="a14">
           <p:sp>
             <p:nvSpPr>
               <p:cNvPr id="8" name="Rectangle 7">
@@ -18427,7 +18411,7 @@
             </p:txBody>
           </p:sp>
         </mc:Choice>
-        <mc:Fallback>
+        <mc:Fallback xmlns="">
           <p:sp>
             <p:nvSpPr>
               <p:cNvPr id="8" name="Rectangle 7">
@@ -18502,8 +18486,8 @@
           <a:chExt cx="0" cy="0"/>
         </a:xfrm>
       </p:grpSpPr>
-      <mc:AlternateContent xmlns:mc="http://schemas.openxmlformats.org/markup-compatibility/2006">
-        <mc:Choice xmlns:a14="http://schemas.microsoft.com/office/drawing/2010/main" Requires="a14">
+      <mc:AlternateContent xmlns:mc="http://schemas.openxmlformats.org/markup-compatibility/2006" xmlns:a14="http://schemas.microsoft.com/office/drawing/2010/main">
+        <mc:Choice Requires="a14">
           <p:sp>
             <p:nvSpPr>
               <p:cNvPr id="4" name="TextBox 3">
@@ -18673,6 +18657,7 @@
                 <a:endParaRPr lang="tr-TR" dirty="0"/>
               </a:p>
               <a:p>
+                <a:pPr/>
                 <a14:m>
                   <m:oMathPara xmlns:m="http://schemas.openxmlformats.org/officeDocument/2006/math">
                     <m:oMathParaPr>
@@ -18912,7 +18897,7 @@
             </p:txBody>
           </p:sp>
         </mc:Choice>
-        <mc:Fallback>
+        <mc:Fallback xmlns="">
           <p:sp>
             <p:nvSpPr>
               <p:cNvPr id="4" name="TextBox 3">
@@ -18957,8 +18942,8 @@
           </p:sp>
         </mc:Fallback>
       </mc:AlternateContent>
-      <mc:AlternateContent xmlns:mc="http://schemas.openxmlformats.org/markup-compatibility/2006">
-        <mc:Choice xmlns:a14="http://schemas.microsoft.com/office/drawing/2010/main" Requires="a14">
+      <mc:AlternateContent xmlns:mc="http://schemas.openxmlformats.org/markup-compatibility/2006" xmlns:a14="http://schemas.microsoft.com/office/drawing/2010/main">
+        <mc:Choice Requires="a14">
           <p:sp>
             <p:nvSpPr>
               <p:cNvPr id="5" name="Rectangle 4">
@@ -19142,7 +19127,7 @@
             </p:txBody>
           </p:sp>
         </mc:Choice>
-        <mc:Fallback>
+        <mc:Fallback xmlns="">
           <p:sp>
             <p:nvSpPr>
               <p:cNvPr id="5" name="Rectangle 4">
@@ -19187,8 +19172,8 @@
           </p:sp>
         </mc:Fallback>
       </mc:AlternateContent>
-      <mc:AlternateContent xmlns:mc="http://schemas.openxmlformats.org/markup-compatibility/2006">
-        <mc:Choice xmlns:a14="http://schemas.microsoft.com/office/drawing/2010/main" Requires="a14">
+      <mc:AlternateContent xmlns:mc="http://schemas.openxmlformats.org/markup-compatibility/2006" xmlns:a14="http://schemas.microsoft.com/office/drawing/2010/main">
+        <mc:Choice Requires="a14">
           <p:sp>
             <p:nvSpPr>
               <p:cNvPr id="6" name="Rectangle 5">
@@ -19216,6 +19201,7 @@
               </a:bodyPr>
               <a:lstStyle/>
               <a:p>
+                <a:pPr/>
                 <a14:m>
                   <m:oMathPara xmlns:m="http://schemas.openxmlformats.org/officeDocument/2006/math">
                     <m:oMathParaPr>
@@ -19390,7 +19376,7 @@
             </p:txBody>
           </p:sp>
         </mc:Choice>
-        <mc:Fallback>
+        <mc:Fallback xmlns="">
           <p:sp>
             <p:nvSpPr>
               <p:cNvPr id="6" name="Rectangle 5">
@@ -19435,8 +19421,8 @@
           </p:sp>
         </mc:Fallback>
       </mc:AlternateContent>
-      <mc:AlternateContent xmlns:mc="http://schemas.openxmlformats.org/markup-compatibility/2006">
-        <mc:Choice xmlns:a14="http://schemas.microsoft.com/office/drawing/2010/main" Requires="a14">
+      <mc:AlternateContent xmlns:mc="http://schemas.openxmlformats.org/markup-compatibility/2006" xmlns:a14="http://schemas.microsoft.com/office/drawing/2010/main">
+        <mc:Choice Requires="a14">
           <p:sp>
             <p:nvSpPr>
               <p:cNvPr id="7" name="Rectangle 6">
@@ -19945,7 +19931,7 @@
             </p:txBody>
           </p:sp>
         </mc:Choice>
-        <mc:Fallback>
+        <mc:Fallback xmlns="">
           <p:sp>
             <p:nvSpPr>
               <p:cNvPr id="7" name="Rectangle 6">
@@ -20134,8 +20120,8 @@
           </a:fontRef>
         </p:style>
       </p:cxnSp>
-      <mc:AlternateContent xmlns:mc="http://schemas.openxmlformats.org/markup-compatibility/2006">
-        <mc:Choice xmlns:a14="http://schemas.microsoft.com/office/drawing/2010/main" Requires="a14">
+      <mc:AlternateContent xmlns:mc="http://schemas.openxmlformats.org/markup-compatibility/2006" xmlns:a14="http://schemas.microsoft.com/office/drawing/2010/main">
+        <mc:Choice Requires="a14">
           <p:sp>
             <p:nvSpPr>
               <p:cNvPr id="13" name="TextBox 12">
@@ -20288,7 +20274,7 @@
             </p:txBody>
           </p:sp>
         </mc:Choice>
-        <mc:Fallback>
+        <mc:Fallback xmlns="">
           <p:sp>
             <p:nvSpPr>
               <p:cNvPr id="13" name="TextBox 12">
@@ -20363,8 +20349,8 @@
           <a:chExt cx="0" cy="0"/>
         </a:xfrm>
       </p:grpSpPr>
-      <mc:AlternateContent xmlns:mc="http://schemas.openxmlformats.org/markup-compatibility/2006">
-        <mc:Choice xmlns:a14="http://schemas.microsoft.com/office/drawing/2010/main" Requires="a14">
+      <mc:AlternateContent xmlns:mc="http://schemas.openxmlformats.org/markup-compatibility/2006" xmlns:a14="http://schemas.microsoft.com/office/drawing/2010/main">
+        <mc:Choice Requires="a14">
           <p:sp>
             <p:nvSpPr>
               <p:cNvPr id="4" name="Rectangle 3">
@@ -20632,7 +20618,7 @@
             </p:txBody>
           </p:sp>
         </mc:Choice>
-        <mc:Fallback>
+        <mc:Fallback xmlns="">
           <p:sp>
             <p:nvSpPr>
               <p:cNvPr id="4" name="Rectangle 3">
@@ -20818,8 +20804,8 @@
         </p:blipFill>
         <p:spPr>
           <a:xfrm>
-            <a:off x="1479886" y="1925395"/>
-            <a:ext cx="7451613" cy="4033472"/>
+            <a:off x="1022687" y="1402035"/>
+            <a:ext cx="9170942" cy="4964125"/>
           </a:xfrm>
           <a:prstGeom prst="rect">
             <a:avLst/>
@@ -21330,7 +21316,7 @@
             </a:r>
             <a:r>
               <a:rPr lang="tr-TR" dirty="0" err="1"/>
-              <a:t>tothe</a:t>
+              <a:t>to</a:t>
             </a:r>
             <a:r>
               <a:rPr lang="tr-TR" dirty="0"/>
@@ -21338,6 +21324,14 @@
             </a:r>
             <a:r>
               <a:rPr lang="tr-TR" dirty="0" err="1"/>
+              <a:t>the</a:t>
+            </a:r>
+            <a:r>
+              <a:rPr lang="tr-TR" dirty="0"/>
+              <a:t> </a:t>
+            </a:r>
+            <a:r>
+              <a:rPr lang="tr-TR" dirty="0" err="1"/>
               <a:t>square</a:t>
             </a:r>
             <a:r>
@@ -21402,7 +21396,7 @@
             </a:r>
             <a:r>
               <a:rPr lang="tr-TR" dirty="0" err="1"/>
-              <a:t>leads</a:t>
+              <a:t>lead</a:t>
             </a:r>
             <a:r>
               <a:rPr lang="tr-TR" dirty="0"/>
@@ -21598,8 +21592,8 @@
           <a:chExt cx="0" cy="0"/>
         </a:xfrm>
       </p:grpSpPr>
-      <mc:AlternateContent xmlns:mc="http://schemas.openxmlformats.org/markup-compatibility/2006">
-        <mc:Choice xmlns:a14="http://schemas.microsoft.com/office/drawing/2010/main" Requires="a14">
+      <mc:AlternateContent xmlns:mc="http://schemas.openxmlformats.org/markup-compatibility/2006" xmlns:a14="http://schemas.microsoft.com/office/drawing/2010/main">
+        <mc:Choice Requires="a14">
           <p:sp>
             <p:nvSpPr>
               <p:cNvPr id="7" name="TextBox 6">
@@ -21801,7 +21795,7 @@
             </p:txBody>
           </p:sp>
         </mc:Choice>
-        <mc:Fallback>
+        <mc:Fallback xmlns="">
           <p:sp>
             <p:nvSpPr>
               <p:cNvPr id="7" name="TextBox 6">
@@ -21876,8 +21870,8 @@
           </a:prstGeom>
         </p:spPr>
       </p:pic>
-      <mc:AlternateContent xmlns:mc="http://schemas.openxmlformats.org/markup-compatibility/2006">
-        <mc:Choice xmlns:a14="http://schemas.microsoft.com/office/drawing/2010/main" Requires="a14">
+      <mc:AlternateContent xmlns:mc="http://schemas.openxmlformats.org/markup-compatibility/2006" xmlns:a14="http://schemas.microsoft.com/office/drawing/2010/main">
+        <mc:Choice Requires="a14">
           <p:graphicFrame>
             <p:nvGraphicFramePr>
               <p:cNvPr id="9" name="Table 8">
@@ -22654,7 +22648,7 @@
             </a:graphic>
           </p:graphicFrame>
         </mc:Choice>
-        <mc:Fallback>
+        <mc:Fallback xmlns="">
           <p:graphicFrame>
             <p:nvGraphicFramePr>
               <p:cNvPr id="9" name="Table 8">
@@ -32588,7 +32582,7 @@
             <p:spPr>
               <a:xfrm>
                 <a:off x="4362719" y="876300"/>
-                <a:ext cx="1498680" cy="650114"/>
+                <a:ext cx="1502719" cy="650114"/>
               </a:xfrm>
               <a:prstGeom prst="rect">
                 <a:avLst/>
@@ -32601,6 +32595,7 @@
               </a:bodyPr>
               <a:lstStyle/>
               <a:p>
+                <a:pPr/>
                 <a14:m>
                   <m:oMathPara xmlns:m="http://schemas.openxmlformats.org/officeDocument/2006/math">
                     <m:oMathParaPr>
@@ -32653,14 +32648,14 @@
                           </m:ctrlPr>
                         </m:fPr>
                         <m:num>
-                          <m:sSub>
-                            <m:sSubPr>
+                          <m:sSubSup>
+                            <m:sSubSupPr>
                               <m:ctrlPr>
                                 <a:rPr lang="tr-TR" b="0" i="1" smtClean="0">
                                   <a:latin typeface="Cambria Math" panose="02040503050406030204" pitchFamily="18" charset="0"/>
                                 </a:rPr>
                               </m:ctrlPr>
-                            </m:sSubPr>
+                            </m:sSubSupPr>
                             <m:e>
                               <m:sSubSup>
                                 <m:sSubSupPr>
@@ -32716,7 +32711,15 @@
                                 <m:t>𝑝</m:t>
                               </m:r>
                             </m:sub>
-                          </m:sSub>
+                            <m:sup>
+                              <m:r>
+                                <a:rPr lang="tr-TR" b="0" i="1" smtClean="0">
+                                  <a:latin typeface="Cambria Math" panose="02040503050406030204" pitchFamily="18" charset="0"/>
+                                </a:rPr>
+                                <m:t>2</m:t>
+                              </m:r>
+                            </m:sup>
+                          </m:sSubSup>
                         </m:num>
                         <m:den>
                           <m:sSubSup>
@@ -32786,7 +32789,7 @@
             <p:spPr>
               <a:xfrm>
                 <a:off x="4362719" y="876300"/>
-                <a:ext cx="1498680" cy="650114"/>
+                <a:ext cx="1502719" cy="650114"/>
               </a:xfrm>
               <a:prstGeom prst="rect">
                 <a:avLst/>
@@ -32813,8 +32816,8 @@
           </p:sp>
         </mc:Fallback>
       </mc:AlternateContent>
-      <mc:AlternateContent xmlns:mc="http://schemas.openxmlformats.org/markup-compatibility/2006">
-        <mc:Choice xmlns:a14="http://schemas.microsoft.com/office/drawing/2010/main" Requires="a14">
+      <mc:AlternateContent xmlns:mc="http://schemas.openxmlformats.org/markup-compatibility/2006" xmlns:a14="http://schemas.microsoft.com/office/drawing/2010/main">
+        <mc:Choice Requires="a14">
           <p:sp>
             <p:nvSpPr>
               <p:cNvPr id="9" name="Rectangle 8">
@@ -32934,7 +32937,7 @@
             </p:txBody>
           </p:sp>
         </mc:Choice>
-        <mc:Fallback>
+        <mc:Fallback xmlns="">
           <p:sp>
             <p:nvSpPr>
               <p:cNvPr id="9" name="Rectangle 8">
@@ -33032,7 +33035,7 @@
             <p:spPr>
               <a:xfrm>
                 <a:off x="4268908" y="2390774"/>
-                <a:ext cx="1453410" cy="650114"/>
+                <a:ext cx="1480084" cy="650114"/>
               </a:xfrm>
               <a:prstGeom prst="rect">
                 <a:avLst/>
@@ -33045,6 +33048,7 @@
               </a:bodyPr>
               <a:lstStyle/>
               <a:p>
+                <a:pPr/>
                 <a14:m>
                   <m:oMathPara xmlns:m="http://schemas.openxmlformats.org/officeDocument/2006/math">
                     <m:oMathParaPr>
@@ -33097,14 +33101,14 @@
                           </m:ctrlPr>
                         </m:fPr>
                         <m:num>
-                          <m:sSub>
-                            <m:sSubPr>
+                          <m:sSubSup>
+                            <m:sSubSupPr>
                               <m:ctrlPr>
                                 <a:rPr lang="tr-TR" b="0" i="1" smtClean="0">
                                   <a:latin typeface="Cambria Math" panose="02040503050406030204" pitchFamily="18" charset="0"/>
                                 </a:rPr>
                               </m:ctrlPr>
-                            </m:sSubPr>
+                            </m:sSubSupPr>
                             <m:e>
                               <m:sSubSup>
                                 <m:sSubSupPr>
@@ -33160,7 +33164,15 @@
                                 <m:t>𝑠</m:t>
                               </m:r>
                             </m:sub>
-                          </m:sSub>
+                            <m:sup>
+                              <m:r>
+                                <a:rPr lang="tr-TR" b="0" i="1" smtClean="0">
+                                  <a:latin typeface="Cambria Math" panose="02040503050406030204" pitchFamily="18" charset="0"/>
+                                </a:rPr>
+                                <m:t>2</m:t>
+                              </m:r>
+                            </m:sup>
+                          </m:sSubSup>
                         </m:num>
                         <m:den>
                           <m:sSubSup>
@@ -33230,7 +33242,7 @@
             <p:spPr>
               <a:xfrm>
                 <a:off x="4268908" y="2390774"/>
-                <a:ext cx="1453410" cy="650114"/>
+                <a:ext cx="1480084" cy="650114"/>
               </a:xfrm>
               <a:prstGeom prst="rect">
                 <a:avLst/>
@@ -33257,8 +33269,8 @@
           </p:sp>
         </mc:Fallback>
       </mc:AlternateContent>
-      <mc:AlternateContent xmlns:mc="http://schemas.openxmlformats.org/markup-compatibility/2006">
-        <mc:Choice xmlns:a14="http://schemas.microsoft.com/office/drawing/2010/main" Requires="a14">
+      <mc:AlternateContent xmlns:mc="http://schemas.openxmlformats.org/markup-compatibility/2006" xmlns:a14="http://schemas.microsoft.com/office/drawing/2010/main">
+        <mc:Choice Requires="a14">
           <p:sp>
             <p:nvSpPr>
               <p:cNvPr id="15" name="Rectangle 14">
@@ -33378,7 +33390,7 @@
             </p:txBody>
           </p:sp>
         </mc:Choice>
-        <mc:Fallback>
+        <mc:Fallback xmlns="">
           <p:sp>
             <p:nvSpPr>
               <p:cNvPr id="15" name="Rectangle 14">
@@ -33537,8 +33549,8 @@
           </a:fontRef>
         </p:style>
       </p:cxnSp>
-      <mc:AlternateContent xmlns:mc="http://schemas.openxmlformats.org/markup-compatibility/2006">
-        <mc:Choice xmlns:a14="http://schemas.microsoft.com/office/drawing/2010/main" Requires="a14">
+      <mc:AlternateContent xmlns:mc="http://schemas.openxmlformats.org/markup-compatibility/2006" xmlns:a14="http://schemas.microsoft.com/office/drawing/2010/main">
+        <mc:Choice Requires="a14">
           <p:sp>
             <p:nvSpPr>
               <p:cNvPr id="26" name="Rectangle 25">
@@ -33689,7 +33701,7 @@
             </p:txBody>
           </p:sp>
         </mc:Choice>
-        <mc:Fallback>
+        <mc:Fallback xmlns="">
           <p:sp>
             <p:nvSpPr>
               <p:cNvPr id="26" name="Rectangle 25">
@@ -33734,8 +33746,8 @@
           </p:sp>
         </mc:Fallback>
       </mc:AlternateContent>
-      <mc:AlternateContent xmlns:mc="http://schemas.openxmlformats.org/markup-compatibility/2006">
-        <mc:Choice xmlns:a14="http://schemas.microsoft.com/office/drawing/2010/main" Requires="a14">
+      <mc:AlternateContent xmlns:mc="http://schemas.openxmlformats.org/markup-compatibility/2006" xmlns:a14="http://schemas.microsoft.com/office/drawing/2010/main">
+        <mc:Choice Requires="a14">
           <p:sp>
             <p:nvSpPr>
               <p:cNvPr id="27" name="Rectangle 26">
@@ -33916,7 +33928,7 @@
             </p:txBody>
           </p:sp>
         </mc:Choice>
-        <mc:Fallback>
+        <mc:Fallback xmlns="">
           <p:sp>
             <p:nvSpPr>
               <p:cNvPr id="27" name="Rectangle 26">
@@ -34080,8 +34092,8 @@
           </a:prstGeom>
         </p:spPr>
       </p:pic>
-      <mc:AlternateContent xmlns:mc="http://schemas.openxmlformats.org/markup-compatibility/2006">
-        <mc:Choice xmlns:a14="http://schemas.microsoft.com/office/drawing/2010/main" Requires="a14">
+      <mc:AlternateContent xmlns:mc="http://schemas.openxmlformats.org/markup-compatibility/2006" xmlns:a14="http://schemas.microsoft.com/office/drawing/2010/main">
+        <mc:Choice Requires="a14">
           <p:sp>
             <p:nvSpPr>
               <p:cNvPr id="6" name="TextBox 5">
@@ -34110,6 +34122,7 @@
               </a:bodyPr>
               <a:lstStyle/>
               <a:p>
+                <a:pPr/>
                 <a14:m>
                   <m:oMathPara xmlns:m="http://schemas.openxmlformats.org/officeDocument/2006/math">
                     <m:oMathParaPr>
@@ -34403,7 +34416,7 @@
             </p:txBody>
           </p:sp>
         </mc:Choice>
-        <mc:Fallback>
+        <mc:Fallback xmlns="">
           <p:sp>
             <p:nvSpPr>
               <p:cNvPr id="6" name="TextBox 5">
@@ -34512,8 +34525,8 @@
           </a:p>
         </p:txBody>
       </p:sp>
-      <mc:AlternateContent xmlns:mc="http://schemas.openxmlformats.org/markup-compatibility/2006">
-        <mc:Choice xmlns:a14="http://schemas.microsoft.com/office/drawing/2010/main" Requires="a14">
+      <mc:AlternateContent xmlns:mc="http://schemas.openxmlformats.org/markup-compatibility/2006" xmlns:a14="http://schemas.microsoft.com/office/drawing/2010/main">
+        <mc:Choice Requires="a14">
           <p:sp>
             <p:nvSpPr>
               <p:cNvPr id="8" name="TextBox 7">
@@ -34542,6 +34555,7 @@
               </a:bodyPr>
               <a:lstStyle/>
               <a:p>
+                <a:pPr/>
                 <a14:m>
                   <m:oMathPara xmlns:m="http://schemas.openxmlformats.org/officeDocument/2006/math">
                     <m:oMathParaPr>
@@ -35028,7 +35042,7 @@
             </p:txBody>
           </p:sp>
         </mc:Choice>
-        <mc:Fallback>
+        <mc:Fallback xmlns="">
           <p:sp>
             <p:nvSpPr>
               <p:cNvPr id="8" name="TextBox 7">
@@ -35073,8 +35087,8 @@
           </p:sp>
         </mc:Fallback>
       </mc:AlternateContent>
-      <mc:AlternateContent xmlns:mc="http://schemas.openxmlformats.org/markup-compatibility/2006">
-        <mc:Choice xmlns:a14="http://schemas.microsoft.com/office/drawing/2010/main" Requires="a14">
+      <mc:AlternateContent xmlns:mc="http://schemas.openxmlformats.org/markup-compatibility/2006" xmlns:a14="http://schemas.microsoft.com/office/drawing/2010/main">
+        <mc:Choice Requires="a14">
           <p:sp>
             <p:nvSpPr>
               <p:cNvPr id="9" name="Rectangle 8">
@@ -35102,6 +35116,7 @@
               </a:bodyPr>
               <a:lstStyle/>
               <a:p>
+                <a:pPr/>
                 <a14:m>
                   <m:oMathPara xmlns:m="http://schemas.openxmlformats.org/officeDocument/2006/math">
                     <m:oMathParaPr>
@@ -35506,7 +35521,7 @@
             </p:txBody>
           </p:sp>
         </mc:Choice>
-        <mc:Fallback>
+        <mc:Fallback xmlns="">
           <p:sp>
             <p:nvSpPr>
               <p:cNvPr id="9" name="Rectangle 8">
@@ -35581,8 +35596,8 @@
           <a:chExt cx="0" cy="0"/>
         </a:xfrm>
       </p:grpSpPr>
-      <mc:AlternateContent xmlns:mc="http://schemas.openxmlformats.org/markup-compatibility/2006">
-        <mc:Choice xmlns:a14="http://schemas.microsoft.com/office/drawing/2010/main" Requires="a14">
+      <mc:AlternateContent xmlns:mc="http://schemas.openxmlformats.org/markup-compatibility/2006" xmlns:a14="http://schemas.microsoft.com/office/drawing/2010/main">
+        <mc:Choice Requires="a14">
           <p:sp>
             <p:nvSpPr>
               <p:cNvPr id="4" name="TextBox 3">
@@ -35784,7 +35799,7 @@
             </p:txBody>
           </p:sp>
         </mc:Choice>
-        <mc:Fallback>
+        <mc:Fallback xmlns="">
           <p:sp>
             <p:nvSpPr>
               <p:cNvPr id="4" name="TextBox 3">
@@ -35829,8 +35844,8 @@
           </p:sp>
         </mc:Fallback>
       </mc:AlternateContent>
-      <mc:AlternateContent xmlns:mc="http://schemas.openxmlformats.org/markup-compatibility/2006">
-        <mc:Choice xmlns:a14="http://schemas.microsoft.com/office/drawing/2010/main" Requires="a14">
+      <mc:AlternateContent xmlns:mc="http://schemas.openxmlformats.org/markup-compatibility/2006" xmlns:a14="http://schemas.microsoft.com/office/drawing/2010/main">
+        <mc:Choice Requires="a14">
           <p:sp>
             <p:nvSpPr>
               <p:cNvPr id="5" name="Rectangle 4">
@@ -36478,7 +36493,7 @@
             </p:txBody>
           </p:sp>
         </mc:Choice>
-        <mc:Fallback>
+        <mc:Fallback xmlns="">
           <p:sp>
             <p:nvSpPr>
               <p:cNvPr id="5" name="Rectangle 4">
@@ -36523,8 +36538,8 @@
           </p:sp>
         </mc:Fallback>
       </mc:AlternateContent>
-      <mc:AlternateContent xmlns:mc="http://schemas.openxmlformats.org/markup-compatibility/2006">
-        <mc:Choice xmlns:a14="http://schemas.microsoft.com/office/drawing/2010/main" Requires="a14">
+      <mc:AlternateContent xmlns:mc="http://schemas.openxmlformats.org/markup-compatibility/2006" xmlns:a14="http://schemas.microsoft.com/office/drawing/2010/main">
+        <mc:Choice Requires="a14">
           <p:sp>
             <p:nvSpPr>
               <p:cNvPr id="6" name="Rectangle 5">
@@ -36659,7 +36674,7 @@
             </p:txBody>
           </p:sp>
         </mc:Choice>
-        <mc:Fallback>
+        <mc:Fallback xmlns="">
           <p:sp>
             <p:nvSpPr>
               <p:cNvPr id="6" name="Rectangle 5">
@@ -36704,8 +36719,8 @@
           </p:sp>
         </mc:Fallback>
       </mc:AlternateContent>
-      <mc:AlternateContent xmlns:mc="http://schemas.openxmlformats.org/markup-compatibility/2006">
-        <mc:Choice xmlns:a14="http://schemas.microsoft.com/office/drawing/2010/main" Requires="a14">
+      <mc:AlternateContent xmlns:mc="http://schemas.openxmlformats.org/markup-compatibility/2006" xmlns:a14="http://schemas.microsoft.com/office/drawing/2010/main">
+        <mc:Choice Requires="a14">
           <p:sp>
             <p:nvSpPr>
               <p:cNvPr id="7" name="Rectangle 6">
@@ -36733,6 +36748,7 @@
               </a:bodyPr>
               <a:lstStyle/>
               <a:p>
+                <a:pPr/>
                 <a14:m>
                   <m:oMathPara xmlns:m="http://schemas.openxmlformats.org/officeDocument/2006/math">
                     <m:oMathParaPr>
@@ -37224,7 +37240,7 @@
             </p:txBody>
           </p:sp>
         </mc:Choice>
-        <mc:Fallback>
+        <mc:Fallback xmlns="">
           <p:sp>
             <p:nvSpPr>
               <p:cNvPr id="7" name="Rectangle 6">
@@ -37269,8 +37285,8 @@
           </p:sp>
         </mc:Fallback>
       </mc:AlternateContent>
-      <mc:AlternateContent xmlns:mc="http://schemas.openxmlformats.org/markup-compatibility/2006">
-        <mc:Choice xmlns:a14="http://schemas.microsoft.com/office/drawing/2010/main" Requires="a14">
+      <mc:AlternateContent xmlns:mc="http://schemas.openxmlformats.org/markup-compatibility/2006" xmlns:a14="http://schemas.microsoft.com/office/drawing/2010/main">
+        <mc:Choice Requires="a14">
           <p:sp>
             <p:nvSpPr>
               <p:cNvPr id="8" name="Rectangle 7">
@@ -37939,13 +37955,7 @@
                               <a:rPr lang="tr-TR" b="0" i="1" smtClean="0">
                                 <a:latin typeface="Cambria Math" panose="02040503050406030204" pitchFamily="18" charset="0"/>
                               </a:rPr>
-                              <m:t>𝑗</m:t>
-                            </m:r>
-                            <m:r>
-                              <a:rPr lang="tr-TR" b="0" i="1" smtClean="0">
-                                <a:latin typeface="Cambria Math" panose="02040503050406030204" pitchFamily="18" charset="0"/>
-                              </a:rPr>
-                              <m:t>𝑉</m:t>
+                              <m:t>𝑗𝑉</m:t>
                             </m:r>
                           </m:e>
                           <m:sub>
@@ -37960,7 +37970,7 @@
                         <m:sSub>
                           <m:sSubPr>
                             <m:ctrlPr>
-                              <a:rPr lang="tr-TR" b="0" i="0" smtClean="0">
+                              <a:rPr lang="tr-TR" b="0" i="1" smtClean="0">
                                 <a:latin typeface="Cambria Math" panose="02040503050406030204" pitchFamily="18" charset="0"/>
                               </a:rPr>
                             </m:ctrlPr>
@@ -38091,7 +38101,7 @@
             </p:txBody>
           </p:sp>
         </mc:Choice>
-        <mc:Fallback>
+        <mc:Fallback xmlns="">
           <p:sp>
             <p:nvSpPr>
               <p:cNvPr id="8" name="Rectangle 7">
@@ -38136,8 +38146,8 @@
           </p:sp>
         </mc:Fallback>
       </mc:AlternateContent>
-      <mc:AlternateContent xmlns:mc="http://schemas.openxmlformats.org/markup-compatibility/2006">
-        <mc:Choice xmlns:a14="http://schemas.microsoft.com/office/drawing/2010/main" Requires="a14">
+      <mc:AlternateContent xmlns:mc="http://schemas.openxmlformats.org/markup-compatibility/2006" xmlns:a14="http://schemas.microsoft.com/office/drawing/2010/main">
+        <mc:Choice Requires="a14">
           <p:sp>
             <p:nvSpPr>
               <p:cNvPr id="9" name="Rectangle 8">
@@ -38165,6 +38175,7 @@
               </a:bodyPr>
               <a:lstStyle/>
               <a:p>
+                <a:pPr/>
                 <a14:m>
                   <m:oMathPara xmlns:m="http://schemas.openxmlformats.org/officeDocument/2006/math">
                     <m:oMathParaPr>
@@ -38656,7 +38667,7 @@
             </p:txBody>
           </p:sp>
         </mc:Choice>
-        <mc:Fallback>
+        <mc:Fallback xmlns="">
           <p:sp>
             <p:nvSpPr>
               <p:cNvPr id="9" name="Rectangle 8">

--- a/Reports/WPT/theroyOfEverything.pptx
+++ b/Reports/WPT/theroyOfEverything.pptx
@@ -5,7 +5,7 @@
     <p:sldMasterId id="2147483648" r:id="rId1"/>
   </p:sldMasterIdLst>
   <p:notesMasterIdLst>
-    <p:notesMasterId r:id="rId20"/>
+    <p:notesMasterId r:id="rId27"/>
   </p:notesMasterIdLst>
   <p:sldIdLst>
     <p:sldId id="256" r:id="rId2"/>
@@ -26,6 +26,13 @@
     <p:sldId id="280" r:id="rId17"/>
     <p:sldId id="281" r:id="rId18"/>
     <p:sldId id="279" r:id="rId19"/>
+    <p:sldId id="285" r:id="rId20"/>
+    <p:sldId id="282" r:id="rId21"/>
+    <p:sldId id="284" r:id="rId22"/>
+    <p:sldId id="283" r:id="rId23"/>
+    <p:sldId id="287" r:id="rId24"/>
+    <p:sldId id="288" r:id="rId25"/>
+    <p:sldId id="286" r:id="rId26"/>
   </p:sldIdLst>
   <p:sldSz cx="12192000" cy="6858000"/>
   <p:notesSz cx="6858000" cy="9144000"/>
@@ -214,7 +221,7 @@
           <a:p>
             <a:fld id="{8FBC9892-8BB1-4194-A8B3-DEC2822B9420}" type="datetimeFigureOut">
               <a:rPr lang="en-US" smtClean="0"/>
-              <a:t>6/15/2020</a:t>
+              <a:t>6/22/2020</a:t>
             </a:fld>
             <a:endParaRPr lang="en-US"/>
           </a:p>
@@ -796,7 +803,7 @@
           <a:p>
             <a:fld id="{691F3832-ADA9-4762-B9E7-A1ECA5F75D0F}" type="datetimeFigureOut">
               <a:rPr lang="en-US" smtClean="0"/>
-              <a:t>6/15/2020</a:t>
+              <a:t>6/22/2020</a:t>
             </a:fld>
             <a:endParaRPr lang="en-US"/>
           </a:p>
@@ -994,7 +1001,7 @@
           <a:p>
             <a:fld id="{691F3832-ADA9-4762-B9E7-A1ECA5F75D0F}" type="datetimeFigureOut">
               <a:rPr lang="en-US" smtClean="0"/>
-              <a:t>6/15/2020</a:t>
+              <a:t>6/22/2020</a:t>
             </a:fld>
             <a:endParaRPr lang="en-US"/>
           </a:p>
@@ -1202,7 +1209,7 @@
           <a:p>
             <a:fld id="{691F3832-ADA9-4762-B9E7-A1ECA5F75D0F}" type="datetimeFigureOut">
               <a:rPr lang="en-US" smtClean="0"/>
-              <a:t>6/15/2020</a:t>
+              <a:t>6/22/2020</a:t>
             </a:fld>
             <a:endParaRPr lang="en-US"/>
           </a:p>
@@ -1400,7 +1407,7 @@
           <a:p>
             <a:fld id="{691F3832-ADA9-4762-B9E7-A1ECA5F75D0F}" type="datetimeFigureOut">
               <a:rPr lang="en-US" smtClean="0"/>
-              <a:t>6/15/2020</a:t>
+              <a:t>6/22/2020</a:t>
             </a:fld>
             <a:endParaRPr lang="en-US"/>
           </a:p>
@@ -1675,7 +1682,7 @@
           <a:p>
             <a:fld id="{691F3832-ADA9-4762-B9E7-A1ECA5F75D0F}" type="datetimeFigureOut">
               <a:rPr lang="en-US" smtClean="0"/>
-              <a:t>6/15/2020</a:t>
+              <a:t>6/22/2020</a:t>
             </a:fld>
             <a:endParaRPr lang="en-US"/>
           </a:p>
@@ -1940,7 +1947,7 @@
           <a:p>
             <a:fld id="{691F3832-ADA9-4762-B9E7-A1ECA5F75D0F}" type="datetimeFigureOut">
               <a:rPr lang="en-US" smtClean="0"/>
-              <a:t>6/15/2020</a:t>
+              <a:t>6/22/2020</a:t>
             </a:fld>
             <a:endParaRPr lang="en-US"/>
           </a:p>
@@ -2352,7 +2359,7 @@
           <a:p>
             <a:fld id="{691F3832-ADA9-4762-B9E7-A1ECA5F75D0F}" type="datetimeFigureOut">
               <a:rPr lang="en-US" smtClean="0"/>
-              <a:t>6/15/2020</a:t>
+              <a:t>6/22/2020</a:t>
             </a:fld>
             <a:endParaRPr lang="en-US"/>
           </a:p>
@@ -2493,7 +2500,7 @@
           <a:p>
             <a:fld id="{691F3832-ADA9-4762-B9E7-A1ECA5F75D0F}" type="datetimeFigureOut">
               <a:rPr lang="en-US" smtClean="0"/>
-              <a:t>6/15/2020</a:t>
+              <a:t>6/22/2020</a:t>
             </a:fld>
             <a:endParaRPr lang="en-US"/>
           </a:p>
@@ -2606,7 +2613,7 @@
           <a:p>
             <a:fld id="{691F3832-ADA9-4762-B9E7-A1ECA5F75D0F}" type="datetimeFigureOut">
               <a:rPr lang="en-US" smtClean="0"/>
-              <a:t>6/15/2020</a:t>
+              <a:t>6/22/2020</a:t>
             </a:fld>
             <a:endParaRPr lang="en-US"/>
           </a:p>
@@ -2917,7 +2924,7 @@
           <a:p>
             <a:fld id="{691F3832-ADA9-4762-B9E7-A1ECA5F75D0F}" type="datetimeFigureOut">
               <a:rPr lang="en-US" smtClean="0"/>
-              <a:t>6/15/2020</a:t>
+              <a:t>6/22/2020</a:t>
             </a:fld>
             <a:endParaRPr lang="en-US"/>
           </a:p>
@@ -3205,7 +3212,7 @@
           <a:p>
             <a:fld id="{691F3832-ADA9-4762-B9E7-A1ECA5F75D0F}" type="datetimeFigureOut">
               <a:rPr lang="en-US" smtClean="0"/>
-              <a:t>6/15/2020</a:t>
+              <a:t>6/22/2020</a:t>
             </a:fld>
             <a:endParaRPr lang="en-US"/>
           </a:p>
@@ -3446,7 +3453,7 @@
           <a:p>
             <a:fld id="{691F3832-ADA9-4762-B9E7-A1ECA5F75D0F}" type="datetimeFigureOut">
               <a:rPr lang="en-US" smtClean="0"/>
-              <a:t>6/15/2020</a:t>
+              <a:t>6/22/2020</a:t>
             </a:fld>
             <a:endParaRPr lang="en-US"/>
           </a:p>
@@ -11021,8 +11028,8 @@
           <a:chExt cx="0" cy="0"/>
         </a:xfrm>
       </p:grpSpPr>
-      <mc:AlternateContent xmlns:mc="http://schemas.openxmlformats.org/markup-compatibility/2006">
-        <mc:Choice xmlns:a14="http://schemas.microsoft.com/office/drawing/2010/main" Requires="a14">
+      <mc:AlternateContent xmlns:mc="http://schemas.openxmlformats.org/markup-compatibility/2006" xmlns:a14="http://schemas.microsoft.com/office/drawing/2010/main">
+        <mc:Choice Requires="a14">
           <p:sp>
             <p:nvSpPr>
               <p:cNvPr id="4" name="TextBox 3">
@@ -11469,7 +11476,7 @@
             </p:txBody>
           </p:sp>
         </mc:Choice>
-        <mc:Fallback>
+        <mc:Fallback xmlns="">
           <p:sp>
             <p:nvSpPr>
               <p:cNvPr id="4" name="TextBox 3">
@@ -14539,8 +14546,8 @@
           </p:sp>
         </mc:Fallback>
       </mc:AlternateContent>
-      <mc:AlternateContent xmlns:mc="http://schemas.openxmlformats.org/markup-compatibility/2006">
-        <mc:Choice xmlns:a14="http://schemas.microsoft.com/office/drawing/2010/main" Requires="a14">
+      <mc:AlternateContent xmlns:mc="http://schemas.openxmlformats.org/markup-compatibility/2006" xmlns:a14="http://schemas.microsoft.com/office/drawing/2010/main">
+        <mc:Choice Requires="a14">
           <p:sp>
             <p:nvSpPr>
               <p:cNvPr id="5" name="Rectangle 4">
@@ -14913,7 +14920,7 @@
             </p:txBody>
           </p:sp>
         </mc:Choice>
-        <mc:Fallback>
+        <mc:Fallback xmlns="">
           <p:sp>
             <p:nvSpPr>
               <p:cNvPr id="5" name="Rectangle 4">
@@ -21575,6 +21582,125 @@
 </p:sld>
 </file>
 
+<file path=ppt/slides/slide19.xml><?xml version="1.0" encoding="utf-8"?>
+<p:sld xmlns:a="http://schemas.openxmlformats.org/drawingml/2006/main" xmlns:r="http://schemas.openxmlformats.org/officeDocument/2006/relationships" xmlns:p="http://schemas.openxmlformats.org/presentationml/2006/main">
+  <p:cSld>
+    <p:spTree>
+      <p:nvGrpSpPr>
+        <p:cNvPr id="1" name=""/>
+        <p:cNvGrpSpPr/>
+        <p:nvPr/>
+      </p:nvGrpSpPr>
+      <p:grpSpPr>
+        <a:xfrm>
+          <a:off x="0" y="0"/>
+          <a:ext cx="0" cy="0"/>
+          <a:chOff x="0" y="0"/>
+          <a:chExt cx="0" cy="0"/>
+        </a:xfrm>
+      </p:grpSpPr>
+      <p:sp>
+        <p:nvSpPr>
+          <p:cNvPr id="2" name="Title 1">
+            <a:extLst>
+              <a:ext uri="{FF2B5EF4-FFF2-40B4-BE49-F238E27FC236}">
+                <a16:creationId xmlns:a16="http://schemas.microsoft.com/office/drawing/2014/main" id="{EDBB8FC5-8E94-4C7A-9E31-3A2975E6BB5A}"/>
+              </a:ext>
+            </a:extLst>
+          </p:cNvPr>
+          <p:cNvSpPr>
+            <a:spLocks noGrp="1"/>
+          </p:cNvSpPr>
+          <p:nvPr>
+            <p:ph type="title"/>
+          </p:nvPr>
+        </p:nvSpPr>
+        <p:spPr/>
+        <p:txBody>
+          <a:bodyPr/>
+          <a:lstStyle/>
+          <a:p>
+            <a:r>
+              <a:rPr lang="tr-TR" dirty="0"/>
+              <a:t>         TESTING REAL INDUCTANCE VALUES</a:t>
+            </a:r>
+            <a:endParaRPr lang="en-US" dirty="0"/>
+          </a:p>
+        </p:txBody>
+      </p:sp>
+      <p:pic>
+        <p:nvPicPr>
+          <p:cNvPr id="4" name="Picture 3">
+            <a:extLst>
+              <a:ext uri="{FF2B5EF4-FFF2-40B4-BE49-F238E27FC236}">
+                <a16:creationId xmlns:a16="http://schemas.microsoft.com/office/drawing/2014/main" id="{0E0FBF0B-F861-4083-AF45-675901A2970C}"/>
+              </a:ext>
+            </a:extLst>
+          </p:cNvPr>
+          <p:cNvPicPr>
+            <a:picLocks noChangeAspect="1"/>
+          </p:cNvPicPr>
+          <p:nvPr/>
+        </p:nvPicPr>
+        <p:blipFill>
+          <a:blip r:embed="rId2"/>
+          <a:stretch>
+            <a:fillRect/>
+          </a:stretch>
+        </p:blipFill>
+        <p:spPr>
+          <a:xfrm>
+            <a:off x="437882" y="1535415"/>
+            <a:ext cx="5328416" cy="2902759"/>
+          </a:xfrm>
+          <a:prstGeom prst="rect">
+            <a:avLst/>
+          </a:prstGeom>
+        </p:spPr>
+      </p:pic>
+      <p:pic>
+        <p:nvPicPr>
+          <p:cNvPr id="5" name="Picture 4">
+            <a:extLst>
+              <a:ext uri="{FF2B5EF4-FFF2-40B4-BE49-F238E27FC236}">
+                <a16:creationId xmlns:a16="http://schemas.microsoft.com/office/drawing/2014/main" id="{1E010399-17A9-4809-BA83-005374632316}"/>
+              </a:ext>
+            </a:extLst>
+          </p:cNvPr>
+          <p:cNvPicPr>
+            <a:picLocks noChangeAspect="1"/>
+          </p:cNvPicPr>
+          <p:nvPr/>
+        </p:nvPicPr>
+        <p:blipFill>
+          <a:blip r:embed="rId3"/>
+          <a:stretch>
+            <a:fillRect/>
+          </a:stretch>
+        </p:blipFill>
+        <p:spPr>
+          <a:xfrm>
+            <a:off x="6027313" y="1527134"/>
+            <a:ext cx="5721237" cy="2911041"/>
+          </a:xfrm>
+          <a:prstGeom prst="rect">
+            <a:avLst/>
+          </a:prstGeom>
+        </p:spPr>
+      </p:pic>
+    </p:spTree>
+    <p:extLst>
+      <p:ext uri="{BB962C8B-B14F-4D97-AF65-F5344CB8AC3E}">
+        <p14:creationId xmlns:p14="http://schemas.microsoft.com/office/powerpoint/2010/main" val="953391991"/>
+      </p:ext>
+    </p:extLst>
+  </p:cSld>
+  <p:clrMapOvr>
+    <a:masterClrMapping/>
+  </p:clrMapOvr>
+</p:sld>
+</file>
+
 <file path=ppt/slides/slide2.xml><?xml version="1.0" encoding="utf-8"?>
 <p:sld xmlns:a="http://schemas.openxmlformats.org/drawingml/2006/main" xmlns:r="http://schemas.openxmlformats.org/officeDocument/2006/relationships" xmlns:p="http://schemas.openxmlformats.org/presentationml/2006/main">
   <p:cSld>
@@ -23277,6 +23403,9204 @@
     <p:extLst>
       <p:ext uri="{BB962C8B-B14F-4D97-AF65-F5344CB8AC3E}">
         <p14:creationId xmlns:p14="http://schemas.microsoft.com/office/powerpoint/2010/main" val="2511937168"/>
+      </p:ext>
+    </p:extLst>
+  </p:cSld>
+  <p:clrMapOvr>
+    <a:masterClrMapping/>
+  </p:clrMapOvr>
+</p:sld>
+</file>
+
+<file path=ppt/slides/slide20.xml><?xml version="1.0" encoding="utf-8"?>
+<p:sld xmlns:a="http://schemas.openxmlformats.org/drawingml/2006/main" xmlns:r="http://schemas.openxmlformats.org/officeDocument/2006/relationships" xmlns:p="http://schemas.openxmlformats.org/presentationml/2006/main">
+  <p:cSld>
+    <p:spTree>
+      <p:nvGrpSpPr>
+        <p:cNvPr id="1" name=""/>
+        <p:cNvGrpSpPr/>
+        <p:nvPr/>
+      </p:nvGrpSpPr>
+      <p:grpSpPr>
+        <a:xfrm>
+          <a:off x="0" y="0"/>
+          <a:ext cx="0" cy="0"/>
+          <a:chOff x="0" y="0"/>
+          <a:chExt cx="0" cy="0"/>
+        </a:xfrm>
+      </p:grpSpPr>
+      <p:pic>
+        <p:nvPicPr>
+          <p:cNvPr id="6" name="Picture 5">
+            <a:extLst>
+              <a:ext uri="{FF2B5EF4-FFF2-40B4-BE49-F238E27FC236}">
+                <a16:creationId xmlns:a16="http://schemas.microsoft.com/office/drawing/2014/main" id="{2D02C652-13A4-4031-BC5C-C54521CAC526}"/>
+              </a:ext>
+            </a:extLst>
+          </p:cNvPr>
+          <p:cNvPicPr>
+            <a:picLocks noChangeAspect="1"/>
+          </p:cNvPicPr>
+          <p:nvPr/>
+        </p:nvPicPr>
+        <p:blipFill rotWithShape="1">
+          <a:blip r:embed="rId2"/>
+          <a:srcRect l="1069" r="15216" b="2281"/>
+          <a:stretch/>
+        </p:blipFill>
+        <p:spPr>
+          <a:xfrm>
+            <a:off x="309093" y="557581"/>
+            <a:ext cx="5956479" cy="5742838"/>
+          </a:xfrm>
+          <a:prstGeom prst="rect">
+            <a:avLst/>
+          </a:prstGeom>
+        </p:spPr>
+      </p:pic>
+      <p:pic>
+        <p:nvPicPr>
+          <p:cNvPr id="7" name="Picture 6">
+            <a:extLst>
+              <a:ext uri="{FF2B5EF4-FFF2-40B4-BE49-F238E27FC236}">
+                <a16:creationId xmlns:a16="http://schemas.microsoft.com/office/drawing/2014/main" id="{F7471A43-86E5-490F-B697-CB6CE09F7066}"/>
+              </a:ext>
+            </a:extLst>
+          </p:cNvPr>
+          <p:cNvPicPr>
+            <a:picLocks noChangeAspect="1"/>
+          </p:cNvPicPr>
+          <p:nvPr/>
+        </p:nvPicPr>
+        <p:blipFill rotWithShape="1">
+          <a:blip r:embed="rId3"/>
+          <a:srcRect l="1084"/>
+          <a:stretch/>
+        </p:blipFill>
+        <p:spPr>
+          <a:xfrm>
+            <a:off x="6284555" y="495635"/>
+            <a:ext cx="5907445" cy="5686425"/>
+          </a:xfrm>
+          <a:prstGeom prst="rect">
+            <a:avLst/>
+          </a:prstGeom>
+        </p:spPr>
+      </p:pic>
+    </p:spTree>
+    <p:extLst>
+      <p:ext uri="{BB962C8B-B14F-4D97-AF65-F5344CB8AC3E}">
+        <p14:creationId xmlns:p14="http://schemas.microsoft.com/office/powerpoint/2010/main" val="1935380639"/>
+      </p:ext>
+    </p:extLst>
+  </p:cSld>
+  <p:clrMapOvr>
+    <a:masterClrMapping/>
+  </p:clrMapOvr>
+</p:sld>
+</file>
+
+<file path=ppt/slides/slide21.xml><?xml version="1.0" encoding="utf-8"?>
+<p:sld xmlns:a="http://schemas.openxmlformats.org/drawingml/2006/main" xmlns:r="http://schemas.openxmlformats.org/officeDocument/2006/relationships" xmlns:p="http://schemas.openxmlformats.org/presentationml/2006/main">
+  <p:cSld>
+    <p:spTree>
+      <p:nvGrpSpPr>
+        <p:cNvPr id="1" name=""/>
+        <p:cNvGrpSpPr/>
+        <p:nvPr/>
+      </p:nvGrpSpPr>
+      <p:grpSpPr>
+        <a:xfrm>
+          <a:off x="0" y="0"/>
+          <a:ext cx="0" cy="0"/>
+          <a:chOff x="0" y="0"/>
+          <a:chExt cx="0" cy="0"/>
+        </a:xfrm>
+      </p:grpSpPr>
+      <p:pic>
+        <p:nvPicPr>
+          <p:cNvPr id="4" name="Picture 3">
+            <a:extLst>
+              <a:ext uri="{FF2B5EF4-FFF2-40B4-BE49-F238E27FC236}">
+                <a16:creationId xmlns:a16="http://schemas.microsoft.com/office/drawing/2014/main" id="{9E6D13FD-42E8-4C26-A16A-8CC0C33C790C}"/>
+              </a:ext>
+            </a:extLst>
+          </p:cNvPr>
+          <p:cNvPicPr>
+            <a:picLocks noChangeAspect="1"/>
+          </p:cNvPicPr>
+          <p:nvPr/>
+        </p:nvPicPr>
+        <p:blipFill rotWithShape="1">
+          <a:blip r:embed="rId2"/>
+          <a:srcRect l="598"/>
+          <a:stretch/>
+        </p:blipFill>
+        <p:spPr>
+          <a:xfrm>
+            <a:off x="212500" y="849804"/>
+            <a:ext cx="5778220" cy="5158391"/>
+          </a:xfrm>
+          <a:prstGeom prst="rect">
+            <a:avLst/>
+          </a:prstGeom>
+        </p:spPr>
+      </p:pic>
+      <p:pic>
+        <p:nvPicPr>
+          <p:cNvPr id="5" name="Picture 4">
+            <a:extLst>
+              <a:ext uri="{FF2B5EF4-FFF2-40B4-BE49-F238E27FC236}">
+                <a16:creationId xmlns:a16="http://schemas.microsoft.com/office/drawing/2014/main" id="{C3BFCF1A-73A4-4035-AADA-DB6B014029C9}"/>
+              </a:ext>
+            </a:extLst>
+          </p:cNvPr>
+          <p:cNvPicPr>
+            <a:picLocks noChangeAspect="1"/>
+          </p:cNvPicPr>
+          <p:nvPr/>
+        </p:nvPicPr>
+        <p:blipFill rotWithShape="1">
+          <a:blip r:embed="rId3"/>
+          <a:srcRect l="404" b="2317"/>
+          <a:stretch/>
+        </p:blipFill>
+        <p:spPr>
+          <a:xfrm>
+            <a:off x="6291330" y="849804"/>
+            <a:ext cx="5829669" cy="5158391"/>
+          </a:xfrm>
+          <a:prstGeom prst="rect">
+            <a:avLst/>
+          </a:prstGeom>
+        </p:spPr>
+      </p:pic>
+    </p:spTree>
+    <p:extLst>
+      <p:ext uri="{BB962C8B-B14F-4D97-AF65-F5344CB8AC3E}">
+        <p14:creationId xmlns:p14="http://schemas.microsoft.com/office/powerpoint/2010/main" val="290218050"/>
+      </p:ext>
+    </p:extLst>
+  </p:cSld>
+  <p:clrMapOvr>
+    <a:masterClrMapping/>
+  </p:clrMapOvr>
+</p:sld>
+</file>
+
+<file path=ppt/slides/slide22.xml><?xml version="1.0" encoding="utf-8"?>
+<p:sld xmlns:a="http://schemas.openxmlformats.org/drawingml/2006/main" xmlns:r="http://schemas.openxmlformats.org/officeDocument/2006/relationships" xmlns:p="http://schemas.openxmlformats.org/presentationml/2006/main">
+  <p:cSld>
+    <p:spTree>
+      <p:nvGrpSpPr>
+        <p:cNvPr id="1" name=""/>
+        <p:cNvGrpSpPr/>
+        <p:nvPr/>
+      </p:nvGrpSpPr>
+      <p:grpSpPr>
+        <a:xfrm>
+          <a:off x="0" y="0"/>
+          <a:ext cx="0" cy="0"/>
+          <a:chOff x="0" y="0"/>
+          <a:chExt cx="0" cy="0"/>
+        </a:xfrm>
+      </p:grpSpPr>
+      <mc:AlternateContent xmlns:mc="http://schemas.openxmlformats.org/markup-compatibility/2006">
+        <mc:Choice xmlns:a14="http://schemas.microsoft.com/office/drawing/2010/main" Requires="a14">
+          <p:graphicFrame>
+            <p:nvGraphicFramePr>
+              <p:cNvPr id="7" name="Table 6">
+                <a:extLst>
+                  <a:ext uri="{FF2B5EF4-FFF2-40B4-BE49-F238E27FC236}">
+                    <a16:creationId xmlns:a16="http://schemas.microsoft.com/office/drawing/2014/main" id="{1883B8BB-3C7D-4EC2-B55A-307661E3A121}"/>
+                  </a:ext>
+                </a:extLst>
+              </p:cNvPr>
+              <p:cNvGraphicFramePr>
+                <a:graphicFrameLocks noGrp="1"/>
+              </p:cNvGraphicFramePr>
+              <p:nvPr>
+                <p:extLst>
+                  <p:ext uri="{D42A27DB-BD31-4B8C-83A1-F6EECF244321}">
+                    <p14:modId xmlns:p14="http://schemas.microsoft.com/office/powerpoint/2010/main" val="2978656531"/>
+                  </p:ext>
+                </p:extLst>
+              </p:nvPr>
+            </p:nvGraphicFramePr>
+            <p:xfrm>
+              <a:off x="4200660" y="2904187"/>
+              <a:ext cx="3631842" cy="3791539"/>
+            </p:xfrm>
+            <a:graphic>
+              <a:graphicData uri="http://schemas.openxmlformats.org/drawingml/2006/table">
+                <a:tbl>
+                  <a:tblPr/>
+                  <a:tblGrid>
+                    <a:gridCol w="1815921">
+                      <a:extLst>
+                        <a:ext uri="{9D8B030D-6E8A-4147-A177-3AD203B41FA5}">
+                          <a16:colId xmlns:a16="http://schemas.microsoft.com/office/drawing/2014/main" val="1553897858"/>
+                        </a:ext>
+                      </a:extLst>
+                    </a:gridCol>
+                    <a:gridCol w="1815921">
+                      <a:extLst>
+                        <a:ext uri="{9D8B030D-6E8A-4147-A177-3AD203B41FA5}">
+                          <a16:colId xmlns:a16="http://schemas.microsoft.com/office/drawing/2014/main" val="1273914735"/>
+                        </a:ext>
+                      </a:extLst>
+                    </a:gridCol>
+                  </a:tblGrid>
+                  <a:tr h="489397">
+                    <a:tc gridSpan="2">
+                      <a:txBody>
+                        <a:bodyPr/>
+                        <a:lstStyle/>
+                        <a:p>
+                          <a:r>
+                            <a:rPr lang="tr-TR" dirty="0" err="1"/>
+                            <a:t>Primer</a:t>
+                          </a:r>
+                          <a:r>
+                            <a:rPr lang="tr-TR" dirty="0"/>
+                            <a:t>  </a:t>
+                          </a:r>
+                          <a:r>
+                            <a:rPr lang="tr-TR" dirty="0" err="1"/>
+                            <a:t>Resonance</a:t>
+                          </a:r>
+                          <a:r>
+                            <a:rPr lang="tr-TR" dirty="0"/>
+                            <a:t>(150kHz)</a:t>
+                          </a:r>
+                        </a:p>
+                      </a:txBody>
+                      <a:tcPr>
+                        <a:lnL w="12700" cmpd="sng">
+                          <a:solidFill>
+                            <a:schemeClr val="tx1"/>
+                          </a:solidFill>
+                          <a:prstDash val="solid"/>
+                        </a:lnL>
+                        <a:lnR w="12700" cap="flat" cmpd="sng" algn="ctr">
+                          <a:solidFill>
+                            <a:schemeClr val="tx1"/>
+                          </a:solidFill>
+                          <a:prstDash val="solid"/>
+                          <a:round/>
+                          <a:headEnd type="none" w="med" len="med"/>
+                          <a:tailEnd type="none" w="med" len="med"/>
+                        </a:lnR>
+                        <a:lnT w="12700" cmpd="sng">
+                          <a:solidFill>
+                            <a:schemeClr val="tx1"/>
+                          </a:solidFill>
+                          <a:prstDash val="solid"/>
+                        </a:lnT>
+                        <a:lnB w="12700" cap="flat" cmpd="sng" algn="ctr">
+                          <a:solidFill>
+                            <a:schemeClr val="tx1"/>
+                          </a:solidFill>
+                          <a:prstDash val="solid"/>
+                          <a:round/>
+                          <a:headEnd type="none" w="med" len="med"/>
+                          <a:tailEnd type="none" w="med" len="med"/>
+                        </a:lnB>
+                      </a:tcPr>
+                    </a:tc>
+                    <a:tc hMerge="1">
+                      <a:txBody>
+                        <a:bodyPr/>
+                        <a:lstStyle/>
+                        <a:p>
+                          <a:endParaRPr lang="en-US" dirty="0"/>
+                        </a:p>
+                      </a:txBody>
+                      <a:tcPr>
+                        <a:lnL w="12700" cap="flat" cmpd="sng" algn="ctr">
+                          <a:solidFill>
+                            <a:schemeClr val="tx1"/>
+                          </a:solidFill>
+                          <a:prstDash val="solid"/>
+                          <a:round/>
+                          <a:headEnd type="none" w="med" len="med"/>
+                          <a:tailEnd type="none" w="med" len="med"/>
+                        </a:lnL>
+                        <a:lnR w="12700" cmpd="sng">
+                          <a:solidFill>
+                            <a:schemeClr val="tx1"/>
+                          </a:solidFill>
+                          <a:prstDash val="solid"/>
+                        </a:lnR>
+                        <a:lnT w="12700" cmpd="sng">
+                          <a:solidFill>
+                            <a:schemeClr val="tx1"/>
+                          </a:solidFill>
+                          <a:prstDash val="solid"/>
+                        </a:lnT>
+                        <a:lnB w="12700" cmpd="sng">
+                          <a:solidFill>
+                            <a:schemeClr val="tx1"/>
+                          </a:solidFill>
+                          <a:prstDash val="solid"/>
+                        </a:lnB>
+                      </a:tcPr>
+                    </a:tc>
+                    <a:extLst>
+                      <a:ext uri="{0D108BD9-81ED-4DB2-BD59-A6C34878D82A}">
+                        <a16:rowId xmlns:a16="http://schemas.microsoft.com/office/drawing/2014/main" val="54932692"/>
+                      </a:ext>
+                    </a:extLst>
+                  </a:tr>
+                  <a:tr h="489397">
+                    <a:tc gridSpan="2">
+                      <a:txBody>
+                        <a:bodyPr/>
+                        <a:lstStyle/>
+                        <a:p>
+                          <a:r>
+                            <a:rPr lang="tr-TR" dirty="0" err="1"/>
+                            <a:t>Seconder</a:t>
+                          </a:r>
+                          <a:r>
+                            <a:rPr lang="tr-TR" dirty="0"/>
+                            <a:t> </a:t>
+                          </a:r>
+                          <a:r>
+                            <a:rPr lang="tr-TR" dirty="0" err="1"/>
+                            <a:t>Resonance</a:t>
+                          </a:r>
+                          <a:r>
+                            <a:rPr lang="tr-TR" dirty="0"/>
+                            <a:t>(150kHz)</a:t>
+                          </a:r>
+                        </a:p>
+                      </a:txBody>
+                      <a:tcPr>
+                        <a:lnL w="12700" cmpd="sng">
+                          <a:solidFill>
+                            <a:schemeClr val="tx1"/>
+                          </a:solidFill>
+                          <a:prstDash val="solid"/>
+                        </a:lnL>
+                        <a:lnR w="12700" cap="flat" cmpd="sng" algn="ctr">
+                          <a:solidFill>
+                            <a:schemeClr val="tx1"/>
+                          </a:solidFill>
+                          <a:prstDash val="solid"/>
+                          <a:round/>
+                          <a:headEnd type="none" w="med" len="med"/>
+                          <a:tailEnd type="none" w="med" len="med"/>
+                        </a:lnR>
+                        <a:lnT w="12700" cap="flat" cmpd="sng" algn="ctr">
+                          <a:solidFill>
+                            <a:schemeClr val="tx1"/>
+                          </a:solidFill>
+                          <a:prstDash val="solid"/>
+                          <a:round/>
+                          <a:headEnd type="none" w="med" len="med"/>
+                          <a:tailEnd type="none" w="med" len="med"/>
+                        </a:lnT>
+                        <a:lnB w="12700" cap="flat" cmpd="sng" algn="ctr">
+                          <a:solidFill>
+                            <a:schemeClr val="tx1"/>
+                          </a:solidFill>
+                          <a:prstDash val="solid"/>
+                          <a:round/>
+                          <a:headEnd type="none" w="med" len="med"/>
+                          <a:tailEnd type="none" w="med" len="med"/>
+                        </a:lnB>
+                      </a:tcPr>
+                    </a:tc>
+                    <a:tc hMerge="1">
+                      <a:txBody>
+                        <a:bodyPr/>
+                        <a:lstStyle/>
+                        <a:p>
+                          <a:endParaRPr lang="en-US"/>
+                        </a:p>
+                      </a:txBody>
+                      <a:tcPr/>
+                    </a:tc>
+                    <a:extLst>
+                      <a:ext uri="{0D108BD9-81ED-4DB2-BD59-A6C34878D82A}">
+                        <a16:rowId xmlns:a16="http://schemas.microsoft.com/office/drawing/2014/main" val="605678987"/>
+                      </a:ext>
+                    </a:extLst>
+                  </a:tr>
+                  <a:tr h="489397">
+                    <a:tc gridSpan="2">
+                      <a:txBody>
+                        <a:bodyPr/>
+                        <a:lstStyle/>
+                        <a:p>
+                          <a:r>
+                            <a:rPr lang="tr-TR" dirty="0" err="1"/>
+                            <a:t>Operation</a:t>
+                          </a:r>
+                          <a:r>
+                            <a:rPr lang="tr-TR" dirty="0"/>
+                            <a:t> </a:t>
+                          </a:r>
+                          <a:r>
+                            <a:rPr lang="tr-TR" dirty="0" err="1"/>
+                            <a:t>Frequency</a:t>
+                          </a:r>
+                          <a:r>
+                            <a:rPr lang="tr-TR" dirty="0"/>
+                            <a:t> (150 kHz)</a:t>
+                          </a:r>
+                        </a:p>
+                      </a:txBody>
+                      <a:tcPr>
+                        <a:lnL w="12700" cmpd="sng">
+                          <a:solidFill>
+                            <a:schemeClr val="tx1"/>
+                          </a:solidFill>
+                          <a:prstDash val="solid"/>
+                        </a:lnL>
+                        <a:lnR w="12700" cap="flat" cmpd="sng" algn="ctr">
+                          <a:solidFill>
+                            <a:schemeClr val="tx1"/>
+                          </a:solidFill>
+                          <a:prstDash val="solid"/>
+                          <a:round/>
+                          <a:headEnd type="none" w="med" len="med"/>
+                          <a:tailEnd type="none" w="med" len="med"/>
+                        </a:lnR>
+                        <a:lnT w="12700" cap="flat" cmpd="sng" algn="ctr">
+                          <a:solidFill>
+                            <a:schemeClr val="tx1"/>
+                          </a:solidFill>
+                          <a:prstDash val="solid"/>
+                          <a:round/>
+                          <a:headEnd type="none" w="med" len="med"/>
+                          <a:tailEnd type="none" w="med" len="med"/>
+                        </a:lnT>
+                        <a:lnB w="12700" cap="flat" cmpd="sng" algn="ctr">
+                          <a:solidFill>
+                            <a:schemeClr val="tx1"/>
+                          </a:solidFill>
+                          <a:prstDash val="solid"/>
+                          <a:round/>
+                          <a:headEnd type="none" w="med" len="med"/>
+                          <a:tailEnd type="none" w="med" len="med"/>
+                        </a:lnB>
+                      </a:tcPr>
+                    </a:tc>
+                    <a:tc hMerge="1">
+                      <a:txBody>
+                        <a:bodyPr/>
+                        <a:lstStyle/>
+                        <a:p>
+                          <a:endParaRPr lang="en-US"/>
+                        </a:p>
+                      </a:txBody>
+                      <a:tcPr/>
+                    </a:tc>
+                    <a:extLst>
+                      <a:ext uri="{0D108BD9-81ED-4DB2-BD59-A6C34878D82A}">
+                        <a16:rowId xmlns:a16="http://schemas.microsoft.com/office/drawing/2014/main" val="1941288384"/>
+                      </a:ext>
+                    </a:extLst>
+                  </a:tr>
+                  <a:tr h="489397">
+                    <a:tc>
+                      <a:txBody>
+                        <a:bodyPr/>
+                        <a:lstStyle/>
+                        <a:p>
+                          <a14:m>
+                            <m:oMathPara xmlns:m="http://schemas.openxmlformats.org/officeDocument/2006/math">
+                              <m:oMathParaPr>
+                                <m:jc m:val="centerGroup"/>
+                              </m:oMathParaPr>
+                              <m:oMath xmlns:m="http://schemas.openxmlformats.org/officeDocument/2006/math">
+                                <m:sSub>
+                                  <m:sSubPr>
+                                    <m:ctrlPr>
+                                      <a:rPr lang="tr-TR" b="0" i="1" smtClean="0">
+                                        <a:latin typeface="Cambria Math" panose="02040503050406030204" pitchFamily="18" charset="0"/>
+                                      </a:rPr>
+                                    </m:ctrlPr>
+                                  </m:sSubPr>
+                                  <m:e>
+                                    <m:r>
+                                      <a:rPr lang="tr-TR" b="0" i="1" smtClean="0">
+                                        <a:latin typeface="Cambria Math" panose="02040503050406030204" pitchFamily="18" charset="0"/>
+                                      </a:rPr>
+                                      <m:t>𝐼</m:t>
+                                    </m:r>
+                                  </m:e>
+                                  <m:sub>
+                                    <m:r>
+                                      <a:rPr lang="tr-TR" b="0" i="1" smtClean="0">
+                                        <a:latin typeface="Cambria Math" panose="02040503050406030204" pitchFamily="18" charset="0"/>
+                                      </a:rPr>
+                                      <m:t>𝑠</m:t>
+                                    </m:r>
+                                    <m:r>
+                                      <a:rPr lang="tr-TR" b="0" i="1" smtClean="0">
+                                        <a:latin typeface="Cambria Math" panose="02040503050406030204" pitchFamily="18" charset="0"/>
+                                      </a:rPr>
+                                      <m:t>1</m:t>
+                                    </m:r>
+                                  </m:sub>
+                                </m:sSub>
+                              </m:oMath>
+                            </m:oMathPara>
+                          </a14:m>
+                          <a:endParaRPr lang="en-US" dirty="0"/>
+                        </a:p>
+                      </a:txBody>
+                      <a:tcPr>
+                        <a:lnL w="12700" cmpd="sng">
+                          <a:solidFill>
+                            <a:schemeClr val="tx1"/>
+                          </a:solidFill>
+                          <a:prstDash val="solid"/>
+                        </a:lnL>
+                        <a:lnR w="12700" cap="flat" cmpd="sng" algn="ctr">
+                          <a:solidFill>
+                            <a:schemeClr val="tx1"/>
+                          </a:solidFill>
+                          <a:prstDash val="solid"/>
+                          <a:round/>
+                          <a:headEnd type="none" w="med" len="med"/>
+                          <a:tailEnd type="none" w="med" len="med"/>
+                        </a:lnR>
+                        <a:lnT w="12700" cap="flat" cmpd="sng" algn="ctr">
+                          <a:solidFill>
+                            <a:schemeClr val="tx1"/>
+                          </a:solidFill>
+                          <a:prstDash val="solid"/>
+                          <a:round/>
+                          <a:headEnd type="none" w="med" len="med"/>
+                          <a:tailEnd type="none" w="med" len="med"/>
+                        </a:lnT>
+                        <a:lnB w="12700" cmpd="sng">
+                          <a:solidFill>
+                            <a:schemeClr val="tx1"/>
+                          </a:solidFill>
+                          <a:prstDash val="solid"/>
+                        </a:lnB>
+                      </a:tcPr>
+                    </a:tc>
+                    <a:tc>
+                      <a:txBody>
+                        <a:bodyPr/>
+                        <a:lstStyle/>
+                        <a:p>
+                          <a:r>
+                            <a:rPr lang="tr-TR" dirty="0"/>
+                            <a:t>2.3385A</a:t>
+                          </a:r>
+                          <a:endParaRPr lang="en-US" dirty="0"/>
+                        </a:p>
+                      </a:txBody>
+                      <a:tcPr>
+                        <a:lnL w="12700" cap="flat" cmpd="sng" algn="ctr">
+                          <a:solidFill>
+                            <a:schemeClr val="tx1"/>
+                          </a:solidFill>
+                          <a:prstDash val="solid"/>
+                          <a:round/>
+                          <a:headEnd type="none" w="med" len="med"/>
+                          <a:tailEnd type="none" w="med" len="med"/>
+                        </a:lnL>
+                        <a:lnR w="12700" cmpd="sng">
+                          <a:solidFill>
+                            <a:schemeClr val="tx1"/>
+                          </a:solidFill>
+                          <a:prstDash val="solid"/>
+                        </a:lnR>
+                        <a:lnT w="12700" cap="flat" cmpd="sng" algn="ctr">
+                          <a:solidFill>
+                            <a:schemeClr val="tx1"/>
+                          </a:solidFill>
+                          <a:prstDash val="solid"/>
+                          <a:round/>
+                          <a:headEnd type="none" w="med" len="med"/>
+                          <a:tailEnd type="none" w="med" len="med"/>
+                        </a:lnT>
+                        <a:lnB w="12700" cmpd="sng">
+                          <a:solidFill>
+                            <a:schemeClr val="tx1"/>
+                          </a:solidFill>
+                          <a:prstDash val="solid"/>
+                        </a:lnB>
+                      </a:tcPr>
+                    </a:tc>
+                    <a:extLst>
+                      <a:ext uri="{0D108BD9-81ED-4DB2-BD59-A6C34878D82A}">
+                        <a16:rowId xmlns:a16="http://schemas.microsoft.com/office/drawing/2014/main" val="1060367622"/>
+                      </a:ext>
+                    </a:extLst>
+                  </a:tr>
+                  <a:tr h="489397">
+                    <a:tc>
+                      <a:txBody>
+                        <a:bodyPr/>
+                        <a:lstStyle/>
+                        <a:p>
+                          <a14:m>
+                            <m:oMathPara xmlns:m="http://schemas.openxmlformats.org/officeDocument/2006/math">
+                              <m:oMathParaPr>
+                                <m:jc m:val="centerGroup"/>
+                              </m:oMathParaPr>
+                              <m:oMath xmlns:m="http://schemas.openxmlformats.org/officeDocument/2006/math">
+                                <m:sSub>
+                                  <m:sSubPr>
+                                    <m:ctrlPr>
+                                      <a:rPr lang="tr-TR" b="0" i="1" smtClean="0">
+                                        <a:latin typeface="Cambria Math" panose="02040503050406030204" pitchFamily="18" charset="0"/>
+                                      </a:rPr>
+                                    </m:ctrlPr>
+                                  </m:sSubPr>
+                                  <m:e>
+                                    <m:r>
+                                      <a:rPr lang="tr-TR" b="0" i="1" smtClean="0">
+                                        <a:latin typeface="Cambria Math" panose="02040503050406030204" pitchFamily="18" charset="0"/>
+                                      </a:rPr>
+                                      <m:t>𝐼</m:t>
+                                    </m:r>
+                                  </m:e>
+                                  <m:sub>
+                                    <m:r>
+                                      <a:rPr lang="tr-TR" b="0" i="1" smtClean="0">
+                                        <a:latin typeface="Cambria Math" panose="02040503050406030204" pitchFamily="18" charset="0"/>
+                                      </a:rPr>
+                                      <m:t>𝑠</m:t>
+                                    </m:r>
+                                    <m:r>
+                                      <a:rPr lang="tr-TR" b="0" i="1" smtClean="0">
+                                        <a:latin typeface="Cambria Math" panose="02040503050406030204" pitchFamily="18" charset="0"/>
+                                      </a:rPr>
+                                      <m:t>2</m:t>
+                                    </m:r>
+                                  </m:sub>
+                                </m:sSub>
+                              </m:oMath>
+                            </m:oMathPara>
+                          </a14:m>
+                          <a:endParaRPr lang="en-US" dirty="0"/>
+                        </a:p>
+                      </a:txBody>
+                      <a:tcPr>
+                        <a:lnL w="12700" cmpd="sng">
+                          <a:solidFill>
+                            <a:schemeClr val="tx1"/>
+                          </a:solidFill>
+                          <a:prstDash val="solid"/>
+                        </a:lnL>
+                        <a:lnR w="12700" cap="flat" cmpd="sng" algn="ctr">
+                          <a:solidFill>
+                            <a:schemeClr val="tx1"/>
+                          </a:solidFill>
+                          <a:prstDash val="solid"/>
+                          <a:round/>
+                          <a:headEnd type="none" w="med" len="med"/>
+                          <a:tailEnd type="none" w="med" len="med"/>
+                        </a:lnR>
+                        <a:lnT w="12700" cap="flat" cmpd="sng" algn="ctr">
+                          <a:solidFill>
+                            <a:schemeClr val="tx1"/>
+                          </a:solidFill>
+                          <a:prstDash val="solid"/>
+                          <a:round/>
+                          <a:headEnd type="none" w="med" len="med"/>
+                          <a:tailEnd type="none" w="med" len="med"/>
+                        </a:lnT>
+                        <a:lnB w="12700" cmpd="sng">
+                          <a:solidFill>
+                            <a:schemeClr val="tx1"/>
+                          </a:solidFill>
+                          <a:prstDash val="solid"/>
+                        </a:lnB>
+                      </a:tcPr>
+                    </a:tc>
+                    <a:tc>
+                      <a:txBody>
+                        <a:bodyPr/>
+                        <a:lstStyle/>
+                        <a:p>
+                          <a:r>
+                            <a:rPr lang="tr-TR" dirty="0"/>
+                            <a:t>4.3425A</a:t>
+                          </a:r>
+                          <a:endParaRPr lang="en-US" dirty="0"/>
+                        </a:p>
+                      </a:txBody>
+                      <a:tcPr>
+                        <a:lnL w="12700" cap="flat" cmpd="sng" algn="ctr">
+                          <a:solidFill>
+                            <a:schemeClr val="tx1"/>
+                          </a:solidFill>
+                          <a:prstDash val="solid"/>
+                          <a:round/>
+                          <a:headEnd type="none" w="med" len="med"/>
+                          <a:tailEnd type="none" w="med" len="med"/>
+                        </a:lnL>
+                        <a:lnR w="12700" cmpd="sng">
+                          <a:solidFill>
+                            <a:schemeClr val="tx1"/>
+                          </a:solidFill>
+                          <a:prstDash val="solid"/>
+                        </a:lnR>
+                        <a:lnT w="12700" cap="flat" cmpd="sng" algn="ctr">
+                          <a:solidFill>
+                            <a:schemeClr val="tx1"/>
+                          </a:solidFill>
+                          <a:prstDash val="solid"/>
+                          <a:round/>
+                          <a:headEnd type="none" w="med" len="med"/>
+                          <a:tailEnd type="none" w="med" len="med"/>
+                        </a:lnT>
+                        <a:lnB w="12700" cmpd="sng">
+                          <a:solidFill>
+                            <a:schemeClr val="tx1"/>
+                          </a:solidFill>
+                          <a:prstDash val="solid"/>
+                        </a:lnB>
+                      </a:tcPr>
+                    </a:tc>
+                    <a:extLst>
+                      <a:ext uri="{0D108BD9-81ED-4DB2-BD59-A6C34878D82A}">
+                        <a16:rowId xmlns:a16="http://schemas.microsoft.com/office/drawing/2014/main" val="1074135630"/>
+                      </a:ext>
+                    </a:extLst>
+                  </a:tr>
+                  <a:tr h="489397">
+                    <a:tc>
+                      <a:txBody>
+                        <a:bodyPr/>
+                        <a:lstStyle/>
+                        <a:p>
+                          <a14:m>
+                            <m:oMathPara xmlns:m="http://schemas.openxmlformats.org/officeDocument/2006/math">
+                              <m:oMathParaPr>
+                                <m:jc m:val="centerGroup"/>
+                              </m:oMathParaPr>
+                              <m:oMath xmlns:m="http://schemas.openxmlformats.org/officeDocument/2006/math">
+                                <m:sSub>
+                                  <m:sSubPr>
+                                    <m:ctrlPr>
+                                      <a:rPr lang="tr-TR" b="0" i="1" smtClean="0">
+                                        <a:latin typeface="Cambria Math" panose="02040503050406030204" pitchFamily="18" charset="0"/>
+                                      </a:rPr>
+                                    </m:ctrlPr>
+                                  </m:sSubPr>
+                                  <m:e>
+                                    <m:r>
+                                      <a:rPr lang="tr-TR" b="0" i="1" smtClean="0">
+                                        <a:latin typeface="Cambria Math" panose="02040503050406030204" pitchFamily="18" charset="0"/>
+                                      </a:rPr>
+                                      <m:t>𝐼</m:t>
+                                    </m:r>
+                                  </m:e>
+                                  <m:sub>
+                                    <m:r>
+                                      <a:rPr lang="tr-TR" b="0" i="1" smtClean="0">
+                                        <a:latin typeface="Cambria Math" panose="02040503050406030204" pitchFamily="18" charset="0"/>
+                                      </a:rPr>
+                                      <m:t>𝑠</m:t>
+                                    </m:r>
+                                    <m:r>
+                                      <a:rPr lang="tr-TR" b="0" i="1" smtClean="0">
+                                        <a:latin typeface="Cambria Math" panose="02040503050406030204" pitchFamily="18" charset="0"/>
+                                      </a:rPr>
+                                      <m:t>3</m:t>
+                                    </m:r>
+                                  </m:sub>
+                                </m:sSub>
+                              </m:oMath>
+                            </m:oMathPara>
+                          </a14:m>
+                          <a:endParaRPr lang="en-US" dirty="0"/>
+                        </a:p>
+                      </a:txBody>
+                      <a:tcPr>
+                        <a:lnL w="12700" cmpd="sng">
+                          <a:solidFill>
+                            <a:schemeClr val="tx1"/>
+                          </a:solidFill>
+                          <a:prstDash val="solid"/>
+                        </a:lnL>
+                        <a:lnR w="12700" cap="flat" cmpd="sng" algn="ctr">
+                          <a:solidFill>
+                            <a:schemeClr val="tx1"/>
+                          </a:solidFill>
+                          <a:prstDash val="solid"/>
+                          <a:round/>
+                          <a:headEnd type="none" w="med" len="med"/>
+                          <a:tailEnd type="none" w="med" len="med"/>
+                        </a:lnR>
+                        <a:lnT w="12700" cap="flat" cmpd="sng" algn="ctr">
+                          <a:solidFill>
+                            <a:schemeClr val="tx1"/>
+                          </a:solidFill>
+                          <a:prstDash val="solid"/>
+                          <a:round/>
+                          <a:headEnd type="none" w="med" len="med"/>
+                          <a:tailEnd type="none" w="med" len="med"/>
+                        </a:lnT>
+                        <a:lnB w="12700" cmpd="sng">
+                          <a:solidFill>
+                            <a:schemeClr val="tx1"/>
+                          </a:solidFill>
+                          <a:prstDash val="solid"/>
+                        </a:lnB>
+                      </a:tcPr>
+                    </a:tc>
+                    <a:tc>
+                      <a:txBody>
+                        <a:bodyPr/>
+                        <a:lstStyle/>
+                        <a:p>
+                          <a:r>
+                            <a:rPr lang="tr-TR" dirty="0"/>
+                            <a:t>4.6848A</a:t>
+                          </a:r>
+                          <a:endParaRPr lang="en-US" dirty="0"/>
+                        </a:p>
+                      </a:txBody>
+                      <a:tcPr>
+                        <a:lnL w="12700" cap="flat" cmpd="sng" algn="ctr">
+                          <a:solidFill>
+                            <a:schemeClr val="tx1"/>
+                          </a:solidFill>
+                          <a:prstDash val="solid"/>
+                          <a:round/>
+                          <a:headEnd type="none" w="med" len="med"/>
+                          <a:tailEnd type="none" w="med" len="med"/>
+                        </a:lnL>
+                        <a:lnR w="12700" cmpd="sng">
+                          <a:solidFill>
+                            <a:schemeClr val="tx1"/>
+                          </a:solidFill>
+                          <a:prstDash val="solid"/>
+                        </a:lnR>
+                        <a:lnT w="12700" cap="flat" cmpd="sng" algn="ctr">
+                          <a:solidFill>
+                            <a:schemeClr val="tx1"/>
+                          </a:solidFill>
+                          <a:prstDash val="solid"/>
+                          <a:round/>
+                          <a:headEnd type="none" w="med" len="med"/>
+                          <a:tailEnd type="none" w="med" len="med"/>
+                        </a:lnT>
+                        <a:lnB w="12700" cmpd="sng">
+                          <a:solidFill>
+                            <a:schemeClr val="tx1"/>
+                          </a:solidFill>
+                          <a:prstDash val="solid"/>
+                        </a:lnB>
+                      </a:tcPr>
+                    </a:tc>
+                    <a:extLst>
+                      <a:ext uri="{0D108BD9-81ED-4DB2-BD59-A6C34878D82A}">
+                        <a16:rowId xmlns:a16="http://schemas.microsoft.com/office/drawing/2014/main" val="156613636"/>
+                      </a:ext>
+                    </a:extLst>
+                  </a:tr>
+                  <a:tr h="0">
+                    <a:tc>
+                      <a:txBody>
+                        <a:bodyPr/>
+                        <a:lstStyle/>
+                        <a:p>
+                          <a14:m>
+                            <m:oMathPara xmlns:m="http://schemas.openxmlformats.org/officeDocument/2006/math">
+                              <m:oMathParaPr>
+                                <m:jc m:val="centerGroup"/>
+                              </m:oMathParaPr>
+                              <m:oMath xmlns:m="http://schemas.openxmlformats.org/officeDocument/2006/math">
+                                <m:sSub>
+                                  <m:sSubPr>
+                                    <m:ctrlPr>
+                                      <a:rPr lang="tr-TR" b="0" i="1" smtClean="0">
+                                        <a:latin typeface="Cambria Math" panose="02040503050406030204" pitchFamily="18" charset="0"/>
+                                      </a:rPr>
+                                    </m:ctrlPr>
+                                  </m:sSubPr>
+                                  <m:e>
+                                    <m:r>
+                                      <a:rPr lang="tr-TR" b="0" i="1" smtClean="0">
+                                        <a:latin typeface="Cambria Math" panose="02040503050406030204" pitchFamily="18" charset="0"/>
+                                      </a:rPr>
+                                      <m:t>𝐼</m:t>
+                                    </m:r>
+                                  </m:e>
+                                  <m:sub>
+                                    <m:r>
+                                      <a:rPr lang="tr-TR" b="0" i="1" smtClean="0">
+                                        <a:latin typeface="Cambria Math" panose="02040503050406030204" pitchFamily="18" charset="0"/>
+                                      </a:rPr>
+                                      <m:t>𝑠</m:t>
+                                    </m:r>
+                                    <m:r>
+                                      <a:rPr lang="tr-TR" b="0" i="1" smtClean="0">
+                                        <a:latin typeface="Cambria Math" panose="02040503050406030204" pitchFamily="18" charset="0"/>
+                                      </a:rPr>
+                                      <m:t>4</m:t>
+                                    </m:r>
+                                  </m:sub>
+                                </m:sSub>
+                              </m:oMath>
+                            </m:oMathPara>
+                          </a14:m>
+                          <a:endParaRPr lang="en-US" dirty="0"/>
+                        </a:p>
+                      </a:txBody>
+                      <a:tcPr>
+                        <a:lnL w="12700" cmpd="sng">
+                          <a:solidFill>
+                            <a:schemeClr val="tx1"/>
+                          </a:solidFill>
+                          <a:prstDash val="solid"/>
+                        </a:lnL>
+                        <a:lnR w="12700" cap="flat" cmpd="sng" algn="ctr">
+                          <a:solidFill>
+                            <a:schemeClr val="tx1"/>
+                          </a:solidFill>
+                          <a:prstDash val="solid"/>
+                          <a:round/>
+                          <a:headEnd type="none" w="med" len="med"/>
+                          <a:tailEnd type="none" w="med" len="med"/>
+                        </a:lnR>
+                        <a:lnT w="12700" cap="flat" cmpd="sng" algn="ctr">
+                          <a:solidFill>
+                            <a:schemeClr val="tx1"/>
+                          </a:solidFill>
+                          <a:prstDash val="solid"/>
+                          <a:round/>
+                          <a:headEnd type="none" w="med" len="med"/>
+                          <a:tailEnd type="none" w="med" len="med"/>
+                        </a:lnT>
+                        <a:lnB w="12700" cap="flat" cmpd="sng" algn="ctr">
+                          <a:solidFill>
+                            <a:schemeClr val="tx1"/>
+                          </a:solidFill>
+                          <a:prstDash val="solid"/>
+                          <a:round/>
+                          <a:headEnd type="none" w="med" len="med"/>
+                          <a:tailEnd type="none" w="med" len="med"/>
+                        </a:lnB>
+                      </a:tcPr>
+                    </a:tc>
+                    <a:tc>
+                      <a:txBody>
+                        <a:bodyPr/>
+                        <a:lstStyle/>
+                        <a:p>
+                          <a:r>
+                            <a:rPr lang="tr-TR" dirty="0"/>
+                            <a:t>1.7251A</a:t>
+                          </a:r>
+                          <a:endParaRPr lang="en-US" dirty="0"/>
+                        </a:p>
+                      </a:txBody>
+                      <a:tcPr>
+                        <a:lnL w="12700" cmpd="sng">
+                          <a:solidFill>
+                            <a:schemeClr val="tx1"/>
+                          </a:solidFill>
+                          <a:prstDash val="solid"/>
+                        </a:lnL>
+                        <a:lnR w="12700" cmpd="sng">
+                          <a:solidFill>
+                            <a:schemeClr val="tx1"/>
+                          </a:solidFill>
+                          <a:prstDash val="solid"/>
+                        </a:lnR>
+                        <a:lnT w="12700" cap="flat" cmpd="sng" algn="ctr">
+                          <a:solidFill>
+                            <a:schemeClr val="tx1"/>
+                          </a:solidFill>
+                          <a:prstDash val="solid"/>
+                          <a:round/>
+                          <a:headEnd type="none" w="med" len="med"/>
+                          <a:tailEnd type="none" w="med" len="med"/>
+                        </a:lnT>
+                        <a:lnB w="12700" cap="flat" cmpd="sng" algn="ctr">
+                          <a:solidFill>
+                            <a:schemeClr val="tx1"/>
+                          </a:solidFill>
+                          <a:prstDash val="solid"/>
+                          <a:round/>
+                          <a:headEnd type="none" w="med" len="med"/>
+                          <a:tailEnd type="none" w="med" len="med"/>
+                        </a:lnB>
+                      </a:tcPr>
+                    </a:tc>
+                    <a:extLst>
+                      <a:ext uri="{0D108BD9-81ED-4DB2-BD59-A6C34878D82A}">
+                        <a16:rowId xmlns:a16="http://schemas.microsoft.com/office/drawing/2014/main" val="740634367"/>
+                      </a:ext>
+                    </a:extLst>
+                  </a:tr>
+                  <a:tr h="489397">
+                    <a:tc>
+                      <a:txBody>
+                        <a:bodyPr/>
+                        <a:lstStyle/>
+                        <a:p>
+                          <a14:m>
+                            <m:oMathPara xmlns:m="http://schemas.openxmlformats.org/officeDocument/2006/math">
+                              <m:oMathParaPr>
+                                <m:jc m:val="centerGroup"/>
+                              </m:oMathParaPr>
+                              <m:oMath xmlns:m="http://schemas.openxmlformats.org/officeDocument/2006/math">
+                                <m:sSub>
+                                  <m:sSubPr>
+                                    <m:ctrlPr>
+                                      <a:rPr lang="tr-TR" b="0" i="1" smtClean="0">
+                                        <a:latin typeface="Cambria Math" panose="02040503050406030204" pitchFamily="18" charset="0"/>
+                                      </a:rPr>
+                                    </m:ctrlPr>
+                                  </m:sSubPr>
+                                  <m:e>
+                                    <m:r>
+                                      <a:rPr lang="tr-TR" b="0" i="1" smtClean="0">
+                                        <a:latin typeface="Cambria Math" panose="02040503050406030204" pitchFamily="18" charset="0"/>
+                                      </a:rPr>
+                                      <m:t>𝑉</m:t>
+                                    </m:r>
+                                  </m:e>
+                                  <m:sub>
+                                    <m:r>
+                                      <a:rPr lang="tr-TR" b="0" i="1" smtClean="0">
+                                        <a:latin typeface="Cambria Math" panose="02040503050406030204" pitchFamily="18" charset="0"/>
+                                      </a:rPr>
+                                      <m:t>𝑜𝑢𝑡</m:t>
+                                    </m:r>
+                                  </m:sub>
+                                </m:sSub>
+                              </m:oMath>
+                            </m:oMathPara>
+                          </a14:m>
+                          <a:endParaRPr lang="en-US" dirty="0"/>
+                        </a:p>
+                      </a:txBody>
+                      <a:tcPr>
+                        <a:lnL w="12700" cmpd="sng">
+                          <a:solidFill>
+                            <a:schemeClr val="tx1"/>
+                          </a:solidFill>
+                          <a:prstDash val="solid"/>
+                        </a:lnL>
+                        <a:lnR w="12700" cap="flat" cmpd="sng" algn="ctr">
+                          <a:solidFill>
+                            <a:schemeClr val="tx1"/>
+                          </a:solidFill>
+                          <a:prstDash val="solid"/>
+                          <a:round/>
+                          <a:headEnd type="none" w="med" len="med"/>
+                          <a:tailEnd type="none" w="med" len="med"/>
+                        </a:lnR>
+                        <a:lnT w="12700" cap="flat" cmpd="sng" algn="ctr">
+                          <a:solidFill>
+                            <a:schemeClr val="tx1"/>
+                          </a:solidFill>
+                          <a:prstDash val="solid"/>
+                          <a:round/>
+                          <a:headEnd type="none" w="med" len="med"/>
+                          <a:tailEnd type="none" w="med" len="med"/>
+                        </a:lnT>
+                        <a:lnB w="12700" cmpd="sng">
+                          <a:solidFill>
+                            <a:schemeClr val="tx1"/>
+                          </a:solidFill>
+                          <a:prstDash val="solid"/>
+                        </a:lnB>
+                      </a:tcPr>
+                    </a:tc>
+                    <a:tc>
+                      <a:txBody>
+                        <a:bodyPr/>
+                        <a:lstStyle/>
+                        <a:p>
+                          <a:r>
+                            <a:rPr lang="tr-TR" dirty="0"/>
+                            <a:t>113.39V</a:t>
+                          </a:r>
+                          <a:endParaRPr lang="en-US" dirty="0"/>
+                        </a:p>
+                      </a:txBody>
+                      <a:tcPr>
+                        <a:lnL w="12700" cap="flat" cmpd="sng" algn="ctr">
+                          <a:solidFill>
+                            <a:schemeClr val="tx1"/>
+                          </a:solidFill>
+                          <a:prstDash val="solid"/>
+                          <a:round/>
+                          <a:headEnd type="none" w="med" len="med"/>
+                          <a:tailEnd type="none" w="med" len="med"/>
+                        </a:lnL>
+                        <a:lnR w="12700" cmpd="sng">
+                          <a:solidFill>
+                            <a:schemeClr val="tx1"/>
+                          </a:solidFill>
+                          <a:prstDash val="solid"/>
+                        </a:lnR>
+                        <a:lnT w="12700" cap="flat" cmpd="sng" algn="ctr">
+                          <a:solidFill>
+                            <a:schemeClr val="tx1"/>
+                          </a:solidFill>
+                          <a:prstDash val="solid"/>
+                          <a:round/>
+                          <a:headEnd type="none" w="med" len="med"/>
+                          <a:tailEnd type="none" w="med" len="med"/>
+                        </a:lnT>
+                        <a:lnB w="12700" cmpd="sng">
+                          <a:solidFill>
+                            <a:schemeClr val="tx1"/>
+                          </a:solidFill>
+                          <a:prstDash val="solid"/>
+                        </a:lnB>
+                      </a:tcPr>
+                    </a:tc>
+                    <a:extLst>
+                      <a:ext uri="{0D108BD9-81ED-4DB2-BD59-A6C34878D82A}">
+                        <a16:rowId xmlns:a16="http://schemas.microsoft.com/office/drawing/2014/main" val="3282647707"/>
+                      </a:ext>
+                    </a:extLst>
+                  </a:tr>
+                </a:tbl>
+              </a:graphicData>
+            </a:graphic>
+          </p:graphicFrame>
+        </mc:Choice>
+        <mc:Fallback>
+          <p:graphicFrame>
+            <p:nvGraphicFramePr>
+              <p:cNvPr id="7" name="Table 6">
+                <a:extLst>
+                  <a:ext uri="{FF2B5EF4-FFF2-40B4-BE49-F238E27FC236}">
+                    <a16:creationId xmlns:a16="http://schemas.microsoft.com/office/drawing/2014/main" id="{1883B8BB-3C7D-4EC2-B55A-307661E3A121}"/>
+                  </a:ext>
+                </a:extLst>
+              </p:cNvPr>
+              <p:cNvGraphicFramePr>
+                <a:graphicFrameLocks noGrp="1"/>
+              </p:cNvGraphicFramePr>
+              <p:nvPr>
+                <p:extLst>
+                  <p:ext uri="{D42A27DB-BD31-4B8C-83A1-F6EECF244321}">
+                    <p14:modId xmlns:p14="http://schemas.microsoft.com/office/powerpoint/2010/main" val="2978656531"/>
+                  </p:ext>
+                </p:extLst>
+              </p:nvPr>
+            </p:nvGraphicFramePr>
+            <p:xfrm>
+              <a:off x="4200660" y="2904187"/>
+              <a:ext cx="3631842" cy="3791539"/>
+            </p:xfrm>
+            <a:graphic>
+              <a:graphicData uri="http://schemas.openxmlformats.org/drawingml/2006/table">
+                <a:tbl>
+                  <a:tblPr/>
+                  <a:tblGrid>
+                    <a:gridCol w="1815921">
+                      <a:extLst>
+                        <a:ext uri="{9D8B030D-6E8A-4147-A177-3AD203B41FA5}">
+                          <a16:colId xmlns:a16="http://schemas.microsoft.com/office/drawing/2014/main" val="1553897858"/>
+                        </a:ext>
+                      </a:extLst>
+                    </a:gridCol>
+                    <a:gridCol w="1815921">
+                      <a:extLst>
+                        <a:ext uri="{9D8B030D-6E8A-4147-A177-3AD203B41FA5}">
+                          <a16:colId xmlns:a16="http://schemas.microsoft.com/office/drawing/2014/main" val="1273914735"/>
+                        </a:ext>
+                      </a:extLst>
+                    </a:gridCol>
+                  </a:tblGrid>
+                  <a:tr h="489397">
+                    <a:tc gridSpan="2">
+                      <a:txBody>
+                        <a:bodyPr/>
+                        <a:lstStyle/>
+                        <a:p>
+                          <a:r>
+                            <a:rPr lang="tr-TR" dirty="0" err="1"/>
+                            <a:t>Primer</a:t>
+                          </a:r>
+                          <a:r>
+                            <a:rPr lang="tr-TR" dirty="0"/>
+                            <a:t>  </a:t>
+                          </a:r>
+                          <a:r>
+                            <a:rPr lang="tr-TR" dirty="0" err="1"/>
+                            <a:t>Resonance</a:t>
+                          </a:r>
+                          <a:r>
+                            <a:rPr lang="tr-TR" dirty="0"/>
+                            <a:t>(150kHz)</a:t>
+                          </a:r>
+                        </a:p>
+                      </a:txBody>
+                      <a:tcPr>
+                        <a:lnL w="12700" cmpd="sng">
+                          <a:solidFill>
+                            <a:schemeClr val="tx1"/>
+                          </a:solidFill>
+                          <a:prstDash val="solid"/>
+                        </a:lnL>
+                        <a:lnR w="12700" cap="flat" cmpd="sng" algn="ctr">
+                          <a:solidFill>
+                            <a:schemeClr val="tx1"/>
+                          </a:solidFill>
+                          <a:prstDash val="solid"/>
+                          <a:round/>
+                          <a:headEnd type="none" w="med" len="med"/>
+                          <a:tailEnd type="none" w="med" len="med"/>
+                        </a:lnR>
+                        <a:lnT w="12700" cmpd="sng">
+                          <a:solidFill>
+                            <a:schemeClr val="tx1"/>
+                          </a:solidFill>
+                          <a:prstDash val="solid"/>
+                        </a:lnT>
+                        <a:lnB w="12700" cap="flat" cmpd="sng" algn="ctr">
+                          <a:solidFill>
+                            <a:schemeClr val="tx1"/>
+                          </a:solidFill>
+                          <a:prstDash val="solid"/>
+                          <a:round/>
+                          <a:headEnd type="none" w="med" len="med"/>
+                          <a:tailEnd type="none" w="med" len="med"/>
+                        </a:lnB>
+                      </a:tcPr>
+                    </a:tc>
+                    <a:tc hMerge="1">
+                      <a:txBody>
+                        <a:bodyPr/>
+                        <a:lstStyle/>
+                        <a:p>
+                          <a:endParaRPr lang="en-US" dirty="0"/>
+                        </a:p>
+                      </a:txBody>
+                      <a:tcPr>
+                        <a:lnL w="12700" cap="flat" cmpd="sng" algn="ctr">
+                          <a:solidFill>
+                            <a:schemeClr val="tx1"/>
+                          </a:solidFill>
+                          <a:prstDash val="solid"/>
+                          <a:round/>
+                          <a:headEnd type="none" w="med" len="med"/>
+                          <a:tailEnd type="none" w="med" len="med"/>
+                        </a:lnL>
+                        <a:lnR w="12700" cmpd="sng">
+                          <a:solidFill>
+                            <a:schemeClr val="tx1"/>
+                          </a:solidFill>
+                          <a:prstDash val="solid"/>
+                        </a:lnR>
+                        <a:lnT w="12700" cmpd="sng">
+                          <a:solidFill>
+                            <a:schemeClr val="tx1"/>
+                          </a:solidFill>
+                          <a:prstDash val="solid"/>
+                        </a:lnT>
+                        <a:lnB w="12700" cmpd="sng">
+                          <a:solidFill>
+                            <a:schemeClr val="tx1"/>
+                          </a:solidFill>
+                          <a:prstDash val="solid"/>
+                        </a:lnB>
+                      </a:tcPr>
+                    </a:tc>
+                    <a:extLst>
+                      <a:ext uri="{0D108BD9-81ED-4DB2-BD59-A6C34878D82A}">
+                        <a16:rowId xmlns:a16="http://schemas.microsoft.com/office/drawing/2014/main" val="54932692"/>
+                      </a:ext>
+                    </a:extLst>
+                  </a:tr>
+                  <a:tr h="489397">
+                    <a:tc gridSpan="2">
+                      <a:txBody>
+                        <a:bodyPr/>
+                        <a:lstStyle/>
+                        <a:p>
+                          <a:r>
+                            <a:rPr lang="tr-TR" dirty="0" err="1"/>
+                            <a:t>Seconder</a:t>
+                          </a:r>
+                          <a:r>
+                            <a:rPr lang="tr-TR" dirty="0"/>
+                            <a:t> </a:t>
+                          </a:r>
+                          <a:r>
+                            <a:rPr lang="tr-TR" dirty="0" err="1"/>
+                            <a:t>Resonance</a:t>
+                          </a:r>
+                          <a:r>
+                            <a:rPr lang="tr-TR" dirty="0"/>
+                            <a:t>(150kHz)</a:t>
+                          </a:r>
+                        </a:p>
+                      </a:txBody>
+                      <a:tcPr>
+                        <a:lnL w="12700" cmpd="sng">
+                          <a:solidFill>
+                            <a:schemeClr val="tx1"/>
+                          </a:solidFill>
+                          <a:prstDash val="solid"/>
+                        </a:lnL>
+                        <a:lnR w="12700" cap="flat" cmpd="sng" algn="ctr">
+                          <a:solidFill>
+                            <a:schemeClr val="tx1"/>
+                          </a:solidFill>
+                          <a:prstDash val="solid"/>
+                          <a:round/>
+                          <a:headEnd type="none" w="med" len="med"/>
+                          <a:tailEnd type="none" w="med" len="med"/>
+                        </a:lnR>
+                        <a:lnT w="12700" cap="flat" cmpd="sng" algn="ctr">
+                          <a:solidFill>
+                            <a:schemeClr val="tx1"/>
+                          </a:solidFill>
+                          <a:prstDash val="solid"/>
+                          <a:round/>
+                          <a:headEnd type="none" w="med" len="med"/>
+                          <a:tailEnd type="none" w="med" len="med"/>
+                        </a:lnT>
+                        <a:lnB w="12700" cap="flat" cmpd="sng" algn="ctr">
+                          <a:solidFill>
+                            <a:schemeClr val="tx1"/>
+                          </a:solidFill>
+                          <a:prstDash val="solid"/>
+                          <a:round/>
+                          <a:headEnd type="none" w="med" len="med"/>
+                          <a:tailEnd type="none" w="med" len="med"/>
+                        </a:lnB>
+                      </a:tcPr>
+                    </a:tc>
+                    <a:tc hMerge="1">
+                      <a:txBody>
+                        <a:bodyPr/>
+                        <a:lstStyle/>
+                        <a:p>
+                          <a:endParaRPr lang="en-US"/>
+                        </a:p>
+                      </a:txBody>
+                      <a:tcPr/>
+                    </a:tc>
+                    <a:extLst>
+                      <a:ext uri="{0D108BD9-81ED-4DB2-BD59-A6C34878D82A}">
+                        <a16:rowId xmlns:a16="http://schemas.microsoft.com/office/drawing/2014/main" val="605678987"/>
+                      </a:ext>
+                    </a:extLst>
+                  </a:tr>
+                  <a:tr h="489397">
+                    <a:tc gridSpan="2">
+                      <a:txBody>
+                        <a:bodyPr/>
+                        <a:lstStyle/>
+                        <a:p>
+                          <a:r>
+                            <a:rPr lang="tr-TR" dirty="0" err="1"/>
+                            <a:t>Operation</a:t>
+                          </a:r>
+                          <a:r>
+                            <a:rPr lang="tr-TR" dirty="0"/>
+                            <a:t> </a:t>
+                          </a:r>
+                          <a:r>
+                            <a:rPr lang="tr-TR" dirty="0" err="1"/>
+                            <a:t>Frequency</a:t>
+                          </a:r>
+                          <a:r>
+                            <a:rPr lang="tr-TR" dirty="0"/>
+                            <a:t> (150 kHz)</a:t>
+                          </a:r>
+                        </a:p>
+                      </a:txBody>
+                      <a:tcPr>
+                        <a:lnL w="12700" cmpd="sng">
+                          <a:solidFill>
+                            <a:schemeClr val="tx1"/>
+                          </a:solidFill>
+                          <a:prstDash val="solid"/>
+                        </a:lnL>
+                        <a:lnR w="12700" cap="flat" cmpd="sng" algn="ctr">
+                          <a:solidFill>
+                            <a:schemeClr val="tx1"/>
+                          </a:solidFill>
+                          <a:prstDash val="solid"/>
+                          <a:round/>
+                          <a:headEnd type="none" w="med" len="med"/>
+                          <a:tailEnd type="none" w="med" len="med"/>
+                        </a:lnR>
+                        <a:lnT w="12700" cap="flat" cmpd="sng" algn="ctr">
+                          <a:solidFill>
+                            <a:schemeClr val="tx1"/>
+                          </a:solidFill>
+                          <a:prstDash val="solid"/>
+                          <a:round/>
+                          <a:headEnd type="none" w="med" len="med"/>
+                          <a:tailEnd type="none" w="med" len="med"/>
+                        </a:lnT>
+                        <a:lnB w="12700" cap="flat" cmpd="sng" algn="ctr">
+                          <a:solidFill>
+                            <a:schemeClr val="tx1"/>
+                          </a:solidFill>
+                          <a:prstDash val="solid"/>
+                          <a:round/>
+                          <a:headEnd type="none" w="med" len="med"/>
+                          <a:tailEnd type="none" w="med" len="med"/>
+                        </a:lnB>
+                      </a:tcPr>
+                    </a:tc>
+                    <a:tc hMerge="1">
+                      <a:txBody>
+                        <a:bodyPr/>
+                        <a:lstStyle/>
+                        <a:p>
+                          <a:endParaRPr lang="en-US"/>
+                        </a:p>
+                      </a:txBody>
+                      <a:tcPr/>
+                    </a:tc>
+                    <a:extLst>
+                      <a:ext uri="{0D108BD9-81ED-4DB2-BD59-A6C34878D82A}">
+                        <a16:rowId xmlns:a16="http://schemas.microsoft.com/office/drawing/2014/main" val="1941288384"/>
+                      </a:ext>
+                    </a:extLst>
+                  </a:tr>
+                  <a:tr h="489397">
+                    <a:tc>
+                      <a:txBody>
+                        <a:bodyPr/>
+                        <a:lstStyle/>
+                        <a:p>
+                          <a:endParaRPr lang="en-US"/>
+                        </a:p>
+                      </a:txBody>
+                      <a:tcPr>
+                        <a:lnL w="12700" cmpd="sng">
+                          <a:solidFill>
+                            <a:schemeClr val="tx1"/>
+                          </a:solidFill>
+                          <a:prstDash val="solid"/>
+                        </a:lnL>
+                        <a:lnR w="12700" cap="flat" cmpd="sng" algn="ctr">
+                          <a:solidFill>
+                            <a:schemeClr val="tx1"/>
+                          </a:solidFill>
+                          <a:prstDash val="solid"/>
+                          <a:round/>
+                          <a:headEnd type="none" w="med" len="med"/>
+                          <a:tailEnd type="none" w="med" len="med"/>
+                        </a:lnR>
+                        <a:lnT w="12700" cap="flat" cmpd="sng" algn="ctr">
+                          <a:solidFill>
+                            <a:schemeClr val="tx1"/>
+                          </a:solidFill>
+                          <a:prstDash val="solid"/>
+                          <a:round/>
+                          <a:headEnd type="none" w="med" len="med"/>
+                          <a:tailEnd type="none" w="med" len="med"/>
+                        </a:lnT>
+                        <a:lnB w="12700" cmpd="sng">
+                          <a:solidFill>
+                            <a:schemeClr val="tx1"/>
+                          </a:solidFill>
+                          <a:prstDash val="solid"/>
+                        </a:lnB>
+                        <a:blipFill>
+                          <a:blip r:embed="rId2"/>
+                          <a:stretch>
+                            <a:fillRect l="-336" t="-303704" r="-100671" b="-374074"/>
+                          </a:stretch>
+                        </a:blipFill>
+                      </a:tcPr>
+                    </a:tc>
+                    <a:tc>
+                      <a:txBody>
+                        <a:bodyPr/>
+                        <a:lstStyle/>
+                        <a:p>
+                          <a:r>
+                            <a:rPr lang="tr-TR" dirty="0"/>
+                            <a:t>2.3385A</a:t>
+                          </a:r>
+                          <a:endParaRPr lang="en-US" dirty="0"/>
+                        </a:p>
+                      </a:txBody>
+                      <a:tcPr>
+                        <a:lnL w="12700" cap="flat" cmpd="sng" algn="ctr">
+                          <a:solidFill>
+                            <a:schemeClr val="tx1"/>
+                          </a:solidFill>
+                          <a:prstDash val="solid"/>
+                          <a:round/>
+                          <a:headEnd type="none" w="med" len="med"/>
+                          <a:tailEnd type="none" w="med" len="med"/>
+                        </a:lnL>
+                        <a:lnR w="12700" cmpd="sng">
+                          <a:solidFill>
+                            <a:schemeClr val="tx1"/>
+                          </a:solidFill>
+                          <a:prstDash val="solid"/>
+                        </a:lnR>
+                        <a:lnT w="12700" cap="flat" cmpd="sng" algn="ctr">
+                          <a:solidFill>
+                            <a:schemeClr val="tx1"/>
+                          </a:solidFill>
+                          <a:prstDash val="solid"/>
+                          <a:round/>
+                          <a:headEnd type="none" w="med" len="med"/>
+                          <a:tailEnd type="none" w="med" len="med"/>
+                        </a:lnT>
+                        <a:lnB w="12700" cmpd="sng">
+                          <a:solidFill>
+                            <a:schemeClr val="tx1"/>
+                          </a:solidFill>
+                          <a:prstDash val="solid"/>
+                        </a:lnB>
+                      </a:tcPr>
+                    </a:tc>
+                    <a:extLst>
+                      <a:ext uri="{0D108BD9-81ED-4DB2-BD59-A6C34878D82A}">
+                        <a16:rowId xmlns:a16="http://schemas.microsoft.com/office/drawing/2014/main" val="1060367622"/>
+                      </a:ext>
+                    </a:extLst>
+                  </a:tr>
+                  <a:tr h="489397">
+                    <a:tc>
+                      <a:txBody>
+                        <a:bodyPr/>
+                        <a:lstStyle/>
+                        <a:p>
+                          <a:endParaRPr lang="en-US"/>
+                        </a:p>
+                      </a:txBody>
+                      <a:tcPr>
+                        <a:lnL w="12700" cmpd="sng">
+                          <a:solidFill>
+                            <a:schemeClr val="tx1"/>
+                          </a:solidFill>
+                          <a:prstDash val="solid"/>
+                        </a:lnL>
+                        <a:lnR w="12700" cap="flat" cmpd="sng" algn="ctr">
+                          <a:solidFill>
+                            <a:schemeClr val="tx1"/>
+                          </a:solidFill>
+                          <a:prstDash val="solid"/>
+                          <a:round/>
+                          <a:headEnd type="none" w="med" len="med"/>
+                          <a:tailEnd type="none" w="med" len="med"/>
+                        </a:lnR>
+                        <a:lnT w="12700" cap="flat" cmpd="sng" algn="ctr">
+                          <a:solidFill>
+                            <a:schemeClr val="tx1"/>
+                          </a:solidFill>
+                          <a:prstDash val="solid"/>
+                          <a:round/>
+                          <a:headEnd type="none" w="med" len="med"/>
+                          <a:tailEnd type="none" w="med" len="med"/>
+                        </a:lnT>
+                        <a:lnB w="12700" cmpd="sng">
+                          <a:solidFill>
+                            <a:schemeClr val="tx1"/>
+                          </a:solidFill>
+                          <a:prstDash val="solid"/>
+                        </a:lnB>
+                        <a:blipFill>
+                          <a:blip r:embed="rId2"/>
+                          <a:stretch>
+                            <a:fillRect l="-336" t="-408750" r="-100671" b="-278750"/>
+                          </a:stretch>
+                        </a:blipFill>
+                      </a:tcPr>
+                    </a:tc>
+                    <a:tc>
+                      <a:txBody>
+                        <a:bodyPr/>
+                        <a:lstStyle/>
+                        <a:p>
+                          <a:r>
+                            <a:rPr lang="tr-TR" dirty="0"/>
+                            <a:t>4.3425A</a:t>
+                          </a:r>
+                          <a:endParaRPr lang="en-US" dirty="0"/>
+                        </a:p>
+                      </a:txBody>
+                      <a:tcPr>
+                        <a:lnL w="12700" cap="flat" cmpd="sng" algn="ctr">
+                          <a:solidFill>
+                            <a:schemeClr val="tx1"/>
+                          </a:solidFill>
+                          <a:prstDash val="solid"/>
+                          <a:round/>
+                          <a:headEnd type="none" w="med" len="med"/>
+                          <a:tailEnd type="none" w="med" len="med"/>
+                        </a:lnL>
+                        <a:lnR w="12700" cmpd="sng">
+                          <a:solidFill>
+                            <a:schemeClr val="tx1"/>
+                          </a:solidFill>
+                          <a:prstDash val="solid"/>
+                        </a:lnR>
+                        <a:lnT w="12700" cap="flat" cmpd="sng" algn="ctr">
+                          <a:solidFill>
+                            <a:schemeClr val="tx1"/>
+                          </a:solidFill>
+                          <a:prstDash val="solid"/>
+                          <a:round/>
+                          <a:headEnd type="none" w="med" len="med"/>
+                          <a:tailEnd type="none" w="med" len="med"/>
+                        </a:lnT>
+                        <a:lnB w="12700" cmpd="sng">
+                          <a:solidFill>
+                            <a:schemeClr val="tx1"/>
+                          </a:solidFill>
+                          <a:prstDash val="solid"/>
+                        </a:lnB>
+                      </a:tcPr>
+                    </a:tc>
+                    <a:extLst>
+                      <a:ext uri="{0D108BD9-81ED-4DB2-BD59-A6C34878D82A}">
+                        <a16:rowId xmlns:a16="http://schemas.microsoft.com/office/drawing/2014/main" val="1074135630"/>
+                      </a:ext>
+                    </a:extLst>
+                  </a:tr>
+                  <a:tr h="489397">
+                    <a:tc>
+                      <a:txBody>
+                        <a:bodyPr/>
+                        <a:lstStyle/>
+                        <a:p>
+                          <a:endParaRPr lang="en-US"/>
+                        </a:p>
+                      </a:txBody>
+                      <a:tcPr>
+                        <a:lnL w="12700" cmpd="sng">
+                          <a:solidFill>
+                            <a:schemeClr val="tx1"/>
+                          </a:solidFill>
+                          <a:prstDash val="solid"/>
+                        </a:lnL>
+                        <a:lnR w="12700" cap="flat" cmpd="sng" algn="ctr">
+                          <a:solidFill>
+                            <a:schemeClr val="tx1"/>
+                          </a:solidFill>
+                          <a:prstDash val="solid"/>
+                          <a:round/>
+                          <a:headEnd type="none" w="med" len="med"/>
+                          <a:tailEnd type="none" w="med" len="med"/>
+                        </a:lnR>
+                        <a:lnT w="12700" cap="flat" cmpd="sng" algn="ctr">
+                          <a:solidFill>
+                            <a:schemeClr val="tx1"/>
+                          </a:solidFill>
+                          <a:prstDash val="solid"/>
+                          <a:round/>
+                          <a:headEnd type="none" w="med" len="med"/>
+                          <a:tailEnd type="none" w="med" len="med"/>
+                        </a:lnT>
+                        <a:lnB w="12700" cmpd="sng">
+                          <a:solidFill>
+                            <a:schemeClr val="tx1"/>
+                          </a:solidFill>
+                          <a:prstDash val="solid"/>
+                        </a:lnB>
+                        <a:blipFill>
+                          <a:blip r:embed="rId2"/>
+                          <a:stretch>
+                            <a:fillRect l="-336" t="-508750" r="-100671" b="-178750"/>
+                          </a:stretch>
+                        </a:blipFill>
+                      </a:tcPr>
+                    </a:tc>
+                    <a:tc>
+                      <a:txBody>
+                        <a:bodyPr/>
+                        <a:lstStyle/>
+                        <a:p>
+                          <a:r>
+                            <a:rPr lang="tr-TR" dirty="0"/>
+                            <a:t>4.6848A</a:t>
+                          </a:r>
+                          <a:endParaRPr lang="en-US" dirty="0"/>
+                        </a:p>
+                      </a:txBody>
+                      <a:tcPr>
+                        <a:lnL w="12700" cap="flat" cmpd="sng" algn="ctr">
+                          <a:solidFill>
+                            <a:schemeClr val="tx1"/>
+                          </a:solidFill>
+                          <a:prstDash val="solid"/>
+                          <a:round/>
+                          <a:headEnd type="none" w="med" len="med"/>
+                          <a:tailEnd type="none" w="med" len="med"/>
+                        </a:lnL>
+                        <a:lnR w="12700" cmpd="sng">
+                          <a:solidFill>
+                            <a:schemeClr val="tx1"/>
+                          </a:solidFill>
+                          <a:prstDash val="solid"/>
+                        </a:lnR>
+                        <a:lnT w="12700" cap="flat" cmpd="sng" algn="ctr">
+                          <a:solidFill>
+                            <a:schemeClr val="tx1"/>
+                          </a:solidFill>
+                          <a:prstDash val="solid"/>
+                          <a:round/>
+                          <a:headEnd type="none" w="med" len="med"/>
+                          <a:tailEnd type="none" w="med" len="med"/>
+                        </a:lnT>
+                        <a:lnB w="12700" cmpd="sng">
+                          <a:solidFill>
+                            <a:schemeClr val="tx1"/>
+                          </a:solidFill>
+                          <a:prstDash val="solid"/>
+                        </a:lnB>
+                      </a:tcPr>
+                    </a:tc>
+                    <a:extLst>
+                      <a:ext uri="{0D108BD9-81ED-4DB2-BD59-A6C34878D82A}">
+                        <a16:rowId xmlns:a16="http://schemas.microsoft.com/office/drawing/2014/main" val="156613636"/>
+                      </a:ext>
+                    </a:extLst>
+                  </a:tr>
+                  <a:tr h="365760">
+                    <a:tc>
+                      <a:txBody>
+                        <a:bodyPr/>
+                        <a:lstStyle/>
+                        <a:p>
+                          <a:endParaRPr lang="en-US"/>
+                        </a:p>
+                      </a:txBody>
+                      <a:tcPr>
+                        <a:lnL w="12700" cmpd="sng">
+                          <a:solidFill>
+                            <a:schemeClr val="tx1"/>
+                          </a:solidFill>
+                          <a:prstDash val="solid"/>
+                        </a:lnL>
+                        <a:lnR w="12700" cap="flat" cmpd="sng" algn="ctr">
+                          <a:solidFill>
+                            <a:schemeClr val="tx1"/>
+                          </a:solidFill>
+                          <a:prstDash val="solid"/>
+                          <a:round/>
+                          <a:headEnd type="none" w="med" len="med"/>
+                          <a:tailEnd type="none" w="med" len="med"/>
+                        </a:lnR>
+                        <a:lnT w="12700" cap="flat" cmpd="sng" algn="ctr">
+                          <a:solidFill>
+                            <a:schemeClr val="tx1"/>
+                          </a:solidFill>
+                          <a:prstDash val="solid"/>
+                          <a:round/>
+                          <a:headEnd type="none" w="med" len="med"/>
+                          <a:tailEnd type="none" w="med" len="med"/>
+                        </a:lnT>
+                        <a:lnB w="12700" cap="flat" cmpd="sng" algn="ctr">
+                          <a:solidFill>
+                            <a:schemeClr val="tx1"/>
+                          </a:solidFill>
+                          <a:prstDash val="solid"/>
+                          <a:round/>
+                          <a:headEnd type="none" w="med" len="med"/>
+                          <a:tailEnd type="none" w="med" len="med"/>
+                        </a:lnB>
+                        <a:blipFill>
+                          <a:blip r:embed="rId2"/>
+                          <a:stretch>
+                            <a:fillRect l="-336" t="-798361" r="-100671" b="-134426"/>
+                          </a:stretch>
+                        </a:blipFill>
+                      </a:tcPr>
+                    </a:tc>
+                    <a:tc>
+                      <a:txBody>
+                        <a:bodyPr/>
+                        <a:lstStyle/>
+                        <a:p>
+                          <a:r>
+                            <a:rPr lang="tr-TR" dirty="0"/>
+                            <a:t>1.7251A</a:t>
+                          </a:r>
+                          <a:endParaRPr lang="en-US" dirty="0"/>
+                        </a:p>
+                      </a:txBody>
+                      <a:tcPr>
+                        <a:lnL w="12700" cmpd="sng">
+                          <a:solidFill>
+                            <a:schemeClr val="tx1"/>
+                          </a:solidFill>
+                          <a:prstDash val="solid"/>
+                        </a:lnL>
+                        <a:lnR w="12700" cmpd="sng">
+                          <a:solidFill>
+                            <a:schemeClr val="tx1"/>
+                          </a:solidFill>
+                          <a:prstDash val="solid"/>
+                        </a:lnR>
+                        <a:lnT w="12700" cap="flat" cmpd="sng" algn="ctr">
+                          <a:solidFill>
+                            <a:schemeClr val="tx1"/>
+                          </a:solidFill>
+                          <a:prstDash val="solid"/>
+                          <a:round/>
+                          <a:headEnd type="none" w="med" len="med"/>
+                          <a:tailEnd type="none" w="med" len="med"/>
+                        </a:lnT>
+                        <a:lnB w="12700" cap="flat" cmpd="sng" algn="ctr">
+                          <a:solidFill>
+                            <a:schemeClr val="tx1"/>
+                          </a:solidFill>
+                          <a:prstDash val="solid"/>
+                          <a:round/>
+                          <a:headEnd type="none" w="med" len="med"/>
+                          <a:tailEnd type="none" w="med" len="med"/>
+                        </a:lnB>
+                      </a:tcPr>
+                    </a:tc>
+                    <a:extLst>
+                      <a:ext uri="{0D108BD9-81ED-4DB2-BD59-A6C34878D82A}">
+                        <a16:rowId xmlns:a16="http://schemas.microsoft.com/office/drawing/2014/main" val="740634367"/>
+                      </a:ext>
+                    </a:extLst>
+                  </a:tr>
+                  <a:tr h="489397">
+                    <a:tc>
+                      <a:txBody>
+                        <a:bodyPr/>
+                        <a:lstStyle/>
+                        <a:p>
+                          <a:endParaRPr lang="en-US"/>
+                        </a:p>
+                      </a:txBody>
+                      <a:tcPr>
+                        <a:lnL w="12700" cmpd="sng">
+                          <a:solidFill>
+                            <a:schemeClr val="tx1"/>
+                          </a:solidFill>
+                          <a:prstDash val="solid"/>
+                        </a:lnL>
+                        <a:lnR w="12700" cap="flat" cmpd="sng" algn="ctr">
+                          <a:solidFill>
+                            <a:schemeClr val="tx1"/>
+                          </a:solidFill>
+                          <a:prstDash val="solid"/>
+                          <a:round/>
+                          <a:headEnd type="none" w="med" len="med"/>
+                          <a:tailEnd type="none" w="med" len="med"/>
+                        </a:lnR>
+                        <a:lnT w="12700" cap="flat" cmpd="sng" algn="ctr">
+                          <a:solidFill>
+                            <a:schemeClr val="tx1"/>
+                          </a:solidFill>
+                          <a:prstDash val="solid"/>
+                          <a:round/>
+                          <a:headEnd type="none" w="med" len="med"/>
+                          <a:tailEnd type="none" w="med" len="med"/>
+                        </a:lnT>
+                        <a:lnB w="12700" cmpd="sng">
+                          <a:solidFill>
+                            <a:schemeClr val="tx1"/>
+                          </a:solidFill>
+                          <a:prstDash val="solid"/>
+                        </a:lnB>
+                        <a:blipFill>
+                          <a:blip r:embed="rId2"/>
+                          <a:stretch>
+                            <a:fillRect l="-336" t="-685000" r="-100671" b="-2500"/>
+                          </a:stretch>
+                        </a:blipFill>
+                      </a:tcPr>
+                    </a:tc>
+                    <a:tc>
+                      <a:txBody>
+                        <a:bodyPr/>
+                        <a:lstStyle/>
+                        <a:p>
+                          <a:r>
+                            <a:rPr lang="tr-TR" dirty="0"/>
+                            <a:t>113.39V</a:t>
+                          </a:r>
+                          <a:endParaRPr lang="en-US" dirty="0"/>
+                        </a:p>
+                      </a:txBody>
+                      <a:tcPr>
+                        <a:lnL w="12700" cap="flat" cmpd="sng" algn="ctr">
+                          <a:solidFill>
+                            <a:schemeClr val="tx1"/>
+                          </a:solidFill>
+                          <a:prstDash val="solid"/>
+                          <a:round/>
+                          <a:headEnd type="none" w="med" len="med"/>
+                          <a:tailEnd type="none" w="med" len="med"/>
+                        </a:lnL>
+                        <a:lnR w="12700" cmpd="sng">
+                          <a:solidFill>
+                            <a:schemeClr val="tx1"/>
+                          </a:solidFill>
+                          <a:prstDash val="solid"/>
+                        </a:lnR>
+                        <a:lnT w="12700" cap="flat" cmpd="sng" algn="ctr">
+                          <a:solidFill>
+                            <a:schemeClr val="tx1"/>
+                          </a:solidFill>
+                          <a:prstDash val="solid"/>
+                          <a:round/>
+                          <a:headEnd type="none" w="med" len="med"/>
+                          <a:tailEnd type="none" w="med" len="med"/>
+                        </a:lnT>
+                        <a:lnB w="12700" cmpd="sng">
+                          <a:solidFill>
+                            <a:schemeClr val="tx1"/>
+                          </a:solidFill>
+                          <a:prstDash val="solid"/>
+                        </a:lnB>
+                      </a:tcPr>
+                    </a:tc>
+                    <a:extLst>
+                      <a:ext uri="{0D108BD9-81ED-4DB2-BD59-A6C34878D82A}">
+                        <a16:rowId xmlns:a16="http://schemas.microsoft.com/office/drawing/2014/main" val="3282647707"/>
+                      </a:ext>
+                    </a:extLst>
+                  </a:tr>
+                </a:tbl>
+              </a:graphicData>
+            </a:graphic>
+          </p:graphicFrame>
+        </mc:Fallback>
+      </mc:AlternateContent>
+      <p:pic>
+        <p:nvPicPr>
+          <p:cNvPr id="13" name="Picture 12">
+            <a:extLst>
+              <a:ext uri="{FF2B5EF4-FFF2-40B4-BE49-F238E27FC236}">
+                <a16:creationId xmlns:a16="http://schemas.microsoft.com/office/drawing/2014/main" id="{DB9A4AEF-A081-453F-BF6D-238ADAC26606}"/>
+              </a:ext>
+            </a:extLst>
+          </p:cNvPr>
+          <p:cNvPicPr>
+            <a:picLocks noChangeAspect="1"/>
+          </p:cNvPicPr>
+          <p:nvPr/>
+        </p:nvPicPr>
+        <p:blipFill>
+          <a:blip r:embed="rId3"/>
+          <a:stretch>
+            <a:fillRect/>
+          </a:stretch>
+        </p:blipFill>
+        <p:spPr>
+          <a:xfrm>
+            <a:off x="64394" y="1"/>
+            <a:ext cx="12060543" cy="2717668"/>
+          </a:xfrm>
+          <a:prstGeom prst="rect">
+            <a:avLst/>
+          </a:prstGeom>
+        </p:spPr>
+      </p:pic>
+      <mc:AlternateContent xmlns:mc="http://schemas.openxmlformats.org/markup-compatibility/2006">
+        <mc:Choice xmlns:a14="http://schemas.microsoft.com/office/drawing/2010/main" Requires="a14">
+          <p:sp>
+            <p:nvSpPr>
+              <p:cNvPr id="14" name="TextBox 13">
+                <a:extLst>
+                  <a:ext uri="{FF2B5EF4-FFF2-40B4-BE49-F238E27FC236}">
+                    <a16:creationId xmlns:a16="http://schemas.microsoft.com/office/drawing/2014/main" id="{2539D682-D451-41C2-A178-9D0069B0325E}"/>
+                  </a:ext>
+                </a:extLst>
+              </p:cNvPr>
+              <p:cNvSpPr txBox="1"/>
+              <p:nvPr/>
+            </p:nvSpPr>
+            <p:spPr>
+              <a:xfrm>
+                <a:off x="8820735" y="4110711"/>
+                <a:ext cx="1893194" cy="369332"/>
+              </a:xfrm>
+              <a:prstGeom prst="rect">
+                <a:avLst/>
+              </a:prstGeom>
+              <a:noFill/>
+            </p:spPr>
+            <p:txBody>
+              <a:bodyPr wrap="square" rtlCol="0">
+                <a:spAutoFit/>
+              </a:bodyPr>
+              <a:lstStyle/>
+              <a:p>
+                <a14:m>
+                  <m:oMathPara xmlns:m="http://schemas.openxmlformats.org/officeDocument/2006/math">
+                    <m:oMathParaPr>
+                      <m:jc m:val="centerGroup"/>
+                    </m:oMathParaPr>
+                    <m:oMath xmlns:m="http://schemas.openxmlformats.org/officeDocument/2006/math">
+                      <m:sSub>
+                        <m:sSubPr>
+                          <m:ctrlPr>
+                            <a:rPr lang="tr-TR" b="0" i="1" smtClean="0">
+                              <a:latin typeface="Cambria Math" panose="02040503050406030204" pitchFamily="18" charset="0"/>
+                            </a:rPr>
+                          </m:ctrlPr>
+                        </m:sSubPr>
+                        <m:e>
+                          <m:r>
+                            <a:rPr lang="tr-TR" b="0" i="1" smtClean="0">
+                              <a:latin typeface="Cambria Math" panose="02040503050406030204" pitchFamily="18" charset="0"/>
+                            </a:rPr>
+                            <m:t>𝐼</m:t>
+                          </m:r>
+                        </m:e>
+                        <m:sub>
+                          <m:r>
+                            <a:rPr lang="tr-TR" b="0" i="1" smtClean="0">
+                              <a:latin typeface="Cambria Math" panose="02040503050406030204" pitchFamily="18" charset="0"/>
+                            </a:rPr>
+                            <m:t>𝑟𝑚𝑠</m:t>
+                          </m:r>
+                        </m:sub>
+                      </m:sSub>
+                      <m:r>
+                        <a:rPr lang="tr-TR" b="0" i="1" smtClean="0">
+                          <a:latin typeface="Cambria Math" panose="02040503050406030204" pitchFamily="18" charset="0"/>
+                        </a:rPr>
+                        <m:t>=7 .01 </m:t>
+                      </m:r>
+                      <m:r>
+                        <a:rPr lang="tr-TR" b="0" i="1" smtClean="0">
+                          <a:latin typeface="Cambria Math" panose="02040503050406030204" pitchFamily="18" charset="0"/>
+                        </a:rPr>
+                        <m:t>𝐴</m:t>
+                      </m:r>
+                      <m:r>
+                        <a:rPr lang="tr-TR" b="0" i="1" smtClean="0">
+                          <a:latin typeface="Cambria Math" panose="02040503050406030204" pitchFamily="18" charset="0"/>
+                        </a:rPr>
+                        <m:t> </m:t>
+                      </m:r>
+                    </m:oMath>
+                  </m:oMathPara>
+                </a14:m>
+                <a:endParaRPr lang="en-US" dirty="0"/>
+              </a:p>
+            </p:txBody>
+          </p:sp>
+        </mc:Choice>
+        <mc:Fallback>
+          <p:sp>
+            <p:nvSpPr>
+              <p:cNvPr id="14" name="TextBox 13">
+                <a:extLst>
+                  <a:ext uri="{FF2B5EF4-FFF2-40B4-BE49-F238E27FC236}">
+                    <a16:creationId xmlns:a16="http://schemas.microsoft.com/office/drawing/2014/main" id="{2539D682-D451-41C2-A178-9D0069B0325E}"/>
+                  </a:ext>
+                </a:extLst>
+              </p:cNvPr>
+              <p:cNvSpPr txBox="1">
+                <a:spLocks noRot="1" noChangeAspect="1" noMove="1" noResize="1" noEditPoints="1" noAdjustHandles="1" noChangeArrowheads="1" noChangeShapeType="1" noTextEdit="1"/>
+              </p:cNvSpPr>
+              <p:nvPr/>
+            </p:nvSpPr>
+            <p:spPr>
+              <a:xfrm>
+                <a:off x="8820735" y="4110711"/>
+                <a:ext cx="1893194" cy="369332"/>
+              </a:xfrm>
+              <a:prstGeom prst="rect">
+                <a:avLst/>
+              </a:prstGeom>
+              <a:blipFill>
+                <a:blip r:embed="rId4"/>
+                <a:stretch>
+                  <a:fillRect/>
+                </a:stretch>
+              </a:blipFill>
+            </p:spPr>
+            <p:txBody>
+              <a:bodyPr/>
+              <a:lstStyle/>
+              <a:p>
+                <a:r>
+                  <a:rPr lang="en-US">
+                    <a:noFill/>
+                  </a:rPr>
+                  <a:t> </a:t>
+                </a:r>
+              </a:p>
+            </p:txBody>
+          </p:sp>
+        </mc:Fallback>
+      </mc:AlternateContent>
+      <mc:AlternateContent xmlns:mc="http://schemas.openxmlformats.org/markup-compatibility/2006">
+        <mc:Choice xmlns:a14="http://schemas.microsoft.com/office/drawing/2010/main" Requires="a14">
+          <p:sp>
+            <p:nvSpPr>
+              <p:cNvPr id="15" name="Rectangle 14">
+                <a:extLst>
+                  <a:ext uri="{FF2B5EF4-FFF2-40B4-BE49-F238E27FC236}">
+                    <a16:creationId xmlns:a16="http://schemas.microsoft.com/office/drawing/2014/main" id="{C373BFD6-E2A9-4091-BD36-F40BEBF6A894}"/>
+                  </a:ext>
+                </a:extLst>
+              </p:cNvPr>
+              <p:cNvSpPr/>
+              <p:nvPr/>
+            </p:nvSpPr>
+            <p:spPr>
+              <a:xfrm>
+                <a:off x="8950818" y="4648132"/>
+                <a:ext cx="1455783" cy="369332"/>
+              </a:xfrm>
+              <a:prstGeom prst="rect">
+                <a:avLst/>
+              </a:prstGeom>
+            </p:spPr>
+            <p:txBody>
+              <a:bodyPr wrap="none">
+                <a:spAutoFit/>
+              </a:bodyPr>
+              <a:lstStyle/>
+              <a:p>
+                <a14:m>
+                  <m:oMathPara xmlns:m="http://schemas.openxmlformats.org/officeDocument/2006/math">
+                    <m:oMathParaPr>
+                      <m:jc m:val="centerGroup"/>
+                    </m:oMathParaPr>
+                    <m:oMath xmlns:m="http://schemas.openxmlformats.org/officeDocument/2006/math">
+                      <m:r>
+                        <m:rPr>
+                          <m:sty m:val="p"/>
+                        </m:rPr>
+                        <a:rPr lang="tr-TR" b="0" i="0" smtClean="0">
+                          <a:latin typeface="Cambria Math" panose="02040503050406030204" pitchFamily="18" charset="0"/>
+                        </a:rPr>
+                        <m:t>Δ</m:t>
+                      </m:r>
+                      <m:r>
+                        <a:rPr lang="tr-TR" b="0" i="1" smtClean="0">
+                          <a:latin typeface="Cambria Math" panose="02040503050406030204" pitchFamily="18" charset="0"/>
+                        </a:rPr>
+                        <m:t>𝐼</m:t>
+                      </m:r>
+                      <m:r>
+                        <a:rPr lang="tr-TR" b="0" i="1" smtClean="0">
+                          <a:latin typeface="Cambria Math" panose="02040503050406030204" pitchFamily="18" charset="0"/>
+                        </a:rPr>
+                        <m:t> =0.7</m:t>
+                      </m:r>
+                      <m:r>
+                        <a:rPr lang="tr-TR" b="0" i="1" smtClean="0">
+                          <a:latin typeface="Cambria Math" panose="02040503050406030204" pitchFamily="18" charset="0"/>
+                        </a:rPr>
+                        <m:t>2 </m:t>
+                      </m:r>
+                      <m:r>
+                        <a:rPr lang="tr-TR" b="0" i="1" smtClean="0">
+                          <a:latin typeface="Cambria Math" panose="02040503050406030204" pitchFamily="18" charset="0"/>
+                        </a:rPr>
+                        <m:t>𝐴</m:t>
+                      </m:r>
+                    </m:oMath>
+                  </m:oMathPara>
+                </a14:m>
+                <a:endParaRPr lang="en-US" dirty="0"/>
+              </a:p>
+            </p:txBody>
+          </p:sp>
+        </mc:Choice>
+        <mc:Fallback>
+          <p:sp>
+            <p:nvSpPr>
+              <p:cNvPr id="15" name="Rectangle 14">
+                <a:extLst>
+                  <a:ext uri="{FF2B5EF4-FFF2-40B4-BE49-F238E27FC236}">
+                    <a16:creationId xmlns:a16="http://schemas.microsoft.com/office/drawing/2014/main" id="{C373BFD6-E2A9-4091-BD36-F40BEBF6A894}"/>
+                  </a:ext>
+                </a:extLst>
+              </p:cNvPr>
+              <p:cNvSpPr>
+                <a:spLocks noRot="1" noChangeAspect="1" noMove="1" noResize="1" noEditPoints="1" noAdjustHandles="1" noChangeArrowheads="1" noChangeShapeType="1" noTextEdit="1"/>
+              </p:cNvSpPr>
+              <p:nvPr/>
+            </p:nvSpPr>
+            <p:spPr>
+              <a:xfrm>
+                <a:off x="8950818" y="4648132"/>
+                <a:ext cx="1455783" cy="369332"/>
+              </a:xfrm>
+              <a:prstGeom prst="rect">
+                <a:avLst/>
+              </a:prstGeom>
+              <a:blipFill>
+                <a:blip r:embed="rId5"/>
+                <a:stretch>
+                  <a:fillRect/>
+                </a:stretch>
+              </a:blipFill>
+            </p:spPr>
+            <p:txBody>
+              <a:bodyPr/>
+              <a:lstStyle/>
+              <a:p>
+                <a:r>
+                  <a:rPr lang="en-US">
+                    <a:noFill/>
+                  </a:rPr>
+                  <a:t> </a:t>
+                </a:r>
+              </a:p>
+            </p:txBody>
+          </p:sp>
+        </mc:Fallback>
+      </mc:AlternateContent>
+      <mc:AlternateContent xmlns:mc="http://schemas.openxmlformats.org/markup-compatibility/2006">
+        <mc:Choice xmlns:a14="http://schemas.microsoft.com/office/drawing/2010/main" Requires="a14">
+          <p:sp>
+            <p:nvSpPr>
+              <p:cNvPr id="16" name="Rectangle 15">
+                <a:extLst>
+                  <a:ext uri="{FF2B5EF4-FFF2-40B4-BE49-F238E27FC236}">
+                    <a16:creationId xmlns:a16="http://schemas.microsoft.com/office/drawing/2014/main" id="{0BD2749D-F18D-449D-9F47-A4F3CDCC182A}"/>
+                  </a:ext>
+                </a:extLst>
+              </p:cNvPr>
+              <p:cNvSpPr/>
+              <p:nvPr/>
+            </p:nvSpPr>
+            <p:spPr>
+              <a:xfrm>
+                <a:off x="8950818" y="5122626"/>
+                <a:ext cx="1763111" cy="659540"/>
+              </a:xfrm>
+              <a:prstGeom prst="rect">
+                <a:avLst/>
+              </a:prstGeom>
+            </p:spPr>
+            <p:txBody>
+              <a:bodyPr wrap="none">
+                <a:spAutoFit/>
+              </a:bodyPr>
+              <a:lstStyle/>
+              <a:p>
+                <a:pPr/>
+                <a14:m>
+                  <m:oMathPara xmlns:m="http://schemas.openxmlformats.org/officeDocument/2006/math">
+                    <m:oMathParaPr>
+                      <m:jc m:val="centerGroup"/>
+                    </m:oMathParaPr>
+                    <m:oMath xmlns:m="http://schemas.openxmlformats.org/officeDocument/2006/math">
+                      <m:f>
+                        <m:fPr>
+                          <m:ctrlPr>
+                            <a:rPr lang="tr-TR" b="0" i="1" smtClean="0">
+                              <a:latin typeface="Cambria Math" panose="02040503050406030204" pitchFamily="18" charset="0"/>
+                            </a:rPr>
+                          </m:ctrlPr>
+                        </m:fPr>
+                        <m:num>
+                          <m:r>
+                            <m:rPr>
+                              <m:sty m:val="p"/>
+                            </m:rPr>
+                            <a:rPr lang="tr-TR" smtClean="0">
+                              <a:latin typeface="Cambria Math" panose="02040503050406030204" pitchFamily="18" charset="0"/>
+                            </a:rPr>
+                            <m:t>Δ</m:t>
+                          </m:r>
+                          <m:r>
+                            <a:rPr lang="tr-TR" i="1">
+                              <a:latin typeface="Cambria Math" panose="02040503050406030204" pitchFamily="18" charset="0"/>
+                            </a:rPr>
+                            <m:t>𝐼</m:t>
+                          </m:r>
+                        </m:num>
+                        <m:den>
+                          <m:sSub>
+                            <m:sSubPr>
+                              <m:ctrlPr>
+                                <a:rPr lang="tr-TR" i="1">
+                                  <a:latin typeface="Cambria Math" panose="02040503050406030204" pitchFamily="18" charset="0"/>
+                                </a:rPr>
+                              </m:ctrlPr>
+                            </m:sSubPr>
+                            <m:e>
+                              <m:r>
+                                <a:rPr lang="tr-TR" i="1">
+                                  <a:latin typeface="Cambria Math" panose="02040503050406030204" pitchFamily="18" charset="0"/>
+                                </a:rPr>
+                                <m:t>𝐼</m:t>
+                              </m:r>
+                            </m:e>
+                            <m:sub>
+                              <m:r>
+                                <a:rPr lang="tr-TR" i="1">
+                                  <a:latin typeface="Cambria Math" panose="02040503050406030204" pitchFamily="18" charset="0"/>
+                                </a:rPr>
+                                <m:t>𝑟𝑚𝑠</m:t>
+                              </m:r>
+                            </m:sub>
+                          </m:sSub>
+                        </m:den>
+                      </m:f>
+                      <m:r>
+                        <a:rPr lang="tr-TR" i="1">
+                          <a:latin typeface="Cambria Math" panose="02040503050406030204" pitchFamily="18" charset="0"/>
+                        </a:rPr>
+                        <m:t> </m:t>
+                      </m:r>
+                      <m:r>
+                        <a:rPr lang="tr-TR" b="0" i="1" smtClean="0">
+                          <a:latin typeface="Cambria Math" panose="02040503050406030204" pitchFamily="18" charset="0"/>
+                        </a:rPr>
+                        <m:t>%</m:t>
+                      </m:r>
+                      <m:r>
+                        <a:rPr lang="tr-TR" i="1">
+                          <a:latin typeface="Cambria Math" panose="02040503050406030204" pitchFamily="18" charset="0"/>
+                        </a:rPr>
+                        <m:t>=</m:t>
+                      </m:r>
+                      <m:r>
+                        <a:rPr lang="tr-TR" b="0" i="1" smtClean="0">
+                          <a:latin typeface="Cambria Math" panose="02040503050406030204" pitchFamily="18" charset="0"/>
+                        </a:rPr>
+                        <m:t>42%</m:t>
+                      </m:r>
+                      <m:r>
+                        <a:rPr lang="tr-TR" i="1">
+                          <a:latin typeface="Cambria Math" panose="02040503050406030204" pitchFamily="18" charset="0"/>
+                        </a:rPr>
+                        <m:t> </m:t>
+                      </m:r>
+                    </m:oMath>
+                  </m:oMathPara>
+                </a14:m>
+                <a:endParaRPr lang="en-US" dirty="0"/>
+              </a:p>
+            </p:txBody>
+          </p:sp>
+        </mc:Choice>
+        <mc:Fallback>
+          <p:sp>
+            <p:nvSpPr>
+              <p:cNvPr id="16" name="Rectangle 15">
+                <a:extLst>
+                  <a:ext uri="{FF2B5EF4-FFF2-40B4-BE49-F238E27FC236}">
+                    <a16:creationId xmlns:a16="http://schemas.microsoft.com/office/drawing/2014/main" id="{0BD2749D-F18D-449D-9F47-A4F3CDCC182A}"/>
+                  </a:ext>
+                </a:extLst>
+              </p:cNvPr>
+              <p:cNvSpPr>
+                <a:spLocks noRot="1" noChangeAspect="1" noMove="1" noResize="1" noEditPoints="1" noAdjustHandles="1" noChangeArrowheads="1" noChangeShapeType="1" noTextEdit="1"/>
+              </p:cNvSpPr>
+              <p:nvPr/>
+            </p:nvSpPr>
+            <p:spPr>
+              <a:xfrm>
+                <a:off x="8950818" y="5122626"/>
+                <a:ext cx="1763111" cy="659540"/>
+              </a:xfrm>
+              <a:prstGeom prst="rect">
+                <a:avLst/>
+              </a:prstGeom>
+              <a:blipFill>
+                <a:blip r:embed="rId6"/>
+                <a:stretch>
+                  <a:fillRect/>
+                </a:stretch>
+              </a:blipFill>
+            </p:spPr>
+            <p:txBody>
+              <a:bodyPr/>
+              <a:lstStyle/>
+              <a:p>
+                <a:r>
+                  <a:rPr lang="en-US">
+                    <a:noFill/>
+                  </a:rPr>
+                  <a:t> </a:t>
+                </a:r>
+              </a:p>
+            </p:txBody>
+          </p:sp>
+        </mc:Fallback>
+      </mc:AlternateContent>
+    </p:spTree>
+    <p:extLst>
+      <p:ext uri="{BB962C8B-B14F-4D97-AF65-F5344CB8AC3E}">
+        <p14:creationId xmlns:p14="http://schemas.microsoft.com/office/powerpoint/2010/main" val="250237864"/>
+      </p:ext>
+    </p:extLst>
+  </p:cSld>
+  <p:clrMapOvr>
+    <a:masterClrMapping/>
+  </p:clrMapOvr>
+</p:sld>
+</file>
+
+<file path=ppt/slides/slide23.xml><?xml version="1.0" encoding="utf-8"?>
+<p:sld xmlns:a="http://schemas.openxmlformats.org/drawingml/2006/main" xmlns:r="http://schemas.openxmlformats.org/officeDocument/2006/relationships" xmlns:p="http://schemas.openxmlformats.org/presentationml/2006/main">
+  <p:cSld>
+    <p:spTree>
+      <p:nvGrpSpPr>
+        <p:cNvPr id="1" name=""/>
+        <p:cNvGrpSpPr/>
+        <p:nvPr/>
+      </p:nvGrpSpPr>
+      <p:grpSpPr>
+        <a:xfrm>
+          <a:off x="0" y="0"/>
+          <a:ext cx="0" cy="0"/>
+          <a:chOff x="0" y="0"/>
+          <a:chExt cx="0" cy="0"/>
+        </a:xfrm>
+      </p:grpSpPr>
+      <p:pic>
+        <p:nvPicPr>
+          <p:cNvPr id="4" name="Picture 3">
+            <a:extLst>
+              <a:ext uri="{FF2B5EF4-FFF2-40B4-BE49-F238E27FC236}">
+                <a16:creationId xmlns:a16="http://schemas.microsoft.com/office/drawing/2014/main" id="{7DD4AE6B-A5DC-4FE8-A5C4-62D3196AA4EA}"/>
+              </a:ext>
+            </a:extLst>
+          </p:cNvPr>
+          <p:cNvPicPr>
+            <a:picLocks noChangeAspect="1"/>
+          </p:cNvPicPr>
+          <p:nvPr/>
+        </p:nvPicPr>
+        <p:blipFill>
+          <a:blip r:embed="rId2"/>
+          <a:stretch>
+            <a:fillRect/>
+          </a:stretch>
+        </p:blipFill>
+        <p:spPr>
+          <a:xfrm>
+            <a:off x="0" y="0"/>
+            <a:ext cx="12192000" cy="2747290"/>
+          </a:xfrm>
+          <a:prstGeom prst="rect">
+            <a:avLst/>
+          </a:prstGeom>
+        </p:spPr>
+      </p:pic>
+      <mc:AlternateContent xmlns:mc="http://schemas.openxmlformats.org/markup-compatibility/2006">
+        <mc:Choice xmlns:a14="http://schemas.microsoft.com/office/drawing/2010/main" Requires="a14">
+          <p:graphicFrame>
+            <p:nvGraphicFramePr>
+              <p:cNvPr id="5" name="Table 4">
+                <a:extLst>
+                  <a:ext uri="{FF2B5EF4-FFF2-40B4-BE49-F238E27FC236}">
+                    <a16:creationId xmlns:a16="http://schemas.microsoft.com/office/drawing/2014/main" id="{4E8612DC-7A79-436A-9179-1DF0AC30422F}"/>
+                  </a:ext>
+                </a:extLst>
+              </p:cNvPr>
+              <p:cNvGraphicFramePr>
+                <a:graphicFrameLocks noGrp="1"/>
+              </p:cNvGraphicFramePr>
+              <p:nvPr>
+                <p:extLst>
+                  <p:ext uri="{D42A27DB-BD31-4B8C-83A1-F6EECF244321}">
+                    <p14:modId xmlns:p14="http://schemas.microsoft.com/office/powerpoint/2010/main" val="1925404058"/>
+                  </p:ext>
+                </p:extLst>
+              </p:nvPr>
+            </p:nvGraphicFramePr>
+            <p:xfrm>
+              <a:off x="4200660" y="2904187"/>
+              <a:ext cx="3631842" cy="3791539"/>
+            </p:xfrm>
+            <a:graphic>
+              <a:graphicData uri="http://schemas.openxmlformats.org/drawingml/2006/table">
+                <a:tbl>
+                  <a:tblPr/>
+                  <a:tblGrid>
+                    <a:gridCol w="1815921">
+                      <a:extLst>
+                        <a:ext uri="{9D8B030D-6E8A-4147-A177-3AD203B41FA5}">
+                          <a16:colId xmlns:a16="http://schemas.microsoft.com/office/drawing/2014/main" val="1553897858"/>
+                        </a:ext>
+                      </a:extLst>
+                    </a:gridCol>
+                    <a:gridCol w="1815921">
+                      <a:extLst>
+                        <a:ext uri="{9D8B030D-6E8A-4147-A177-3AD203B41FA5}">
+                          <a16:colId xmlns:a16="http://schemas.microsoft.com/office/drawing/2014/main" val="1273914735"/>
+                        </a:ext>
+                      </a:extLst>
+                    </a:gridCol>
+                  </a:tblGrid>
+                  <a:tr h="489397">
+                    <a:tc gridSpan="2">
+                      <a:txBody>
+                        <a:bodyPr/>
+                        <a:lstStyle/>
+                        <a:p>
+                          <a:r>
+                            <a:rPr lang="tr-TR" dirty="0" err="1"/>
+                            <a:t>Primer</a:t>
+                          </a:r>
+                          <a:r>
+                            <a:rPr lang="tr-TR" dirty="0"/>
+                            <a:t>  </a:t>
+                          </a:r>
+                          <a:r>
+                            <a:rPr lang="tr-TR" dirty="0" err="1"/>
+                            <a:t>Resonance</a:t>
+                          </a:r>
+                          <a:r>
+                            <a:rPr lang="tr-TR" dirty="0"/>
+                            <a:t>(150kHz)</a:t>
+                          </a:r>
+                        </a:p>
+                      </a:txBody>
+                      <a:tcPr>
+                        <a:lnL w="12700" cmpd="sng">
+                          <a:solidFill>
+                            <a:schemeClr val="tx1"/>
+                          </a:solidFill>
+                          <a:prstDash val="solid"/>
+                        </a:lnL>
+                        <a:lnR w="12700" cap="flat" cmpd="sng" algn="ctr">
+                          <a:solidFill>
+                            <a:schemeClr val="tx1"/>
+                          </a:solidFill>
+                          <a:prstDash val="solid"/>
+                          <a:round/>
+                          <a:headEnd type="none" w="med" len="med"/>
+                          <a:tailEnd type="none" w="med" len="med"/>
+                        </a:lnR>
+                        <a:lnT w="12700" cmpd="sng">
+                          <a:solidFill>
+                            <a:schemeClr val="tx1"/>
+                          </a:solidFill>
+                          <a:prstDash val="solid"/>
+                        </a:lnT>
+                        <a:lnB w="12700" cap="flat" cmpd="sng" algn="ctr">
+                          <a:solidFill>
+                            <a:schemeClr val="tx1"/>
+                          </a:solidFill>
+                          <a:prstDash val="solid"/>
+                          <a:round/>
+                          <a:headEnd type="none" w="med" len="med"/>
+                          <a:tailEnd type="none" w="med" len="med"/>
+                        </a:lnB>
+                      </a:tcPr>
+                    </a:tc>
+                    <a:tc hMerge="1">
+                      <a:txBody>
+                        <a:bodyPr/>
+                        <a:lstStyle/>
+                        <a:p>
+                          <a:endParaRPr lang="en-US" dirty="0"/>
+                        </a:p>
+                      </a:txBody>
+                      <a:tcPr>
+                        <a:lnL w="12700" cap="flat" cmpd="sng" algn="ctr">
+                          <a:solidFill>
+                            <a:schemeClr val="tx1"/>
+                          </a:solidFill>
+                          <a:prstDash val="solid"/>
+                          <a:round/>
+                          <a:headEnd type="none" w="med" len="med"/>
+                          <a:tailEnd type="none" w="med" len="med"/>
+                        </a:lnL>
+                        <a:lnR w="12700" cmpd="sng">
+                          <a:solidFill>
+                            <a:schemeClr val="tx1"/>
+                          </a:solidFill>
+                          <a:prstDash val="solid"/>
+                        </a:lnR>
+                        <a:lnT w="12700" cmpd="sng">
+                          <a:solidFill>
+                            <a:schemeClr val="tx1"/>
+                          </a:solidFill>
+                          <a:prstDash val="solid"/>
+                        </a:lnT>
+                        <a:lnB w="12700" cmpd="sng">
+                          <a:solidFill>
+                            <a:schemeClr val="tx1"/>
+                          </a:solidFill>
+                          <a:prstDash val="solid"/>
+                        </a:lnB>
+                      </a:tcPr>
+                    </a:tc>
+                    <a:extLst>
+                      <a:ext uri="{0D108BD9-81ED-4DB2-BD59-A6C34878D82A}">
+                        <a16:rowId xmlns:a16="http://schemas.microsoft.com/office/drawing/2014/main" val="54932692"/>
+                      </a:ext>
+                    </a:extLst>
+                  </a:tr>
+                  <a:tr h="489397">
+                    <a:tc gridSpan="2">
+                      <a:txBody>
+                        <a:bodyPr/>
+                        <a:lstStyle/>
+                        <a:p>
+                          <a:r>
+                            <a:rPr lang="tr-TR" dirty="0" err="1"/>
+                            <a:t>Seconder</a:t>
+                          </a:r>
+                          <a:r>
+                            <a:rPr lang="tr-TR" dirty="0"/>
+                            <a:t> </a:t>
+                          </a:r>
+                          <a:r>
+                            <a:rPr lang="tr-TR" dirty="0" err="1"/>
+                            <a:t>Resonance</a:t>
+                          </a:r>
+                          <a:r>
+                            <a:rPr lang="tr-TR" dirty="0"/>
+                            <a:t>(150kHz)</a:t>
+                          </a:r>
+                        </a:p>
+                      </a:txBody>
+                      <a:tcPr>
+                        <a:lnL w="12700" cmpd="sng">
+                          <a:solidFill>
+                            <a:schemeClr val="tx1"/>
+                          </a:solidFill>
+                          <a:prstDash val="solid"/>
+                        </a:lnL>
+                        <a:lnR w="12700" cap="flat" cmpd="sng" algn="ctr">
+                          <a:solidFill>
+                            <a:schemeClr val="tx1"/>
+                          </a:solidFill>
+                          <a:prstDash val="solid"/>
+                          <a:round/>
+                          <a:headEnd type="none" w="med" len="med"/>
+                          <a:tailEnd type="none" w="med" len="med"/>
+                        </a:lnR>
+                        <a:lnT w="12700" cap="flat" cmpd="sng" algn="ctr">
+                          <a:solidFill>
+                            <a:schemeClr val="tx1"/>
+                          </a:solidFill>
+                          <a:prstDash val="solid"/>
+                          <a:round/>
+                          <a:headEnd type="none" w="med" len="med"/>
+                          <a:tailEnd type="none" w="med" len="med"/>
+                        </a:lnT>
+                        <a:lnB w="12700" cap="flat" cmpd="sng" algn="ctr">
+                          <a:solidFill>
+                            <a:schemeClr val="tx1"/>
+                          </a:solidFill>
+                          <a:prstDash val="solid"/>
+                          <a:round/>
+                          <a:headEnd type="none" w="med" len="med"/>
+                          <a:tailEnd type="none" w="med" len="med"/>
+                        </a:lnB>
+                      </a:tcPr>
+                    </a:tc>
+                    <a:tc hMerge="1">
+                      <a:txBody>
+                        <a:bodyPr/>
+                        <a:lstStyle/>
+                        <a:p>
+                          <a:endParaRPr lang="en-US"/>
+                        </a:p>
+                      </a:txBody>
+                      <a:tcPr/>
+                    </a:tc>
+                    <a:extLst>
+                      <a:ext uri="{0D108BD9-81ED-4DB2-BD59-A6C34878D82A}">
+                        <a16:rowId xmlns:a16="http://schemas.microsoft.com/office/drawing/2014/main" val="605678987"/>
+                      </a:ext>
+                    </a:extLst>
+                  </a:tr>
+                  <a:tr h="489397">
+                    <a:tc gridSpan="2">
+                      <a:txBody>
+                        <a:bodyPr/>
+                        <a:lstStyle/>
+                        <a:p>
+                          <a:r>
+                            <a:rPr lang="tr-TR" dirty="0" err="1"/>
+                            <a:t>Operation</a:t>
+                          </a:r>
+                          <a:r>
+                            <a:rPr lang="tr-TR" dirty="0"/>
+                            <a:t> </a:t>
+                          </a:r>
+                          <a:r>
+                            <a:rPr lang="tr-TR" dirty="0" err="1"/>
+                            <a:t>Frequency</a:t>
+                          </a:r>
+                          <a:r>
+                            <a:rPr lang="tr-TR" dirty="0"/>
+                            <a:t> (160 kHz)</a:t>
+                          </a:r>
+                        </a:p>
+                      </a:txBody>
+                      <a:tcPr>
+                        <a:lnL w="12700" cmpd="sng">
+                          <a:solidFill>
+                            <a:schemeClr val="tx1"/>
+                          </a:solidFill>
+                          <a:prstDash val="solid"/>
+                        </a:lnL>
+                        <a:lnR w="12700" cap="flat" cmpd="sng" algn="ctr">
+                          <a:solidFill>
+                            <a:schemeClr val="tx1"/>
+                          </a:solidFill>
+                          <a:prstDash val="solid"/>
+                          <a:round/>
+                          <a:headEnd type="none" w="med" len="med"/>
+                          <a:tailEnd type="none" w="med" len="med"/>
+                        </a:lnR>
+                        <a:lnT w="12700" cap="flat" cmpd="sng" algn="ctr">
+                          <a:solidFill>
+                            <a:schemeClr val="tx1"/>
+                          </a:solidFill>
+                          <a:prstDash val="solid"/>
+                          <a:round/>
+                          <a:headEnd type="none" w="med" len="med"/>
+                          <a:tailEnd type="none" w="med" len="med"/>
+                        </a:lnT>
+                        <a:lnB w="12700" cap="flat" cmpd="sng" algn="ctr">
+                          <a:solidFill>
+                            <a:schemeClr val="tx1"/>
+                          </a:solidFill>
+                          <a:prstDash val="solid"/>
+                          <a:round/>
+                          <a:headEnd type="none" w="med" len="med"/>
+                          <a:tailEnd type="none" w="med" len="med"/>
+                        </a:lnB>
+                      </a:tcPr>
+                    </a:tc>
+                    <a:tc hMerge="1">
+                      <a:txBody>
+                        <a:bodyPr/>
+                        <a:lstStyle/>
+                        <a:p>
+                          <a:endParaRPr lang="en-US"/>
+                        </a:p>
+                      </a:txBody>
+                      <a:tcPr/>
+                    </a:tc>
+                    <a:extLst>
+                      <a:ext uri="{0D108BD9-81ED-4DB2-BD59-A6C34878D82A}">
+                        <a16:rowId xmlns:a16="http://schemas.microsoft.com/office/drawing/2014/main" val="1941288384"/>
+                      </a:ext>
+                    </a:extLst>
+                  </a:tr>
+                  <a:tr h="489397">
+                    <a:tc>
+                      <a:txBody>
+                        <a:bodyPr/>
+                        <a:lstStyle/>
+                        <a:p>
+                          <a14:m>
+                            <m:oMathPara xmlns:m="http://schemas.openxmlformats.org/officeDocument/2006/math">
+                              <m:oMathParaPr>
+                                <m:jc m:val="centerGroup"/>
+                              </m:oMathParaPr>
+                              <m:oMath xmlns:m="http://schemas.openxmlformats.org/officeDocument/2006/math">
+                                <m:sSub>
+                                  <m:sSubPr>
+                                    <m:ctrlPr>
+                                      <a:rPr lang="tr-TR" b="0" i="1" smtClean="0">
+                                        <a:latin typeface="Cambria Math" panose="02040503050406030204" pitchFamily="18" charset="0"/>
+                                      </a:rPr>
+                                    </m:ctrlPr>
+                                  </m:sSubPr>
+                                  <m:e>
+                                    <m:r>
+                                      <a:rPr lang="tr-TR" b="0" i="1" smtClean="0">
+                                        <a:latin typeface="Cambria Math" panose="02040503050406030204" pitchFamily="18" charset="0"/>
+                                      </a:rPr>
+                                      <m:t>𝐼</m:t>
+                                    </m:r>
+                                  </m:e>
+                                  <m:sub>
+                                    <m:r>
+                                      <a:rPr lang="tr-TR" b="0" i="1" smtClean="0">
+                                        <a:latin typeface="Cambria Math" panose="02040503050406030204" pitchFamily="18" charset="0"/>
+                                      </a:rPr>
+                                      <m:t>𝑠</m:t>
+                                    </m:r>
+                                    <m:r>
+                                      <a:rPr lang="tr-TR" b="0" i="1" smtClean="0">
+                                        <a:latin typeface="Cambria Math" panose="02040503050406030204" pitchFamily="18" charset="0"/>
+                                      </a:rPr>
+                                      <m:t>1</m:t>
+                                    </m:r>
+                                  </m:sub>
+                                </m:sSub>
+                              </m:oMath>
+                            </m:oMathPara>
+                          </a14:m>
+                          <a:endParaRPr lang="en-US" dirty="0"/>
+                        </a:p>
+                      </a:txBody>
+                      <a:tcPr>
+                        <a:lnL w="12700" cmpd="sng">
+                          <a:solidFill>
+                            <a:schemeClr val="tx1"/>
+                          </a:solidFill>
+                          <a:prstDash val="solid"/>
+                        </a:lnL>
+                        <a:lnR w="12700" cap="flat" cmpd="sng" algn="ctr">
+                          <a:solidFill>
+                            <a:schemeClr val="tx1"/>
+                          </a:solidFill>
+                          <a:prstDash val="solid"/>
+                          <a:round/>
+                          <a:headEnd type="none" w="med" len="med"/>
+                          <a:tailEnd type="none" w="med" len="med"/>
+                        </a:lnR>
+                        <a:lnT w="12700" cap="flat" cmpd="sng" algn="ctr">
+                          <a:solidFill>
+                            <a:schemeClr val="tx1"/>
+                          </a:solidFill>
+                          <a:prstDash val="solid"/>
+                          <a:round/>
+                          <a:headEnd type="none" w="med" len="med"/>
+                          <a:tailEnd type="none" w="med" len="med"/>
+                        </a:lnT>
+                        <a:lnB w="12700" cmpd="sng">
+                          <a:solidFill>
+                            <a:schemeClr val="tx1"/>
+                          </a:solidFill>
+                          <a:prstDash val="solid"/>
+                        </a:lnB>
+                      </a:tcPr>
+                    </a:tc>
+                    <a:tc>
+                      <a:txBody>
+                        <a:bodyPr/>
+                        <a:lstStyle/>
+                        <a:p>
+                          <a:r>
+                            <a:rPr lang="tr-TR" dirty="0"/>
+                            <a:t>2.562A</a:t>
+                          </a:r>
+                          <a:endParaRPr lang="en-US" dirty="0"/>
+                        </a:p>
+                      </a:txBody>
+                      <a:tcPr>
+                        <a:lnL w="12700" cap="flat" cmpd="sng" algn="ctr">
+                          <a:solidFill>
+                            <a:schemeClr val="tx1"/>
+                          </a:solidFill>
+                          <a:prstDash val="solid"/>
+                          <a:round/>
+                          <a:headEnd type="none" w="med" len="med"/>
+                          <a:tailEnd type="none" w="med" len="med"/>
+                        </a:lnL>
+                        <a:lnR w="12700" cmpd="sng">
+                          <a:solidFill>
+                            <a:schemeClr val="tx1"/>
+                          </a:solidFill>
+                          <a:prstDash val="solid"/>
+                        </a:lnR>
+                        <a:lnT w="12700" cap="flat" cmpd="sng" algn="ctr">
+                          <a:solidFill>
+                            <a:schemeClr val="tx1"/>
+                          </a:solidFill>
+                          <a:prstDash val="solid"/>
+                          <a:round/>
+                          <a:headEnd type="none" w="med" len="med"/>
+                          <a:tailEnd type="none" w="med" len="med"/>
+                        </a:lnT>
+                        <a:lnB w="12700" cmpd="sng">
+                          <a:solidFill>
+                            <a:schemeClr val="tx1"/>
+                          </a:solidFill>
+                          <a:prstDash val="solid"/>
+                        </a:lnB>
+                      </a:tcPr>
+                    </a:tc>
+                    <a:extLst>
+                      <a:ext uri="{0D108BD9-81ED-4DB2-BD59-A6C34878D82A}">
+                        <a16:rowId xmlns:a16="http://schemas.microsoft.com/office/drawing/2014/main" val="1060367622"/>
+                      </a:ext>
+                    </a:extLst>
+                  </a:tr>
+                  <a:tr h="489397">
+                    <a:tc>
+                      <a:txBody>
+                        <a:bodyPr/>
+                        <a:lstStyle/>
+                        <a:p>
+                          <a14:m>
+                            <m:oMathPara xmlns:m="http://schemas.openxmlformats.org/officeDocument/2006/math">
+                              <m:oMathParaPr>
+                                <m:jc m:val="centerGroup"/>
+                              </m:oMathParaPr>
+                              <m:oMath xmlns:m="http://schemas.openxmlformats.org/officeDocument/2006/math">
+                                <m:sSub>
+                                  <m:sSubPr>
+                                    <m:ctrlPr>
+                                      <a:rPr lang="tr-TR" b="0" i="1" smtClean="0">
+                                        <a:latin typeface="Cambria Math" panose="02040503050406030204" pitchFamily="18" charset="0"/>
+                                      </a:rPr>
+                                    </m:ctrlPr>
+                                  </m:sSubPr>
+                                  <m:e>
+                                    <m:r>
+                                      <a:rPr lang="tr-TR" b="0" i="1" smtClean="0">
+                                        <a:latin typeface="Cambria Math" panose="02040503050406030204" pitchFamily="18" charset="0"/>
+                                      </a:rPr>
+                                      <m:t>𝐼</m:t>
+                                    </m:r>
+                                  </m:e>
+                                  <m:sub>
+                                    <m:r>
+                                      <a:rPr lang="tr-TR" b="0" i="1" smtClean="0">
+                                        <a:latin typeface="Cambria Math" panose="02040503050406030204" pitchFamily="18" charset="0"/>
+                                      </a:rPr>
+                                      <m:t>𝑠</m:t>
+                                    </m:r>
+                                    <m:r>
+                                      <a:rPr lang="tr-TR" b="0" i="1" smtClean="0">
+                                        <a:latin typeface="Cambria Math" panose="02040503050406030204" pitchFamily="18" charset="0"/>
+                                      </a:rPr>
+                                      <m:t>2</m:t>
+                                    </m:r>
+                                  </m:sub>
+                                </m:sSub>
+                              </m:oMath>
+                            </m:oMathPara>
+                          </a14:m>
+                          <a:endParaRPr lang="en-US" dirty="0"/>
+                        </a:p>
+                      </a:txBody>
+                      <a:tcPr>
+                        <a:lnL w="12700" cmpd="sng">
+                          <a:solidFill>
+                            <a:schemeClr val="tx1"/>
+                          </a:solidFill>
+                          <a:prstDash val="solid"/>
+                        </a:lnL>
+                        <a:lnR w="12700" cap="flat" cmpd="sng" algn="ctr">
+                          <a:solidFill>
+                            <a:schemeClr val="tx1"/>
+                          </a:solidFill>
+                          <a:prstDash val="solid"/>
+                          <a:round/>
+                          <a:headEnd type="none" w="med" len="med"/>
+                          <a:tailEnd type="none" w="med" len="med"/>
+                        </a:lnR>
+                        <a:lnT w="12700" cap="flat" cmpd="sng" algn="ctr">
+                          <a:solidFill>
+                            <a:schemeClr val="tx1"/>
+                          </a:solidFill>
+                          <a:prstDash val="solid"/>
+                          <a:round/>
+                          <a:headEnd type="none" w="med" len="med"/>
+                          <a:tailEnd type="none" w="med" len="med"/>
+                        </a:lnT>
+                        <a:lnB w="12700" cmpd="sng">
+                          <a:solidFill>
+                            <a:schemeClr val="tx1"/>
+                          </a:solidFill>
+                          <a:prstDash val="solid"/>
+                        </a:lnB>
+                      </a:tcPr>
+                    </a:tc>
+                    <a:tc>
+                      <a:txBody>
+                        <a:bodyPr/>
+                        <a:lstStyle/>
+                        <a:p>
+                          <a:r>
+                            <a:rPr lang="tr-TR" dirty="0"/>
+                            <a:t>3.0256A</a:t>
+                          </a:r>
+                          <a:endParaRPr lang="en-US" dirty="0"/>
+                        </a:p>
+                      </a:txBody>
+                      <a:tcPr>
+                        <a:lnL w="12700" cap="flat" cmpd="sng" algn="ctr">
+                          <a:solidFill>
+                            <a:schemeClr val="tx1"/>
+                          </a:solidFill>
+                          <a:prstDash val="solid"/>
+                          <a:round/>
+                          <a:headEnd type="none" w="med" len="med"/>
+                          <a:tailEnd type="none" w="med" len="med"/>
+                        </a:lnL>
+                        <a:lnR w="12700" cmpd="sng">
+                          <a:solidFill>
+                            <a:schemeClr val="tx1"/>
+                          </a:solidFill>
+                          <a:prstDash val="solid"/>
+                        </a:lnR>
+                        <a:lnT w="12700" cap="flat" cmpd="sng" algn="ctr">
+                          <a:solidFill>
+                            <a:schemeClr val="tx1"/>
+                          </a:solidFill>
+                          <a:prstDash val="solid"/>
+                          <a:round/>
+                          <a:headEnd type="none" w="med" len="med"/>
+                          <a:tailEnd type="none" w="med" len="med"/>
+                        </a:lnT>
+                        <a:lnB w="12700" cmpd="sng">
+                          <a:solidFill>
+                            <a:schemeClr val="tx1"/>
+                          </a:solidFill>
+                          <a:prstDash val="solid"/>
+                        </a:lnB>
+                      </a:tcPr>
+                    </a:tc>
+                    <a:extLst>
+                      <a:ext uri="{0D108BD9-81ED-4DB2-BD59-A6C34878D82A}">
+                        <a16:rowId xmlns:a16="http://schemas.microsoft.com/office/drawing/2014/main" val="1074135630"/>
+                      </a:ext>
+                    </a:extLst>
+                  </a:tr>
+                  <a:tr h="489397">
+                    <a:tc>
+                      <a:txBody>
+                        <a:bodyPr/>
+                        <a:lstStyle/>
+                        <a:p>
+                          <a14:m>
+                            <m:oMathPara xmlns:m="http://schemas.openxmlformats.org/officeDocument/2006/math">
+                              <m:oMathParaPr>
+                                <m:jc m:val="centerGroup"/>
+                              </m:oMathParaPr>
+                              <m:oMath xmlns:m="http://schemas.openxmlformats.org/officeDocument/2006/math">
+                                <m:sSub>
+                                  <m:sSubPr>
+                                    <m:ctrlPr>
+                                      <a:rPr lang="tr-TR" b="0" i="1" smtClean="0">
+                                        <a:latin typeface="Cambria Math" panose="02040503050406030204" pitchFamily="18" charset="0"/>
+                                      </a:rPr>
+                                    </m:ctrlPr>
+                                  </m:sSubPr>
+                                  <m:e>
+                                    <m:r>
+                                      <a:rPr lang="tr-TR" b="0" i="1" smtClean="0">
+                                        <a:latin typeface="Cambria Math" panose="02040503050406030204" pitchFamily="18" charset="0"/>
+                                      </a:rPr>
+                                      <m:t>𝐼</m:t>
+                                    </m:r>
+                                  </m:e>
+                                  <m:sub>
+                                    <m:r>
+                                      <a:rPr lang="tr-TR" b="0" i="1" smtClean="0">
+                                        <a:latin typeface="Cambria Math" panose="02040503050406030204" pitchFamily="18" charset="0"/>
+                                      </a:rPr>
+                                      <m:t>𝑠</m:t>
+                                    </m:r>
+                                    <m:r>
+                                      <a:rPr lang="tr-TR" b="0" i="1" smtClean="0">
+                                        <a:latin typeface="Cambria Math" panose="02040503050406030204" pitchFamily="18" charset="0"/>
+                                      </a:rPr>
+                                      <m:t>3</m:t>
+                                    </m:r>
+                                  </m:sub>
+                                </m:sSub>
+                              </m:oMath>
+                            </m:oMathPara>
+                          </a14:m>
+                          <a:endParaRPr lang="en-US" dirty="0"/>
+                        </a:p>
+                      </a:txBody>
+                      <a:tcPr>
+                        <a:lnL w="12700" cmpd="sng">
+                          <a:solidFill>
+                            <a:schemeClr val="tx1"/>
+                          </a:solidFill>
+                          <a:prstDash val="solid"/>
+                        </a:lnL>
+                        <a:lnR w="12700" cap="flat" cmpd="sng" algn="ctr">
+                          <a:solidFill>
+                            <a:schemeClr val="tx1"/>
+                          </a:solidFill>
+                          <a:prstDash val="solid"/>
+                          <a:round/>
+                          <a:headEnd type="none" w="med" len="med"/>
+                          <a:tailEnd type="none" w="med" len="med"/>
+                        </a:lnR>
+                        <a:lnT w="12700" cap="flat" cmpd="sng" algn="ctr">
+                          <a:solidFill>
+                            <a:schemeClr val="tx1"/>
+                          </a:solidFill>
+                          <a:prstDash val="solid"/>
+                          <a:round/>
+                          <a:headEnd type="none" w="med" len="med"/>
+                          <a:tailEnd type="none" w="med" len="med"/>
+                        </a:lnT>
+                        <a:lnB w="12700" cmpd="sng">
+                          <a:solidFill>
+                            <a:schemeClr val="tx1"/>
+                          </a:solidFill>
+                          <a:prstDash val="solid"/>
+                        </a:lnB>
+                      </a:tcPr>
+                    </a:tc>
+                    <a:tc>
+                      <a:txBody>
+                        <a:bodyPr/>
+                        <a:lstStyle/>
+                        <a:p>
+                          <a:r>
+                            <a:rPr lang="tr-TR" dirty="0"/>
+                            <a:t>2.8608A</a:t>
+                          </a:r>
+                          <a:endParaRPr lang="en-US" dirty="0"/>
+                        </a:p>
+                      </a:txBody>
+                      <a:tcPr>
+                        <a:lnL w="12700" cap="flat" cmpd="sng" algn="ctr">
+                          <a:solidFill>
+                            <a:schemeClr val="tx1"/>
+                          </a:solidFill>
+                          <a:prstDash val="solid"/>
+                          <a:round/>
+                          <a:headEnd type="none" w="med" len="med"/>
+                          <a:tailEnd type="none" w="med" len="med"/>
+                        </a:lnL>
+                        <a:lnR w="12700" cmpd="sng">
+                          <a:solidFill>
+                            <a:schemeClr val="tx1"/>
+                          </a:solidFill>
+                          <a:prstDash val="solid"/>
+                        </a:lnR>
+                        <a:lnT w="12700" cap="flat" cmpd="sng" algn="ctr">
+                          <a:solidFill>
+                            <a:schemeClr val="tx1"/>
+                          </a:solidFill>
+                          <a:prstDash val="solid"/>
+                          <a:round/>
+                          <a:headEnd type="none" w="med" len="med"/>
+                          <a:tailEnd type="none" w="med" len="med"/>
+                        </a:lnT>
+                        <a:lnB w="12700" cmpd="sng">
+                          <a:solidFill>
+                            <a:schemeClr val="tx1"/>
+                          </a:solidFill>
+                          <a:prstDash val="solid"/>
+                        </a:lnB>
+                      </a:tcPr>
+                    </a:tc>
+                    <a:extLst>
+                      <a:ext uri="{0D108BD9-81ED-4DB2-BD59-A6C34878D82A}">
+                        <a16:rowId xmlns:a16="http://schemas.microsoft.com/office/drawing/2014/main" val="156613636"/>
+                      </a:ext>
+                    </a:extLst>
+                  </a:tr>
+                  <a:tr h="0">
+                    <a:tc>
+                      <a:txBody>
+                        <a:bodyPr/>
+                        <a:lstStyle/>
+                        <a:p>
+                          <a14:m>
+                            <m:oMathPara xmlns:m="http://schemas.openxmlformats.org/officeDocument/2006/math">
+                              <m:oMathParaPr>
+                                <m:jc m:val="centerGroup"/>
+                              </m:oMathParaPr>
+                              <m:oMath xmlns:m="http://schemas.openxmlformats.org/officeDocument/2006/math">
+                                <m:sSub>
+                                  <m:sSubPr>
+                                    <m:ctrlPr>
+                                      <a:rPr lang="tr-TR" b="0" i="1" smtClean="0">
+                                        <a:latin typeface="Cambria Math" panose="02040503050406030204" pitchFamily="18" charset="0"/>
+                                      </a:rPr>
+                                    </m:ctrlPr>
+                                  </m:sSubPr>
+                                  <m:e>
+                                    <m:r>
+                                      <a:rPr lang="tr-TR" b="0" i="1" smtClean="0">
+                                        <a:latin typeface="Cambria Math" panose="02040503050406030204" pitchFamily="18" charset="0"/>
+                                      </a:rPr>
+                                      <m:t>𝐼</m:t>
+                                    </m:r>
+                                  </m:e>
+                                  <m:sub>
+                                    <m:r>
+                                      <a:rPr lang="tr-TR" b="0" i="1" smtClean="0">
+                                        <a:latin typeface="Cambria Math" panose="02040503050406030204" pitchFamily="18" charset="0"/>
+                                      </a:rPr>
+                                      <m:t>𝑠</m:t>
+                                    </m:r>
+                                    <m:r>
+                                      <a:rPr lang="tr-TR" b="0" i="1" smtClean="0">
+                                        <a:latin typeface="Cambria Math" panose="02040503050406030204" pitchFamily="18" charset="0"/>
+                                      </a:rPr>
+                                      <m:t>4</m:t>
+                                    </m:r>
+                                  </m:sub>
+                                </m:sSub>
+                              </m:oMath>
+                            </m:oMathPara>
+                          </a14:m>
+                          <a:endParaRPr lang="en-US" dirty="0"/>
+                        </a:p>
+                      </a:txBody>
+                      <a:tcPr>
+                        <a:lnL w="12700" cmpd="sng">
+                          <a:solidFill>
+                            <a:schemeClr val="tx1"/>
+                          </a:solidFill>
+                          <a:prstDash val="solid"/>
+                        </a:lnL>
+                        <a:lnR w="12700" cap="flat" cmpd="sng" algn="ctr">
+                          <a:solidFill>
+                            <a:schemeClr val="tx1"/>
+                          </a:solidFill>
+                          <a:prstDash val="solid"/>
+                          <a:round/>
+                          <a:headEnd type="none" w="med" len="med"/>
+                          <a:tailEnd type="none" w="med" len="med"/>
+                        </a:lnR>
+                        <a:lnT w="12700" cap="flat" cmpd="sng" algn="ctr">
+                          <a:solidFill>
+                            <a:schemeClr val="tx1"/>
+                          </a:solidFill>
+                          <a:prstDash val="solid"/>
+                          <a:round/>
+                          <a:headEnd type="none" w="med" len="med"/>
+                          <a:tailEnd type="none" w="med" len="med"/>
+                        </a:lnT>
+                        <a:lnB w="12700" cap="flat" cmpd="sng" algn="ctr">
+                          <a:solidFill>
+                            <a:schemeClr val="tx1"/>
+                          </a:solidFill>
+                          <a:prstDash val="solid"/>
+                          <a:round/>
+                          <a:headEnd type="none" w="med" len="med"/>
+                          <a:tailEnd type="none" w="med" len="med"/>
+                        </a:lnB>
+                      </a:tcPr>
+                    </a:tc>
+                    <a:tc>
+                      <a:txBody>
+                        <a:bodyPr/>
+                        <a:lstStyle/>
+                        <a:p>
+                          <a:r>
+                            <a:rPr lang="tr-TR" dirty="0"/>
+                            <a:t>1.8333A</a:t>
+                          </a:r>
+                          <a:endParaRPr lang="en-US" dirty="0"/>
+                        </a:p>
+                      </a:txBody>
+                      <a:tcPr>
+                        <a:lnL w="12700" cmpd="sng">
+                          <a:solidFill>
+                            <a:schemeClr val="tx1"/>
+                          </a:solidFill>
+                          <a:prstDash val="solid"/>
+                        </a:lnL>
+                        <a:lnR w="12700" cmpd="sng">
+                          <a:solidFill>
+                            <a:schemeClr val="tx1"/>
+                          </a:solidFill>
+                          <a:prstDash val="solid"/>
+                        </a:lnR>
+                        <a:lnT w="12700" cap="flat" cmpd="sng" algn="ctr">
+                          <a:solidFill>
+                            <a:schemeClr val="tx1"/>
+                          </a:solidFill>
+                          <a:prstDash val="solid"/>
+                          <a:round/>
+                          <a:headEnd type="none" w="med" len="med"/>
+                          <a:tailEnd type="none" w="med" len="med"/>
+                        </a:lnT>
+                        <a:lnB w="12700" cap="flat" cmpd="sng" algn="ctr">
+                          <a:solidFill>
+                            <a:schemeClr val="tx1"/>
+                          </a:solidFill>
+                          <a:prstDash val="solid"/>
+                          <a:round/>
+                          <a:headEnd type="none" w="med" len="med"/>
+                          <a:tailEnd type="none" w="med" len="med"/>
+                        </a:lnB>
+                      </a:tcPr>
+                    </a:tc>
+                    <a:extLst>
+                      <a:ext uri="{0D108BD9-81ED-4DB2-BD59-A6C34878D82A}">
+                        <a16:rowId xmlns:a16="http://schemas.microsoft.com/office/drawing/2014/main" val="740634367"/>
+                      </a:ext>
+                    </a:extLst>
+                  </a:tr>
+                  <a:tr h="489397">
+                    <a:tc>
+                      <a:txBody>
+                        <a:bodyPr/>
+                        <a:lstStyle/>
+                        <a:p>
+                          <a14:m>
+                            <m:oMathPara xmlns:m="http://schemas.openxmlformats.org/officeDocument/2006/math">
+                              <m:oMathParaPr>
+                                <m:jc m:val="centerGroup"/>
+                              </m:oMathParaPr>
+                              <m:oMath xmlns:m="http://schemas.openxmlformats.org/officeDocument/2006/math">
+                                <m:sSub>
+                                  <m:sSubPr>
+                                    <m:ctrlPr>
+                                      <a:rPr lang="tr-TR" b="0" i="1" smtClean="0">
+                                        <a:latin typeface="Cambria Math" panose="02040503050406030204" pitchFamily="18" charset="0"/>
+                                      </a:rPr>
+                                    </m:ctrlPr>
+                                  </m:sSubPr>
+                                  <m:e>
+                                    <m:r>
+                                      <a:rPr lang="tr-TR" b="0" i="1" smtClean="0">
+                                        <a:latin typeface="Cambria Math" panose="02040503050406030204" pitchFamily="18" charset="0"/>
+                                      </a:rPr>
+                                      <m:t>𝑉</m:t>
+                                    </m:r>
+                                  </m:e>
+                                  <m:sub>
+                                    <m:r>
+                                      <a:rPr lang="tr-TR" b="0" i="1" smtClean="0">
+                                        <a:latin typeface="Cambria Math" panose="02040503050406030204" pitchFamily="18" charset="0"/>
+                                      </a:rPr>
+                                      <m:t>𝑜𝑢𝑡</m:t>
+                                    </m:r>
+                                  </m:sub>
+                                </m:sSub>
+                              </m:oMath>
+                            </m:oMathPara>
+                          </a14:m>
+                          <a:endParaRPr lang="en-US" dirty="0"/>
+                        </a:p>
+                      </a:txBody>
+                      <a:tcPr>
+                        <a:lnL w="12700" cmpd="sng">
+                          <a:solidFill>
+                            <a:schemeClr val="tx1"/>
+                          </a:solidFill>
+                          <a:prstDash val="solid"/>
+                        </a:lnL>
+                        <a:lnR w="12700" cap="flat" cmpd="sng" algn="ctr">
+                          <a:solidFill>
+                            <a:schemeClr val="tx1"/>
+                          </a:solidFill>
+                          <a:prstDash val="solid"/>
+                          <a:round/>
+                          <a:headEnd type="none" w="med" len="med"/>
+                          <a:tailEnd type="none" w="med" len="med"/>
+                        </a:lnR>
+                        <a:lnT w="12700" cap="flat" cmpd="sng" algn="ctr">
+                          <a:solidFill>
+                            <a:schemeClr val="tx1"/>
+                          </a:solidFill>
+                          <a:prstDash val="solid"/>
+                          <a:round/>
+                          <a:headEnd type="none" w="med" len="med"/>
+                          <a:tailEnd type="none" w="med" len="med"/>
+                        </a:lnT>
+                        <a:lnB w="12700" cmpd="sng">
+                          <a:solidFill>
+                            <a:schemeClr val="tx1"/>
+                          </a:solidFill>
+                          <a:prstDash val="solid"/>
+                        </a:lnB>
+                      </a:tcPr>
+                    </a:tc>
+                    <a:tc>
+                      <a:txBody>
+                        <a:bodyPr/>
+                        <a:lstStyle/>
+                        <a:p>
+                          <a:r>
+                            <a:rPr lang="tr-TR" dirty="0"/>
+                            <a:t>90V</a:t>
+                          </a:r>
+                          <a:endParaRPr lang="en-US" dirty="0"/>
+                        </a:p>
+                      </a:txBody>
+                      <a:tcPr>
+                        <a:lnL w="12700" cap="flat" cmpd="sng" algn="ctr">
+                          <a:solidFill>
+                            <a:schemeClr val="tx1"/>
+                          </a:solidFill>
+                          <a:prstDash val="solid"/>
+                          <a:round/>
+                          <a:headEnd type="none" w="med" len="med"/>
+                          <a:tailEnd type="none" w="med" len="med"/>
+                        </a:lnL>
+                        <a:lnR w="12700" cmpd="sng">
+                          <a:solidFill>
+                            <a:schemeClr val="tx1"/>
+                          </a:solidFill>
+                          <a:prstDash val="solid"/>
+                        </a:lnR>
+                        <a:lnT w="12700" cap="flat" cmpd="sng" algn="ctr">
+                          <a:solidFill>
+                            <a:schemeClr val="tx1"/>
+                          </a:solidFill>
+                          <a:prstDash val="solid"/>
+                          <a:round/>
+                          <a:headEnd type="none" w="med" len="med"/>
+                          <a:tailEnd type="none" w="med" len="med"/>
+                        </a:lnT>
+                        <a:lnB w="12700" cmpd="sng">
+                          <a:solidFill>
+                            <a:schemeClr val="tx1"/>
+                          </a:solidFill>
+                          <a:prstDash val="solid"/>
+                        </a:lnB>
+                      </a:tcPr>
+                    </a:tc>
+                    <a:extLst>
+                      <a:ext uri="{0D108BD9-81ED-4DB2-BD59-A6C34878D82A}">
+                        <a16:rowId xmlns:a16="http://schemas.microsoft.com/office/drawing/2014/main" val="3282647707"/>
+                      </a:ext>
+                    </a:extLst>
+                  </a:tr>
+                </a:tbl>
+              </a:graphicData>
+            </a:graphic>
+          </p:graphicFrame>
+        </mc:Choice>
+        <mc:Fallback>
+          <p:graphicFrame>
+            <p:nvGraphicFramePr>
+              <p:cNvPr id="5" name="Table 4">
+                <a:extLst>
+                  <a:ext uri="{FF2B5EF4-FFF2-40B4-BE49-F238E27FC236}">
+                    <a16:creationId xmlns:a16="http://schemas.microsoft.com/office/drawing/2014/main" id="{4E8612DC-7A79-436A-9179-1DF0AC30422F}"/>
+                  </a:ext>
+                </a:extLst>
+              </p:cNvPr>
+              <p:cNvGraphicFramePr>
+                <a:graphicFrameLocks noGrp="1"/>
+              </p:cNvGraphicFramePr>
+              <p:nvPr>
+                <p:extLst>
+                  <p:ext uri="{D42A27DB-BD31-4B8C-83A1-F6EECF244321}">
+                    <p14:modId xmlns:p14="http://schemas.microsoft.com/office/powerpoint/2010/main" val="1925404058"/>
+                  </p:ext>
+                </p:extLst>
+              </p:nvPr>
+            </p:nvGraphicFramePr>
+            <p:xfrm>
+              <a:off x="4200660" y="2904187"/>
+              <a:ext cx="3631842" cy="3791539"/>
+            </p:xfrm>
+            <a:graphic>
+              <a:graphicData uri="http://schemas.openxmlformats.org/drawingml/2006/table">
+                <a:tbl>
+                  <a:tblPr/>
+                  <a:tblGrid>
+                    <a:gridCol w="1815921">
+                      <a:extLst>
+                        <a:ext uri="{9D8B030D-6E8A-4147-A177-3AD203B41FA5}">
+                          <a16:colId xmlns:a16="http://schemas.microsoft.com/office/drawing/2014/main" val="1553897858"/>
+                        </a:ext>
+                      </a:extLst>
+                    </a:gridCol>
+                    <a:gridCol w="1815921">
+                      <a:extLst>
+                        <a:ext uri="{9D8B030D-6E8A-4147-A177-3AD203B41FA5}">
+                          <a16:colId xmlns:a16="http://schemas.microsoft.com/office/drawing/2014/main" val="1273914735"/>
+                        </a:ext>
+                      </a:extLst>
+                    </a:gridCol>
+                  </a:tblGrid>
+                  <a:tr h="489397">
+                    <a:tc gridSpan="2">
+                      <a:txBody>
+                        <a:bodyPr/>
+                        <a:lstStyle/>
+                        <a:p>
+                          <a:r>
+                            <a:rPr lang="tr-TR" dirty="0" err="1"/>
+                            <a:t>Primer</a:t>
+                          </a:r>
+                          <a:r>
+                            <a:rPr lang="tr-TR" dirty="0"/>
+                            <a:t>  </a:t>
+                          </a:r>
+                          <a:r>
+                            <a:rPr lang="tr-TR" dirty="0" err="1"/>
+                            <a:t>Resonance</a:t>
+                          </a:r>
+                          <a:r>
+                            <a:rPr lang="tr-TR" dirty="0"/>
+                            <a:t>(150kHz)</a:t>
+                          </a:r>
+                        </a:p>
+                      </a:txBody>
+                      <a:tcPr>
+                        <a:lnL w="12700" cmpd="sng">
+                          <a:solidFill>
+                            <a:schemeClr val="tx1"/>
+                          </a:solidFill>
+                          <a:prstDash val="solid"/>
+                        </a:lnL>
+                        <a:lnR w="12700" cap="flat" cmpd="sng" algn="ctr">
+                          <a:solidFill>
+                            <a:schemeClr val="tx1"/>
+                          </a:solidFill>
+                          <a:prstDash val="solid"/>
+                          <a:round/>
+                          <a:headEnd type="none" w="med" len="med"/>
+                          <a:tailEnd type="none" w="med" len="med"/>
+                        </a:lnR>
+                        <a:lnT w="12700" cmpd="sng">
+                          <a:solidFill>
+                            <a:schemeClr val="tx1"/>
+                          </a:solidFill>
+                          <a:prstDash val="solid"/>
+                        </a:lnT>
+                        <a:lnB w="12700" cap="flat" cmpd="sng" algn="ctr">
+                          <a:solidFill>
+                            <a:schemeClr val="tx1"/>
+                          </a:solidFill>
+                          <a:prstDash val="solid"/>
+                          <a:round/>
+                          <a:headEnd type="none" w="med" len="med"/>
+                          <a:tailEnd type="none" w="med" len="med"/>
+                        </a:lnB>
+                      </a:tcPr>
+                    </a:tc>
+                    <a:tc hMerge="1">
+                      <a:txBody>
+                        <a:bodyPr/>
+                        <a:lstStyle/>
+                        <a:p>
+                          <a:endParaRPr lang="en-US" dirty="0"/>
+                        </a:p>
+                      </a:txBody>
+                      <a:tcPr>
+                        <a:lnL w="12700" cap="flat" cmpd="sng" algn="ctr">
+                          <a:solidFill>
+                            <a:schemeClr val="tx1"/>
+                          </a:solidFill>
+                          <a:prstDash val="solid"/>
+                          <a:round/>
+                          <a:headEnd type="none" w="med" len="med"/>
+                          <a:tailEnd type="none" w="med" len="med"/>
+                        </a:lnL>
+                        <a:lnR w="12700" cmpd="sng">
+                          <a:solidFill>
+                            <a:schemeClr val="tx1"/>
+                          </a:solidFill>
+                          <a:prstDash val="solid"/>
+                        </a:lnR>
+                        <a:lnT w="12700" cmpd="sng">
+                          <a:solidFill>
+                            <a:schemeClr val="tx1"/>
+                          </a:solidFill>
+                          <a:prstDash val="solid"/>
+                        </a:lnT>
+                        <a:lnB w="12700" cmpd="sng">
+                          <a:solidFill>
+                            <a:schemeClr val="tx1"/>
+                          </a:solidFill>
+                          <a:prstDash val="solid"/>
+                        </a:lnB>
+                      </a:tcPr>
+                    </a:tc>
+                    <a:extLst>
+                      <a:ext uri="{0D108BD9-81ED-4DB2-BD59-A6C34878D82A}">
+                        <a16:rowId xmlns:a16="http://schemas.microsoft.com/office/drawing/2014/main" val="54932692"/>
+                      </a:ext>
+                    </a:extLst>
+                  </a:tr>
+                  <a:tr h="489397">
+                    <a:tc gridSpan="2">
+                      <a:txBody>
+                        <a:bodyPr/>
+                        <a:lstStyle/>
+                        <a:p>
+                          <a:r>
+                            <a:rPr lang="tr-TR" dirty="0" err="1"/>
+                            <a:t>Seconder</a:t>
+                          </a:r>
+                          <a:r>
+                            <a:rPr lang="tr-TR" dirty="0"/>
+                            <a:t> </a:t>
+                          </a:r>
+                          <a:r>
+                            <a:rPr lang="tr-TR" dirty="0" err="1"/>
+                            <a:t>Resonance</a:t>
+                          </a:r>
+                          <a:r>
+                            <a:rPr lang="tr-TR" dirty="0"/>
+                            <a:t>(150kHz)</a:t>
+                          </a:r>
+                        </a:p>
+                      </a:txBody>
+                      <a:tcPr>
+                        <a:lnL w="12700" cmpd="sng">
+                          <a:solidFill>
+                            <a:schemeClr val="tx1"/>
+                          </a:solidFill>
+                          <a:prstDash val="solid"/>
+                        </a:lnL>
+                        <a:lnR w="12700" cap="flat" cmpd="sng" algn="ctr">
+                          <a:solidFill>
+                            <a:schemeClr val="tx1"/>
+                          </a:solidFill>
+                          <a:prstDash val="solid"/>
+                          <a:round/>
+                          <a:headEnd type="none" w="med" len="med"/>
+                          <a:tailEnd type="none" w="med" len="med"/>
+                        </a:lnR>
+                        <a:lnT w="12700" cap="flat" cmpd="sng" algn="ctr">
+                          <a:solidFill>
+                            <a:schemeClr val="tx1"/>
+                          </a:solidFill>
+                          <a:prstDash val="solid"/>
+                          <a:round/>
+                          <a:headEnd type="none" w="med" len="med"/>
+                          <a:tailEnd type="none" w="med" len="med"/>
+                        </a:lnT>
+                        <a:lnB w="12700" cap="flat" cmpd="sng" algn="ctr">
+                          <a:solidFill>
+                            <a:schemeClr val="tx1"/>
+                          </a:solidFill>
+                          <a:prstDash val="solid"/>
+                          <a:round/>
+                          <a:headEnd type="none" w="med" len="med"/>
+                          <a:tailEnd type="none" w="med" len="med"/>
+                        </a:lnB>
+                      </a:tcPr>
+                    </a:tc>
+                    <a:tc hMerge="1">
+                      <a:txBody>
+                        <a:bodyPr/>
+                        <a:lstStyle/>
+                        <a:p>
+                          <a:endParaRPr lang="en-US"/>
+                        </a:p>
+                      </a:txBody>
+                      <a:tcPr/>
+                    </a:tc>
+                    <a:extLst>
+                      <a:ext uri="{0D108BD9-81ED-4DB2-BD59-A6C34878D82A}">
+                        <a16:rowId xmlns:a16="http://schemas.microsoft.com/office/drawing/2014/main" val="605678987"/>
+                      </a:ext>
+                    </a:extLst>
+                  </a:tr>
+                  <a:tr h="489397">
+                    <a:tc gridSpan="2">
+                      <a:txBody>
+                        <a:bodyPr/>
+                        <a:lstStyle/>
+                        <a:p>
+                          <a:r>
+                            <a:rPr lang="tr-TR" dirty="0" err="1"/>
+                            <a:t>Operation</a:t>
+                          </a:r>
+                          <a:r>
+                            <a:rPr lang="tr-TR" dirty="0"/>
+                            <a:t> </a:t>
+                          </a:r>
+                          <a:r>
+                            <a:rPr lang="tr-TR" dirty="0" err="1"/>
+                            <a:t>Frequency</a:t>
+                          </a:r>
+                          <a:r>
+                            <a:rPr lang="tr-TR" dirty="0"/>
+                            <a:t> (160 kHz)</a:t>
+                          </a:r>
+                        </a:p>
+                      </a:txBody>
+                      <a:tcPr>
+                        <a:lnL w="12700" cmpd="sng">
+                          <a:solidFill>
+                            <a:schemeClr val="tx1"/>
+                          </a:solidFill>
+                          <a:prstDash val="solid"/>
+                        </a:lnL>
+                        <a:lnR w="12700" cap="flat" cmpd="sng" algn="ctr">
+                          <a:solidFill>
+                            <a:schemeClr val="tx1"/>
+                          </a:solidFill>
+                          <a:prstDash val="solid"/>
+                          <a:round/>
+                          <a:headEnd type="none" w="med" len="med"/>
+                          <a:tailEnd type="none" w="med" len="med"/>
+                        </a:lnR>
+                        <a:lnT w="12700" cap="flat" cmpd="sng" algn="ctr">
+                          <a:solidFill>
+                            <a:schemeClr val="tx1"/>
+                          </a:solidFill>
+                          <a:prstDash val="solid"/>
+                          <a:round/>
+                          <a:headEnd type="none" w="med" len="med"/>
+                          <a:tailEnd type="none" w="med" len="med"/>
+                        </a:lnT>
+                        <a:lnB w="12700" cap="flat" cmpd="sng" algn="ctr">
+                          <a:solidFill>
+                            <a:schemeClr val="tx1"/>
+                          </a:solidFill>
+                          <a:prstDash val="solid"/>
+                          <a:round/>
+                          <a:headEnd type="none" w="med" len="med"/>
+                          <a:tailEnd type="none" w="med" len="med"/>
+                        </a:lnB>
+                      </a:tcPr>
+                    </a:tc>
+                    <a:tc hMerge="1">
+                      <a:txBody>
+                        <a:bodyPr/>
+                        <a:lstStyle/>
+                        <a:p>
+                          <a:endParaRPr lang="en-US"/>
+                        </a:p>
+                      </a:txBody>
+                      <a:tcPr/>
+                    </a:tc>
+                    <a:extLst>
+                      <a:ext uri="{0D108BD9-81ED-4DB2-BD59-A6C34878D82A}">
+                        <a16:rowId xmlns:a16="http://schemas.microsoft.com/office/drawing/2014/main" val="1941288384"/>
+                      </a:ext>
+                    </a:extLst>
+                  </a:tr>
+                  <a:tr h="489397">
+                    <a:tc>
+                      <a:txBody>
+                        <a:bodyPr/>
+                        <a:lstStyle/>
+                        <a:p>
+                          <a:endParaRPr lang="en-US"/>
+                        </a:p>
+                      </a:txBody>
+                      <a:tcPr>
+                        <a:lnL w="12700" cmpd="sng">
+                          <a:solidFill>
+                            <a:schemeClr val="tx1"/>
+                          </a:solidFill>
+                          <a:prstDash val="solid"/>
+                        </a:lnL>
+                        <a:lnR w="12700" cap="flat" cmpd="sng" algn="ctr">
+                          <a:solidFill>
+                            <a:schemeClr val="tx1"/>
+                          </a:solidFill>
+                          <a:prstDash val="solid"/>
+                          <a:round/>
+                          <a:headEnd type="none" w="med" len="med"/>
+                          <a:tailEnd type="none" w="med" len="med"/>
+                        </a:lnR>
+                        <a:lnT w="12700" cap="flat" cmpd="sng" algn="ctr">
+                          <a:solidFill>
+                            <a:schemeClr val="tx1"/>
+                          </a:solidFill>
+                          <a:prstDash val="solid"/>
+                          <a:round/>
+                          <a:headEnd type="none" w="med" len="med"/>
+                          <a:tailEnd type="none" w="med" len="med"/>
+                        </a:lnT>
+                        <a:lnB w="12700" cmpd="sng">
+                          <a:solidFill>
+                            <a:schemeClr val="tx1"/>
+                          </a:solidFill>
+                          <a:prstDash val="solid"/>
+                        </a:lnB>
+                        <a:blipFill>
+                          <a:blip r:embed="rId3"/>
+                          <a:stretch>
+                            <a:fillRect l="-336" t="-303704" r="-100671" b="-374074"/>
+                          </a:stretch>
+                        </a:blipFill>
+                      </a:tcPr>
+                    </a:tc>
+                    <a:tc>
+                      <a:txBody>
+                        <a:bodyPr/>
+                        <a:lstStyle/>
+                        <a:p>
+                          <a:r>
+                            <a:rPr lang="tr-TR" dirty="0"/>
+                            <a:t>2.562A</a:t>
+                          </a:r>
+                          <a:endParaRPr lang="en-US" dirty="0"/>
+                        </a:p>
+                      </a:txBody>
+                      <a:tcPr>
+                        <a:lnL w="12700" cap="flat" cmpd="sng" algn="ctr">
+                          <a:solidFill>
+                            <a:schemeClr val="tx1"/>
+                          </a:solidFill>
+                          <a:prstDash val="solid"/>
+                          <a:round/>
+                          <a:headEnd type="none" w="med" len="med"/>
+                          <a:tailEnd type="none" w="med" len="med"/>
+                        </a:lnL>
+                        <a:lnR w="12700" cmpd="sng">
+                          <a:solidFill>
+                            <a:schemeClr val="tx1"/>
+                          </a:solidFill>
+                          <a:prstDash val="solid"/>
+                        </a:lnR>
+                        <a:lnT w="12700" cap="flat" cmpd="sng" algn="ctr">
+                          <a:solidFill>
+                            <a:schemeClr val="tx1"/>
+                          </a:solidFill>
+                          <a:prstDash val="solid"/>
+                          <a:round/>
+                          <a:headEnd type="none" w="med" len="med"/>
+                          <a:tailEnd type="none" w="med" len="med"/>
+                        </a:lnT>
+                        <a:lnB w="12700" cmpd="sng">
+                          <a:solidFill>
+                            <a:schemeClr val="tx1"/>
+                          </a:solidFill>
+                          <a:prstDash val="solid"/>
+                        </a:lnB>
+                      </a:tcPr>
+                    </a:tc>
+                    <a:extLst>
+                      <a:ext uri="{0D108BD9-81ED-4DB2-BD59-A6C34878D82A}">
+                        <a16:rowId xmlns:a16="http://schemas.microsoft.com/office/drawing/2014/main" val="1060367622"/>
+                      </a:ext>
+                    </a:extLst>
+                  </a:tr>
+                  <a:tr h="489397">
+                    <a:tc>
+                      <a:txBody>
+                        <a:bodyPr/>
+                        <a:lstStyle/>
+                        <a:p>
+                          <a:endParaRPr lang="en-US"/>
+                        </a:p>
+                      </a:txBody>
+                      <a:tcPr>
+                        <a:lnL w="12700" cmpd="sng">
+                          <a:solidFill>
+                            <a:schemeClr val="tx1"/>
+                          </a:solidFill>
+                          <a:prstDash val="solid"/>
+                        </a:lnL>
+                        <a:lnR w="12700" cap="flat" cmpd="sng" algn="ctr">
+                          <a:solidFill>
+                            <a:schemeClr val="tx1"/>
+                          </a:solidFill>
+                          <a:prstDash val="solid"/>
+                          <a:round/>
+                          <a:headEnd type="none" w="med" len="med"/>
+                          <a:tailEnd type="none" w="med" len="med"/>
+                        </a:lnR>
+                        <a:lnT w="12700" cap="flat" cmpd="sng" algn="ctr">
+                          <a:solidFill>
+                            <a:schemeClr val="tx1"/>
+                          </a:solidFill>
+                          <a:prstDash val="solid"/>
+                          <a:round/>
+                          <a:headEnd type="none" w="med" len="med"/>
+                          <a:tailEnd type="none" w="med" len="med"/>
+                        </a:lnT>
+                        <a:lnB w="12700" cmpd="sng">
+                          <a:solidFill>
+                            <a:schemeClr val="tx1"/>
+                          </a:solidFill>
+                          <a:prstDash val="solid"/>
+                        </a:lnB>
+                        <a:blipFill>
+                          <a:blip r:embed="rId3"/>
+                          <a:stretch>
+                            <a:fillRect l="-336" t="-408750" r="-100671" b="-278750"/>
+                          </a:stretch>
+                        </a:blipFill>
+                      </a:tcPr>
+                    </a:tc>
+                    <a:tc>
+                      <a:txBody>
+                        <a:bodyPr/>
+                        <a:lstStyle/>
+                        <a:p>
+                          <a:r>
+                            <a:rPr lang="tr-TR" dirty="0"/>
+                            <a:t>3.0256A</a:t>
+                          </a:r>
+                          <a:endParaRPr lang="en-US" dirty="0"/>
+                        </a:p>
+                      </a:txBody>
+                      <a:tcPr>
+                        <a:lnL w="12700" cap="flat" cmpd="sng" algn="ctr">
+                          <a:solidFill>
+                            <a:schemeClr val="tx1"/>
+                          </a:solidFill>
+                          <a:prstDash val="solid"/>
+                          <a:round/>
+                          <a:headEnd type="none" w="med" len="med"/>
+                          <a:tailEnd type="none" w="med" len="med"/>
+                        </a:lnL>
+                        <a:lnR w="12700" cmpd="sng">
+                          <a:solidFill>
+                            <a:schemeClr val="tx1"/>
+                          </a:solidFill>
+                          <a:prstDash val="solid"/>
+                        </a:lnR>
+                        <a:lnT w="12700" cap="flat" cmpd="sng" algn="ctr">
+                          <a:solidFill>
+                            <a:schemeClr val="tx1"/>
+                          </a:solidFill>
+                          <a:prstDash val="solid"/>
+                          <a:round/>
+                          <a:headEnd type="none" w="med" len="med"/>
+                          <a:tailEnd type="none" w="med" len="med"/>
+                        </a:lnT>
+                        <a:lnB w="12700" cmpd="sng">
+                          <a:solidFill>
+                            <a:schemeClr val="tx1"/>
+                          </a:solidFill>
+                          <a:prstDash val="solid"/>
+                        </a:lnB>
+                      </a:tcPr>
+                    </a:tc>
+                    <a:extLst>
+                      <a:ext uri="{0D108BD9-81ED-4DB2-BD59-A6C34878D82A}">
+                        <a16:rowId xmlns:a16="http://schemas.microsoft.com/office/drawing/2014/main" val="1074135630"/>
+                      </a:ext>
+                    </a:extLst>
+                  </a:tr>
+                  <a:tr h="489397">
+                    <a:tc>
+                      <a:txBody>
+                        <a:bodyPr/>
+                        <a:lstStyle/>
+                        <a:p>
+                          <a:endParaRPr lang="en-US"/>
+                        </a:p>
+                      </a:txBody>
+                      <a:tcPr>
+                        <a:lnL w="12700" cmpd="sng">
+                          <a:solidFill>
+                            <a:schemeClr val="tx1"/>
+                          </a:solidFill>
+                          <a:prstDash val="solid"/>
+                        </a:lnL>
+                        <a:lnR w="12700" cap="flat" cmpd="sng" algn="ctr">
+                          <a:solidFill>
+                            <a:schemeClr val="tx1"/>
+                          </a:solidFill>
+                          <a:prstDash val="solid"/>
+                          <a:round/>
+                          <a:headEnd type="none" w="med" len="med"/>
+                          <a:tailEnd type="none" w="med" len="med"/>
+                        </a:lnR>
+                        <a:lnT w="12700" cap="flat" cmpd="sng" algn="ctr">
+                          <a:solidFill>
+                            <a:schemeClr val="tx1"/>
+                          </a:solidFill>
+                          <a:prstDash val="solid"/>
+                          <a:round/>
+                          <a:headEnd type="none" w="med" len="med"/>
+                          <a:tailEnd type="none" w="med" len="med"/>
+                        </a:lnT>
+                        <a:lnB w="12700" cmpd="sng">
+                          <a:solidFill>
+                            <a:schemeClr val="tx1"/>
+                          </a:solidFill>
+                          <a:prstDash val="solid"/>
+                        </a:lnB>
+                        <a:blipFill>
+                          <a:blip r:embed="rId3"/>
+                          <a:stretch>
+                            <a:fillRect l="-336" t="-508750" r="-100671" b="-178750"/>
+                          </a:stretch>
+                        </a:blipFill>
+                      </a:tcPr>
+                    </a:tc>
+                    <a:tc>
+                      <a:txBody>
+                        <a:bodyPr/>
+                        <a:lstStyle/>
+                        <a:p>
+                          <a:r>
+                            <a:rPr lang="tr-TR" dirty="0"/>
+                            <a:t>2.8608A</a:t>
+                          </a:r>
+                          <a:endParaRPr lang="en-US" dirty="0"/>
+                        </a:p>
+                      </a:txBody>
+                      <a:tcPr>
+                        <a:lnL w="12700" cap="flat" cmpd="sng" algn="ctr">
+                          <a:solidFill>
+                            <a:schemeClr val="tx1"/>
+                          </a:solidFill>
+                          <a:prstDash val="solid"/>
+                          <a:round/>
+                          <a:headEnd type="none" w="med" len="med"/>
+                          <a:tailEnd type="none" w="med" len="med"/>
+                        </a:lnL>
+                        <a:lnR w="12700" cmpd="sng">
+                          <a:solidFill>
+                            <a:schemeClr val="tx1"/>
+                          </a:solidFill>
+                          <a:prstDash val="solid"/>
+                        </a:lnR>
+                        <a:lnT w="12700" cap="flat" cmpd="sng" algn="ctr">
+                          <a:solidFill>
+                            <a:schemeClr val="tx1"/>
+                          </a:solidFill>
+                          <a:prstDash val="solid"/>
+                          <a:round/>
+                          <a:headEnd type="none" w="med" len="med"/>
+                          <a:tailEnd type="none" w="med" len="med"/>
+                        </a:lnT>
+                        <a:lnB w="12700" cmpd="sng">
+                          <a:solidFill>
+                            <a:schemeClr val="tx1"/>
+                          </a:solidFill>
+                          <a:prstDash val="solid"/>
+                        </a:lnB>
+                      </a:tcPr>
+                    </a:tc>
+                    <a:extLst>
+                      <a:ext uri="{0D108BD9-81ED-4DB2-BD59-A6C34878D82A}">
+                        <a16:rowId xmlns:a16="http://schemas.microsoft.com/office/drawing/2014/main" val="156613636"/>
+                      </a:ext>
+                    </a:extLst>
+                  </a:tr>
+                  <a:tr h="365760">
+                    <a:tc>
+                      <a:txBody>
+                        <a:bodyPr/>
+                        <a:lstStyle/>
+                        <a:p>
+                          <a:endParaRPr lang="en-US"/>
+                        </a:p>
+                      </a:txBody>
+                      <a:tcPr>
+                        <a:lnL w="12700" cmpd="sng">
+                          <a:solidFill>
+                            <a:schemeClr val="tx1"/>
+                          </a:solidFill>
+                          <a:prstDash val="solid"/>
+                        </a:lnL>
+                        <a:lnR w="12700" cap="flat" cmpd="sng" algn="ctr">
+                          <a:solidFill>
+                            <a:schemeClr val="tx1"/>
+                          </a:solidFill>
+                          <a:prstDash val="solid"/>
+                          <a:round/>
+                          <a:headEnd type="none" w="med" len="med"/>
+                          <a:tailEnd type="none" w="med" len="med"/>
+                        </a:lnR>
+                        <a:lnT w="12700" cap="flat" cmpd="sng" algn="ctr">
+                          <a:solidFill>
+                            <a:schemeClr val="tx1"/>
+                          </a:solidFill>
+                          <a:prstDash val="solid"/>
+                          <a:round/>
+                          <a:headEnd type="none" w="med" len="med"/>
+                          <a:tailEnd type="none" w="med" len="med"/>
+                        </a:lnT>
+                        <a:lnB w="12700" cap="flat" cmpd="sng" algn="ctr">
+                          <a:solidFill>
+                            <a:schemeClr val="tx1"/>
+                          </a:solidFill>
+                          <a:prstDash val="solid"/>
+                          <a:round/>
+                          <a:headEnd type="none" w="med" len="med"/>
+                          <a:tailEnd type="none" w="med" len="med"/>
+                        </a:lnB>
+                        <a:blipFill>
+                          <a:blip r:embed="rId3"/>
+                          <a:stretch>
+                            <a:fillRect l="-336" t="-798361" r="-100671" b="-134426"/>
+                          </a:stretch>
+                        </a:blipFill>
+                      </a:tcPr>
+                    </a:tc>
+                    <a:tc>
+                      <a:txBody>
+                        <a:bodyPr/>
+                        <a:lstStyle/>
+                        <a:p>
+                          <a:r>
+                            <a:rPr lang="tr-TR" dirty="0"/>
+                            <a:t>1.8333A</a:t>
+                          </a:r>
+                          <a:endParaRPr lang="en-US" dirty="0"/>
+                        </a:p>
+                      </a:txBody>
+                      <a:tcPr>
+                        <a:lnL w="12700" cmpd="sng">
+                          <a:solidFill>
+                            <a:schemeClr val="tx1"/>
+                          </a:solidFill>
+                          <a:prstDash val="solid"/>
+                        </a:lnL>
+                        <a:lnR w="12700" cmpd="sng">
+                          <a:solidFill>
+                            <a:schemeClr val="tx1"/>
+                          </a:solidFill>
+                          <a:prstDash val="solid"/>
+                        </a:lnR>
+                        <a:lnT w="12700" cap="flat" cmpd="sng" algn="ctr">
+                          <a:solidFill>
+                            <a:schemeClr val="tx1"/>
+                          </a:solidFill>
+                          <a:prstDash val="solid"/>
+                          <a:round/>
+                          <a:headEnd type="none" w="med" len="med"/>
+                          <a:tailEnd type="none" w="med" len="med"/>
+                        </a:lnT>
+                        <a:lnB w="12700" cap="flat" cmpd="sng" algn="ctr">
+                          <a:solidFill>
+                            <a:schemeClr val="tx1"/>
+                          </a:solidFill>
+                          <a:prstDash val="solid"/>
+                          <a:round/>
+                          <a:headEnd type="none" w="med" len="med"/>
+                          <a:tailEnd type="none" w="med" len="med"/>
+                        </a:lnB>
+                      </a:tcPr>
+                    </a:tc>
+                    <a:extLst>
+                      <a:ext uri="{0D108BD9-81ED-4DB2-BD59-A6C34878D82A}">
+                        <a16:rowId xmlns:a16="http://schemas.microsoft.com/office/drawing/2014/main" val="740634367"/>
+                      </a:ext>
+                    </a:extLst>
+                  </a:tr>
+                  <a:tr h="489397">
+                    <a:tc>
+                      <a:txBody>
+                        <a:bodyPr/>
+                        <a:lstStyle/>
+                        <a:p>
+                          <a:endParaRPr lang="en-US"/>
+                        </a:p>
+                      </a:txBody>
+                      <a:tcPr>
+                        <a:lnL w="12700" cmpd="sng">
+                          <a:solidFill>
+                            <a:schemeClr val="tx1"/>
+                          </a:solidFill>
+                          <a:prstDash val="solid"/>
+                        </a:lnL>
+                        <a:lnR w="12700" cap="flat" cmpd="sng" algn="ctr">
+                          <a:solidFill>
+                            <a:schemeClr val="tx1"/>
+                          </a:solidFill>
+                          <a:prstDash val="solid"/>
+                          <a:round/>
+                          <a:headEnd type="none" w="med" len="med"/>
+                          <a:tailEnd type="none" w="med" len="med"/>
+                        </a:lnR>
+                        <a:lnT w="12700" cap="flat" cmpd="sng" algn="ctr">
+                          <a:solidFill>
+                            <a:schemeClr val="tx1"/>
+                          </a:solidFill>
+                          <a:prstDash val="solid"/>
+                          <a:round/>
+                          <a:headEnd type="none" w="med" len="med"/>
+                          <a:tailEnd type="none" w="med" len="med"/>
+                        </a:lnT>
+                        <a:lnB w="12700" cmpd="sng">
+                          <a:solidFill>
+                            <a:schemeClr val="tx1"/>
+                          </a:solidFill>
+                          <a:prstDash val="solid"/>
+                        </a:lnB>
+                        <a:blipFill>
+                          <a:blip r:embed="rId3"/>
+                          <a:stretch>
+                            <a:fillRect l="-336" t="-685000" r="-100671" b="-2500"/>
+                          </a:stretch>
+                        </a:blipFill>
+                      </a:tcPr>
+                    </a:tc>
+                    <a:tc>
+                      <a:txBody>
+                        <a:bodyPr/>
+                        <a:lstStyle/>
+                        <a:p>
+                          <a:r>
+                            <a:rPr lang="tr-TR" dirty="0"/>
+                            <a:t>90V</a:t>
+                          </a:r>
+                          <a:endParaRPr lang="en-US" dirty="0"/>
+                        </a:p>
+                      </a:txBody>
+                      <a:tcPr>
+                        <a:lnL w="12700" cap="flat" cmpd="sng" algn="ctr">
+                          <a:solidFill>
+                            <a:schemeClr val="tx1"/>
+                          </a:solidFill>
+                          <a:prstDash val="solid"/>
+                          <a:round/>
+                          <a:headEnd type="none" w="med" len="med"/>
+                          <a:tailEnd type="none" w="med" len="med"/>
+                        </a:lnL>
+                        <a:lnR w="12700" cmpd="sng">
+                          <a:solidFill>
+                            <a:schemeClr val="tx1"/>
+                          </a:solidFill>
+                          <a:prstDash val="solid"/>
+                        </a:lnR>
+                        <a:lnT w="12700" cap="flat" cmpd="sng" algn="ctr">
+                          <a:solidFill>
+                            <a:schemeClr val="tx1"/>
+                          </a:solidFill>
+                          <a:prstDash val="solid"/>
+                          <a:round/>
+                          <a:headEnd type="none" w="med" len="med"/>
+                          <a:tailEnd type="none" w="med" len="med"/>
+                        </a:lnT>
+                        <a:lnB w="12700" cmpd="sng">
+                          <a:solidFill>
+                            <a:schemeClr val="tx1"/>
+                          </a:solidFill>
+                          <a:prstDash val="solid"/>
+                        </a:lnB>
+                      </a:tcPr>
+                    </a:tc>
+                    <a:extLst>
+                      <a:ext uri="{0D108BD9-81ED-4DB2-BD59-A6C34878D82A}">
+                        <a16:rowId xmlns:a16="http://schemas.microsoft.com/office/drawing/2014/main" val="3282647707"/>
+                      </a:ext>
+                    </a:extLst>
+                  </a:tr>
+                </a:tbl>
+              </a:graphicData>
+            </a:graphic>
+          </p:graphicFrame>
+        </mc:Fallback>
+      </mc:AlternateContent>
+      <mc:AlternateContent xmlns:mc="http://schemas.openxmlformats.org/markup-compatibility/2006">
+        <mc:Choice xmlns:a14="http://schemas.microsoft.com/office/drawing/2010/main" Requires="a14">
+          <p:sp>
+            <p:nvSpPr>
+              <p:cNvPr id="6" name="TextBox 5">
+                <a:extLst>
+                  <a:ext uri="{FF2B5EF4-FFF2-40B4-BE49-F238E27FC236}">
+                    <a16:creationId xmlns:a16="http://schemas.microsoft.com/office/drawing/2014/main" id="{E6CF8369-0C4D-46C9-A024-F8F9600DBE17}"/>
+                  </a:ext>
+                </a:extLst>
+              </p:cNvPr>
+              <p:cNvSpPr txBox="1"/>
+              <p:nvPr/>
+            </p:nvSpPr>
+            <p:spPr>
+              <a:xfrm>
+                <a:off x="8820735" y="4110711"/>
+                <a:ext cx="1893194" cy="369332"/>
+              </a:xfrm>
+              <a:prstGeom prst="rect">
+                <a:avLst/>
+              </a:prstGeom>
+              <a:noFill/>
+            </p:spPr>
+            <p:txBody>
+              <a:bodyPr wrap="square" rtlCol="0">
+                <a:spAutoFit/>
+              </a:bodyPr>
+              <a:lstStyle/>
+              <a:p>
+                <a14:m>
+                  <m:oMathPara xmlns:m="http://schemas.openxmlformats.org/officeDocument/2006/math">
+                    <m:oMathParaPr>
+                      <m:jc m:val="centerGroup"/>
+                    </m:oMathParaPr>
+                    <m:oMath xmlns:m="http://schemas.openxmlformats.org/officeDocument/2006/math">
+                      <m:sSub>
+                        <m:sSubPr>
+                          <m:ctrlPr>
+                            <a:rPr lang="tr-TR" b="0" i="1" smtClean="0">
+                              <a:latin typeface="Cambria Math" panose="02040503050406030204" pitchFamily="18" charset="0"/>
+                            </a:rPr>
+                          </m:ctrlPr>
+                        </m:sSubPr>
+                        <m:e>
+                          <m:r>
+                            <a:rPr lang="tr-TR" b="0" i="1" smtClean="0">
+                              <a:latin typeface="Cambria Math" panose="02040503050406030204" pitchFamily="18" charset="0"/>
+                            </a:rPr>
+                            <m:t>𝐼</m:t>
+                          </m:r>
+                        </m:e>
+                        <m:sub>
+                          <m:r>
+                            <a:rPr lang="tr-TR" b="0" i="1" smtClean="0">
+                              <a:latin typeface="Cambria Math" panose="02040503050406030204" pitchFamily="18" charset="0"/>
+                            </a:rPr>
+                            <m:t>𝑟𝑚𝑠</m:t>
+                          </m:r>
+                        </m:sub>
+                      </m:sSub>
+                      <m:r>
+                        <a:rPr lang="tr-TR" b="0" i="1" smtClean="0">
+                          <a:latin typeface="Cambria Math" panose="02040503050406030204" pitchFamily="18" charset="0"/>
+                        </a:rPr>
+                        <m:t>=5.216 </m:t>
+                      </m:r>
+                      <m:r>
+                        <a:rPr lang="tr-TR" b="0" i="1" smtClean="0">
+                          <a:latin typeface="Cambria Math" panose="02040503050406030204" pitchFamily="18" charset="0"/>
+                        </a:rPr>
+                        <m:t>𝐴</m:t>
+                      </m:r>
+                      <m:r>
+                        <a:rPr lang="tr-TR" b="0" i="1" smtClean="0">
+                          <a:latin typeface="Cambria Math" panose="02040503050406030204" pitchFamily="18" charset="0"/>
+                        </a:rPr>
+                        <m:t> </m:t>
+                      </m:r>
+                    </m:oMath>
+                  </m:oMathPara>
+                </a14:m>
+                <a:endParaRPr lang="en-US" dirty="0"/>
+              </a:p>
+            </p:txBody>
+          </p:sp>
+        </mc:Choice>
+        <mc:Fallback>
+          <p:sp>
+            <p:nvSpPr>
+              <p:cNvPr id="6" name="TextBox 5">
+                <a:extLst>
+                  <a:ext uri="{FF2B5EF4-FFF2-40B4-BE49-F238E27FC236}">
+                    <a16:creationId xmlns:a16="http://schemas.microsoft.com/office/drawing/2014/main" id="{E6CF8369-0C4D-46C9-A024-F8F9600DBE17}"/>
+                  </a:ext>
+                </a:extLst>
+              </p:cNvPr>
+              <p:cNvSpPr txBox="1">
+                <a:spLocks noRot="1" noChangeAspect="1" noMove="1" noResize="1" noEditPoints="1" noAdjustHandles="1" noChangeArrowheads="1" noChangeShapeType="1" noTextEdit="1"/>
+              </p:cNvSpPr>
+              <p:nvPr/>
+            </p:nvSpPr>
+            <p:spPr>
+              <a:xfrm>
+                <a:off x="8820735" y="4110711"/>
+                <a:ext cx="1893194" cy="369332"/>
+              </a:xfrm>
+              <a:prstGeom prst="rect">
+                <a:avLst/>
+              </a:prstGeom>
+              <a:blipFill>
+                <a:blip r:embed="rId4"/>
+                <a:stretch>
+                  <a:fillRect/>
+                </a:stretch>
+              </a:blipFill>
+            </p:spPr>
+            <p:txBody>
+              <a:bodyPr/>
+              <a:lstStyle/>
+              <a:p>
+                <a:r>
+                  <a:rPr lang="en-US">
+                    <a:noFill/>
+                  </a:rPr>
+                  <a:t> </a:t>
+                </a:r>
+              </a:p>
+            </p:txBody>
+          </p:sp>
+        </mc:Fallback>
+      </mc:AlternateContent>
+      <mc:AlternateContent xmlns:mc="http://schemas.openxmlformats.org/markup-compatibility/2006">
+        <mc:Choice xmlns:a14="http://schemas.microsoft.com/office/drawing/2010/main" Requires="a14">
+          <p:sp>
+            <p:nvSpPr>
+              <p:cNvPr id="7" name="Rectangle 6">
+                <a:extLst>
+                  <a:ext uri="{FF2B5EF4-FFF2-40B4-BE49-F238E27FC236}">
+                    <a16:creationId xmlns:a16="http://schemas.microsoft.com/office/drawing/2014/main" id="{6883B558-43FD-4C7E-92D9-647A64B53254}"/>
+                  </a:ext>
+                </a:extLst>
+              </p:cNvPr>
+              <p:cNvSpPr/>
+              <p:nvPr/>
+            </p:nvSpPr>
+            <p:spPr>
+              <a:xfrm>
+                <a:off x="8950818" y="4648132"/>
+                <a:ext cx="1584023" cy="369332"/>
+              </a:xfrm>
+              <a:prstGeom prst="rect">
+                <a:avLst/>
+              </a:prstGeom>
+            </p:spPr>
+            <p:txBody>
+              <a:bodyPr wrap="none">
+                <a:spAutoFit/>
+              </a:bodyPr>
+              <a:lstStyle/>
+              <a:p>
+                <a14:m>
+                  <m:oMathPara xmlns:m="http://schemas.openxmlformats.org/officeDocument/2006/math">
+                    <m:oMathParaPr>
+                      <m:jc m:val="centerGroup"/>
+                    </m:oMathParaPr>
+                    <m:oMath xmlns:m="http://schemas.openxmlformats.org/officeDocument/2006/math">
+                      <m:r>
+                        <m:rPr>
+                          <m:sty m:val="p"/>
+                        </m:rPr>
+                        <a:rPr lang="tr-TR" b="0" i="0" smtClean="0">
+                          <a:latin typeface="Cambria Math" panose="02040503050406030204" pitchFamily="18" charset="0"/>
+                        </a:rPr>
+                        <m:t>Δ</m:t>
+                      </m:r>
+                      <m:r>
+                        <a:rPr lang="tr-TR" b="0" i="1" smtClean="0">
+                          <a:latin typeface="Cambria Math" panose="02040503050406030204" pitchFamily="18" charset="0"/>
+                        </a:rPr>
+                        <m:t>𝐼</m:t>
+                      </m:r>
+                      <m:r>
+                        <a:rPr lang="tr-TR" b="0" i="1" smtClean="0">
+                          <a:latin typeface="Cambria Math" panose="02040503050406030204" pitchFamily="18" charset="0"/>
+                        </a:rPr>
+                        <m:t> =1.1</m:t>
+                      </m:r>
+                      <m:r>
+                        <a:rPr lang="tr-TR" b="0" i="1" smtClean="0">
+                          <a:latin typeface="Cambria Math" panose="02040503050406030204" pitchFamily="18" charset="0"/>
+                        </a:rPr>
+                        <m:t>92 </m:t>
+                      </m:r>
+                      <m:r>
+                        <a:rPr lang="tr-TR" b="0" i="1" smtClean="0">
+                          <a:latin typeface="Cambria Math" panose="02040503050406030204" pitchFamily="18" charset="0"/>
+                        </a:rPr>
+                        <m:t>𝐴</m:t>
+                      </m:r>
+                    </m:oMath>
+                  </m:oMathPara>
+                </a14:m>
+                <a:endParaRPr lang="en-US" dirty="0"/>
+              </a:p>
+            </p:txBody>
+          </p:sp>
+        </mc:Choice>
+        <mc:Fallback>
+          <p:sp>
+            <p:nvSpPr>
+              <p:cNvPr id="7" name="Rectangle 6">
+                <a:extLst>
+                  <a:ext uri="{FF2B5EF4-FFF2-40B4-BE49-F238E27FC236}">
+                    <a16:creationId xmlns:a16="http://schemas.microsoft.com/office/drawing/2014/main" id="{6883B558-43FD-4C7E-92D9-647A64B53254}"/>
+                  </a:ext>
+                </a:extLst>
+              </p:cNvPr>
+              <p:cNvSpPr>
+                <a:spLocks noRot="1" noChangeAspect="1" noMove="1" noResize="1" noEditPoints="1" noAdjustHandles="1" noChangeArrowheads="1" noChangeShapeType="1" noTextEdit="1"/>
+              </p:cNvSpPr>
+              <p:nvPr/>
+            </p:nvSpPr>
+            <p:spPr>
+              <a:xfrm>
+                <a:off x="8950818" y="4648132"/>
+                <a:ext cx="1584023" cy="369332"/>
+              </a:xfrm>
+              <a:prstGeom prst="rect">
+                <a:avLst/>
+              </a:prstGeom>
+              <a:blipFill>
+                <a:blip r:embed="rId5"/>
+                <a:stretch>
+                  <a:fillRect/>
+                </a:stretch>
+              </a:blipFill>
+            </p:spPr>
+            <p:txBody>
+              <a:bodyPr/>
+              <a:lstStyle/>
+              <a:p>
+                <a:r>
+                  <a:rPr lang="en-US">
+                    <a:noFill/>
+                  </a:rPr>
+                  <a:t> </a:t>
+                </a:r>
+              </a:p>
+            </p:txBody>
+          </p:sp>
+        </mc:Fallback>
+      </mc:AlternateContent>
+      <mc:AlternateContent xmlns:mc="http://schemas.openxmlformats.org/markup-compatibility/2006">
+        <mc:Choice xmlns:a14="http://schemas.microsoft.com/office/drawing/2010/main" Requires="a14">
+          <p:sp>
+            <p:nvSpPr>
+              <p:cNvPr id="8" name="Rectangle 7">
+                <a:extLst>
+                  <a:ext uri="{FF2B5EF4-FFF2-40B4-BE49-F238E27FC236}">
+                    <a16:creationId xmlns:a16="http://schemas.microsoft.com/office/drawing/2014/main" id="{2844FF9A-40F4-4C4E-B77B-61C38C19229B}"/>
+                  </a:ext>
+                </a:extLst>
+              </p:cNvPr>
+              <p:cNvSpPr/>
+              <p:nvPr/>
+            </p:nvSpPr>
+            <p:spPr>
+              <a:xfrm>
+                <a:off x="8950818" y="5122626"/>
+                <a:ext cx="1763111" cy="659540"/>
+              </a:xfrm>
+              <a:prstGeom prst="rect">
+                <a:avLst/>
+              </a:prstGeom>
+            </p:spPr>
+            <p:txBody>
+              <a:bodyPr wrap="none">
+                <a:spAutoFit/>
+              </a:bodyPr>
+              <a:lstStyle/>
+              <a:p>
+                <a:pPr/>
+                <a14:m>
+                  <m:oMathPara xmlns:m="http://schemas.openxmlformats.org/officeDocument/2006/math">
+                    <m:oMathParaPr>
+                      <m:jc m:val="centerGroup"/>
+                    </m:oMathParaPr>
+                    <m:oMath xmlns:m="http://schemas.openxmlformats.org/officeDocument/2006/math">
+                      <m:f>
+                        <m:fPr>
+                          <m:ctrlPr>
+                            <a:rPr lang="tr-TR" b="0" i="1" smtClean="0">
+                              <a:latin typeface="Cambria Math" panose="02040503050406030204" pitchFamily="18" charset="0"/>
+                            </a:rPr>
+                          </m:ctrlPr>
+                        </m:fPr>
+                        <m:num>
+                          <m:r>
+                            <m:rPr>
+                              <m:sty m:val="p"/>
+                            </m:rPr>
+                            <a:rPr lang="tr-TR" smtClean="0">
+                              <a:latin typeface="Cambria Math" panose="02040503050406030204" pitchFamily="18" charset="0"/>
+                            </a:rPr>
+                            <m:t>Δ</m:t>
+                          </m:r>
+                          <m:r>
+                            <a:rPr lang="tr-TR" i="1">
+                              <a:latin typeface="Cambria Math" panose="02040503050406030204" pitchFamily="18" charset="0"/>
+                            </a:rPr>
+                            <m:t>𝐼</m:t>
+                          </m:r>
+                        </m:num>
+                        <m:den>
+                          <m:sSub>
+                            <m:sSubPr>
+                              <m:ctrlPr>
+                                <a:rPr lang="tr-TR" i="1">
+                                  <a:latin typeface="Cambria Math" panose="02040503050406030204" pitchFamily="18" charset="0"/>
+                                </a:rPr>
+                              </m:ctrlPr>
+                            </m:sSubPr>
+                            <m:e>
+                              <m:r>
+                                <a:rPr lang="tr-TR" i="1">
+                                  <a:latin typeface="Cambria Math" panose="02040503050406030204" pitchFamily="18" charset="0"/>
+                                </a:rPr>
+                                <m:t>𝐼</m:t>
+                              </m:r>
+                            </m:e>
+                            <m:sub>
+                              <m:r>
+                                <a:rPr lang="tr-TR" i="1">
+                                  <a:latin typeface="Cambria Math" panose="02040503050406030204" pitchFamily="18" charset="0"/>
+                                </a:rPr>
+                                <m:t>𝑟𝑚𝑠</m:t>
+                              </m:r>
+                            </m:sub>
+                          </m:sSub>
+                        </m:den>
+                      </m:f>
+                      <m:r>
+                        <a:rPr lang="tr-TR" i="1">
+                          <a:latin typeface="Cambria Math" panose="02040503050406030204" pitchFamily="18" charset="0"/>
+                        </a:rPr>
+                        <m:t> </m:t>
+                      </m:r>
+                      <m:r>
+                        <a:rPr lang="tr-TR" b="0" i="1" smtClean="0">
+                          <a:latin typeface="Cambria Math" panose="02040503050406030204" pitchFamily="18" charset="0"/>
+                        </a:rPr>
+                        <m:t>%</m:t>
+                      </m:r>
+                      <m:r>
+                        <a:rPr lang="tr-TR" i="1">
+                          <a:latin typeface="Cambria Math" panose="02040503050406030204" pitchFamily="18" charset="0"/>
+                        </a:rPr>
+                        <m:t>=</m:t>
+                      </m:r>
+                      <m:r>
+                        <a:rPr lang="tr-TR" b="0" i="1" smtClean="0">
+                          <a:latin typeface="Cambria Math" panose="02040503050406030204" pitchFamily="18" charset="0"/>
+                        </a:rPr>
+                        <m:t>22%</m:t>
+                      </m:r>
+                      <m:r>
+                        <a:rPr lang="tr-TR" i="1">
+                          <a:latin typeface="Cambria Math" panose="02040503050406030204" pitchFamily="18" charset="0"/>
+                        </a:rPr>
+                        <m:t> </m:t>
+                      </m:r>
+                    </m:oMath>
+                  </m:oMathPara>
+                </a14:m>
+                <a:endParaRPr lang="en-US" dirty="0"/>
+              </a:p>
+            </p:txBody>
+          </p:sp>
+        </mc:Choice>
+        <mc:Fallback>
+          <p:sp>
+            <p:nvSpPr>
+              <p:cNvPr id="8" name="Rectangle 7">
+                <a:extLst>
+                  <a:ext uri="{FF2B5EF4-FFF2-40B4-BE49-F238E27FC236}">
+                    <a16:creationId xmlns:a16="http://schemas.microsoft.com/office/drawing/2014/main" id="{2844FF9A-40F4-4C4E-B77B-61C38C19229B}"/>
+                  </a:ext>
+                </a:extLst>
+              </p:cNvPr>
+              <p:cNvSpPr>
+                <a:spLocks noRot="1" noChangeAspect="1" noMove="1" noResize="1" noEditPoints="1" noAdjustHandles="1" noChangeArrowheads="1" noChangeShapeType="1" noTextEdit="1"/>
+              </p:cNvSpPr>
+              <p:nvPr/>
+            </p:nvSpPr>
+            <p:spPr>
+              <a:xfrm>
+                <a:off x="8950818" y="5122626"/>
+                <a:ext cx="1763111" cy="659540"/>
+              </a:xfrm>
+              <a:prstGeom prst="rect">
+                <a:avLst/>
+              </a:prstGeom>
+              <a:blipFill>
+                <a:blip r:embed="rId6"/>
+                <a:stretch>
+                  <a:fillRect/>
+                </a:stretch>
+              </a:blipFill>
+            </p:spPr>
+            <p:txBody>
+              <a:bodyPr/>
+              <a:lstStyle/>
+              <a:p>
+                <a:r>
+                  <a:rPr lang="en-US">
+                    <a:noFill/>
+                  </a:rPr>
+                  <a:t> </a:t>
+                </a:r>
+              </a:p>
+            </p:txBody>
+          </p:sp>
+        </mc:Fallback>
+      </mc:AlternateContent>
+    </p:spTree>
+    <p:extLst>
+      <p:ext uri="{BB962C8B-B14F-4D97-AF65-F5344CB8AC3E}">
+        <p14:creationId xmlns:p14="http://schemas.microsoft.com/office/powerpoint/2010/main" val="3219426248"/>
+      </p:ext>
+    </p:extLst>
+  </p:cSld>
+  <p:clrMapOvr>
+    <a:masterClrMapping/>
+  </p:clrMapOvr>
+</p:sld>
+</file>
+
+<file path=ppt/slides/slide24.xml><?xml version="1.0" encoding="utf-8"?>
+<p:sld xmlns:a="http://schemas.openxmlformats.org/drawingml/2006/main" xmlns:r="http://schemas.openxmlformats.org/officeDocument/2006/relationships" xmlns:p="http://schemas.openxmlformats.org/presentationml/2006/main">
+  <p:cSld>
+    <p:spTree>
+      <p:nvGrpSpPr>
+        <p:cNvPr id="1" name=""/>
+        <p:cNvGrpSpPr/>
+        <p:nvPr/>
+      </p:nvGrpSpPr>
+      <p:grpSpPr>
+        <a:xfrm>
+          <a:off x="0" y="0"/>
+          <a:ext cx="0" cy="0"/>
+          <a:chOff x="0" y="0"/>
+          <a:chExt cx="0" cy="0"/>
+        </a:xfrm>
+      </p:grpSpPr>
+      <mc:AlternateContent xmlns:mc="http://schemas.openxmlformats.org/markup-compatibility/2006">
+        <mc:Choice xmlns:a14="http://schemas.microsoft.com/office/drawing/2010/main" Requires="a14">
+          <p:graphicFrame>
+            <p:nvGraphicFramePr>
+              <p:cNvPr id="4" name="Table 3">
+                <a:extLst>
+                  <a:ext uri="{FF2B5EF4-FFF2-40B4-BE49-F238E27FC236}">
+                    <a16:creationId xmlns:a16="http://schemas.microsoft.com/office/drawing/2014/main" id="{339A206C-1C3D-45AB-A508-06443C69B25A}"/>
+                  </a:ext>
+                </a:extLst>
+              </p:cNvPr>
+              <p:cNvGraphicFramePr>
+                <a:graphicFrameLocks noGrp="1"/>
+              </p:cNvGraphicFramePr>
+              <p:nvPr>
+                <p:extLst>
+                  <p:ext uri="{D42A27DB-BD31-4B8C-83A1-F6EECF244321}">
+                    <p14:modId xmlns:p14="http://schemas.microsoft.com/office/powerpoint/2010/main" val="397969152"/>
+                  </p:ext>
+                </p:extLst>
+              </p:nvPr>
+            </p:nvGraphicFramePr>
+            <p:xfrm>
+              <a:off x="3819659" y="2847521"/>
+              <a:ext cx="3631842" cy="3848204"/>
+            </p:xfrm>
+            <a:graphic>
+              <a:graphicData uri="http://schemas.openxmlformats.org/drawingml/2006/table">
+                <a:tbl>
+                  <a:tblPr/>
+                  <a:tblGrid>
+                    <a:gridCol w="1815921">
+                      <a:extLst>
+                        <a:ext uri="{9D8B030D-6E8A-4147-A177-3AD203B41FA5}">
+                          <a16:colId xmlns:a16="http://schemas.microsoft.com/office/drawing/2014/main" val="3853885856"/>
+                        </a:ext>
+                      </a:extLst>
+                    </a:gridCol>
+                    <a:gridCol w="1815921">
+                      <a:extLst>
+                        <a:ext uri="{9D8B030D-6E8A-4147-A177-3AD203B41FA5}">
+                          <a16:colId xmlns:a16="http://schemas.microsoft.com/office/drawing/2014/main" val="4283652476"/>
+                        </a:ext>
+                      </a:extLst>
+                    </a:gridCol>
+                  </a:tblGrid>
+                  <a:tr h="489397">
+                    <a:tc gridSpan="2">
+                      <a:txBody>
+                        <a:bodyPr/>
+                        <a:lstStyle/>
+                        <a:p>
+                          <a:r>
+                            <a:rPr lang="tr-TR" dirty="0" err="1"/>
+                            <a:t>Primer</a:t>
+                          </a:r>
+                          <a:r>
+                            <a:rPr lang="tr-TR" dirty="0"/>
+                            <a:t>  </a:t>
+                          </a:r>
+                          <a:r>
+                            <a:rPr lang="tr-TR" dirty="0" err="1"/>
+                            <a:t>Resonance</a:t>
+                          </a:r>
+                          <a:r>
+                            <a:rPr lang="tr-TR" dirty="0"/>
+                            <a:t>(150kHz)</a:t>
+                          </a:r>
+                        </a:p>
+                      </a:txBody>
+                      <a:tcPr>
+                        <a:lnL w="12700" cmpd="sng">
+                          <a:solidFill>
+                            <a:schemeClr val="tx1"/>
+                          </a:solidFill>
+                          <a:prstDash val="solid"/>
+                        </a:lnL>
+                        <a:lnR w="12700" cap="flat" cmpd="sng" algn="ctr">
+                          <a:solidFill>
+                            <a:schemeClr val="tx1"/>
+                          </a:solidFill>
+                          <a:prstDash val="solid"/>
+                          <a:round/>
+                          <a:headEnd type="none" w="med" len="med"/>
+                          <a:tailEnd type="none" w="med" len="med"/>
+                        </a:lnR>
+                        <a:lnT w="12700" cmpd="sng">
+                          <a:solidFill>
+                            <a:schemeClr val="tx1"/>
+                          </a:solidFill>
+                          <a:prstDash val="solid"/>
+                        </a:lnT>
+                        <a:lnB w="12700" cap="flat" cmpd="sng" algn="ctr">
+                          <a:solidFill>
+                            <a:schemeClr val="tx1"/>
+                          </a:solidFill>
+                          <a:prstDash val="solid"/>
+                          <a:round/>
+                          <a:headEnd type="none" w="med" len="med"/>
+                          <a:tailEnd type="none" w="med" len="med"/>
+                        </a:lnB>
+                      </a:tcPr>
+                    </a:tc>
+                    <a:tc hMerge="1">
+                      <a:txBody>
+                        <a:bodyPr/>
+                        <a:lstStyle/>
+                        <a:p>
+                          <a:endParaRPr lang="en-US" dirty="0"/>
+                        </a:p>
+                      </a:txBody>
+                      <a:tcPr>
+                        <a:lnL w="12700" cap="flat" cmpd="sng" algn="ctr">
+                          <a:solidFill>
+                            <a:schemeClr val="tx1"/>
+                          </a:solidFill>
+                          <a:prstDash val="solid"/>
+                          <a:round/>
+                          <a:headEnd type="none" w="med" len="med"/>
+                          <a:tailEnd type="none" w="med" len="med"/>
+                        </a:lnL>
+                        <a:lnR w="12700" cmpd="sng">
+                          <a:solidFill>
+                            <a:schemeClr val="tx1"/>
+                          </a:solidFill>
+                          <a:prstDash val="solid"/>
+                        </a:lnR>
+                        <a:lnT w="12700" cmpd="sng">
+                          <a:solidFill>
+                            <a:schemeClr val="tx1"/>
+                          </a:solidFill>
+                          <a:prstDash val="solid"/>
+                        </a:lnT>
+                        <a:lnB w="12700" cmpd="sng">
+                          <a:solidFill>
+                            <a:schemeClr val="tx1"/>
+                          </a:solidFill>
+                          <a:prstDash val="solid"/>
+                        </a:lnB>
+                      </a:tcPr>
+                    </a:tc>
+                    <a:extLst>
+                      <a:ext uri="{0D108BD9-81ED-4DB2-BD59-A6C34878D82A}">
+                        <a16:rowId xmlns:a16="http://schemas.microsoft.com/office/drawing/2014/main" val="2936815159"/>
+                      </a:ext>
+                    </a:extLst>
+                  </a:tr>
+                  <a:tr h="489397">
+                    <a:tc gridSpan="2">
+                      <a:txBody>
+                        <a:bodyPr/>
+                        <a:lstStyle/>
+                        <a:p>
+                          <a:r>
+                            <a:rPr lang="tr-TR" dirty="0" err="1"/>
+                            <a:t>Seconder</a:t>
+                          </a:r>
+                          <a:r>
+                            <a:rPr lang="tr-TR" dirty="0"/>
+                            <a:t> </a:t>
+                          </a:r>
+                          <a:r>
+                            <a:rPr lang="tr-TR" dirty="0" err="1"/>
+                            <a:t>Resonance</a:t>
+                          </a:r>
+                          <a:r>
+                            <a:rPr lang="tr-TR" dirty="0"/>
+                            <a:t>(131kHz)</a:t>
+                          </a:r>
+                        </a:p>
+                      </a:txBody>
+                      <a:tcPr>
+                        <a:lnL w="12700" cmpd="sng">
+                          <a:solidFill>
+                            <a:schemeClr val="tx1"/>
+                          </a:solidFill>
+                          <a:prstDash val="solid"/>
+                        </a:lnL>
+                        <a:lnR w="12700" cap="flat" cmpd="sng" algn="ctr">
+                          <a:solidFill>
+                            <a:schemeClr val="tx1"/>
+                          </a:solidFill>
+                          <a:prstDash val="solid"/>
+                          <a:round/>
+                          <a:headEnd type="none" w="med" len="med"/>
+                          <a:tailEnd type="none" w="med" len="med"/>
+                        </a:lnR>
+                        <a:lnT w="12700" cap="flat" cmpd="sng" algn="ctr">
+                          <a:solidFill>
+                            <a:schemeClr val="tx1"/>
+                          </a:solidFill>
+                          <a:prstDash val="solid"/>
+                          <a:round/>
+                          <a:headEnd type="none" w="med" len="med"/>
+                          <a:tailEnd type="none" w="med" len="med"/>
+                        </a:lnT>
+                        <a:lnB w="12700" cap="flat" cmpd="sng" algn="ctr">
+                          <a:solidFill>
+                            <a:schemeClr val="tx1"/>
+                          </a:solidFill>
+                          <a:prstDash val="solid"/>
+                          <a:round/>
+                          <a:headEnd type="none" w="med" len="med"/>
+                          <a:tailEnd type="none" w="med" len="med"/>
+                        </a:lnB>
+                      </a:tcPr>
+                    </a:tc>
+                    <a:tc hMerge="1">
+                      <a:txBody>
+                        <a:bodyPr/>
+                        <a:lstStyle/>
+                        <a:p>
+                          <a:endParaRPr lang="en-US"/>
+                        </a:p>
+                      </a:txBody>
+                      <a:tcPr/>
+                    </a:tc>
+                    <a:extLst>
+                      <a:ext uri="{0D108BD9-81ED-4DB2-BD59-A6C34878D82A}">
+                        <a16:rowId xmlns:a16="http://schemas.microsoft.com/office/drawing/2014/main" val="1321034424"/>
+                      </a:ext>
+                    </a:extLst>
+                  </a:tr>
+                  <a:tr h="546062">
+                    <a:tc gridSpan="2">
+                      <a:txBody>
+                        <a:bodyPr/>
+                        <a:lstStyle/>
+                        <a:p>
+                          <a:r>
+                            <a:rPr lang="tr-TR" dirty="0" err="1"/>
+                            <a:t>Operation</a:t>
+                          </a:r>
+                          <a:r>
+                            <a:rPr lang="tr-TR" dirty="0"/>
+                            <a:t> </a:t>
+                          </a:r>
+                          <a:r>
+                            <a:rPr lang="tr-TR" dirty="0" err="1"/>
+                            <a:t>Frequency</a:t>
+                          </a:r>
+                          <a:r>
+                            <a:rPr lang="tr-TR" dirty="0"/>
+                            <a:t> (155 kHz)</a:t>
+                          </a:r>
+                        </a:p>
+                      </a:txBody>
+                      <a:tcPr>
+                        <a:lnL w="12700" cmpd="sng">
+                          <a:solidFill>
+                            <a:schemeClr val="tx1"/>
+                          </a:solidFill>
+                          <a:prstDash val="solid"/>
+                        </a:lnL>
+                        <a:lnR w="12700" cap="flat" cmpd="sng" algn="ctr">
+                          <a:solidFill>
+                            <a:schemeClr val="tx1"/>
+                          </a:solidFill>
+                          <a:prstDash val="solid"/>
+                          <a:round/>
+                          <a:headEnd type="none" w="med" len="med"/>
+                          <a:tailEnd type="none" w="med" len="med"/>
+                        </a:lnR>
+                        <a:lnT w="12700" cap="flat" cmpd="sng" algn="ctr">
+                          <a:solidFill>
+                            <a:schemeClr val="tx1"/>
+                          </a:solidFill>
+                          <a:prstDash val="solid"/>
+                          <a:round/>
+                          <a:headEnd type="none" w="med" len="med"/>
+                          <a:tailEnd type="none" w="med" len="med"/>
+                        </a:lnT>
+                        <a:lnB w="12700" cap="flat" cmpd="sng" algn="ctr">
+                          <a:solidFill>
+                            <a:schemeClr val="tx1"/>
+                          </a:solidFill>
+                          <a:prstDash val="solid"/>
+                          <a:round/>
+                          <a:headEnd type="none" w="med" len="med"/>
+                          <a:tailEnd type="none" w="med" len="med"/>
+                        </a:lnB>
+                      </a:tcPr>
+                    </a:tc>
+                    <a:tc hMerge="1">
+                      <a:txBody>
+                        <a:bodyPr/>
+                        <a:lstStyle/>
+                        <a:p>
+                          <a:endParaRPr lang="en-US"/>
+                        </a:p>
+                      </a:txBody>
+                      <a:tcPr/>
+                    </a:tc>
+                    <a:extLst>
+                      <a:ext uri="{0D108BD9-81ED-4DB2-BD59-A6C34878D82A}">
+                        <a16:rowId xmlns:a16="http://schemas.microsoft.com/office/drawing/2014/main" val="2507909524"/>
+                      </a:ext>
+                    </a:extLst>
+                  </a:tr>
+                  <a:tr h="489397">
+                    <a:tc>
+                      <a:txBody>
+                        <a:bodyPr/>
+                        <a:lstStyle/>
+                        <a:p>
+                          <a:pPr/>
+                          <a14:m>
+                            <m:oMathPara xmlns:m="http://schemas.openxmlformats.org/officeDocument/2006/math">
+                              <m:oMathParaPr>
+                                <m:jc m:val="centerGroup"/>
+                              </m:oMathParaPr>
+                              <m:oMath xmlns:m="http://schemas.openxmlformats.org/officeDocument/2006/math">
+                                <m:sSub>
+                                  <m:sSubPr>
+                                    <m:ctrlPr>
+                                      <a:rPr lang="tr-TR" b="0" i="1" smtClean="0">
+                                        <a:latin typeface="Cambria Math" panose="02040503050406030204" pitchFamily="18" charset="0"/>
+                                      </a:rPr>
+                                    </m:ctrlPr>
+                                  </m:sSubPr>
+                                  <m:e>
+                                    <m:r>
+                                      <a:rPr lang="tr-TR" b="0" i="1" smtClean="0">
+                                        <a:latin typeface="Cambria Math" panose="02040503050406030204" pitchFamily="18" charset="0"/>
+                                      </a:rPr>
+                                      <m:t>𝐼</m:t>
+                                    </m:r>
+                                  </m:e>
+                                  <m:sub>
+                                    <m:r>
+                                      <a:rPr lang="tr-TR" b="0" i="1" smtClean="0">
+                                        <a:latin typeface="Cambria Math" panose="02040503050406030204" pitchFamily="18" charset="0"/>
+                                      </a:rPr>
+                                      <m:t>𝑠</m:t>
+                                    </m:r>
+                                    <m:r>
+                                      <a:rPr lang="tr-TR" b="0" i="1" smtClean="0">
+                                        <a:latin typeface="Cambria Math" panose="02040503050406030204" pitchFamily="18" charset="0"/>
+                                      </a:rPr>
+                                      <m:t>1</m:t>
+                                    </m:r>
+                                  </m:sub>
+                                </m:sSub>
+                              </m:oMath>
+                            </m:oMathPara>
+                          </a14:m>
+                          <a:endParaRPr lang="en-US" dirty="0"/>
+                        </a:p>
+                      </a:txBody>
+                      <a:tcPr>
+                        <a:lnL w="12700" cmpd="sng">
+                          <a:solidFill>
+                            <a:schemeClr val="tx1"/>
+                          </a:solidFill>
+                          <a:prstDash val="solid"/>
+                        </a:lnL>
+                        <a:lnR w="12700" cap="flat" cmpd="sng" algn="ctr">
+                          <a:solidFill>
+                            <a:schemeClr val="tx1"/>
+                          </a:solidFill>
+                          <a:prstDash val="solid"/>
+                          <a:round/>
+                          <a:headEnd type="none" w="med" len="med"/>
+                          <a:tailEnd type="none" w="med" len="med"/>
+                        </a:lnR>
+                        <a:lnT w="12700" cap="flat" cmpd="sng" algn="ctr">
+                          <a:solidFill>
+                            <a:schemeClr val="tx1"/>
+                          </a:solidFill>
+                          <a:prstDash val="solid"/>
+                          <a:round/>
+                          <a:headEnd type="none" w="med" len="med"/>
+                          <a:tailEnd type="none" w="med" len="med"/>
+                        </a:lnT>
+                        <a:lnB w="12700" cmpd="sng">
+                          <a:solidFill>
+                            <a:schemeClr val="tx1"/>
+                          </a:solidFill>
+                          <a:prstDash val="solid"/>
+                        </a:lnB>
+                      </a:tcPr>
+                    </a:tc>
+                    <a:tc>
+                      <a:txBody>
+                        <a:bodyPr/>
+                        <a:lstStyle/>
+                        <a:p>
+                          <a:r>
+                            <a:rPr lang="tr-TR" dirty="0"/>
+                            <a:t>3.2025A</a:t>
+                          </a:r>
+                          <a:endParaRPr lang="en-US" dirty="0"/>
+                        </a:p>
+                      </a:txBody>
+                      <a:tcPr>
+                        <a:lnL w="12700" cap="flat" cmpd="sng" algn="ctr">
+                          <a:solidFill>
+                            <a:schemeClr val="tx1"/>
+                          </a:solidFill>
+                          <a:prstDash val="solid"/>
+                          <a:round/>
+                          <a:headEnd type="none" w="med" len="med"/>
+                          <a:tailEnd type="none" w="med" len="med"/>
+                        </a:lnL>
+                        <a:lnR w="12700" cmpd="sng">
+                          <a:solidFill>
+                            <a:schemeClr val="tx1"/>
+                          </a:solidFill>
+                          <a:prstDash val="solid"/>
+                        </a:lnR>
+                        <a:lnT w="12700" cap="flat" cmpd="sng" algn="ctr">
+                          <a:solidFill>
+                            <a:schemeClr val="tx1"/>
+                          </a:solidFill>
+                          <a:prstDash val="solid"/>
+                          <a:round/>
+                          <a:headEnd type="none" w="med" len="med"/>
+                          <a:tailEnd type="none" w="med" len="med"/>
+                        </a:lnT>
+                        <a:lnB w="12700" cmpd="sng">
+                          <a:solidFill>
+                            <a:schemeClr val="tx1"/>
+                          </a:solidFill>
+                          <a:prstDash val="solid"/>
+                        </a:lnB>
+                      </a:tcPr>
+                    </a:tc>
+                    <a:extLst>
+                      <a:ext uri="{0D108BD9-81ED-4DB2-BD59-A6C34878D82A}">
+                        <a16:rowId xmlns:a16="http://schemas.microsoft.com/office/drawing/2014/main" val="3895846894"/>
+                      </a:ext>
+                    </a:extLst>
+                  </a:tr>
+                  <a:tr h="489397">
+                    <a:tc>
+                      <a:txBody>
+                        <a:bodyPr/>
+                        <a:lstStyle/>
+                        <a:p>
+                          <a:pPr/>
+                          <a14:m>
+                            <m:oMathPara xmlns:m="http://schemas.openxmlformats.org/officeDocument/2006/math">
+                              <m:oMathParaPr>
+                                <m:jc m:val="centerGroup"/>
+                              </m:oMathParaPr>
+                              <m:oMath xmlns:m="http://schemas.openxmlformats.org/officeDocument/2006/math">
+                                <m:sSub>
+                                  <m:sSubPr>
+                                    <m:ctrlPr>
+                                      <a:rPr lang="tr-TR" b="0" i="1" smtClean="0">
+                                        <a:latin typeface="Cambria Math" panose="02040503050406030204" pitchFamily="18" charset="0"/>
+                                      </a:rPr>
+                                    </m:ctrlPr>
+                                  </m:sSubPr>
+                                  <m:e>
+                                    <m:r>
+                                      <a:rPr lang="tr-TR" b="0" i="1" smtClean="0">
+                                        <a:latin typeface="Cambria Math" panose="02040503050406030204" pitchFamily="18" charset="0"/>
+                                      </a:rPr>
+                                      <m:t>𝐼</m:t>
+                                    </m:r>
+                                  </m:e>
+                                  <m:sub>
+                                    <m:r>
+                                      <a:rPr lang="tr-TR" b="0" i="1" smtClean="0">
+                                        <a:latin typeface="Cambria Math" panose="02040503050406030204" pitchFamily="18" charset="0"/>
+                                      </a:rPr>
+                                      <m:t>𝑠</m:t>
+                                    </m:r>
+                                    <m:r>
+                                      <a:rPr lang="tr-TR" b="0" i="1" smtClean="0">
+                                        <a:latin typeface="Cambria Math" panose="02040503050406030204" pitchFamily="18" charset="0"/>
+                                      </a:rPr>
+                                      <m:t>2</m:t>
+                                    </m:r>
+                                  </m:sub>
+                                </m:sSub>
+                              </m:oMath>
+                            </m:oMathPara>
+                          </a14:m>
+                          <a:endParaRPr lang="en-US" dirty="0"/>
+                        </a:p>
+                      </a:txBody>
+                      <a:tcPr>
+                        <a:lnL w="12700" cmpd="sng">
+                          <a:solidFill>
+                            <a:schemeClr val="tx1"/>
+                          </a:solidFill>
+                          <a:prstDash val="solid"/>
+                        </a:lnL>
+                        <a:lnR w="12700" cap="flat" cmpd="sng" algn="ctr">
+                          <a:solidFill>
+                            <a:schemeClr val="tx1"/>
+                          </a:solidFill>
+                          <a:prstDash val="solid"/>
+                          <a:round/>
+                          <a:headEnd type="none" w="med" len="med"/>
+                          <a:tailEnd type="none" w="med" len="med"/>
+                        </a:lnR>
+                        <a:lnT w="12700" cap="flat" cmpd="sng" algn="ctr">
+                          <a:solidFill>
+                            <a:schemeClr val="tx1"/>
+                          </a:solidFill>
+                          <a:prstDash val="solid"/>
+                          <a:round/>
+                          <a:headEnd type="none" w="med" len="med"/>
+                          <a:tailEnd type="none" w="med" len="med"/>
+                        </a:lnT>
+                        <a:lnB w="12700" cmpd="sng">
+                          <a:solidFill>
+                            <a:schemeClr val="tx1"/>
+                          </a:solidFill>
+                          <a:prstDash val="solid"/>
+                        </a:lnB>
+                      </a:tcPr>
+                    </a:tc>
+                    <a:tc>
+                      <a:txBody>
+                        <a:bodyPr/>
+                        <a:lstStyle/>
+                        <a:p>
+                          <a:r>
+                            <a:rPr lang="tr-TR" dirty="0"/>
+                            <a:t>3.2516A</a:t>
+                          </a:r>
+                          <a:endParaRPr lang="en-US" dirty="0"/>
+                        </a:p>
+                      </a:txBody>
+                      <a:tcPr>
+                        <a:lnL w="12700" cap="flat" cmpd="sng" algn="ctr">
+                          <a:solidFill>
+                            <a:schemeClr val="tx1"/>
+                          </a:solidFill>
+                          <a:prstDash val="solid"/>
+                          <a:round/>
+                          <a:headEnd type="none" w="med" len="med"/>
+                          <a:tailEnd type="none" w="med" len="med"/>
+                        </a:lnL>
+                        <a:lnR w="12700" cmpd="sng">
+                          <a:solidFill>
+                            <a:schemeClr val="tx1"/>
+                          </a:solidFill>
+                          <a:prstDash val="solid"/>
+                        </a:lnR>
+                        <a:lnT w="12700" cap="flat" cmpd="sng" algn="ctr">
+                          <a:solidFill>
+                            <a:schemeClr val="tx1"/>
+                          </a:solidFill>
+                          <a:prstDash val="solid"/>
+                          <a:round/>
+                          <a:headEnd type="none" w="med" len="med"/>
+                          <a:tailEnd type="none" w="med" len="med"/>
+                        </a:lnT>
+                        <a:lnB w="12700" cmpd="sng">
+                          <a:solidFill>
+                            <a:schemeClr val="tx1"/>
+                          </a:solidFill>
+                          <a:prstDash val="solid"/>
+                        </a:lnB>
+                      </a:tcPr>
+                    </a:tc>
+                    <a:extLst>
+                      <a:ext uri="{0D108BD9-81ED-4DB2-BD59-A6C34878D82A}">
+                        <a16:rowId xmlns:a16="http://schemas.microsoft.com/office/drawing/2014/main" val="1013507316"/>
+                      </a:ext>
+                    </a:extLst>
+                  </a:tr>
+                  <a:tr h="489397">
+                    <a:tc>
+                      <a:txBody>
+                        <a:bodyPr/>
+                        <a:lstStyle/>
+                        <a:p>
+                          <a:pPr/>
+                          <a14:m>
+                            <m:oMathPara xmlns:m="http://schemas.openxmlformats.org/officeDocument/2006/math">
+                              <m:oMathParaPr>
+                                <m:jc m:val="centerGroup"/>
+                              </m:oMathParaPr>
+                              <m:oMath xmlns:m="http://schemas.openxmlformats.org/officeDocument/2006/math">
+                                <m:sSub>
+                                  <m:sSubPr>
+                                    <m:ctrlPr>
+                                      <a:rPr lang="tr-TR" b="0" i="1" smtClean="0">
+                                        <a:latin typeface="Cambria Math" panose="02040503050406030204" pitchFamily="18" charset="0"/>
+                                      </a:rPr>
+                                    </m:ctrlPr>
+                                  </m:sSubPr>
+                                  <m:e>
+                                    <m:r>
+                                      <a:rPr lang="tr-TR" b="0" i="1" smtClean="0">
+                                        <a:latin typeface="Cambria Math" panose="02040503050406030204" pitchFamily="18" charset="0"/>
+                                      </a:rPr>
+                                      <m:t>𝐼</m:t>
+                                    </m:r>
+                                  </m:e>
+                                  <m:sub>
+                                    <m:r>
+                                      <a:rPr lang="tr-TR" b="0" i="1" smtClean="0">
+                                        <a:latin typeface="Cambria Math" panose="02040503050406030204" pitchFamily="18" charset="0"/>
+                                      </a:rPr>
+                                      <m:t>𝑠</m:t>
+                                    </m:r>
+                                    <m:r>
+                                      <a:rPr lang="tr-TR" b="0" i="1" smtClean="0">
+                                        <a:latin typeface="Cambria Math" panose="02040503050406030204" pitchFamily="18" charset="0"/>
+                                      </a:rPr>
+                                      <m:t>3</m:t>
+                                    </m:r>
+                                  </m:sub>
+                                </m:sSub>
+                              </m:oMath>
+                            </m:oMathPara>
+                          </a14:m>
+                          <a:endParaRPr lang="en-US" dirty="0"/>
+                        </a:p>
+                      </a:txBody>
+                      <a:tcPr>
+                        <a:lnL w="12700" cmpd="sng">
+                          <a:solidFill>
+                            <a:schemeClr val="tx1"/>
+                          </a:solidFill>
+                          <a:prstDash val="solid"/>
+                        </a:lnL>
+                        <a:lnR w="12700" cap="flat" cmpd="sng" algn="ctr">
+                          <a:solidFill>
+                            <a:schemeClr val="tx1"/>
+                          </a:solidFill>
+                          <a:prstDash val="solid"/>
+                          <a:round/>
+                          <a:headEnd type="none" w="med" len="med"/>
+                          <a:tailEnd type="none" w="med" len="med"/>
+                        </a:lnR>
+                        <a:lnT w="12700" cap="flat" cmpd="sng" algn="ctr">
+                          <a:solidFill>
+                            <a:schemeClr val="tx1"/>
+                          </a:solidFill>
+                          <a:prstDash val="solid"/>
+                          <a:round/>
+                          <a:headEnd type="none" w="med" len="med"/>
+                          <a:tailEnd type="none" w="med" len="med"/>
+                        </a:lnT>
+                        <a:lnB w="12700" cmpd="sng">
+                          <a:solidFill>
+                            <a:schemeClr val="tx1"/>
+                          </a:solidFill>
+                          <a:prstDash val="solid"/>
+                        </a:lnB>
+                      </a:tcPr>
+                    </a:tc>
+                    <a:tc>
+                      <a:txBody>
+                        <a:bodyPr/>
+                        <a:lstStyle/>
+                        <a:p>
+                          <a:r>
+                            <a:rPr lang="tr-TR" dirty="0"/>
+                            <a:t>2.9696A</a:t>
+                          </a:r>
+                          <a:endParaRPr lang="en-US" dirty="0"/>
+                        </a:p>
+                      </a:txBody>
+                      <a:tcPr>
+                        <a:lnL w="12700" cap="flat" cmpd="sng" algn="ctr">
+                          <a:solidFill>
+                            <a:schemeClr val="tx1"/>
+                          </a:solidFill>
+                          <a:prstDash val="solid"/>
+                          <a:round/>
+                          <a:headEnd type="none" w="med" len="med"/>
+                          <a:tailEnd type="none" w="med" len="med"/>
+                        </a:lnL>
+                        <a:lnR w="12700" cmpd="sng">
+                          <a:solidFill>
+                            <a:schemeClr val="tx1"/>
+                          </a:solidFill>
+                          <a:prstDash val="solid"/>
+                        </a:lnR>
+                        <a:lnT w="12700" cap="flat" cmpd="sng" algn="ctr">
+                          <a:solidFill>
+                            <a:schemeClr val="tx1"/>
+                          </a:solidFill>
+                          <a:prstDash val="solid"/>
+                          <a:round/>
+                          <a:headEnd type="none" w="med" len="med"/>
+                          <a:tailEnd type="none" w="med" len="med"/>
+                        </a:lnT>
+                        <a:lnB w="12700" cmpd="sng">
+                          <a:solidFill>
+                            <a:schemeClr val="tx1"/>
+                          </a:solidFill>
+                          <a:prstDash val="solid"/>
+                        </a:lnB>
+                      </a:tcPr>
+                    </a:tc>
+                    <a:extLst>
+                      <a:ext uri="{0D108BD9-81ED-4DB2-BD59-A6C34878D82A}">
+                        <a16:rowId xmlns:a16="http://schemas.microsoft.com/office/drawing/2014/main" val="495674345"/>
+                      </a:ext>
+                    </a:extLst>
+                  </a:tr>
+                  <a:tr h="0">
+                    <a:tc>
+                      <a:txBody>
+                        <a:bodyPr/>
+                        <a:lstStyle/>
+                        <a:p>
+                          <a:pPr/>
+                          <a14:m>
+                            <m:oMathPara xmlns:m="http://schemas.openxmlformats.org/officeDocument/2006/math">
+                              <m:oMathParaPr>
+                                <m:jc m:val="centerGroup"/>
+                              </m:oMathParaPr>
+                              <m:oMath xmlns:m="http://schemas.openxmlformats.org/officeDocument/2006/math">
+                                <m:sSub>
+                                  <m:sSubPr>
+                                    <m:ctrlPr>
+                                      <a:rPr lang="tr-TR" b="0" i="1" smtClean="0">
+                                        <a:latin typeface="Cambria Math" panose="02040503050406030204" pitchFamily="18" charset="0"/>
+                                      </a:rPr>
+                                    </m:ctrlPr>
+                                  </m:sSubPr>
+                                  <m:e>
+                                    <m:r>
+                                      <a:rPr lang="tr-TR" b="0" i="1" smtClean="0">
+                                        <a:latin typeface="Cambria Math" panose="02040503050406030204" pitchFamily="18" charset="0"/>
+                                      </a:rPr>
+                                      <m:t>𝐼</m:t>
+                                    </m:r>
+                                  </m:e>
+                                  <m:sub>
+                                    <m:r>
+                                      <a:rPr lang="tr-TR" b="0" i="1" smtClean="0">
+                                        <a:latin typeface="Cambria Math" panose="02040503050406030204" pitchFamily="18" charset="0"/>
+                                      </a:rPr>
+                                      <m:t>𝑠</m:t>
+                                    </m:r>
+                                    <m:r>
+                                      <a:rPr lang="tr-TR" b="0" i="1" smtClean="0">
+                                        <a:latin typeface="Cambria Math" panose="02040503050406030204" pitchFamily="18" charset="0"/>
+                                      </a:rPr>
+                                      <m:t>4</m:t>
+                                    </m:r>
+                                  </m:sub>
+                                </m:sSub>
+                              </m:oMath>
+                            </m:oMathPara>
+                          </a14:m>
+                          <a:endParaRPr lang="en-US" dirty="0"/>
+                        </a:p>
+                      </a:txBody>
+                      <a:tcPr>
+                        <a:lnL w="12700" cmpd="sng">
+                          <a:solidFill>
+                            <a:schemeClr val="tx1"/>
+                          </a:solidFill>
+                          <a:prstDash val="solid"/>
+                        </a:lnL>
+                        <a:lnR w="12700" cap="flat" cmpd="sng" algn="ctr">
+                          <a:solidFill>
+                            <a:schemeClr val="tx1"/>
+                          </a:solidFill>
+                          <a:prstDash val="solid"/>
+                          <a:round/>
+                          <a:headEnd type="none" w="med" len="med"/>
+                          <a:tailEnd type="none" w="med" len="med"/>
+                        </a:lnR>
+                        <a:lnT w="12700" cap="flat" cmpd="sng" algn="ctr">
+                          <a:solidFill>
+                            <a:schemeClr val="tx1"/>
+                          </a:solidFill>
+                          <a:prstDash val="solid"/>
+                          <a:round/>
+                          <a:headEnd type="none" w="med" len="med"/>
+                          <a:tailEnd type="none" w="med" len="med"/>
+                        </a:lnT>
+                        <a:lnB w="12700" cap="flat" cmpd="sng" algn="ctr">
+                          <a:solidFill>
+                            <a:schemeClr val="tx1"/>
+                          </a:solidFill>
+                          <a:prstDash val="solid"/>
+                          <a:round/>
+                          <a:headEnd type="none" w="med" len="med"/>
+                          <a:tailEnd type="none" w="med" len="med"/>
+                        </a:lnB>
+                      </a:tcPr>
+                    </a:tc>
+                    <a:tc>
+                      <a:txBody>
+                        <a:bodyPr/>
+                        <a:lstStyle/>
+                        <a:p>
+                          <a:r>
+                            <a:rPr lang="tr-TR" dirty="0"/>
+                            <a:t>2.5344A</a:t>
+                          </a:r>
+                          <a:endParaRPr lang="en-US" dirty="0"/>
+                        </a:p>
+                      </a:txBody>
+                      <a:tcPr>
+                        <a:lnL w="12700" cmpd="sng">
+                          <a:solidFill>
+                            <a:schemeClr val="tx1"/>
+                          </a:solidFill>
+                          <a:prstDash val="solid"/>
+                        </a:lnL>
+                        <a:lnR w="12700" cmpd="sng">
+                          <a:solidFill>
+                            <a:schemeClr val="tx1"/>
+                          </a:solidFill>
+                          <a:prstDash val="solid"/>
+                        </a:lnR>
+                        <a:lnT w="12700" cap="flat" cmpd="sng" algn="ctr">
+                          <a:solidFill>
+                            <a:schemeClr val="tx1"/>
+                          </a:solidFill>
+                          <a:prstDash val="solid"/>
+                          <a:round/>
+                          <a:headEnd type="none" w="med" len="med"/>
+                          <a:tailEnd type="none" w="med" len="med"/>
+                        </a:lnT>
+                        <a:lnB w="12700" cap="flat" cmpd="sng" algn="ctr">
+                          <a:solidFill>
+                            <a:schemeClr val="tx1"/>
+                          </a:solidFill>
+                          <a:prstDash val="solid"/>
+                          <a:round/>
+                          <a:headEnd type="none" w="med" len="med"/>
+                          <a:tailEnd type="none" w="med" len="med"/>
+                        </a:lnB>
+                      </a:tcPr>
+                    </a:tc>
+                    <a:extLst>
+                      <a:ext uri="{0D108BD9-81ED-4DB2-BD59-A6C34878D82A}">
+                        <a16:rowId xmlns:a16="http://schemas.microsoft.com/office/drawing/2014/main" val="566282699"/>
+                      </a:ext>
+                    </a:extLst>
+                  </a:tr>
+                  <a:tr h="489397">
+                    <a:tc>
+                      <a:txBody>
+                        <a:bodyPr/>
+                        <a:lstStyle/>
+                        <a:p>
+                          <a:pPr/>
+                          <a14:m>
+                            <m:oMathPara xmlns:m="http://schemas.openxmlformats.org/officeDocument/2006/math">
+                              <m:oMathParaPr>
+                                <m:jc m:val="centerGroup"/>
+                              </m:oMathParaPr>
+                              <m:oMath xmlns:m="http://schemas.openxmlformats.org/officeDocument/2006/math">
+                                <m:sSub>
+                                  <m:sSubPr>
+                                    <m:ctrlPr>
+                                      <a:rPr lang="tr-TR" b="0" i="1" smtClean="0">
+                                        <a:latin typeface="Cambria Math" panose="02040503050406030204" pitchFamily="18" charset="0"/>
+                                      </a:rPr>
+                                    </m:ctrlPr>
+                                  </m:sSubPr>
+                                  <m:e>
+                                    <m:r>
+                                      <a:rPr lang="tr-TR" b="0" i="1" smtClean="0">
+                                        <a:latin typeface="Cambria Math" panose="02040503050406030204" pitchFamily="18" charset="0"/>
+                                      </a:rPr>
+                                      <m:t>𝑉</m:t>
+                                    </m:r>
+                                  </m:e>
+                                  <m:sub>
+                                    <m:r>
+                                      <a:rPr lang="tr-TR" b="0" i="1" smtClean="0">
+                                        <a:latin typeface="Cambria Math" panose="02040503050406030204" pitchFamily="18" charset="0"/>
+                                      </a:rPr>
+                                      <m:t>𝑜𝑢𝑡</m:t>
+                                    </m:r>
+                                  </m:sub>
+                                </m:sSub>
+                              </m:oMath>
+                            </m:oMathPara>
+                          </a14:m>
+                          <a:endParaRPr lang="en-US" dirty="0"/>
+                        </a:p>
+                      </a:txBody>
+                      <a:tcPr>
+                        <a:lnL w="12700" cmpd="sng">
+                          <a:solidFill>
+                            <a:schemeClr val="tx1"/>
+                          </a:solidFill>
+                          <a:prstDash val="solid"/>
+                        </a:lnL>
+                        <a:lnR w="12700" cap="flat" cmpd="sng" algn="ctr">
+                          <a:solidFill>
+                            <a:schemeClr val="tx1"/>
+                          </a:solidFill>
+                          <a:prstDash val="solid"/>
+                          <a:round/>
+                          <a:headEnd type="none" w="med" len="med"/>
+                          <a:tailEnd type="none" w="med" len="med"/>
+                        </a:lnR>
+                        <a:lnT w="12700" cap="flat" cmpd="sng" algn="ctr">
+                          <a:solidFill>
+                            <a:schemeClr val="tx1"/>
+                          </a:solidFill>
+                          <a:prstDash val="solid"/>
+                          <a:round/>
+                          <a:headEnd type="none" w="med" len="med"/>
+                          <a:tailEnd type="none" w="med" len="med"/>
+                        </a:lnT>
+                        <a:lnB w="12700" cmpd="sng">
+                          <a:solidFill>
+                            <a:schemeClr val="tx1"/>
+                          </a:solidFill>
+                          <a:prstDash val="solid"/>
+                        </a:lnB>
+                      </a:tcPr>
+                    </a:tc>
+                    <a:tc>
+                      <a:txBody>
+                        <a:bodyPr/>
+                        <a:lstStyle/>
+                        <a:p>
+                          <a:r>
+                            <a:rPr lang="tr-TR" dirty="0"/>
+                            <a:t>100V</a:t>
+                          </a:r>
+                          <a:endParaRPr lang="en-US" dirty="0"/>
+                        </a:p>
+                      </a:txBody>
+                      <a:tcPr>
+                        <a:lnL w="12700" cap="flat" cmpd="sng" algn="ctr">
+                          <a:solidFill>
+                            <a:schemeClr val="tx1"/>
+                          </a:solidFill>
+                          <a:prstDash val="solid"/>
+                          <a:round/>
+                          <a:headEnd type="none" w="med" len="med"/>
+                          <a:tailEnd type="none" w="med" len="med"/>
+                        </a:lnL>
+                        <a:lnR w="12700" cmpd="sng">
+                          <a:solidFill>
+                            <a:schemeClr val="tx1"/>
+                          </a:solidFill>
+                          <a:prstDash val="solid"/>
+                        </a:lnR>
+                        <a:lnT w="12700" cap="flat" cmpd="sng" algn="ctr">
+                          <a:solidFill>
+                            <a:schemeClr val="tx1"/>
+                          </a:solidFill>
+                          <a:prstDash val="solid"/>
+                          <a:round/>
+                          <a:headEnd type="none" w="med" len="med"/>
+                          <a:tailEnd type="none" w="med" len="med"/>
+                        </a:lnT>
+                        <a:lnB w="12700" cmpd="sng">
+                          <a:solidFill>
+                            <a:schemeClr val="tx1"/>
+                          </a:solidFill>
+                          <a:prstDash val="solid"/>
+                        </a:lnB>
+                      </a:tcPr>
+                    </a:tc>
+                    <a:extLst>
+                      <a:ext uri="{0D108BD9-81ED-4DB2-BD59-A6C34878D82A}">
+                        <a16:rowId xmlns:a16="http://schemas.microsoft.com/office/drawing/2014/main" val="2375824003"/>
+                      </a:ext>
+                    </a:extLst>
+                  </a:tr>
+                </a:tbl>
+              </a:graphicData>
+            </a:graphic>
+          </p:graphicFrame>
+        </mc:Choice>
+        <mc:Fallback>
+          <p:graphicFrame>
+            <p:nvGraphicFramePr>
+              <p:cNvPr id="4" name="Table 3">
+                <a:extLst>
+                  <a:ext uri="{FF2B5EF4-FFF2-40B4-BE49-F238E27FC236}">
+                    <a16:creationId xmlns:a16="http://schemas.microsoft.com/office/drawing/2014/main" id="{339A206C-1C3D-45AB-A508-06443C69B25A}"/>
+                  </a:ext>
+                </a:extLst>
+              </p:cNvPr>
+              <p:cNvGraphicFramePr>
+                <a:graphicFrameLocks noGrp="1"/>
+              </p:cNvGraphicFramePr>
+              <p:nvPr>
+                <p:extLst>
+                  <p:ext uri="{D42A27DB-BD31-4B8C-83A1-F6EECF244321}">
+                    <p14:modId xmlns:p14="http://schemas.microsoft.com/office/powerpoint/2010/main" val="397969152"/>
+                  </p:ext>
+                </p:extLst>
+              </p:nvPr>
+            </p:nvGraphicFramePr>
+            <p:xfrm>
+              <a:off x="3819659" y="2847521"/>
+              <a:ext cx="3631842" cy="3848204"/>
+            </p:xfrm>
+            <a:graphic>
+              <a:graphicData uri="http://schemas.openxmlformats.org/drawingml/2006/table">
+                <a:tbl>
+                  <a:tblPr/>
+                  <a:tblGrid>
+                    <a:gridCol w="1815921">
+                      <a:extLst>
+                        <a:ext uri="{9D8B030D-6E8A-4147-A177-3AD203B41FA5}">
+                          <a16:colId xmlns:a16="http://schemas.microsoft.com/office/drawing/2014/main" val="3853885856"/>
+                        </a:ext>
+                      </a:extLst>
+                    </a:gridCol>
+                    <a:gridCol w="1815921">
+                      <a:extLst>
+                        <a:ext uri="{9D8B030D-6E8A-4147-A177-3AD203B41FA5}">
+                          <a16:colId xmlns:a16="http://schemas.microsoft.com/office/drawing/2014/main" val="4283652476"/>
+                        </a:ext>
+                      </a:extLst>
+                    </a:gridCol>
+                  </a:tblGrid>
+                  <a:tr h="489397">
+                    <a:tc gridSpan="2">
+                      <a:txBody>
+                        <a:bodyPr/>
+                        <a:lstStyle/>
+                        <a:p>
+                          <a:r>
+                            <a:rPr lang="tr-TR" dirty="0" err="1"/>
+                            <a:t>Primer</a:t>
+                          </a:r>
+                          <a:r>
+                            <a:rPr lang="tr-TR" dirty="0"/>
+                            <a:t>  </a:t>
+                          </a:r>
+                          <a:r>
+                            <a:rPr lang="tr-TR" dirty="0" err="1"/>
+                            <a:t>Resonance</a:t>
+                          </a:r>
+                          <a:r>
+                            <a:rPr lang="tr-TR" dirty="0"/>
+                            <a:t>(150kHz)</a:t>
+                          </a:r>
+                        </a:p>
+                      </a:txBody>
+                      <a:tcPr>
+                        <a:lnL w="12700" cmpd="sng">
+                          <a:solidFill>
+                            <a:schemeClr val="tx1"/>
+                          </a:solidFill>
+                          <a:prstDash val="solid"/>
+                        </a:lnL>
+                        <a:lnR w="12700" cap="flat" cmpd="sng" algn="ctr">
+                          <a:solidFill>
+                            <a:schemeClr val="tx1"/>
+                          </a:solidFill>
+                          <a:prstDash val="solid"/>
+                          <a:round/>
+                          <a:headEnd type="none" w="med" len="med"/>
+                          <a:tailEnd type="none" w="med" len="med"/>
+                        </a:lnR>
+                        <a:lnT w="12700" cmpd="sng">
+                          <a:solidFill>
+                            <a:schemeClr val="tx1"/>
+                          </a:solidFill>
+                          <a:prstDash val="solid"/>
+                        </a:lnT>
+                        <a:lnB w="12700" cap="flat" cmpd="sng" algn="ctr">
+                          <a:solidFill>
+                            <a:schemeClr val="tx1"/>
+                          </a:solidFill>
+                          <a:prstDash val="solid"/>
+                          <a:round/>
+                          <a:headEnd type="none" w="med" len="med"/>
+                          <a:tailEnd type="none" w="med" len="med"/>
+                        </a:lnB>
+                      </a:tcPr>
+                    </a:tc>
+                    <a:tc hMerge="1">
+                      <a:txBody>
+                        <a:bodyPr/>
+                        <a:lstStyle/>
+                        <a:p>
+                          <a:endParaRPr lang="en-US" dirty="0"/>
+                        </a:p>
+                      </a:txBody>
+                      <a:tcPr>
+                        <a:lnL w="12700" cap="flat" cmpd="sng" algn="ctr">
+                          <a:solidFill>
+                            <a:schemeClr val="tx1"/>
+                          </a:solidFill>
+                          <a:prstDash val="solid"/>
+                          <a:round/>
+                          <a:headEnd type="none" w="med" len="med"/>
+                          <a:tailEnd type="none" w="med" len="med"/>
+                        </a:lnL>
+                        <a:lnR w="12700" cmpd="sng">
+                          <a:solidFill>
+                            <a:schemeClr val="tx1"/>
+                          </a:solidFill>
+                          <a:prstDash val="solid"/>
+                        </a:lnR>
+                        <a:lnT w="12700" cmpd="sng">
+                          <a:solidFill>
+                            <a:schemeClr val="tx1"/>
+                          </a:solidFill>
+                          <a:prstDash val="solid"/>
+                        </a:lnT>
+                        <a:lnB w="12700" cmpd="sng">
+                          <a:solidFill>
+                            <a:schemeClr val="tx1"/>
+                          </a:solidFill>
+                          <a:prstDash val="solid"/>
+                        </a:lnB>
+                      </a:tcPr>
+                    </a:tc>
+                    <a:extLst>
+                      <a:ext uri="{0D108BD9-81ED-4DB2-BD59-A6C34878D82A}">
+                        <a16:rowId xmlns:a16="http://schemas.microsoft.com/office/drawing/2014/main" val="2936815159"/>
+                      </a:ext>
+                    </a:extLst>
+                  </a:tr>
+                  <a:tr h="489397">
+                    <a:tc gridSpan="2">
+                      <a:txBody>
+                        <a:bodyPr/>
+                        <a:lstStyle/>
+                        <a:p>
+                          <a:r>
+                            <a:rPr lang="tr-TR" dirty="0" err="1"/>
+                            <a:t>Seconder</a:t>
+                          </a:r>
+                          <a:r>
+                            <a:rPr lang="tr-TR" dirty="0"/>
+                            <a:t> </a:t>
+                          </a:r>
+                          <a:r>
+                            <a:rPr lang="tr-TR" dirty="0" err="1"/>
+                            <a:t>Resonance</a:t>
+                          </a:r>
+                          <a:r>
+                            <a:rPr lang="tr-TR" dirty="0"/>
+                            <a:t>(131kHz)</a:t>
+                          </a:r>
+                        </a:p>
+                      </a:txBody>
+                      <a:tcPr>
+                        <a:lnL w="12700" cmpd="sng">
+                          <a:solidFill>
+                            <a:schemeClr val="tx1"/>
+                          </a:solidFill>
+                          <a:prstDash val="solid"/>
+                        </a:lnL>
+                        <a:lnR w="12700" cap="flat" cmpd="sng" algn="ctr">
+                          <a:solidFill>
+                            <a:schemeClr val="tx1"/>
+                          </a:solidFill>
+                          <a:prstDash val="solid"/>
+                          <a:round/>
+                          <a:headEnd type="none" w="med" len="med"/>
+                          <a:tailEnd type="none" w="med" len="med"/>
+                        </a:lnR>
+                        <a:lnT w="12700" cap="flat" cmpd="sng" algn="ctr">
+                          <a:solidFill>
+                            <a:schemeClr val="tx1"/>
+                          </a:solidFill>
+                          <a:prstDash val="solid"/>
+                          <a:round/>
+                          <a:headEnd type="none" w="med" len="med"/>
+                          <a:tailEnd type="none" w="med" len="med"/>
+                        </a:lnT>
+                        <a:lnB w="12700" cap="flat" cmpd="sng" algn="ctr">
+                          <a:solidFill>
+                            <a:schemeClr val="tx1"/>
+                          </a:solidFill>
+                          <a:prstDash val="solid"/>
+                          <a:round/>
+                          <a:headEnd type="none" w="med" len="med"/>
+                          <a:tailEnd type="none" w="med" len="med"/>
+                        </a:lnB>
+                      </a:tcPr>
+                    </a:tc>
+                    <a:tc hMerge="1">
+                      <a:txBody>
+                        <a:bodyPr/>
+                        <a:lstStyle/>
+                        <a:p>
+                          <a:endParaRPr lang="en-US"/>
+                        </a:p>
+                      </a:txBody>
+                      <a:tcPr/>
+                    </a:tc>
+                    <a:extLst>
+                      <a:ext uri="{0D108BD9-81ED-4DB2-BD59-A6C34878D82A}">
+                        <a16:rowId xmlns:a16="http://schemas.microsoft.com/office/drawing/2014/main" val="1321034424"/>
+                      </a:ext>
+                    </a:extLst>
+                  </a:tr>
+                  <a:tr h="546062">
+                    <a:tc gridSpan="2">
+                      <a:txBody>
+                        <a:bodyPr/>
+                        <a:lstStyle/>
+                        <a:p>
+                          <a:r>
+                            <a:rPr lang="tr-TR" dirty="0" err="1"/>
+                            <a:t>Operation</a:t>
+                          </a:r>
+                          <a:r>
+                            <a:rPr lang="tr-TR" dirty="0"/>
+                            <a:t> </a:t>
+                          </a:r>
+                          <a:r>
+                            <a:rPr lang="tr-TR" dirty="0" err="1"/>
+                            <a:t>Frequency</a:t>
+                          </a:r>
+                          <a:r>
+                            <a:rPr lang="tr-TR" dirty="0"/>
+                            <a:t> (155 kHz)</a:t>
+                          </a:r>
+                        </a:p>
+                      </a:txBody>
+                      <a:tcPr>
+                        <a:lnL w="12700" cmpd="sng">
+                          <a:solidFill>
+                            <a:schemeClr val="tx1"/>
+                          </a:solidFill>
+                          <a:prstDash val="solid"/>
+                        </a:lnL>
+                        <a:lnR w="12700" cap="flat" cmpd="sng" algn="ctr">
+                          <a:solidFill>
+                            <a:schemeClr val="tx1"/>
+                          </a:solidFill>
+                          <a:prstDash val="solid"/>
+                          <a:round/>
+                          <a:headEnd type="none" w="med" len="med"/>
+                          <a:tailEnd type="none" w="med" len="med"/>
+                        </a:lnR>
+                        <a:lnT w="12700" cap="flat" cmpd="sng" algn="ctr">
+                          <a:solidFill>
+                            <a:schemeClr val="tx1"/>
+                          </a:solidFill>
+                          <a:prstDash val="solid"/>
+                          <a:round/>
+                          <a:headEnd type="none" w="med" len="med"/>
+                          <a:tailEnd type="none" w="med" len="med"/>
+                        </a:lnT>
+                        <a:lnB w="12700" cap="flat" cmpd="sng" algn="ctr">
+                          <a:solidFill>
+                            <a:schemeClr val="tx1"/>
+                          </a:solidFill>
+                          <a:prstDash val="solid"/>
+                          <a:round/>
+                          <a:headEnd type="none" w="med" len="med"/>
+                          <a:tailEnd type="none" w="med" len="med"/>
+                        </a:lnB>
+                      </a:tcPr>
+                    </a:tc>
+                    <a:tc hMerge="1">
+                      <a:txBody>
+                        <a:bodyPr/>
+                        <a:lstStyle/>
+                        <a:p>
+                          <a:endParaRPr lang="en-US"/>
+                        </a:p>
+                      </a:txBody>
+                      <a:tcPr/>
+                    </a:tc>
+                    <a:extLst>
+                      <a:ext uri="{0D108BD9-81ED-4DB2-BD59-A6C34878D82A}">
+                        <a16:rowId xmlns:a16="http://schemas.microsoft.com/office/drawing/2014/main" val="2507909524"/>
+                      </a:ext>
+                    </a:extLst>
+                  </a:tr>
+                  <a:tr h="489397">
+                    <a:tc>
+                      <a:txBody>
+                        <a:bodyPr/>
+                        <a:lstStyle/>
+                        <a:p>
+                          <a:endParaRPr lang="en-US"/>
+                        </a:p>
+                      </a:txBody>
+                      <a:tcPr>
+                        <a:lnL w="12700" cmpd="sng">
+                          <a:solidFill>
+                            <a:schemeClr val="tx1"/>
+                          </a:solidFill>
+                          <a:prstDash val="solid"/>
+                        </a:lnL>
+                        <a:lnR w="12700" cap="flat" cmpd="sng" algn="ctr">
+                          <a:solidFill>
+                            <a:schemeClr val="tx1"/>
+                          </a:solidFill>
+                          <a:prstDash val="solid"/>
+                          <a:round/>
+                          <a:headEnd type="none" w="med" len="med"/>
+                          <a:tailEnd type="none" w="med" len="med"/>
+                        </a:lnR>
+                        <a:lnT w="12700" cap="flat" cmpd="sng" algn="ctr">
+                          <a:solidFill>
+                            <a:schemeClr val="tx1"/>
+                          </a:solidFill>
+                          <a:prstDash val="solid"/>
+                          <a:round/>
+                          <a:headEnd type="none" w="med" len="med"/>
+                          <a:tailEnd type="none" w="med" len="med"/>
+                        </a:lnT>
+                        <a:lnB w="12700" cmpd="sng">
+                          <a:solidFill>
+                            <a:schemeClr val="tx1"/>
+                          </a:solidFill>
+                          <a:prstDash val="solid"/>
+                        </a:lnB>
+                        <a:blipFill>
+                          <a:blip r:embed="rId2"/>
+                          <a:stretch>
+                            <a:fillRect l="-334" t="-314815" r="-100334" b="-374074"/>
+                          </a:stretch>
+                        </a:blipFill>
+                      </a:tcPr>
+                    </a:tc>
+                    <a:tc>
+                      <a:txBody>
+                        <a:bodyPr/>
+                        <a:lstStyle/>
+                        <a:p>
+                          <a:r>
+                            <a:rPr lang="tr-TR" dirty="0"/>
+                            <a:t>3.2025A</a:t>
+                          </a:r>
+                          <a:endParaRPr lang="en-US" dirty="0"/>
+                        </a:p>
+                      </a:txBody>
+                      <a:tcPr>
+                        <a:lnL w="12700" cap="flat" cmpd="sng" algn="ctr">
+                          <a:solidFill>
+                            <a:schemeClr val="tx1"/>
+                          </a:solidFill>
+                          <a:prstDash val="solid"/>
+                          <a:round/>
+                          <a:headEnd type="none" w="med" len="med"/>
+                          <a:tailEnd type="none" w="med" len="med"/>
+                        </a:lnL>
+                        <a:lnR w="12700" cmpd="sng">
+                          <a:solidFill>
+                            <a:schemeClr val="tx1"/>
+                          </a:solidFill>
+                          <a:prstDash val="solid"/>
+                        </a:lnR>
+                        <a:lnT w="12700" cap="flat" cmpd="sng" algn="ctr">
+                          <a:solidFill>
+                            <a:schemeClr val="tx1"/>
+                          </a:solidFill>
+                          <a:prstDash val="solid"/>
+                          <a:round/>
+                          <a:headEnd type="none" w="med" len="med"/>
+                          <a:tailEnd type="none" w="med" len="med"/>
+                        </a:lnT>
+                        <a:lnB w="12700" cmpd="sng">
+                          <a:solidFill>
+                            <a:schemeClr val="tx1"/>
+                          </a:solidFill>
+                          <a:prstDash val="solid"/>
+                        </a:lnB>
+                      </a:tcPr>
+                    </a:tc>
+                    <a:extLst>
+                      <a:ext uri="{0D108BD9-81ED-4DB2-BD59-A6C34878D82A}">
+                        <a16:rowId xmlns:a16="http://schemas.microsoft.com/office/drawing/2014/main" val="3895846894"/>
+                      </a:ext>
+                    </a:extLst>
+                  </a:tr>
+                  <a:tr h="489397">
+                    <a:tc>
+                      <a:txBody>
+                        <a:bodyPr/>
+                        <a:lstStyle/>
+                        <a:p>
+                          <a:endParaRPr lang="en-US"/>
+                        </a:p>
+                      </a:txBody>
+                      <a:tcPr>
+                        <a:lnL w="12700" cmpd="sng">
+                          <a:solidFill>
+                            <a:schemeClr val="tx1"/>
+                          </a:solidFill>
+                          <a:prstDash val="solid"/>
+                        </a:lnL>
+                        <a:lnR w="12700" cap="flat" cmpd="sng" algn="ctr">
+                          <a:solidFill>
+                            <a:schemeClr val="tx1"/>
+                          </a:solidFill>
+                          <a:prstDash val="solid"/>
+                          <a:round/>
+                          <a:headEnd type="none" w="med" len="med"/>
+                          <a:tailEnd type="none" w="med" len="med"/>
+                        </a:lnR>
+                        <a:lnT w="12700" cap="flat" cmpd="sng" algn="ctr">
+                          <a:solidFill>
+                            <a:schemeClr val="tx1"/>
+                          </a:solidFill>
+                          <a:prstDash val="solid"/>
+                          <a:round/>
+                          <a:headEnd type="none" w="med" len="med"/>
+                          <a:tailEnd type="none" w="med" len="med"/>
+                        </a:lnT>
+                        <a:lnB w="12700" cmpd="sng">
+                          <a:solidFill>
+                            <a:schemeClr val="tx1"/>
+                          </a:solidFill>
+                          <a:prstDash val="solid"/>
+                        </a:lnB>
+                        <a:blipFill>
+                          <a:blip r:embed="rId2"/>
+                          <a:stretch>
+                            <a:fillRect l="-334" t="-420000" r="-100334" b="-278750"/>
+                          </a:stretch>
+                        </a:blipFill>
+                      </a:tcPr>
+                    </a:tc>
+                    <a:tc>
+                      <a:txBody>
+                        <a:bodyPr/>
+                        <a:lstStyle/>
+                        <a:p>
+                          <a:r>
+                            <a:rPr lang="tr-TR" dirty="0"/>
+                            <a:t>3.2516A</a:t>
+                          </a:r>
+                          <a:endParaRPr lang="en-US" dirty="0"/>
+                        </a:p>
+                      </a:txBody>
+                      <a:tcPr>
+                        <a:lnL w="12700" cap="flat" cmpd="sng" algn="ctr">
+                          <a:solidFill>
+                            <a:schemeClr val="tx1"/>
+                          </a:solidFill>
+                          <a:prstDash val="solid"/>
+                          <a:round/>
+                          <a:headEnd type="none" w="med" len="med"/>
+                          <a:tailEnd type="none" w="med" len="med"/>
+                        </a:lnL>
+                        <a:lnR w="12700" cmpd="sng">
+                          <a:solidFill>
+                            <a:schemeClr val="tx1"/>
+                          </a:solidFill>
+                          <a:prstDash val="solid"/>
+                        </a:lnR>
+                        <a:lnT w="12700" cap="flat" cmpd="sng" algn="ctr">
+                          <a:solidFill>
+                            <a:schemeClr val="tx1"/>
+                          </a:solidFill>
+                          <a:prstDash val="solid"/>
+                          <a:round/>
+                          <a:headEnd type="none" w="med" len="med"/>
+                          <a:tailEnd type="none" w="med" len="med"/>
+                        </a:lnT>
+                        <a:lnB w="12700" cmpd="sng">
+                          <a:solidFill>
+                            <a:schemeClr val="tx1"/>
+                          </a:solidFill>
+                          <a:prstDash val="solid"/>
+                        </a:lnB>
+                      </a:tcPr>
+                    </a:tc>
+                    <a:extLst>
+                      <a:ext uri="{0D108BD9-81ED-4DB2-BD59-A6C34878D82A}">
+                        <a16:rowId xmlns:a16="http://schemas.microsoft.com/office/drawing/2014/main" val="1013507316"/>
+                      </a:ext>
+                    </a:extLst>
+                  </a:tr>
+                  <a:tr h="489397">
+                    <a:tc>
+                      <a:txBody>
+                        <a:bodyPr/>
+                        <a:lstStyle/>
+                        <a:p>
+                          <a:endParaRPr lang="en-US"/>
+                        </a:p>
+                      </a:txBody>
+                      <a:tcPr>
+                        <a:lnL w="12700" cmpd="sng">
+                          <a:solidFill>
+                            <a:schemeClr val="tx1"/>
+                          </a:solidFill>
+                          <a:prstDash val="solid"/>
+                        </a:lnL>
+                        <a:lnR w="12700" cap="flat" cmpd="sng" algn="ctr">
+                          <a:solidFill>
+                            <a:schemeClr val="tx1"/>
+                          </a:solidFill>
+                          <a:prstDash val="solid"/>
+                          <a:round/>
+                          <a:headEnd type="none" w="med" len="med"/>
+                          <a:tailEnd type="none" w="med" len="med"/>
+                        </a:lnR>
+                        <a:lnT w="12700" cap="flat" cmpd="sng" algn="ctr">
+                          <a:solidFill>
+                            <a:schemeClr val="tx1"/>
+                          </a:solidFill>
+                          <a:prstDash val="solid"/>
+                          <a:round/>
+                          <a:headEnd type="none" w="med" len="med"/>
+                          <a:tailEnd type="none" w="med" len="med"/>
+                        </a:lnT>
+                        <a:lnB w="12700" cmpd="sng">
+                          <a:solidFill>
+                            <a:schemeClr val="tx1"/>
+                          </a:solidFill>
+                          <a:prstDash val="solid"/>
+                        </a:lnB>
+                        <a:blipFill>
+                          <a:blip r:embed="rId2"/>
+                          <a:stretch>
+                            <a:fillRect l="-334" t="-513580" r="-100334" b="-175309"/>
+                          </a:stretch>
+                        </a:blipFill>
+                      </a:tcPr>
+                    </a:tc>
+                    <a:tc>
+                      <a:txBody>
+                        <a:bodyPr/>
+                        <a:lstStyle/>
+                        <a:p>
+                          <a:r>
+                            <a:rPr lang="tr-TR" dirty="0"/>
+                            <a:t>2.9696A</a:t>
+                          </a:r>
+                          <a:endParaRPr lang="en-US" dirty="0"/>
+                        </a:p>
+                      </a:txBody>
+                      <a:tcPr>
+                        <a:lnL w="12700" cap="flat" cmpd="sng" algn="ctr">
+                          <a:solidFill>
+                            <a:schemeClr val="tx1"/>
+                          </a:solidFill>
+                          <a:prstDash val="solid"/>
+                          <a:round/>
+                          <a:headEnd type="none" w="med" len="med"/>
+                          <a:tailEnd type="none" w="med" len="med"/>
+                        </a:lnL>
+                        <a:lnR w="12700" cmpd="sng">
+                          <a:solidFill>
+                            <a:schemeClr val="tx1"/>
+                          </a:solidFill>
+                          <a:prstDash val="solid"/>
+                        </a:lnR>
+                        <a:lnT w="12700" cap="flat" cmpd="sng" algn="ctr">
+                          <a:solidFill>
+                            <a:schemeClr val="tx1"/>
+                          </a:solidFill>
+                          <a:prstDash val="solid"/>
+                          <a:round/>
+                          <a:headEnd type="none" w="med" len="med"/>
+                          <a:tailEnd type="none" w="med" len="med"/>
+                        </a:lnT>
+                        <a:lnB w="12700" cmpd="sng">
+                          <a:solidFill>
+                            <a:schemeClr val="tx1"/>
+                          </a:solidFill>
+                          <a:prstDash val="solid"/>
+                        </a:lnB>
+                      </a:tcPr>
+                    </a:tc>
+                    <a:extLst>
+                      <a:ext uri="{0D108BD9-81ED-4DB2-BD59-A6C34878D82A}">
+                        <a16:rowId xmlns:a16="http://schemas.microsoft.com/office/drawing/2014/main" val="495674345"/>
+                      </a:ext>
+                    </a:extLst>
+                  </a:tr>
+                  <a:tr h="365760">
+                    <a:tc>
+                      <a:txBody>
+                        <a:bodyPr/>
+                        <a:lstStyle/>
+                        <a:p>
+                          <a:endParaRPr lang="en-US"/>
+                        </a:p>
+                      </a:txBody>
+                      <a:tcPr>
+                        <a:lnL w="12700" cmpd="sng">
+                          <a:solidFill>
+                            <a:schemeClr val="tx1"/>
+                          </a:solidFill>
+                          <a:prstDash val="solid"/>
+                        </a:lnL>
+                        <a:lnR w="12700" cap="flat" cmpd="sng" algn="ctr">
+                          <a:solidFill>
+                            <a:schemeClr val="tx1"/>
+                          </a:solidFill>
+                          <a:prstDash val="solid"/>
+                          <a:round/>
+                          <a:headEnd type="none" w="med" len="med"/>
+                          <a:tailEnd type="none" w="med" len="med"/>
+                        </a:lnR>
+                        <a:lnT w="12700" cap="flat" cmpd="sng" algn="ctr">
+                          <a:solidFill>
+                            <a:schemeClr val="tx1"/>
+                          </a:solidFill>
+                          <a:prstDash val="solid"/>
+                          <a:round/>
+                          <a:headEnd type="none" w="med" len="med"/>
+                          <a:tailEnd type="none" w="med" len="med"/>
+                        </a:lnT>
+                        <a:lnB w="12700" cap="flat" cmpd="sng" algn="ctr">
+                          <a:solidFill>
+                            <a:schemeClr val="tx1"/>
+                          </a:solidFill>
+                          <a:prstDash val="solid"/>
+                          <a:round/>
+                          <a:headEnd type="none" w="med" len="med"/>
+                          <a:tailEnd type="none" w="med" len="med"/>
+                        </a:lnB>
+                        <a:blipFill>
+                          <a:blip r:embed="rId2"/>
+                          <a:stretch>
+                            <a:fillRect l="-334" t="-828333" r="-100334" b="-136667"/>
+                          </a:stretch>
+                        </a:blipFill>
+                      </a:tcPr>
+                    </a:tc>
+                    <a:tc>
+                      <a:txBody>
+                        <a:bodyPr/>
+                        <a:lstStyle/>
+                        <a:p>
+                          <a:r>
+                            <a:rPr lang="tr-TR" dirty="0"/>
+                            <a:t>2.5344A</a:t>
+                          </a:r>
+                          <a:endParaRPr lang="en-US" dirty="0"/>
+                        </a:p>
+                      </a:txBody>
+                      <a:tcPr>
+                        <a:lnL w="12700" cmpd="sng">
+                          <a:solidFill>
+                            <a:schemeClr val="tx1"/>
+                          </a:solidFill>
+                          <a:prstDash val="solid"/>
+                        </a:lnL>
+                        <a:lnR w="12700" cmpd="sng">
+                          <a:solidFill>
+                            <a:schemeClr val="tx1"/>
+                          </a:solidFill>
+                          <a:prstDash val="solid"/>
+                        </a:lnR>
+                        <a:lnT w="12700" cap="flat" cmpd="sng" algn="ctr">
+                          <a:solidFill>
+                            <a:schemeClr val="tx1"/>
+                          </a:solidFill>
+                          <a:prstDash val="solid"/>
+                          <a:round/>
+                          <a:headEnd type="none" w="med" len="med"/>
+                          <a:tailEnd type="none" w="med" len="med"/>
+                        </a:lnT>
+                        <a:lnB w="12700" cap="flat" cmpd="sng" algn="ctr">
+                          <a:solidFill>
+                            <a:schemeClr val="tx1"/>
+                          </a:solidFill>
+                          <a:prstDash val="solid"/>
+                          <a:round/>
+                          <a:headEnd type="none" w="med" len="med"/>
+                          <a:tailEnd type="none" w="med" len="med"/>
+                        </a:lnB>
+                      </a:tcPr>
+                    </a:tc>
+                    <a:extLst>
+                      <a:ext uri="{0D108BD9-81ED-4DB2-BD59-A6C34878D82A}">
+                        <a16:rowId xmlns:a16="http://schemas.microsoft.com/office/drawing/2014/main" val="566282699"/>
+                      </a:ext>
+                    </a:extLst>
+                  </a:tr>
+                  <a:tr h="489397">
+                    <a:tc>
+                      <a:txBody>
+                        <a:bodyPr/>
+                        <a:lstStyle/>
+                        <a:p>
+                          <a:endParaRPr lang="en-US"/>
+                        </a:p>
+                      </a:txBody>
+                      <a:tcPr>
+                        <a:lnL w="12700" cmpd="sng">
+                          <a:solidFill>
+                            <a:schemeClr val="tx1"/>
+                          </a:solidFill>
+                          <a:prstDash val="solid"/>
+                        </a:lnL>
+                        <a:lnR w="12700" cap="flat" cmpd="sng" algn="ctr">
+                          <a:solidFill>
+                            <a:schemeClr val="tx1"/>
+                          </a:solidFill>
+                          <a:prstDash val="solid"/>
+                          <a:round/>
+                          <a:headEnd type="none" w="med" len="med"/>
+                          <a:tailEnd type="none" w="med" len="med"/>
+                        </a:lnR>
+                        <a:lnT w="12700" cap="flat" cmpd="sng" algn="ctr">
+                          <a:solidFill>
+                            <a:schemeClr val="tx1"/>
+                          </a:solidFill>
+                          <a:prstDash val="solid"/>
+                          <a:round/>
+                          <a:headEnd type="none" w="med" len="med"/>
+                          <a:tailEnd type="none" w="med" len="med"/>
+                        </a:lnT>
+                        <a:lnB w="12700" cmpd="sng">
+                          <a:solidFill>
+                            <a:schemeClr val="tx1"/>
+                          </a:solidFill>
+                          <a:prstDash val="solid"/>
+                        </a:lnB>
+                        <a:blipFill>
+                          <a:blip r:embed="rId2"/>
+                          <a:stretch>
+                            <a:fillRect l="-334" t="-696250" r="-100334" b="-2500"/>
+                          </a:stretch>
+                        </a:blipFill>
+                      </a:tcPr>
+                    </a:tc>
+                    <a:tc>
+                      <a:txBody>
+                        <a:bodyPr/>
+                        <a:lstStyle/>
+                        <a:p>
+                          <a:r>
+                            <a:rPr lang="tr-TR" dirty="0"/>
+                            <a:t>100V</a:t>
+                          </a:r>
+                          <a:endParaRPr lang="en-US" dirty="0"/>
+                        </a:p>
+                      </a:txBody>
+                      <a:tcPr>
+                        <a:lnL w="12700" cap="flat" cmpd="sng" algn="ctr">
+                          <a:solidFill>
+                            <a:schemeClr val="tx1"/>
+                          </a:solidFill>
+                          <a:prstDash val="solid"/>
+                          <a:round/>
+                          <a:headEnd type="none" w="med" len="med"/>
+                          <a:tailEnd type="none" w="med" len="med"/>
+                        </a:lnL>
+                        <a:lnR w="12700" cmpd="sng">
+                          <a:solidFill>
+                            <a:schemeClr val="tx1"/>
+                          </a:solidFill>
+                          <a:prstDash val="solid"/>
+                        </a:lnR>
+                        <a:lnT w="12700" cap="flat" cmpd="sng" algn="ctr">
+                          <a:solidFill>
+                            <a:schemeClr val="tx1"/>
+                          </a:solidFill>
+                          <a:prstDash val="solid"/>
+                          <a:round/>
+                          <a:headEnd type="none" w="med" len="med"/>
+                          <a:tailEnd type="none" w="med" len="med"/>
+                        </a:lnT>
+                        <a:lnB w="12700" cmpd="sng">
+                          <a:solidFill>
+                            <a:schemeClr val="tx1"/>
+                          </a:solidFill>
+                          <a:prstDash val="solid"/>
+                        </a:lnB>
+                      </a:tcPr>
+                    </a:tc>
+                    <a:extLst>
+                      <a:ext uri="{0D108BD9-81ED-4DB2-BD59-A6C34878D82A}">
+                        <a16:rowId xmlns:a16="http://schemas.microsoft.com/office/drawing/2014/main" val="2375824003"/>
+                      </a:ext>
+                    </a:extLst>
+                  </a:tr>
+                </a:tbl>
+              </a:graphicData>
+            </a:graphic>
+          </p:graphicFrame>
+        </mc:Fallback>
+      </mc:AlternateContent>
+      <p:pic>
+        <p:nvPicPr>
+          <p:cNvPr id="5" name="Picture 4">
+            <a:extLst>
+              <a:ext uri="{FF2B5EF4-FFF2-40B4-BE49-F238E27FC236}">
+                <a16:creationId xmlns:a16="http://schemas.microsoft.com/office/drawing/2014/main" id="{EE53FCCB-C10C-4640-BC21-4A89B78EE4F3}"/>
+              </a:ext>
+            </a:extLst>
+          </p:cNvPr>
+          <p:cNvPicPr>
+            <a:picLocks noChangeAspect="1"/>
+          </p:cNvPicPr>
+          <p:nvPr/>
+        </p:nvPicPr>
+        <p:blipFill>
+          <a:blip r:embed="rId3"/>
+          <a:stretch>
+            <a:fillRect/>
+          </a:stretch>
+        </p:blipFill>
+        <p:spPr>
+          <a:xfrm>
+            <a:off x="0" y="0"/>
+            <a:ext cx="12192000" cy="2747290"/>
+          </a:xfrm>
+          <a:prstGeom prst="rect">
+            <a:avLst/>
+          </a:prstGeom>
+        </p:spPr>
+      </p:pic>
+      <mc:AlternateContent xmlns:mc="http://schemas.openxmlformats.org/markup-compatibility/2006">
+        <mc:Choice xmlns:a14="http://schemas.microsoft.com/office/drawing/2010/main" Requires="a14">
+          <p:sp>
+            <p:nvSpPr>
+              <p:cNvPr id="6" name="TextBox 5">
+                <a:extLst>
+                  <a:ext uri="{FF2B5EF4-FFF2-40B4-BE49-F238E27FC236}">
+                    <a16:creationId xmlns:a16="http://schemas.microsoft.com/office/drawing/2014/main" id="{B17F4B6A-F7BF-4641-8D7A-82ACA95170F9}"/>
+                  </a:ext>
+                </a:extLst>
+              </p:cNvPr>
+              <p:cNvSpPr txBox="1"/>
+              <p:nvPr/>
+            </p:nvSpPr>
+            <p:spPr>
+              <a:xfrm>
+                <a:off x="8820735" y="4110711"/>
+                <a:ext cx="1893194" cy="369332"/>
+              </a:xfrm>
+              <a:prstGeom prst="rect">
+                <a:avLst/>
+              </a:prstGeom>
+              <a:noFill/>
+            </p:spPr>
+            <p:txBody>
+              <a:bodyPr wrap="square" rtlCol="0">
+                <a:spAutoFit/>
+              </a:bodyPr>
+              <a:lstStyle/>
+              <a:p>
+                <a14:m>
+                  <m:oMathPara xmlns:m="http://schemas.openxmlformats.org/officeDocument/2006/math">
+                    <m:oMathParaPr>
+                      <m:jc m:val="centerGroup"/>
+                    </m:oMathParaPr>
+                    <m:oMath xmlns:m="http://schemas.openxmlformats.org/officeDocument/2006/math">
+                      <m:sSub>
+                        <m:sSubPr>
+                          <m:ctrlPr>
+                            <a:rPr lang="tr-TR" b="0" i="1" smtClean="0">
+                              <a:latin typeface="Cambria Math" panose="02040503050406030204" pitchFamily="18" charset="0"/>
+                            </a:rPr>
+                          </m:ctrlPr>
+                        </m:sSubPr>
+                        <m:e>
+                          <m:r>
+                            <a:rPr lang="tr-TR" b="0" i="1" smtClean="0">
+                              <a:latin typeface="Cambria Math" panose="02040503050406030204" pitchFamily="18" charset="0"/>
+                            </a:rPr>
+                            <m:t>𝐼</m:t>
+                          </m:r>
+                        </m:e>
+                        <m:sub>
+                          <m:r>
+                            <a:rPr lang="tr-TR" b="0" i="1" smtClean="0">
+                              <a:latin typeface="Cambria Math" panose="02040503050406030204" pitchFamily="18" charset="0"/>
+                            </a:rPr>
+                            <m:t>𝑟𝑚𝑠</m:t>
+                          </m:r>
+                        </m:sub>
+                      </m:sSub>
+                      <m:r>
+                        <a:rPr lang="tr-TR" b="0" i="1" smtClean="0">
+                          <a:latin typeface="Cambria Math" panose="02040503050406030204" pitchFamily="18" charset="0"/>
+                        </a:rPr>
+                        <m:t>=6 .01 </m:t>
+                      </m:r>
+                      <m:r>
+                        <a:rPr lang="tr-TR" b="0" i="1" smtClean="0">
+                          <a:latin typeface="Cambria Math" panose="02040503050406030204" pitchFamily="18" charset="0"/>
+                        </a:rPr>
+                        <m:t>𝐴</m:t>
+                      </m:r>
+                      <m:r>
+                        <a:rPr lang="tr-TR" b="0" i="1" smtClean="0">
+                          <a:latin typeface="Cambria Math" panose="02040503050406030204" pitchFamily="18" charset="0"/>
+                        </a:rPr>
+                        <m:t> </m:t>
+                      </m:r>
+                    </m:oMath>
+                  </m:oMathPara>
+                </a14:m>
+                <a:endParaRPr lang="en-US" dirty="0"/>
+              </a:p>
+            </p:txBody>
+          </p:sp>
+        </mc:Choice>
+        <mc:Fallback>
+          <p:sp>
+            <p:nvSpPr>
+              <p:cNvPr id="6" name="TextBox 5">
+                <a:extLst>
+                  <a:ext uri="{FF2B5EF4-FFF2-40B4-BE49-F238E27FC236}">
+                    <a16:creationId xmlns:a16="http://schemas.microsoft.com/office/drawing/2014/main" id="{B17F4B6A-F7BF-4641-8D7A-82ACA95170F9}"/>
+                  </a:ext>
+                </a:extLst>
+              </p:cNvPr>
+              <p:cNvSpPr txBox="1">
+                <a:spLocks noRot="1" noChangeAspect="1" noMove="1" noResize="1" noEditPoints="1" noAdjustHandles="1" noChangeArrowheads="1" noChangeShapeType="1" noTextEdit="1"/>
+              </p:cNvSpPr>
+              <p:nvPr/>
+            </p:nvSpPr>
+            <p:spPr>
+              <a:xfrm>
+                <a:off x="8820735" y="4110711"/>
+                <a:ext cx="1893194" cy="369332"/>
+              </a:xfrm>
+              <a:prstGeom prst="rect">
+                <a:avLst/>
+              </a:prstGeom>
+              <a:blipFill>
+                <a:blip r:embed="rId4"/>
+                <a:stretch>
+                  <a:fillRect/>
+                </a:stretch>
+              </a:blipFill>
+            </p:spPr>
+            <p:txBody>
+              <a:bodyPr/>
+              <a:lstStyle/>
+              <a:p>
+                <a:r>
+                  <a:rPr lang="en-US">
+                    <a:noFill/>
+                  </a:rPr>
+                  <a:t> </a:t>
+                </a:r>
+              </a:p>
+            </p:txBody>
+          </p:sp>
+        </mc:Fallback>
+      </mc:AlternateContent>
+      <mc:AlternateContent xmlns:mc="http://schemas.openxmlformats.org/markup-compatibility/2006">
+        <mc:Choice xmlns:a14="http://schemas.microsoft.com/office/drawing/2010/main" Requires="a14">
+          <p:sp>
+            <p:nvSpPr>
+              <p:cNvPr id="7" name="Rectangle 6">
+                <a:extLst>
+                  <a:ext uri="{FF2B5EF4-FFF2-40B4-BE49-F238E27FC236}">
+                    <a16:creationId xmlns:a16="http://schemas.microsoft.com/office/drawing/2014/main" id="{B3A91B16-89E5-4257-860F-41B94F7FC0AD}"/>
+                  </a:ext>
+                </a:extLst>
+              </p:cNvPr>
+              <p:cNvSpPr/>
+              <p:nvPr/>
+            </p:nvSpPr>
+            <p:spPr>
+              <a:xfrm>
+                <a:off x="8950818" y="4648132"/>
+                <a:ext cx="1455783" cy="369332"/>
+              </a:xfrm>
+              <a:prstGeom prst="rect">
+                <a:avLst/>
+              </a:prstGeom>
+            </p:spPr>
+            <p:txBody>
+              <a:bodyPr wrap="none">
+                <a:spAutoFit/>
+              </a:bodyPr>
+              <a:lstStyle/>
+              <a:p>
+                <a14:m>
+                  <m:oMathPara xmlns:m="http://schemas.openxmlformats.org/officeDocument/2006/math">
+                    <m:oMathParaPr>
+                      <m:jc m:val="centerGroup"/>
+                    </m:oMathParaPr>
+                    <m:oMath xmlns:m="http://schemas.openxmlformats.org/officeDocument/2006/math">
+                      <m:r>
+                        <m:rPr>
+                          <m:sty m:val="p"/>
+                        </m:rPr>
+                        <a:rPr lang="tr-TR" b="0" i="0" smtClean="0">
+                          <a:latin typeface="Cambria Math" panose="02040503050406030204" pitchFamily="18" charset="0"/>
+                        </a:rPr>
+                        <m:t>Δ</m:t>
+                      </m:r>
+                      <m:r>
+                        <a:rPr lang="tr-TR" b="0" i="1" smtClean="0">
+                          <a:latin typeface="Cambria Math" panose="02040503050406030204" pitchFamily="18" charset="0"/>
+                        </a:rPr>
+                        <m:t>𝐼</m:t>
+                      </m:r>
+                      <m:r>
+                        <a:rPr lang="tr-TR" b="0" i="1" smtClean="0">
+                          <a:latin typeface="Cambria Math" panose="02040503050406030204" pitchFamily="18" charset="0"/>
+                        </a:rPr>
+                        <m:t> =0.7</m:t>
+                      </m:r>
+                      <m:r>
+                        <a:rPr lang="tr-TR" b="0" i="1" smtClean="0">
+                          <a:latin typeface="Cambria Math" panose="02040503050406030204" pitchFamily="18" charset="0"/>
+                        </a:rPr>
+                        <m:t>2 </m:t>
+                      </m:r>
+                      <m:r>
+                        <a:rPr lang="tr-TR" b="0" i="1" smtClean="0">
+                          <a:latin typeface="Cambria Math" panose="02040503050406030204" pitchFamily="18" charset="0"/>
+                        </a:rPr>
+                        <m:t>𝐴</m:t>
+                      </m:r>
+                    </m:oMath>
+                  </m:oMathPara>
+                </a14:m>
+                <a:endParaRPr lang="en-US" dirty="0"/>
+              </a:p>
+            </p:txBody>
+          </p:sp>
+        </mc:Choice>
+        <mc:Fallback>
+          <p:sp>
+            <p:nvSpPr>
+              <p:cNvPr id="7" name="Rectangle 6">
+                <a:extLst>
+                  <a:ext uri="{FF2B5EF4-FFF2-40B4-BE49-F238E27FC236}">
+                    <a16:creationId xmlns:a16="http://schemas.microsoft.com/office/drawing/2014/main" id="{B3A91B16-89E5-4257-860F-41B94F7FC0AD}"/>
+                  </a:ext>
+                </a:extLst>
+              </p:cNvPr>
+              <p:cNvSpPr>
+                <a:spLocks noRot="1" noChangeAspect="1" noMove="1" noResize="1" noEditPoints="1" noAdjustHandles="1" noChangeArrowheads="1" noChangeShapeType="1" noTextEdit="1"/>
+              </p:cNvSpPr>
+              <p:nvPr/>
+            </p:nvSpPr>
+            <p:spPr>
+              <a:xfrm>
+                <a:off x="8950818" y="4648132"/>
+                <a:ext cx="1455783" cy="369332"/>
+              </a:xfrm>
+              <a:prstGeom prst="rect">
+                <a:avLst/>
+              </a:prstGeom>
+              <a:blipFill>
+                <a:blip r:embed="rId5"/>
+                <a:stretch>
+                  <a:fillRect/>
+                </a:stretch>
+              </a:blipFill>
+            </p:spPr>
+            <p:txBody>
+              <a:bodyPr/>
+              <a:lstStyle/>
+              <a:p>
+                <a:r>
+                  <a:rPr lang="en-US">
+                    <a:noFill/>
+                  </a:rPr>
+                  <a:t> </a:t>
+                </a:r>
+              </a:p>
+            </p:txBody>
+          </p:sp>
+        </mc:Fallback>
+      </mc:AlternateContent>
+      <mc:AlternateContent xmlns:mc="http://schemas.openxmlformats.org/markup-compatibility/2006">
+        <mc:Choice xmlns:a14="http://schemas.microsoft.com/office/drawing/2010/main" Requires="a14">
+          <p:sp>
+            <p:nvSpPr>
+              <p:cNvPr id="8" name="Rectangle 7">
+                <a:extLst>
+                  <a:ext uri="{FF2B5EF4-FFF2-40B4-BE49-F238E27FC236}">
+                    <a16:creationId xmlns:a16="http://schemas.microsoft.com/office/drawing/2014/main" id="{06A150C6-4C08-4E0F-8751-01F3DEE7DC22}"/>
+                  </a:ext>
+                </a:extLst>
+              </p:cNvPr>
+              <p:cNvSpPr/>
+              <p:nvPr/>
+            </p:nvSpPr>
+            <p:spPr>
+              <a:xfrm>
+                <a:off x="8950818" y="5122626"/>
+                <a:ext cx="1763111" cy="659540"/>
+              </a:xfrm>
+              <a:prstGeom prst="rect">
+                <a:avLst/>
+              </a:prstGeom>
+            </p:spPr>
+            <p:txBody>
+              <a:bodyPr wrap="none">
+                <a:spAutoFit/>
+              </a:bodyPr>
+              <a:lstStyle/>
+              <a:p>
+                <a:pPr/>
+                <a14:m>
+                  <m:oMathPara xmlns:m="http://schemas.openxmlformats.org/officeDocument/2006/math">
+                    <m:oMathParaPr>
+                      <m:jc m:val="centerGroup"/>
+                    </m:oMathParaPr>
+                    <m:oMath xmlns:m="http://schemas.openxmlformats.org/officeDocument/2006/math">
+                      <m:f>
+                        <m:fPr>
+                          <m:ctrlPr>
+                            <a:rPr lang="tr-TR" b="0" i="1" smtClean="0">
+                              <a:latin typeface="Cambria Math" panose="02040503050406030204" pitchFamily="18" charset="0"/>
+                            </a:rPr>
+                          </m:ctrlPr>
+                        </m:fPr>
+                        <m:num>
+                          <m:r>
+                            <m:rPr>
+                              <m:sty m:val="p"/>
+                            </m:rPr>
+                            <a:rPr lang="tr-TR" smtClean="0">
+                              <a:latin typeface="Cambria Math" panose="02040503050406030204" pitchFamily="18" charset="0"/>
+                            </a:rPr>
+                            <m:t>Δ</m:t>
+                          </m:r>
+                          <m:r>
+                            <a:rPr lang="tr-TR" i="1">
+                              <a:latin typeface="Cambria Math" panose="02040503050406030204" pitchFamily="18" charset="0"/>
+                            </a:rPr>
+                            <m:t>𝐼</m:t>
+                          </m:r>
+                        </m:num>
+                        <m:den>
+                          <m:sSub>
+                            <m:sSubPr>
+                              <m:ctrlPr>
+                                <a:rPr lang="tr-TR" i="1">
+                                  <a:latin typeface="Cambria Math" panose="02040503050406030204" pitchFamily="18" charset="0"/>
+                                </a:rPr>
+                              </m:ctrlPr>
+                            </m:sSubPr>
+                            <m:e>
+                              <m:r>
+                                <a:rPr lang="tr-TR" i="1">
+                                  <a:latin typeface="Cambria Math" panose="02040503050406030204" pitchFamily="18" charset="0"/>
+                                </a:rPr>
+                                <m:t>𝐼</m:t>
+                              </m:r>
+                            </m:e>
+                            <m:sub>
+                              <m:r>
+                                <a:rPr lang="tr-TR" i="1">
+                                  <a:latin typeface="Cambria Math" panose="02040503050406030204" pitchFamily="18" charset="0"/>
+                                </a:rPr>
+                                <m:t>𝑟𝑚𝑠</m:t>
+                              </m:r>
+                            </m:sub>
+                          </m:sSub>
+                        </m:den>
+                      </m:f>
+                      <m:r>
+                        <a:rPr lang="tr-TR" i="1">
+                          <a:latin typeface="Cambria Math" panose="02040503050406030204" pitchFamily="18" charset="0"/>
+                        </a:rPr>
+                        <m:t> </m:t>
+                      </m:r>
+                      <m:r>
+                        <a:rPr lang="tr-TR" b="0" i="1" smtClean="0">
+                          <a:latin typeface="Cambria Math" panose="02040503050406030204" pitchFamily="18" charset="0"/>
+                        </a:rPr>
+                        <m:t>%</m:t>
+                      </m:r>
+                      <m:r>
+                        <a:rPr lang="tr-TR" i="1">
+                          <a:latin typeface="Cambria Math" panose="02040503050406030204" pitchFamily="18" charset="0"/>
+                        </a:rPr>
+                        <m:t>=</m:t>
+                      </m:r>
+                      <m:r>
+                        <a:rPr lang="tr-TR" b="0" i="1" smtClean="0">
+                          <a:latin typeface="Cambria Math" panose="02040503050406030204" pitchFamily="18" charset="0"/>
+                        </a:rPr>
+                        <m:t>12%</m:t>
+                      </m:r>
+                      <m:r>
+                        <a:rPr lang="tr-TR" i="1">
+                          <a:latin typeface="Cambria Math" panose="02040503050406030204" pitchFamily="18" charset="0"/>
+                        </a:rPr>
+                        <m:t> </m:t>
+                      </m:r>
+                    </m:oMath>
+                  </m:oMathPara>
+                </a14:m>
+                <a:endParaRPr lang="en-US" dirty="0"/>
+              </a:p>
+            </p:txBody>
+          </p:sp>
+        </mc:Choice>
+        <mc:Fallback>
+          <p:sp>
+            <p:nvSpPr>
+              <p:cNvPr id="8" name="Rectangle 7">
+                <a:extLst>
+                  <a:ext uri="{FF2B5EF4-FFF2-40B4-BE49-F238E27FC236}">
+                    <a16:creationId xmlns:a16="http://schemas.microsoft.com/office/drawing/2014/main" id="{06A150C6-4C08-4E0F-8751-01F3DEE7DC22}"/>
+                  </a:ext>
+                </a:extLst>
+              </p:cNvPr>
+              <p:cNvSpPr>
+                <a:spLocks noRot="1" noChangeAspect="1" noMove="1" noResize="1" noEditPoints="1" noAdjustHandles="1" noChangeArrowheads="1" noChangeShapeType="1" noTextEdit="1"/>
+              </p:cNvSpPr>
+              <p:nvPr/>
+            </p:nvSpPr>
+            <p:spPr>
+              <a:xfrm>
+                <a:off x="8950818" y="5122626"/>
+                <a:ext cx="1763111" cy="659540"/>
+              </a:xfrm>
+              <a:prstGeom prst="rect">
+                <a:avLst/>
+              </a:prstGeom>
+              <a:blipFill>
+                <a:blip r:embed="rId6"/>
+                <a:stretch>
+                  <a:fillRect/>
+                </a:stretch>
+              </a:blipFill>
+            </p:spPr>
+            <p:txBody>
+              <a:bodyPr/>
+              <a:lstStyle/>
+              <a:p>
+                <a:r>
+                  <a:rPr lang="en-US">
+                    <a:noFill/>
+                  </a:rPr>
+                  <a:t> </a:t>
+                </a:r>
+              </a:p>
+            </p:txBody>
+          </p:sp>
+        </mc:Fallback>
+      </mc:AlternateContent>
+    </p:spTree>
+    <p:extLst>
+      <p:ext uri="{BB962C8B-B14F-4D97-AF65-F5344CB8AC3E}">
+        <p14:creationId xmlns:p14="http://schemas.microsoft.com/office/powerpoint/2010/main" val="2171346953"/>
+      </p:ext>
+    </p:extLst>
+  </p:cSld>
+  <p:clrMapOvr>
+    <a:masterClrMapping/>
+  </p:clrMapOvr>
+</p:sld>
+</file>
+
+<file path=ppt/slides/slide25.xml><?xml version="1.0" encoding="utf-8"?>
+<p:sld xmlns:a="http://schemas.openxmlformats.org/drawingml/2006/main" xmlns:r="http://schemas.openxmlformats.org/officeDocument/2006/relationships" xmlns:p="http://schemas.openxmlformats.org/presentationml/2006/main">
+  <p:cSld>
+    <p:spTree>
+      <p:nvGrpSpPr>
+        <p:cNvPr id="1" name=""/>
+        <p:cNvGrpSpPr/>
+        <p:nvPr/>
+      </p:nvGrpSpPr>
+      <p:grpSpPr>
+        <a:xfrm>
+          <a:off x="0" y="0"/>
+          <a:ext cx="0" cy="0"/>
+          <a:chOff x="0" y="0"/>
+          <a:chExt cx="0" cy="0"/>
+        </a:xfrm>
+      </p:grpSpPr>
+      <mc:AlternateContent xmlns:mc="http://schemas.openxmlformats.org/markup-compatibility/2006">
+        <mc:Choice xmlns:a14="http://schemas.microsoft.com/office/drawing/2010/main" Requires="a14">
+          <p:graphicFrame>
+            <p:nvGraphicFramePr>
+              <p:cNvPr id="5" name="Table 4">
+                <a:extLst>
+                  <a:ext uri="{FF2B5EF4-FFF2-40B4-BE49-F238E27FC236}">
+                    <a16:creationId xmlns:a16="http://schemas.microsoft.com/office/drawing/2014/main" id="{E0DB0F22-BAEE-41BC-BB6C-D6EC720FABEA}"/>
+                  </a:ext>
+                </a:extLst>
+              </p:cNvPr>
+              <p:cNvGraphicFramePr>
+                <a:graphicFrameLocks noGrp="1"/>
+              </p:cNvGraphicFramePr>
+              <p:nvPr>
+                <p:extLst>
+                  <p:ext uri="{D42A27DB-BD31-4B8C-83A1-F6EECF244321}">
+                    <p14:modId xmlns:p14="http://schemas.microsoft.com/office/powerpoint/2010/main" val="583853323"/>
+                  </p:ext>
+                </p:extLst>
+              </p:nvPr>
+            </p:nvGraphicFramePr>
+            <p:xfrm>
+              <a:off x="3768143" y="2963430"/>
+              <a:ext cx="3631842" cy="3791539"/>
+            </p:xfrm>
+            <a:graphic>
+              <a:graphicData uri="http://schemas.openxmlformats.org/drawingml/2006/table">
+                <a:tbl>
+                  <a:tblPr/>
+                  <a:tblGrid>
+                    <a:gridCol w="1815921">
+                      <a:extLst>
+                        <a:ext uri="{9D8B030D-6E8A-4147-A177-3AD203B41FA5}">
+                          <a16:colId xmlns:a16="http://schemas.microsoft.com/office/drawing/2014/main" val="3853885856"/>
+                        </a:ext>
+                      </a:extLst>
+                    </a:gridCol>
+                    <a:gridCol w="1815921">
+                      <a:extLst>
+                        <a:ext uri="{9D8B030D-6E8A-4147-A177-3AD203B41FA5}">
+                          <a16:colId xmlns:a16="http://schemas.microsoft.com/office/drawing/2014/main" val="4283652476"/>
+                        </a:ext>
+                      </a:extLst>
+                    </a:gridCol>
+                  </a:tblGrid>
+                  <a:tr h="489397">
+                    <a:tc gridSpan="2">
+                      <a:txBody>
+                        <a:bodyPr/>
+                        <a:lstStyle/>
+                        <a:p>
+                          <a:r>
+                            <a:rPr lang="tr-TR" dirty="0" err="1"/>
+                            <a:t>Primer</a:t>
+                          </a:r>
+                          <a:r>
+                            <a:rPr lang="tr-TR" dirty="0"/>
+                            <a:t>  </a:t>
+                          </a:r>
+                          <a:r>
+                            <a:rPr lang="tr-TR" dirty="0" err="1"/>
+                            <a:t>Resonance</a:t>
+                          </a:r>
+                          <a:r>
+                            <a:rPr lang="tr-TR" dirty="0"/>
+                            <a:t>(150kHz)</a:t>
+                          </a:r>
+                        </a:p>
+                      </a:txBody>
+                      <a:tcPr>
+                        <a:lnL w="12700" cmpd="sng">
+                          <a:solidFill>
+                            <a:schemeClr val="tx1"/>
+                          </a:solidFill>
+                          <a:prstDash val="solid"/>
+                        </a:lnL>
+                        <a:lnR w="12700" cap="flat" cmpd="sng" algn="ctr">
+                          <a:solidFill>
+                            <a:schemeClr val="tx1"/>
+                          </a:solidFill>
+                          <a:prstDash val="solid"/>
+                          <a:round/>
+                          <a:headEnd type="none" w="med" len="med"/>
+                          <a:tailEnd type="none" w="med" len="med"/>
+                        </a:lnR>
+                        <a:lnT w="12700" cmpd="sng">
+                          <a:solidFill>
+                            <a:schemeClr val="tx1"/>
+                          </a:solidFill>
+                          <a:prstDash val="solid"/>
+                        </a:lnT>
+                        <a:lnB w="12700" cap="flat" cmpd="sng" algn="ctr">
+                          <a:solidFill>
+                            <a:schemeClr val="tx1"/>
+                          </a:solidFill>
+                          <a:prstDash val="solid"/>
+                          <a:round/>
+                          <a:headEnd type="none" w="med" len="med"/>
+                          <a:tailEnd type="none" w="med" len="med"/>
+                        </a:lnB>
+                      </a:tcPr>
+                    </a:tc>
+                    <a:tc hMerge="1">
+                      <a:txBody>
+                        <a:bodyPr/>
+                        <a:lstStyle/>
+                        <a:p>
+                          <a:endParaRPr lang="en-US" dirty="0"/>
+                        </a:p>
+                      </a:txBody>
+                      <a:tcPr>
+                        <a:lnL w="12700" cap="flat" cmpd="sng" algn="ctr">
+                          <a:solidFill>
+                            <a:schemeClr val="tx1"/>
+                          </a:solidFill>
+                          <a:prstDash val="solid"/>
+                          <a:round/>
+                          <a:headEnd type="none" w="med" len="med"/>
+                          <a:tailEnd type="none" w="med" len="med"/>
+                        </a:lnL>
+                        <a:lnR w="12700" cmpd="sng">
+                          <a:solidFill>
+                            <a:schemeClr val="tx1"/>
+                          </a:solidFill>
+                          <a:prstDash val="solid"/>
+                        </a:lnR>
+                        <a:lnT w="12700" cmpd="sng">
+                          <a:solidFill>
+                            <a:schemeClr val="tx1"/>
+                          </a:solidFill>
+                          <a:prstDash val="solid"/>
+                        </a:lnT>
+                        <a:lnB w="12700" cmpd="sng">
+                          <a:solidFill>
+                            <a:schemeClr val="tx1"/>
+                          </a:solidFill>
+                          <a:prstDash val="solid"/>
+                        </a:lnB>
+                      </a:tcPr>
+                    </a:tc>
+                    <a:extLst>
+                      <a:ext uri="{0D108BD9-81ED-4DB2-BD59-A6C34878D82A}">
+                        <a16:rowId xmlns:a16="http://schemas.microsoft.com/office/drawing/2014/main" val="2936815159"/>
+                      </a:ext>
+                    </a:extLst>
+                  </a:tr>
+                  <a:tr h="489397">
+                    <a:tc gridSpan="2">
+                      <a:txBody>
+                        <a:bodyPr/>
+                        <a:lstStyle/>
+                        <a:p>
+                          <a:r>
+                            <a:rPr lang="tr-TR" dirty="0" err="1"/>
+                            <a:t>Seconder</a:t>
+                          </a:r>
+                          <a:r>
+                            <a:rPr lang="tr-TR" dirty="0"/>
+                            <a:t> </a:t>
+                          </a:r>
+                          <a:r>
+                            <a:rPr lang="tr-TR" dirty="0" err="1"/>
+                            <a:t>Resonance</a:t>
+                          </a:r>
+                          <a:r>
+                            <a:rPr lang="tr-TR" dirty="0"/>
+                            <a:t>(131kHz)</a:t>
+                          </a:r>
+                        </a:p>
+                      </a:txBody>
+                      <a:tcPr>
+                        <a:lnL w="12700" cmpd="sng">
+                          <a:solidFill>
+                            <a:schemeClr val="tx1"/>
+                          </a:solidFill>
+                          <a:prstDash val="solid"/>
+                        </a:lnL>
+                        <a:lnR w="12700" cap="flat" cmpd="sng" algn="ctr">
+                          <a:solidFill>
+                            <a:schemeClr val="tx1"/>
+                          </a:solidFill>
+                          <a:prstDash val="solid"/>
+                          <a:round/>
+                          <a:headEnd type="none" w="med" len="med"/>
+                          <a:tailEnd type="none" w="med" len="med"/>
+                        </a:lnR>
+                        <a:lnT w="12700" cap="flat" cmpd="sng" algn="ctr">
+                          <a:solidFill>
+                            <a:schemeClr val="tx1"/>
+                          </a:solidFill>
+                          <a:prstDash val="solid"/>
+                          <a:round/>
+                          <a:headEnd type="none" w="med" len="med"/>
+                          <a:tailEnd type="none" w="med" len="med"/>
+                        </a:lnT>
+                        <a:lnB w="12700" cap="flat" cmpd="sng" algn="ctr">
+                          <a:solidFill>
+                            <a:schemeClr val="tx1"/>
+                          </a:solidFill>
+                          <a:prstDash val="solid"/>
+                          <a:round/>
+                          <a:headEnd type="none" w="med" len="med"/>
+                          <a:tailEnd type="none" w="med" len="med"/>
+                        </a:lnB>
+                      </a:tcPr>
+                    </a:tc>
+                    <a:tc hMerge="1">
+                      <a:txBody>
+                        <a:bodyPr/>
+                        <a:lstStyle/>
+                        <a:p>
+                          <a:endParaRPr lang="en-US"/>
+                        </a:p>
+                      </a:txBody>
+                      <a:tcPr/>
+                    </a:tc>
+                    <a:extLst>
+                      <a:ext uri="{0D108BD9-81ED-4DB2-BD59-A6C34878D82A}">
+                        <a16:rowId xmlns:a16="http://schemas.microsoft.com/office/drawing/2014/main" val="1321034424"/>
+                      </a:ext>
+                    </a:extLst>
+                  </a:tr>
+                  <a:tr h="489397">
+                    <a:tc gridSpan="2">
+                      <a:txBody>
+                        <a:bodyPr/>
+                        <a:lstStyle/>
+                        <a:p>
+                          <a:r>
+                            <a:rPr lang="tr-TR" dirty="0" err="1"/>
+                            <a:t>Operation</a:t>
+                          </a:r>
+                          <a:r>
+                            <a:rPr lang="tr-TR" dirty="0"/>
+                            <a:t> </a:t>
+                          </a:r>
+                          <a:r>
+                            <a:rPr lang="tr-TR" dirty="0" err="1"/>
+                            <a:t>Frequency</a:t>
+                          </a:r>
+                          <a:r>
+                            <a:rPr lang="tr-TR" dirty="0"/>
+                            <a:t> (150 kHz)</a:t>
+                          </a:r>
+                        </a:p>
+                      </a:txBody>
+                      <a:tcPr>
+                        <a:lnL w="12700" cmpd="sng">
+                          <a:solidFill>
+                            <a:schemeClr val="tx1"/>
+                          </a:solidFill>
+                          <a:prstDash val="solid"/>
+                        </a:lnL>
+                        <a:lnR w="12700" cap="flat" cmpd="sng" algn="ctr">
+                          <a:solidFill>
+                            <a:schemeClr val="tx1"/>
+                          </a:solidFill>
+                          <a:prstDash val="solid"/>
+                          <a:round/>
+                          <a:headEnd type="none" w="med" len="med"/>
+                          <a:tailEnd type="none" w="med" len="med"/>
+                        </a:lnR>
+                        <a:lnT w="12700" cap="flat" cmpd="sng" algn="ctr">
+                          <a:solidFill>
+                            <a:schemeClr val="tx1"/>
+                          </a:solidFill>
+                          <a:prstDash val="solid"/>
+                          <a:round/>
+                          <a:headEnd type="none" w="med" len="med"/>
+                          <a:tailEnd type="none" w="med" len="med"/>
+                        </a:lnT>
+                        <a:lnB w="12700" cap="flat" cmpd="sng" algn="ctr">
+                          <a:solidFill>
+                            <a:schemeClr val="tx1"/>
+                          </a:solidFill>
+                          <a:prstDash val="solid"/>
+                          <a:round/>
+                          <a:headEnd type="none" w="med" len="med"/>
+                          <a:tailEnd type="none" w="med" len="med"/>
+                        </a:lnB>
+                      </a:tcPr>
+                    </a:tc>
+                    <a:tc hMerge="1">
+                      <a:txBody>
+                        <a:bodyPr/>
+                        <a:lstStyle/>
+                        <a:p>
+                          <a:endParaRPr lang="en-US"/>
+                        </a:p>
+                      </a:txBody>
+                      <a:tcPr/>
+                    </a:tc>
+                    <a:extLst>
+                      <a:ext uri="{0D108BD9-81ED-4DB2-BD59-A6C34878D82A}">
+                        <a16:rowId xmlns:a16="http://schemas.microsoft.com/office/drawing/2014/main" val="2507909524"/>
+                      </a:ext>
+                    </a:extLst>
+                  </a:tr>
+                  <a:tr h="489397">
+                    <a:tc>
+                      <a:txBody>
+                        <a:bodyPr/>
+                        <a:lstStyle/>
+                        <a:p>
+                          <a:pPr/>
+                          <a14:m>
+                            <m:oMathPara xmlns:m="http://schemas.openxmlformats.org/officeDocument/2006/math">
+                              <m:oMathParaPr>
+                                <m:jc m:val="centerGroup"/>
+                              </m:oMathParaPr>
+                              <m:oMath xmlns:m="http://schemas.openxmlformats.org/officeDocument/2006/math">
+                                <m:sSub>
+                                  <m:sSubPr>
+                                    <m:ctrlPr>
+                                      <a:rPr lang="tr-TR" b="0" i="1" smtClean="0">
+                                        <a:latin typeface="Cambria Math" panose="02040503050406030204" pitchFamily="18" charset="0"/>
+                                      </a:rPr>
+                                    </m:ctrlPr>
+                                  </m:sSubPr>
+                                  <m:e>
+                                    <m:r>
+                                      <a:rPr lang="tr-TR" b="0" i="1" smtClean="0">
+                                        <a:latin typeface="Cambria Math" panose="02040503050406030204" pitchFamily="18" charset="0"/>
+                                      </a:rPr>
+                                      <m:t>𝐼</m:t>
+                                    </m:r>
+                                  </m:e>
+                                  <m:sub>
+                                    <m:r>
+                                      <a:rPr lang="tr-TR" b="0" i="1" smtClean="0">
+                                        <a:latin typeface="Cambria Math" panose="02040503050406030204" pitchFamily="18" charset="0"/>
+                                      </a:rPr>
+                                      <m:t>𝑠</m:t>
+                                    </m:r>
+                                    <m:r>
+                                      <a:rPr lang="tr-TR" b="0" i="1" smtClean="0">
+                                        <a:latin typeface="Cambria Math" panose="02040503050406030204" pitchFamily="18" charset="0"/>
+                                      </a:rPr>
+                                      <m:t>1</m:t>
+                                    </m:r>
+                                  </m:sub>
+                                </m:sSub>
+                              </m:oMath>
+                            </m:oMathPara>
+                          </a14:m>
+                          <a:endParaRPr lang="en-US" dirty="0"/>
+                        </a:p>
+                      </a:txBody>
+                      <a:tcPr>
+                        <a:lnL w="12700" cmpd="sng">
+                          <a:solidFill>
+                            <a:schemeClr val="tx1"/>
+                          </a:solidFill>
+                          <a:prstDash val="solid"/>
+                        </a:lnL>
+                        <a:lnR w="12700" cap="flat" cmpd="sng" algn="ctr">
+                          <a:solidFill>
+                            <a:schemeClr val="tx1"/>
+                          </a:solidFill>
+                          <a:prstDash val="solid"/>
+                          <a:round/>
+                          <a:headEnd type="none" w="med" len="med"/>
+                          <a:tailEnd type="none" w="med" len="med"/>
+                        </a:lnR>
+                        <a:lnT w="12700" cap="flat" cmpd="sng" algn="ctr">
+                          <a:solidFill>
+                            <a:schemeClr val="tx1"/>
+                          </a:solidFill>
+                          <a:prstDash val="solid"/>
+                          <a:round/>
+                          <a:headEnd type="none" w="med" len="med"/>
+                          <a:tailEnd type="none" w="med" len="med"/>
+                        </a:lnT>
+                        <a:lnB w="12700" cmpd="sng">
+                          <a:solidFill>
+                            <a:schemeClr val="tx1"/>
+                          </a:solidFill>
+                          <a:prstDash val="solid"/>
+                        </a:lnB>
+                      </a:tcPr>
+                    </a:tc>
+                    <a:tc>
+                      <a:txBody>
+                        <a:bodyPr/>
+                        <a:lstStyle/>
+                        <a:p>
+                          <a:r>
+                            <a:rPr lang="tr-TR" dirty="0"/>
+                            <a:t>2.80A</a:t>
+                          </a:r>
+                          <a:endParaRPr lang="en-US" dirty="0"/>
+                        </a:p>
+                      </a:txBody>
+                      <a:tcPr>
+                        <a:lnL w="12700" cap="flat" cmpd="sng" algn="ctr">
+                          <a:solidFill>
+                            <a:schemeClr val="tx1"/>
+                          </a:solidFill>
+                          <a:prstDash val="solid"/>
+                          <a:round/>
+                          <a:headEnd type="none" w="med" len="med"/>
+                          <a:tailEnd type="none" w="med" len="med"/>
+                        </a:lnL>
+                        <a:lnR w="12700" cmpd="sng">
+                          <a:solidFill>
+                            <a:schemeClr val="tx1"/>
+                          </a:solidFill>
+                          <a:prstDash val="solid"/>
+                        </a:lnR>
+                        <a:lnT w="12700" cap="flat" cmpd="sng" algn="ctr">
+                          <a:solidFill>
+                            <a:schemeClr val="tx1"/>
+                          </a:solidFill>
+                          <a:prstDash val="solid"/>
+                          <a:round/>
+                          <a:headEnd type="none" w="med" len="med"/>
+                          <a:tailEnd type="none" w="med" len="med"/>
+                        </a:lnT>
+                        <a:lnB w="12700" cmpd="sng">
+                          <a:solidFill>
+                            <a:schemeClr val="tx1"/>
+                          </a:solidFill>
+                          <a:prstDash val="solid"/>
+                        </a:lnB>
+                      </a:tcPr>
+                    </a:tc>
+                    <a:extLst>
+                      <a:ext uri="{0D108BD9-81ED-4DB2-BD59-A6C34878D82A}">
+                        <a16:rowId xmlns:a16="http://schemas.microsoft.com/office/drawing/2014/main" val="3895846894"/>
+                      </a:ext>
+                    </a:extLst>
+                  </a:tr>
+                  <a:tr h="489397">
+                    <a:tc>
+                      <a:txBody>
+                        <a:bodyPr/>
+                        <a:lstStyle/>
+                        <a:p>
+                          <a:pPr/>
+                          <a14:m>
+                            <m:oMathPara xmlns:m="http://schemas.openxmlformats.org/officeDocument/2006/math">
+                              <m:oMathParaPr>
+                                <m:jc m:val="centerGroup"/>
+                              </m:oMathParaPr>
+                              <m:oMath xmlns:m="http://schemas.openxmlformats.org/officeDocument/2006/math">
+                                <m:sSub>
+                                  <m:sSubPr>
+                                    <m:ctrlPr>
+                                      <a:rPr lang="tr-TR" b="0" i="1" smtClean="0">
+                                        <a:latin typeface="Cambria Math" panose="02040503050406030204" pitchFamily="18" charset="0"/>
+                                      </a:rPr>
+                                    </m:ctrlPr>
+                                  </m:sSubPr>
+                                  <m:e>
+                                    <m:r>
+                                      <a:rPr lang="tr-TR" b="0" i="1" smtClean="0">
+                                        <a:latin typeface="Cambria Math" panose="02040503050406030204" pitchFamily="18" charset="0"/>
+                                      </a:rPr>
+                                      <m:t>𝐼</m:t>
+                                    </m:r>
+                                  </m:e>
+                                  <m:sub>
+                                    <m:r>
+                                      <a:rPr lang="tr-TR" b="0" i="1" smtClean="0">
+                                        <a:latin typeface="Cambria Math" panose="02040503050406030204" pitchFamily="18" charset="0"/>
+                                      </a:rPr>
+                                      <m:t>𝑠</m:t>
+                                    </m:r>
+                                    <m:r>
+                                      <a:rPr lang="tr-TR" b="0" i="1" smtClean="0">
+                                        <a:latin typeface="Cambria Math" panose="02040503050406030204" pitchFamily="18" charset="0"/>
+                                      </a:rPr>
+                                      <m:t>2</m:t>
+                                    </m:r>
+                                  </m:sub>
+                                </m:sSub>
+                              </m:oMath>
+                            </m:oMathPara>
+                          </a14:m>
+                          <a:endParaRPr lang="en-US" dirty="0"/>
+                        </a:p>
+                      </a:txBody>
+                      <a:tcPr>
+                        <a:lnL w="12700" cmpd="sng">
+                          <a:solidFill>
+                            <a:schemeClr val="tx1"/>
+                          </a:solidFill>
+                          <a:prstDash val="solid"/>
+                        </a:lnL>
+                        <a:lnR w="12700" cap="flat" cmpd="sng" algn="ctr">
+                          <a:solidFill>
+                            <a:schemeClr val="tx1"/>
+                          </a:solidFill>
+                          <a:prstDash val="solid"/>
+                          <a:round/>
+                          <a:headEnd type="none" w="med" len="med"/>
+                          <a:tailEnd type="none" w="med" len="med"/>
+                        </a:lnR>
+                        <a:lnT w="12700" cap="flat" cmpd="sng" algn="ctr">
+                          <a:solidFill>
+                            <a:schemeClr val="tx1"/>
+                          </a:solidFill>
+                          <a:prstDash val="solid"/>
+                          <a:round/>
+                          <a:headEnd type="none" w="med" len="med"/>
+                          <a:tailEnd type="none" w="med" len="med"/>
+                        </a:lnT>
+                        <a:lnB w="12700" cmpd="sng">
+                          <a:solidFill>
+                            <a:schemeClr val="tx1"/>
+                          </a:solidFill>
+                          <a:prstDash val="solid"/>
+                        </a:lnB>
+                      </a:tcPr>
+                    </a:tc>
+                    <a:tc>
+                      <a:txBody>
+                        <a:bodyPr/>
+                        <a:lstStyle/>
+                        <a:p>
+                          <a:r>
+                            <a:rPr lang="tr-TR" dirty="0"/>
+                            <a:t>2.94A</a:t>
+                          </a:r>
+                          <a:endParaRPr lang="en-US" dirty="0"/>
+                        </a:p>
+                      </a:txBody>
+                      <a:tcPr>
+                        <a:lnL w="12700" cap="flat" cmpd="sng" algn="ctr">
+                          <a:solidFill>
+                            <a:schemeClr val="tx1"/>
+                          </a:solidFill>
+                          <a:prstDash val="solid"/>
+                          <a:round/>
+                          <a:headEnd type="none" w="med" len="med"/>
+                          <a:tailEnd type="none" w="med" len="med"/>
+                        </a:lnL>
+                        <a:lnR w="12700" cmpd="sng">
+                          <a:solidFill>
+                            <a:schemeClr val="tx1"/>
+                          </a:solidFill>
+                          <a:prstDash val="solid"/>
+                        </a:lnR>
+                        <a:lnT w="12700" cap="flat" cmpd="sng" algn="ctr">
+                          <a:solidFill>
+                            <a:schemeClr val="tx1"/>
+                          </a:solidFill>
+                          <a:prstDash val="solid"/>
+                          <a:round/>
+                          <a:headEnd type="none" w="med" len="med"/>
+                          <a:tailEnd type="none" w="med" len="med"/>
+                        </a:lnT>
+                        <a:lnB w="12700" cmpd="sng">
+                          <a:solidFill>
+                            <a:schemeClr val="tx1"/>
+                          </a:solidFill>
+                          <a:prstDash val="solid"/>
+                        </a:lnB>
+                      </a:tcPr>
+                    </a:tc>
+                    <a:extLst>
+                      <a:ext uri="{0D108BD9-81ED-4DB2-BD59-A6C34878D82A}">
+                        <a16:rowId xmlns:a16="http://schemas.microsoft.com/office/drawing/2014/main" val="1013507316"/>
+                      </a:ext>
+                    </a:extLst>
+                  </a:tr>
+                  <a:tr h="489397">
+                    <a:tc>
+                      <a:txBody>
+                        <a:bodyPr/>
+                        <a:lstStyle/>
+                        <a:p>
+                          <a:pPr/>
+                          <a14:m>
+                            <m:oMathPara xmlns:m="http://schemas.openxmlformats.org/officeDocument/2006/math">
+                              <m:oMathParaPr>
+                                <m:jc m:val="centerGroup"/>
+                              </m:oMathParaPr>
+                              <m:oMath xmlns:m="http://schemas.openxmlformats.org/officeDocument/2006/math">
+                                <m:sSub>
+                                  <m:sSubPr>
+                                    <m:ctrlPr>
+                                      <a:rPr lang="tr-TR" b="0" i="1" smtClean="0">
+                                        <a:latin typeface="Cambria Math" panose="02040503050406030204" pitchFamily="18" charset="0"/>
+                                      </a:rPr>
+                                    </m:ctrlPr>
+                                  </m:sSubPr>
+                                  <m:e>
+                                    <m:r>
+                                      <a:rPr lang="tr-TR" b="0" i="1" smtClean="0">
+                                        <a:latin typeface="Cambria Math" panose="02040503050406030204" pitchFamily="18" charset="0"/>
+                                      </a:rPr>
+                                      <m:t>𝐼</m:t>
+                                    </m:r>
+                                  </m:e>
+                                  <m:sub>
+                                    <m:r>
+                                      <a:rPr lang="tr-TR" b="0" i="1" smtClean="0">
+                                        <a:latin typeface="Cambria Math" panose="02040503050406030204" pitchFamily="18" charset="0"/>
+                                      </a:rPr>
+                                      <m:t>𝑠</m:t>
+                                    </m:r>
+                                    <m:r>
+                                      <a:rPr lang="tr-TR" b="0" i="1" smtClean="0">
+                                        <a:latin typeface="Cambria Math" panose="02040503050406030204" pitchFamily="18" charset="0"/>
+                                      </a:rPr>
+                                      <m:t>3</m:t>
+                                    </m:r>
+                                  </m:sub>
+                                </m:sSub>
+                              </m:oMath>
+                            </m:oMathPara>
+                          </a14:m>
+                          <a:endParaRPr lang="en-US" dirty="0"/>
+                        </a:p>
+                      </a:txBody>
+                      <a:tcPr>
+                        <a:lnL w="12700" cmpd="sng">
+                          <a:solidFill>
+                            <a:schemeClr val="tx1"/>
+                          </a:solidFill>
+                          <a:prstDash val="solid"/>
+                        </a:lnL>
+                        <a:lnR w="12700" cap="flat" cmpd="sng" algn="ctr">
+                          <a:solidFill>
+                            <a:schemeClr val="tx1"/>
+                          </a:solidFill>
+                          <a:prstDash val="solid"/>
+                          <a:round/>
+                          <a:headEnd type="none" w="med" len="med"/>
+                          <a:tailEnd type="none" w="med" len="med"/>
+                        </a:lnR>
+                        <a:lnT w="12700" cap="flat" cmpd="sng" algn="ctr">
+                          <a:solidFill>
+                            <a:schemeClr val="tx1"/>
+                          </a:solidFill>
+                          <a:prstDash val="solid"/>
+                          <a:round/>
+                          <a:headEnd type="none" w="med" len="med"/>
+                          <a:tailEnd type="none" w="med" len="med"/>
+                        </a:lnT>
+                        <a:lnB w="12700" cmpd="sng">
+                          <a:solidFill>
+                            <a:schemeClr val="tx1"/>
+                          </a:solidFill>
+                          <a:prstDash val="solid"/>
+                        </a:lnB>
+                      </a:tcPr>
+                    </a:tc>
+                    <a:tc>
+                      <a:txBody>
+                        <a:bodyPr/>
+                        <a:lstStyle/>
+                        <a:p>
+                          <a:r>
+                            <a:rPr lang="tr-TR" dirty="0"/>
+                            <a:t>3.0428A</a:t>
+                          </a:r>
+                          <a:endParaRPr lang="en-US" dirty="0"/>
+                        </a:p>
+                      </a:txBody>
+                      <a:tcPr>
+                        <a:lnL w="12700" cap="flat" cmpd="sng" algn="ctr">
+                          <a:solidFill>
+                            <a:schemeClr val="tx1"/>
+                          </a:solidFill>
+                          <a:prstDash val="solid"/>
+                          <a:round/>
+                          <a:headEnd type="none" w="med" len="med"/>
+                          <a:tailEnd type="none" w="med" len="med"/>
+                        </a:lnL>
+                        <a:lnR w="12700" cmpd="sng">
+                          <a:solidFill>
+                            <a:schemeClr val="tx1"/>
+                          </a:solidFill>
+                          <a:prstDash val="solid"/>
+                        </a:lnR>
+                        <a:lnT w="12700" cap="flat" cmpd="sng" algn="ctr">
+                          <a:solidFill>
+                            <a:schemeClr val="tx1"/>
+                          </a:solidFill>
+                          <a:prstDash val="solid"/>
+                          <a:round/>
+                          <a:headEnd type="none" w="med" len="med"/>
+                          <a:tailEnd type="none" w="med" len="med"/>
+                        </a:lnT>
+                        <a:lnB w="12700" cmpd="sng">
+                          <a:solidFill>
+                            <a:schemeClr val="tx1"/>
+                          </a:solidFill>
+                          <a:prstDash val="solid"/>
+                        </a:lnB>
+                      </a:tcPr>
+                    </a:tc>
+                    <a:extLst>
+                      <a:ext uri="{0D108BD9-81ED-4DB2-BD59-A6C34878D82A}">
+                        <a16:rowId xmlns:a16="http://schemas.microsoft.com/office/drawing/2014/main" val="495674345"/>
+                      </a:ext>
+                    </a:extLst>
+                  </a:tr>
+                  <a:tr h="0">
+                    <a:tc>
+                      <a:txBody>
+                        <a:bodyPr/>
+                        <a:lstStyle/>
+                        <a:p>
+                          <a:pPr/>
+                          <a14:m>
+                            <m:oMathPara xmlns:m="http://schemas.openxmlformats.org/officeDocument/2006/math">
+                              <m:oMathParaPr>
+                                <m:jc m:val="centerGroup"/>
+                              </m:oMathParaPr>
+                              <m:oMath xmlns:m="http://schemas.openxmlformats.org/officeDocument/2006/math">
+                                <m:sSub>
+                                  <m:sSubPr>
+                                    <m:ctrlPr>
+                                      <a:rPr lang="tr-TR" b="0" i="1" smtClean="0">
+                                        <a:latin typeface="Cambria Math" panose="02040503050406030204" pitchFamily="18" charset="0"/>
+                                      </a:rPr>
+                                    </m:ctrlPr>
+                                  </m:sSubPr>
+                                  <m:e>
+                                    <m:r>
+                                      <a:rPr lang="tr-TR" b="0" i="1" smtClean="0">
+                                        <a:latin typeface="Cambria Math" panose="02040503050406030204" pitchFamily="18" charset="0"/>
+                                      </a:rPr>
+                                      <m:t>𝐼</m:t>
+                                    </m:r>
+                                  </m:e>
+                                  <m:sub>
+                                    <m:r>
+                                      <a:rPr lang="tr-TR" b="0" i="1" smtClean="0">
+                                        <a:latin typeface="Cambria Math" panose="02040503050406030204" pitchFamily="18" charset="0"/>
+                                      </a:rPr>
+                                      <m:t>𝑠</m:t>
+                                    </m:r>
+                                    <m:r>
+                                      <a:rPr lang="tr-TR" b="0" i="1" smtClean="0">
+                                        <a:latin typeface="Cambria Math" panose="02040503050406030204" pitchFamily="18" charset="0"/>
+                                      </a:rPr>
+                                      <m:t>4</m:t>
+                                    </m:r>
+                                  </m:sub>
+                                </m:sSub>
+                              </m:oMath>
+                            </m:oMathPara>
+                          </a14:m>
+                          <a:endParaRPr lang="en-US" dirty="0"/>
+                        </a:p>
+                      </a:txBody>
+                      <a:tcPr>
+                        <a:lnL w="12700" cmpd="sng">
+                          <a:solidFill>
+                            <a:schemeClr val="tx1"/>
+                          </a:solidFill>
+                          <a:prstDash val="solid"/>
+                        </a:lnL>
+                        <a:lnR w="12700" cap="flat" cmpd="sng" algn="ctr">
+                          <a:solidFill>
+                            <a:schemeClr val="tx1"/>
+                          </a:solidFill>
+                          <a:prstDash val="solid"/>
+                          <a:round/>
+                          <a:headEnd type="none" w="med" len="med"/>
+                          <a:tailEnd type="none" w="med" len="med"/>
+                        </a:lnR>
+                        <a:lnT w="12700" cap="flat" cmpd="sng" algn="ctr">
+                          <a:solidFill>
+                            <a:schemeClr val="tx1"/>
+                          </a:solidFill>
+                          <a:prstDash val="solid"/>
+                          <a:round/>
+                          <a:headEnd type="none" w="med" len="med"/>
+                          <a:tailEnd type="none" w="med" len="med"/>
+                        </a:lnT>
+                        <a:lnB w="12700" cap="flat" cmpd="sng" algn="ctr">
+                          <a:solidFill>
+                            <a:schemeClr val="tx1"/>
+                          </a:solidFill>
+                          <a:prstDash val="solid"/>
+                          <a:round/>
+                          <a:headEnd type="none" w="med" len="med"/>
+                          <a:tailEnd type="none" w="med" len="med"/>
+                        </a:lnB>
+                      </a:tcPr>
+                    </a:tc>
+                    <a:tc>
+                      <a:txBody>
+                        <a:bodyPr/>
+                        <a:lstStyle/>
+                        <a:p>
+                          <a:r>
+                            <a:rPr lang="tr-TR" dirty="0"/>
+                            <a:t>2.518A</a:t>
+                          </a:r>
+                          <a:endParaRPr lang="en-US" dirty="0"/>
+                        </a:p>
+                      </a:txBody>
+                      <a:tcPr>
+                        <a:lnL w="12700" cmpd="sng">
+                          <a:solidFill>
+                            <a:schemeClr val="tx1"/>
+                          </a:solidFill>
+                          <a:prstDash val="solid"/>
+                        </a:lnL>
+                        <a:lnR w="12700" cmpd="sng">
+                          <a:solidFill>
+                            <a:schemeClr val="tx1"/>
+                          </a:solidFill>
+                          <a:prstDash val="solid"/>
+                        </a:lnR>
+                        <a:lnT w="12700" cap="flat" cmpd="sng" algn="ctr">
+                          <a:solidFill>
+                            <a:schemeClr val="tx1"/>
+                          </a:solidFill>
+                          <a:prstDash val="solid"/>
+                          <a:round/>
+                          <a:headEnd type="none" w="med" len="med"/>
+                          <a:tailEnd type="none" w="med" len="med"/>
+                        </a:lnT>
+                        <a:lnB w="12700" cap="flat" cmpd="sng" algn="ctr">
+                          <a:solidFill>
+                            <a:schemeClr val="tx1"/>
+                          </a:solidFill>
+                          <a:prstDash val="solid"/>
+                          <a:round/>
+                          <a:headEnd type="none" w="med" len="med"/>
+                          <a:tailEnd type="none" w="med" len="med"/>
+                        </a:lnB>
+                      </a:tcPr>
+                    </a:tc>
+                    <a:extLst>
+                      <a:ext uri="{0D108BD9-81ED-4DB2-BD59-A6C34878D82A}">
+                        <a16:rowId xmlns:a16="http://schemas.microsoft.com/office/drawing/2014/main" val="566282699"/>
+                      </a:ext>
+                    </a:extLst>
+                  </a:tr>
+                  <a:tr h="489397">
+                    <a:tc>
+                      <a:txBody>
+                        <a:bodyPr/>
+                        <a:lstStyle/>
+                        <a:p>
+                          <a:pPr/>
+                          <a14:m>
+                            <m:oMathPara xmlns:m="http://schemas.openxmlformats.org/officeDocument/2006/math">
+                              <m:oMathParaPr>
+                                <m:jc m:val="centerGroup"/>
+                              </m:oMathParaPr>
+                              <m:oMath xmlns:m="http://schemas.openxmlformats.org/officeDocument/2006/math">
+                                <m:sSub>
+                                  <m:sSubPr>
+                                    <m:ctrlPr>
+                                      <a:rPr lang="tr-TR" b="0" i="1" smtClean="0">
+                                        <a:latin typeface="Cambria Math" panose="02040503050406030204" pitchFamily="18" charset="0"/>
+                                      </a:rPr>
+                                    </m:ctrlPr>
+                                  </m:sSubPr>
+                                  <m:e>
+                                    <m:r>
+                                      <a:rPr lang="tr-TR" b="0" i="1" smtClean="0">
+                                        <a:latin typeface="Cambria Math" panose="02040503050406030204" pitchFamily="18" charset="0"/>
+                                      </a:rPr>
+                                      <m:t>𝑉</m:t>
+                                    </m:r>
+                                  </m:e>
+                                  <m:sub>
+                                    <m:r>
+                                      <a:rPr lang="tr-TR" b="0" i="1" smtClean="0">
+                                        <a:latin typeface="Cambria Math" panose="02040503050406030204" pitchFamily="18" charset="0"/>
+                                      </a:rPr>
+                                      <m:t>𝑜𝑢𝑡</m:t>
+                                    </m:r>
+                                  </m:sub>
+                                </m:sSub>
+                              </m:oMath>
+                            </m:oMathPara>
+                          </a14:m>
+                          <a:endParaRPr lang="en-US" dirty="0"/>
+                        </a:p>
+                      </a:txBody>
+                      <a:tcPr>
+                        <a:lnL w="12700" cmpd="sng">
+                          <a:solidFill>
+                            <a:schemeClr val="tx1"/>
+                          </a:solidFill>
+                          <a:prstDash val="solid"/>
+                        </a:lnL>
+                        <a:lnR w="12700" cap="flat" cmpd="sng" algn="ctr">
+                          <a:solidFill>
+                            <a:schemeClr val="tx1"/>
+                          </a:solidFill>
+                          <a:prstDash val="solid"/>
+                          <a:round/>
+                          <a:headEnd type="none" w="med" len="med"/>
+                          <a:tailEnd type="none" w="med" len="med"/>
+                        </a:lnR>
+                        <a:lnT w="12700" cap="flat" cmpd="sng" algn="ctr">
+                          <a:solidFill>
+                            <a:schemeClr val="tx1"/>
+                          </a:solidFill>
+                          <a:prstDash val="solid"/>
+                          <a:round/>
+                          <a:headEnd type="none" w="med" len="med"/>
+                          <a:tailEnd type="none" w="med" len="med"/>
+                        </a:lnT>
+                        <a:lnB w="12700" cmpd="sng">
+                          <a:solidFill>
+                            <a:schemeClr val="tx1"/>
+                          </a:solidFill>
+                          <a:prstDash val="solid"/>
+                        </a:lnB>
+                      </a:tcPr>
+                    </a:tc>
+                    <a:tc>
+                      <a:txBody>
+                        <a:bodyPr/>
+                        <a:lstStyle/>
+                        <a:p>
+                          <a:r>
+                            <a:rPr lang="tr-TR" dirty="0"/>
+                            <a:t>98.4V</a:t>
+                          </a:r>
+                          <a:endParaRPr lang="en-US" dirty="0"/>
+                        </a:p>
+                      </a:txBody>
+                      <a:tcPr>
+                        <a:lnL w="12700" cap="flat" cmpd="sng" algn="ctr">
+                          <a:solidFill>
+                            <a:schemeClr val="tx1"/>
+                          </a:solidFill>
+                          <a:prstDash val="solid"/>
+                          <a:round/>
+                          <a:headEnd type="none" w="med" len="med"/>
+                          <a:tailEnd type="none" w="med" len="med"/>
+                        </a:lnL>
+                        <a:lnR w="12700" cmpd="sng">
+                          <a:solidFill>
+                            <a:schemeClr val="tx1"/>
+                          </a:solidFill>
+                          <a:prstDash val="solid"/>
+                        </a:lnR>
+                        <a:lnT w="12700" cap="flat" cmpd="sng" algn="ctr">
+                          <a:solidFill>
+                            <a:schemeClr val="tx1"/>
+                          </a:solidFill>
+                          <a:prstDash val="solid"/>
+                          <a:round/>
+                          <a:headEnd type="none" w="med" len="med"/>
+                          <a:tailEnd type="none" w="med" len="med"/>
+                        </a:lnT>
+                        <a:lnB w="12700" cmpd="sng">
+                          <a:solidFill>
+                            <a:schemeClr val="tx1"/>
+                          </a:solidFill>
+                          <a:prstDash val="solid"/>
+                        </a:lnB>
+                      </a:tcPr>
+                    </a:tc>
+                    <a:extLst>
+                      <a:ext uri="{0D108BD9-81ED-4DB2-BD59-A6C34878D82A}">
+                        <a16:rowId xmlns:a16="http://schemas.microsoft.com/office/drawing/2014/main" val="2375824003"/>
+                      </a:ext>
+                    </a:extLst>
+                  </a:tr>
+                </a:tbl>
+              </a:graphicData>
+            </a:graphic>
+          </p:graphicFrame>
+        </mc:Choice>
+        <mc:Fallback>
+          <p:graphicFrame>
+            <p:nvGraphicFramePr>
+              <p:cNvPr id="5" name="Table 4">
+                <a:extLst>
+                  <a:ext uri="{FF2B5EF4-FFF2-40B4-BE49-F238E27FC236}">
+                    <a16:creationId xmlns:a16="http://schemas.microsoft.com/office/drawing/2014/main" id="{E0DB0F22-BAEE-41BC-BB6C-D6EC720FABEA}"/>
+                  </a:ext>
+                </a:extLst>
+              </p:cNvPr>
+              <p:cNvGraphicFramePr>
+                <a:graphicFrameLocks noGrp="1"/>
+              </p:cNvGraphicFramePr>
+              <p:nvPr>
+                <p:extLst>
+                  <p:ext uri="{D42A27DB-BD31-4B8C-83A1-F6EECF244321}">
+                    <p14:modId xmlns:p14="http://schemas.microsoft.com/office/powerpoint/2010/main" val="583853323"/>
+                  </p:ext>
+                </p:extLst>
+              </p:nvPr>
+            </p:nvGraphicFramePr>
+            <p:xfrm>
+              <a:off x="3768143" y="2963430"/>
+              <a:ext cx="3631842" cy="3791539"/>
+            </p:xfrm>
+            <a:graphic>
+              <a:graphicData uri="http://schemas.openxmlformats.org/drawingml/2006/table">
+                <a:tbl>
+                  <a:tblPr/>
+                  <a:tblGrid>
+                    <a:gridCol w="1815921">
+                      <a:extLst>
+                        <a:ext uri="{9D8B030D-6E8A-4147-A177-3AD203B41FA5}">
+                          <a16:colId xmlns:a16="http://schemas.microsoft.com/office/drawing/2014/main" val="3853885856"/>
+                        </a:ext>
+                      </a:extLst>
+                    </a:gridCol>
+                    <a:gridCol w="1815921">
+                      <a:extLst>
+                        <a:ext uri="{9D8B030D-6E8A-4147-A177-3AD203B41FA5}">
+                          <a16:colId xmlns:a16="http://schemas.microsoft.com/office/drawing/2014/main" val="4283652476"/>
+                        </a:ext>
+                      </a:extLst>
+                    </a:gridCol>
+                  </a:tblGrid>
+                  <a:tr h="489397">
+                    <a:tc gridSpan="2">
+                      <a:txBody>
+                        <a:bodyPr/>
+                        <a:lstStyle/>
+                        <a:p>
+                          <a:r>
+                            <a:rPr lang="tr-TR" dirty="0" err="1"/>
+                            <a:t>Primer</a:t>
+                          </a:r>
+                          <a:r>
+                            <a:rPr lang="tr-TR" dirty="0"/>
+                            <a:t>  </a:t>
+                          </a:r>
+                          <a:r>
+                            <a:rPr lang="tr-TR" dirty="0" err="1"/>
+                            <a:t>Resonance</a:t>
+                          </a:r>
+                          <a:r>
+                            <a:rPr lang="tr-TR" dirty="0"/>
+                            <a:t>(150kHz)</a:t>
+                          </a:r>
+                        </a:p>
+                      </a:txBody>
+                      <a:tcPr>
+                        <a:lnL w="12700" cmpd="sng">
+                          <a:solidFill>
+                            <a:schemeClr val="tx1"/>
+                          </a:solidFill>
+                          <a:prstDash val="solid"/>
+                        </a:lnL>
+                        <a:lnR w="12700" cap="flat" cmpd="sng" algn="ctr">
+                          <a:solidFill>
+                            <a:schemeClr val="tx1"/>
+                          </a:solidFill>
+                          <a:prstDash val="solid"/>
+                          <a:round/>
+                          <a:headEnd type="none" w="med" len="med"/>
+                          <a:tailEnd type="none" w="med" len="med"/>
+                        </a:lnR>
+                        <a:lnT w="12700" cmpd="sng">
+                          <a:solidFill>
+                            <a:schemeClr val="tx1"/>
+                          </a:solidFill>
+                          <a:prstDash val="solid"/>
+                        </a:lnT>
+                        <a:lnB w="12700" cap="flat" cmpd="sng" algn="ctr">
+                          <a:solidFill>
+                            <a:schemeClr val="tx1"/>
+                          </a:solidFill>
+                          <a:prstDash val="solid"/>
+                          <a:round/>
+                          <a:headEnd type="none" w="med" len="med"/>
+                          <a:tailEnd type="none" w="med" len="med"/>
+                        </a:lnB>
+                      </a:tcPr>
+                    </a:tc>
+                    <a:tc hMerge="1">
+                      <a:txBody>
+                        <a:bodyPr/>
+                        <a:lstStyle/>
+                        <a:p>
+                          <a:endParaRPr lang="en-US" dirty="0"/>
+                        </a:p>
+                      </a:txBody>
+                      <a:tcPr>
+                        <a:lnL w="12700" cap="flat" cmpd="sng" algn="ctr">
+                          <a:solidFill>
+                            <a:schemeClr val="tx1"/>
+                          </a:solidFill>
+                          <a:prstDash val="solid"/>
+                          <a:round/>
+                          <a:headEnd type="none" w="med" len="med"/>
+                          <a:tailEnd type="none" w="med" len="med"/>
+                        </a:lnL>
+                        <a:lnR w="12700" cmpd="sng">
+                          <a:solidFill>
+                            <a:schemeClr val="tx1"/>
+                          </a:solidFill>
+                          <a:prstDash val="solid"/>
+                        </a:lnR>
+                        <a:lnT w="12700" cmpd="sng">
+                          <a:solidFill>
+                            <a:schemeClr val="tx1"/>
+                          </a:solidFill>
+                          <a:prstDash val="solid"/>
+                        </a:lnT>
+                        <a:lnB w="12700" cmpd="sng">
+                          <a:solidFill>
+                            <a:schemeClr val="tx1"/>
+                          </a:solidFill>
+                          <a:prstDash val="solid"/>
+                        </a:lnB>
+                      </a:tcPr>
+                    </a:tc>
+                    <a:extLst>
+                      <a:ext uri="{0D108BD9-81ED-4DB2-BD59-A6C34878D82A}">
+                        <a16:rowId xmlns:a16="http://schemas.microsoft.com/office/drawing/2014/main" val="2936815159"/>
+                      </a:ext>
+                    </a:extLst>
+                  </a:tr>
+                  <a:tr h="489397">
+                    <a:tc gridSpan="2">
+                      <a:txBody>
+                        <a:bodyPr/>
+                        <a:lstStyle/>
+                        <a:p>
+                          <a:r>
+                            <a:rPr lang="tr-TR" dirty="0" err="1"/>
+                            <a:t>Seconder</a:t>
+                          </a:r>
+                          <a:r>
+                            <a:rPr lang="tr-TR" dirty="0"/>
+                            <a:t> </a:t>
+                          </a:r>
+                          <a:r>
+                            <a:rPr lang="tr-TR" dirty="0" err="1"/>
+                            <a:t>Resonance</a:t>
+                          </a:r>
+                          <a:r>
+                            <a:rPr lang="tr-TR" dirty="0"/>
+                            <a:t>(131kHz)</a:t>
+                          </a:r>
+                        </a:p>
+                      </a:txBody>
+                      <a:tcPr>
+                        <a:lnL w="12700" cmpd="sng">
+                          <a:solidFill>
+                            <a:schemeClr val="tx1"/>
+                          </a:solidFill>
+                          <a:prstDash val="solid"/>
+                        </a:lnL>
+                        <a:lnR w="12700" cap="flat" cmpd="sng" algn="ctr">
+                          <a:solidFill>
+                            <a:schemeClr val="tx1"/>
+                          </a:solidFill>
+                          <a:prstDash val="solid"/>
+                          <a:round/>
+                          <a:headEnd type="none" w="med" len="med"/>
+                          <a:tailEnd type="none" w="med" len="med"/>
+                        </a:lnR>
+                        <a:lnT w="12700" cap="flat" cmpd="sng" algn="ctr">
+                          <a:solidFill>
+                            <a:schemeClr val="tx1"/>
+                          </a:solidFill>
+                          <a:prstDash val="solid"/>
+                          <a:round/>
+                          <a:headEnd type="none" w="med" len="med"/>
+                          <a:tailEnd type="none" w="med" len="med"/>
+                        </a:lnT>
+                        <a:lnB w="12700" cap="flat" cmpd="sng" algn="ctr">
+                          <a:solidFill>
+                            <a:schemeClr val="tx1"/>
+                          </a:solidFill>
+                          <a:prstDash val="solid"/>
+                          <a:round/>
+                          <a:headEnd type="none" w="med" len="med"/>
+                          <a:tailEnd type="none" w="med" len="med"/>
+                        </a:lnB>
+                      </a:tcPr>
+                    </a:tc>
+                    <a:tc hMerge="1">
+                      <a:txBody>
+                        <a:bodyPr/>
+                        <a:lstStyle/>
+                        <a:p>
+                          <a:endParaRPr lang="en-US"/>
+                        </a:p>
+                      </a:txBody>
+                      <a:tcPr/>
+                    </a:tc>
+                    <a:extLst>
+                      <a:ext uri="{0D108BD9-81ED-4DB2-BD59-A6C34878D82A}">
+                        <a16:rowId xmlns:a16="http://schemas.microsoft.com/office/drawing/2014/main" val="1321034424"/>
+                      </a:ext>
+                    </a:extLst>
+                  </a:tr>
+                  <a:tr h="489397">
+                    <a:tc gridSpan="2">
+                      <a:txBody>
+                        <a:bodyPr/>
+                        <a:lstStyle/>
+                        <a:p>
+                          <a:r>
+                            <a:rPr lang="tr-TR" dirty="0" err="1"/>
+                            <a:t>Operation</a:t>
+                          </a:r>
+                          <a:r>
+                            <a:rPr lang="tr-TR" dirty="0"/>
+                            <a:t> </a:t>
+                          </a:r>
+                          <a:r>
+                            <a:rPr lang="tr-TR" dirty="0" err="1"/>
+                            <a:t>Frequency</a:t>
+                          </a:r>
+                          <a:r>
+                            <a:rPr lang="tr-TR" dirty="0"/>
+                            <a:t> (150 kHz)</a:t>
+                          </a:r>
+                        </a:p>
+                      </a:txBody>
+                      <a:tcPr>
+                        <a:lnL w="12700" cmpd="sng">
+                          <a:solidFill>
+                            <a:schemeClr val="tx1"/>
+                          </a:solidFill>
+                          <a:prstDash val="solid"/>
+                        </a:lnL>
+                        <a:lnR w="12700" cap="flat" cmpd="sng" algn="ctr">
+                          <a:solidFill>
+                            <a:schemeClr val="tx1"/>
+                          </a:solidFill>
+                          <a:prstDash val="solid"/>
+                          <a:round/>
+                          <a:headEnd type="none" w="med" len="med"/>
+                          <a:tailEnd type="none" w="med" len="med"/>
+                        </a:lnR>
+                        <a:lnT w="12700" cap="flat" cmpd="sng" algn="ctr">
+                          <a:solidFill>
+                            <a:schemeClr val="tx1"/>
+                          </a:solidFill>
+                          <a:prstDash val="solid"/>
+                          <a:round/>
+                          <a:headEnd type="none" w="med" len="med"/>
+                          <a:tailEnd type="none" w="med" len="med"/>
+                        </a:lnT>
+                        <a:lnB w="12700" cap="flat" cmpd="sng" algn="ctr">
+                          <a:solidFill>
+                            <a:schemeClr val="tx1"/>
+                          </a:solidFill>
+                          <a:prstDash val="solid"/>
+                          <a:round/>
+                          <a:headEnd type="none" w="med" len="med"/>
+                          <a:tailEnd type="none" w="med" len="med"/>
+                        </a:lnB>
+                      </a:tcPr>
+                    </a:tc>
+                    <a:tc hMerge="1">
+                      <a:txBody>
+                        <a:bodyPr/>
+                        <a:lstStyle/>
+                        <a:p>
+                          <a:endParaRPr lang="en-US"/>
+                        </a:p>
+                      </a:txBody>
+                      <a:tcPr/>
+                    </a:tc>
+                    <a:extLst>
+                      <a:ext uri="{0D108BD9-81ED-4DB2-BD59-A6C34878D82A}">
+                        <a16:rowId xmlns:a16="http://schemas.microsoft.com/office/drawing/2014/main" val="2507909524"/>
+                      </a:ext>
+                    </a:extLst>
+                  </a:tr>
+                  <a:tr h="489397">
+                    <a:tc>
+                      <a:txBody>
+                        <a:bodyPr/>
+                        <a:lstStyle/>
+                        <a:p>
+                          <a:endParaRPr lang="en-US"/>
+                        </a:p>
+                      </a:txBody>
+                      <a:tcPr>
+                        <a:lnL w="12700" cmpd="sng">
+                          <a:solidFill>
+                            <a:schemeClr val="tx1"/>
+                          </a:solidFill>
+                          <a:prstDash val="solid"/>
+                        </a:lnL>
+                        <a:lnR w="12700" cap="flat" cmpd="sng" algn="ctr">
+                          <a:solidFill>
+                            <a:schemeClr val="tx1"/>
+                          </a:solidFill>
+                          <a:prstDash val="solid"/>
+                          <a:round/>
+                          <a:headEnd type="none" w="med" len="med"/>
+                          <a:tailEnd type="none" w="med" len="med"/>
+                        </a:lnR>
+                        <a:lnT w="12700" cap="flat" cmpd="sng" algn="ctr">
+                          <a:solidFill>
+                            <a:schemeClr val="tx1"/>
+                          </a:solidFill>
+                          <a:prstDash val="solid"/>
+                          <a:round/>
+                          <a:headEnd type="none" w="med" len="med"/>
+                          <a:tailEnd type="none" w="med" len="med"/>
+                        </a:lnT>
+                        <a:lnB w="12700" cmpd="sng">
+                          <a:solidFill>
+                            <a:schemeClr val="tx1"/>
+                          </a:solidFill>
+                          <a:prstDash val="solid"/>
+                        </a:lnB>
+                        <a:blipFill>
+                          <a:blip r:embed="rId2"/>
+                          <a:stretch>
+                            <a:fillRect l="-336" t="-303704" r="-100671" b="-374074"/>
+                          </a:stretch>
+                        </a:blipFill>
+                      </a:tcPr>
+                    </a:tc>
+                    <a:tc>
+                      <a:txBody>
+                        <a:bodyPr/>
+                        <a:lstStyle/>
+                        <a:p>
+                          <a:r>
+                            <a:rPr lang="tr-TR" dirty="0"/>
+                            <a:t>2.80A</a:t>
+                          </a:r>
+                          <a:endParaRPr lang="en-US" dirty="0"/>
+                        </a:p>
+                      </a:txBody>
+                      <a:tcPr>
+                        <a:lnL w="12700" cap="flat" cmpd="sng" algn="ctr">
+                          <a:solidFill>
+                            <a:schemeClr val="tx1"/>
+                          </a:solidFill>
+                          <a:prstDash val="solid"/>
+                          <a:round/>
+                          <a:headEnd type="none" w="med" len="med"/>
+                          <a:tailEnd type="none" w="med" len="med"/>
+                        </a:lnL>
+                        <a:lnR w="12700" cmpd="sng">
+                          <a:solidFill>
+                            <a:schemeClr val="tx1"/>
+                          </a:solidFill>
+                          <a:prstDash val="solid"/>
+                        </a:lnR>
+                        <a:lnT w="12700" cap="flat" cmpd="sng" algn="ctr">
+                          <a:solidFill>
+                            <a:schemeClr val="tx1"/>
+                          </a:solidFill>
+                          <a:prstDash val="solid"/>
+                          <a:round/>
+                          <a:headEnd type="none" w="med" len="med"/>
+                          <a:tailEnd type="none" w="med" len="med"/>
+                        </a:lnT>
+                        <a:lnB w="12700" cmpd="sng">
+                          <a:solidFill>
+                            <a:schemeClr val="tx1"/>
+                          </a:solidFill>
+                          <a:prstDash val="solid"/>
+                        </a:lnB>
+                      </a:tcPr>
+                    </a:tc>
+                    <a:extLst>
+                      <a:ext uri="{0D108BD9-81ED-4DB2-BD59-A6C34878D82A}">
+                        <a16:rowId xmlns:a16="http://schemas.microsoft.com/office/drawing/2014/main" val="3895846894"/>
+                      </a:ext>
+                    </a:extLst>
+                  </a:tr>
+                  <a:tr h="489397">
+                    <a:tc>
+                      <a:txBody>
+                        <a:bodyPr/>
+                        <a:lstStyle/>
+                        <a:p>
+                          <a:endParaRPr lang="en-US"/>
+                        </a:p>
+                      </a:txBody>
+                      <a:tcPr>
+                        <a:lnL w="12700" cmpd="sng">
+                          <a:solidFill>
+                            <a:schemeClr val="tx1"/>
+                          </a:solidFill>
+                          <a:prstDash val="solid"/>
+                        </a:lnL>
+                        <a:lnR w="12700" cap="flat" cmpd="sng" algn="ctr">
+                          <a:solidFill>
+                            <a:schemeClr val="tx1"/>
+                          </a:solidFill>
+                          <a:prstDash val="solid"/>
+                          <a:round/>
+                          <a:headEnd type="none" w="med" len="med"/>
+                          <a:tailEnd type="none" w="med" len="med"/>
+                        </a:lnR>
+                        <a:lnT w="12700" cap="flat" cmpd="sng" algn="ctr">
+                          <a:solidFill>
+                            <a:schemeClr val="tx1"/>
+                          </a:solidFill>
+                          <a:prstDash val="solid"/>
+                          <a:round/>
+                          <a:headEnd type="none" w="med" len="med"/>
+                          <a:tailEnd type="none" w="med" len="med"/>
+                        </a:lnT>
+                        <a:lnB w="12700" cmpd="sng">
+                          <a:solidFill>
+                            <a:schemeClr val="tx1"/>
+                          </a:solidFill>
+                          <a:prstDash val="solid"/>
+                        </a:lnB>
+                        <a:blipFill>
+                          <a:blip r:embed="rId2"/>
+                          <a:stretch>
+                            <a:fillRect l="-336" t="-408750" r="-100671" b="-278750"/>
+                          </a:stretch>
+                        </a:blipFill>
+                      </a:tcPr>
+                    </a:tc>
+                    <a:tc>
+                      <a:txBody>
+                        <a:bodyPr/>
+                        <a:lstStyle/>
+                        <a:p>
+                          <a:r>
+                            <a:rPr lang="tr-TR" dirty="0"/>
+                            <a:t>2.94A</a:t>
+                          </a:r>
+                          <a:endParaRPr lang="en-US" dirty="0"/>
+                        </a:p>
+                      </a:txBody>
+                      <a:tcPr>
+                        <a:lnL w="12700" cap="flat" cmpd="sng" algn="ctr">
+                          <a:solidFill>
+                            <a:schemeClr val="tx1"/>
+                          </a:solidFill>
+                          <a:prstDash val="solid"/>
+                          <a:round/>
+                          <a:headEnd type="none" w="med" len="med"/>
+                          <a:tailEnd type="none" w="med" len="med"/>
+                        </a:lnL>
+                        <a:lnR w="12700" cmpd="sng">
+                          <a:solidFill>
+                            <a:schemeClr val="tx1"/>
+                          </a:solidFill>
+                          <a:prstDash val="solid"/>
+                        </a:lnR>
+                        <a:lnT w="12700" cap="flat" cmpd="sng" algn="ctr">
+                          <a:solidFill>
+                            <a:schemeClr val="tx1"/>
+                          </a:solidFill>
+                          <a:prstDash val="solid"/>
+                          <a:round/>
+                          <a:headEnd type="none" w="med" len="med"/>
+                          <a:tailEnd type="none" w="med" len="med"/>
+                        </a:lnT>
+                        <a:lnB w="12700" cmpd="sng">
+                          <a:solidFill>
+                            <a:schemeClr val="tx1"/>
+                          </a:solidFill>
+                          <a:prstDash val="solid"/>
+                        </a:lnB>
+                      </a:tcPr>
+                    </a:tc>
+                    <a:extLst>
+                      <a:ext uri="{0D108BD9-81ED-4DB2-BD59-A6C34878D82A}">
+                        <a16:rowId xmlns:a16="http://schemas.microsoft.com/office/drawing/2014/main" val="1013507316"/>
+                      </a:ext>
+                    </a:extLst>
+                  </a:tr>
+                  <a:tr h="489397">
+                    <a:tc>
+                      <a:txBody>
+                        <a:bodyPr/>
+                        <a:lstStyle/>
+                        <a:p>
+                          <a:endParaRPr lang="en-US"/>
+                        </a:p>
+                      </a:txBody>
+                      <a:tcPr>
+                        <a:lnL w="12700" cmpd="sng">
+                          <a:solidFill>
+                            <a:schemeClr val="tx1"/>
+                          </a:solidFill>
+                          <a:prstDash val="solid"/>
+                        </a:lnL>
+                        <a:lnR w="12700" cap="flat" cmpd="sng" algn="ctr">
+                          <a:solidFill>
+                            <a:schemeClr val="tx1"/>
+                          </a:solidFill>
+                          <a:prstDash val="solid"/>
+                          <a:round/>
+                          <a:headEnd type="none" w="med" len="med"/>
+                          <a:tailEnd type="none" w="med" len="med"/>
+                        </a:lnR>
+                        <a:lnT w="12700" cap="flat" cmpd="sng" algn="ctr">
+                          <a:solidFill>
+                            <a:schemeClr val="tx1"/>
+                          </a:solidFill>
+                          <a:prstDash val="solid"/>
+                          <a:round/>
+                          <a:headEnd type="none" w="med" len="med"/>
+                          <a:tailEnd type="none" w="med" len="med"/>
+                        </a:lnT>
+                        <a:lnB w="12700" cmpd="sng">
+                          <a:solidFill>
+                            <a:schemeClr val="tx1"/>
+                          </a:solidFill>
+                          <a:prstDash val="solid"/>
+                        </a:lnB>
+                        <a:blipFill>
+                          <a:blip r:embed="rId2"/>
+                          <a:stretch>
+                            <a:fillRect l="-336" t="-508750" r="-100671" b="-178750"/>
+                          </a:stretch>
+                        </a:blipFill>
+                      </a:tcPr>
+                    </a:tc>
+                    <a:tc>
+                      <a:txBody>
+                        <a:bodyPr/>
+                        <a:lstStyle/>
+                        <a:p>
+                          <a:r>
+                            <a:rPr lang="tr-TR" dirty="0"/>
+                            <a:t>3.0428A</a:t>
+                          </a:r>
+                          <a:endParaRPr lang="en-US" dirty="0"/>
+                        </a:p>
+                      </a:txBody>
+                      <a:tcPr>
+                        <a:lnL w="12700" cap="flat" cmpd="sng" algn="ctr">
+                          <a:solidFill>
+                            <a:schemeClr val="tx1"/>
+                          </a:solidFill>
+                          <a:prstDash val="solid"/>
+                          <a:round/>
+                          <a:headEnd type="none" w="med" len="med"/>
+                          <a:tailEnd type="none" w="med" len="med"/>
+                        </a:lnL>
+                        <a:lnR w="12700" cmpd="sng">
+                          <a:solidFill>
+                            <a:schemeClr val="tx1"/>
+                          </a:solidFill>
+                          <a:prstDash val="solid"/>
+                        </a:lnR>
+                        <a:lnT w="12700" cap="flat" cmpd="sng" algn="ctr">
+                          <a:solidFill>
+                            <a:schemeClr val="tx1"/>
+                          </a:solidFill>
+                          <a:prstDash val="solid"/>
+                          <a:round/>
+                          <a:headEnd type="none" w="med" len="med"/>
+                          <a:tailEnd type="none" w="med" len="med"/>
+                        </a:lnT>
+                        <a:lnB w="12700" cmpd="sng">
+                          <a:solidFill>
+                            <a:schemeClr val="tx1"/>
+                          </a:solidFill>
+                          <a:prstDash val="solid"/>
+                        </a:lnB>
+                      </a:tcPr>
+                    </a:tc>
+                    <a:extLst>
+                      <a:ext uri="{0D108BD9-81ED-4DB2-BD59-A6C34878D82A}">
+                        <a16:rowId xmlns:a16="http://schemas.microsoft.com/office/drawing/2014/main" val="495674345"/>
+                      </a:ext>
+                    </a:extLst>
+                  </a:tr>
+                  <a:tr h="365760">
+                    <a:tc>
+                      <a:txBody>
+                        <a:bodyPr/>
+                        <a:lstStyle/>
+                        <a:p>
+                          <a:endParaRPr lang="en-US"/>
+                        </a:p>
+                      </a:txBody>
+                      <a:tcPr>
+                        <a:lnL w="12700" cmpd="sng">
+                          <a:solidFill>
+                            <a:schemeClr val="tx1"/>
+                          </a:solidFill>
+                          <a:prstDash val="solid"/>
+                        </a:lnL>
+                        <a:lnR w="12700" cap="flat" cmpd="sng" algn="ctr">
+                          <a:solidFill>
+                            <a:schemeClr val="tx1"/>
+                          </a:solidFill>
+                          <a:prstDash val="solid"/>
+                          <a:round/>
+                          <a:headEnd type="none" w="med" len="med"/>
+                          <a:tailEnd type="none" w="med" len="med"/>
+                        </a:lnR>
+                        <a:lnT w="12700" cap="flat" cmpd="sng" algn="ctr">
+                          <a:solidFill>
+                            <a:schemeClr val="tx1"/>
+                          </a:solidFill>
+                          <a:prstDash val="solid"/>
+                          <a:round/>
+                          <a:headEnd type="none" w="med" len="med"/>
+                          <a:tailEnd type="none" w="med" len="med"/>
+                        </a:lnT>
+                        <a:lnB w="12700" cap="flat" cmpd="sng" algn="ctr">
+                          <a:solidFill>
+                            <a:schemeClr val="tx1"/>
+                          </a:solidFill>
+                          <a:prstDash val="solid"/>
+                          <a:round/>
+                          <a:headEnd type="none" w="med" len="med"/>
+                          <a:tailEnd type="none" w="med" len="med"/>
+                        </a:lnB>
+                        <a:blipFill>
+                          <a:blip r:embed="rId2"/>
+                          <a:stretch>
+                            <a:fillRect l="-336" t="-798361" r="-100671" b="-134426"/>
+                          </a:stretch>
+                        </a:blipFill>
+                      </a:tcPr>
+                    </a:tc>
+                    <a:tc>
+                      <a:txBody>
+                        <a:bodyPr/>
+                        <a:lstStyle/>
+                        <a:p>
+                          <a:r>
+                            <a:rPr lang="tr-TR" dirty="0"/>
+                            <a:t>2.518A</a:t>
+                          </a:r>
+                          <a:endParaRPr lang="en-US" dirty="0"/>
+                        </a:p>
+                      </a:txBody>
+                      <a:tcPr>
+                        <a:lnL w="12700" cmpd="sng">
+                          <a:solidFill>
+                            <a:schemeClr val="tx1"/>
+                          </a:solidFill>
+                          <a:prstDash val="solid"/>
+                        </a:lnL>
+                        <a:lnR w="12700" cmpd="sng">
+                          <a:solidFill>
+                            <a:schemeClr val="tx1"/>
+                          </a:solidFill>
+                          <a:prstDash val="solid"/>
+                        </a:lnR>
+                        <a:lnT w="12700" cap="flat" cmpd="sng" algn="ctr">
+                          <a:solidFill>
+                            <a:schemeClr val="tx1"/>
+                          </a:solidFill>
+                          <a:prstDash val="solid"/>
+                          <a:round/>
+                          <a:headEnd type="none" w="med" len="med"/>
+                          <a:tailEnd type="none" w="med" len="med"/>
+                        </a:lnT>
+                        <a:lnB w="12700" cap="flat" cmpd="sng" algn="ctr">
+                          <a:solidFill>
+                            <a:schemeClr val="tx1"/>
+                          </a:solidFill>
+                          <a:prstDash val="solid"/>
+                          <a:round/>
+                          <a:headEnd type="none" w="med" len="med"/>
+                          <a:tailEnd type="none" w="med" len="med"/>
+                        </a:lnB>
+                      </a:tcPr>
+                    </a:tc>
+                    <a:extLst>
+                      <a:ext uri="{0D108BD9-81ED-4DB2-BD59-A6C34878D82A}">
+                        <a16:rowId xmlns:a16="http://schemas.microsoft.com/office/drawing/2014/main" val="566282699"/>
+                      </a:ext>
+                    </a:extLst>
+                  </a:tr>
+                  <a:tr h="489397">
+                    <a:tc>
+                      <a:txBody>
+                        <a:bodyPr/>
+                        <a:lstStyle/>
+                        <a:p>
+                          <a:endParaRPr lang="en-US"/>
+                        </a:p>
+                      </a:txBody>
+                      <a:tcPr>
+                        <a:lnL w="12700" cmpd="sng">
+                          <a:solidFill>
+                            <a:schemeClr val="tx1"/>
+                          </a:solidFill>
+                          <a:prstDash val="solid"/>
+                        </a:lnL>
+                        <a:lnR w="12700" cap="flat" cmpd="sng" algn="ctr">
+                          <a:solidFill>
+                            <a:schemeClr val="tx1"/>
+                          </a:solidFill>
+                          <a:prstDash val="solid"/>
+                          <a:round/>
+                          <a:headEnd type="none" w="med" len="med"/>
+                          <a:tailEnd type="none" w="med" len="med"/>
+                        </a:lnR>
+                        <a:lnT w="12700" cap="flat" cmpd="sng" algn="ctr">
+                          <a:solidFill>
+                            <a:schemeClr val="tx1"/>
+                          </a:solidFill>
+                          <a:prstDash val="solid"/>
+                          <a:round/>
+                          <a:headEnd type="none" w="med" len="med"/>
+                          <a:tailEnd type="none" w="med" len="med"/>
+                        </a:lnT>
+                        <a:lnB w="12700" cmpd="sng">
+                          <a:solidFill>
+                            <a:schemeClr val="tx1"/>
+                          </a:solidFill>
+                          <a:prstDash val="solid"/>
+                        </a:lnB>
+                        <a:blipFill>
+                          <a:blip r:embed="rId2"/>
+                          <a:stretch>
+                            <a:fillRect l="-336" t="-685000" r="-100671" b="-2500"/>
+                          </a:stretch>
+                        </a:blipFill>
+                      </a:tcPr>
+                    </a:tc>
+                    <a:tc>
+                      <a:txBody>
+                        <a:bodyPr/>
+                        <a:lstStyle/>
+                        <a:p>
+                          <a:r>
+                            <a:rPr lang="tr-TR" dirty="0"/>
+                            <a:t>98.4V</a:t>
+                          </a:r>
+                          <a:endParaRPr lang="en-US" dirty="0"/>
+                        </a:p>
+                      </a:txBody>
+                      <a:tcPr>
+                        <a:lnL w="12700" cap="flat" cmpd="sng" algn="ctr">
+                          <a:solidFill>
+                            <a:schemeClr val="tx1"/>
+                          </a:solidFill>
+                          <a:prstDash val="solid"/>
+                          <a:round/>
+                          <a:headEnd type="none" w="med" len="med"/>
+                          <a:tailEnd type="none" w="med" len="med"/>
+                        </a:lnL>
+                        <a:lnR w="12700" cmpd="sng">
+                          <a:solidFill>
+                            <a:schemeClr val="tx1"/>
+                          </a:solidFill>
+                          <a:prstDash val="solid"/>
+                        </a:lnR>
+                        <a:lnT w="12700" cap="flat" cmpd="sng" algn="ctr">
+                          <a:solidFill>
+                            <a:schemeClr val="tx1"/>
+                          </a:solidFill>
+                          <a:prstDash val="solid"/>
+                          <a:round/>
+                          <a:headEnd type="none" w="med" len="med"/>
+                          <a:tailEnd type="none" w="med" len="med"/>
+                        </a:lnT>
+                        <a:lnB w="12700" cmpd="sng">
+                          <a:solidFill>
+                            <a:schemeClr val="tx1"/>
+                          </a:solidFill>
+                          <a:prstDash val="solid"/>
+                        </a:lnB>
+                      </a:tcPr>
+                    </a:tc>
+                    <a:extLst>
+                      <a:ext uri="{0D108BD9-81ED-4DB2-BD59-A6C34878D82A}">
+                        <a16:rowId xmlns:a16="http://schemas.microsoft.com/office/drawing/2014/main" val="2375824003"/>
+                      </a:ext>
+                    </a:extLst>
+                  </a:tr>
+                </a:tbl>
+              </a:graphicData>
+            </a:graphic>
+          </p:graphicFrame>
+        </mc:Fallback>
+      </mc:AlternateContent>
+      <p:pic>
+        <p:nvPicPr>
+          <p:cNvPr id="7" name="Picture 6">
+            <a:extLst>
+              <a:ext uri="{FF2B5EF4-FFF2-40B4-BE49-F238E27FC236}">
+                <a16:creationId xmlns:a16="http://schemas.microsoft.com/office/drawing/2014/main" id="{BE1A2CA6-1DEE-48D2-97D8-9BAD6BF0461C}"/>
+              </a:ext>
+            </a:extLst>
+          </p:cNvPr>
+          <p:cNvPicPr>
+            <a:picLocks noChangeAspect="1"/>
+          </p:cNvPicPr>
+          <p:nvPr/>
+        </p:nvPicPr>
+        <p:blipFill>
+          <a:blip r:embed="rId3"/>
+          <a:stretch>
+            <a:fillRect/>
+          </a:stretch>
+        </p:blipFill>
+        <p:spPr>
+          <a:xfrm>
+            <a:off x="122350" y="103031"/>
+            <a:ext cx="12192000" cy="2747290"/>
+          </a:xfrm>
+          <a:prstGeom prst="rect">
+            <a:avLst/>
+          </a:prstGeom>
+        </p:spPr>
+      </p:pic>
+      <mc:AlternateContent xmlns:mc="http://schemas.openxmlformats.org/markup-compatibility/2006">
+        <mc:Choice xmlns:a14="http://schemas.microsoft.com/office/drawing/2010/main" Requires="a14">
+          <p:sp>
+            <p:nvSpPr>
+              <p:cNvPr id="8" name="TextBox 7">
+                <a:extLst>
+                  <a:ext uri="{FF2B5EF4-FFF2-40B4-BE49-F238E27FC236}">
+                    <a16:creationId xmlns:a16="http://schemas.microsoft.com/office/drawing/2014/main" id="{BF28BE65-37E1-4E40-98D3-B7170D077D10}"/>
+                  </a:ext>
+                </a:extLst>
+              </p:cNvPr>
+              <p:cNvSpPr txBox="1"/>
+              <p:nvPr/>
+            </p:nvSpPr>
+            <p:spPr>
+              <a:xfrm>
+                <a:off x="8820735" y="4110711"/>
+                <a:ext cx="1893194" cy="369332"/>
+              </a:xfrm>
+              <a:prstGeom prst="rect">
+                <a:avLst/>
+              </a:prstGeom>
+              <a:noFill/>
+            </p:spPr>
+            <p:txBody>
+              <a:bodyPr wrap="square" rtlCol="0">
+                <a:spAutoFit/>
+              </a:bodyPr>
+              <a:lstStyle/>
+              <a:p>
+                <a14:m>
+                  <m:oMathPara xmlns:m="http://schemas.openxmlformats.org/officeDocument/2006/math">
+                    <m:oMathParaPr>
+                      <m:jc m:val="centerGroup"/>
+                    </m:oMathParaPr>
+                    <m:oMath xmlns:m="http://schemas.openxmlformats.org/officeDocument/2006/math">
+                      <m:sSub>
+                        <m:sSubPr>
+                          <m:ctrlPr>
+                            <a:rPr lang="tr-TR" b="0" i="1" smtClean="0">
+                              <a:latin typeface="Cambria Math" panose="02040503050406030204" pitchFamily="18" charset="0"/>
+                            </a:rPr>
+                          </m:ctrlPr>
+                        </m:sSubPr>
+                        <m:e>
+                          <m:r>
+                            <a:rPr lang="tr-TR" b="0" i="1" smtClean="0">
+                              <a:latin typeface="Cambria Math" panose="02040503050406030204" pitchFamily="18" charset="0"/>
+                            </a:rPr>
+                            <m:t>𝐼</m:t>
+                          </m:r>
+                        </m:e>
+                        <m:sub>
+                          <m:r>
+                            <a:rPr lang="tr-TR" b="0" i="1" smtClean="0">
+                              <a:latin typeface="Cambria Math" panose="02040503050406030204" pitchFamily="18" charset="0"/>
+                            </a:rPr>
+                            <m:t>𝑟𝑚𝑠</m:t>
+                          </m:r>
+                        </m:sub>
+                      </m:sSub>
+                      <m:r>
+                        <a:rPr lang="tr-TR" b="0" i="1" smtClean="0">
+                          <a:latin typeface="Cambria Math" panose="02040503050406030204" pitchFamily="18" charset="0"/>
+                        </a:rPr>
+                        <m:t>=5.66</m:t>
+                      </m:r>
+                      <m:r>
+                        <a:rPr lang="tr-TR" b="0" i="1" smtClean="0">
+                          <a:latin typeface="Cambria Math" panose="02040503050406030204" pitchFamily="18" charset="0"/>
+                        </a:rPr>
+                        <m:t>𝐴</m:t>
+                      </m:r>
+                      <m:r>
+                        <a:rPr lang="tr-TR" b="0" i="1" smtClean="0">
+                          <a:latin typeface="Cambria Math" panose="02040503050406030204" pitchFamily="18" charset="0"/>
+                        </a:rPr>
+                        <m:t> </m:t>
+                      </m:r>
+                    </m:oMath>
+                  </m:oMathPara>
+                </a14:m>
+                <a:endParaRPr lang="en-US" dirty="0"/>
+              </a:p>
+            </p:txBody>
+          </p:sp>
+        </mc:Choice>
+        <mc:Fallback>
+          <p:sp>
+            <p:nvSpPr>
+              <p:cNvPr id="8" name="TextBox 7">
+                <a:extLst>
+                  <a:ext uri="{FF2B5EF4-FFF2-40B4-BE49-F238E27FC236}">
+                    <a16:creationId xmlns:a16="http://schemas.microsoft.com/office/drawing/2014/main" id="{BF28BE65-37E1-4E40-98D3-B7170D077D10}"/>
+                  </a:ext>
+                </a:extLst>
+              </p:cNvPr>
+              <p:cNvSpPr txBox="1">
+                <a:spLocks noRot="1" noChangeAspect="1" noMove="1" noResize="1" noEditPoints="1" noAdjustHandles="1" noChangeArrowheads="1" noChangeShapeType="1" noTextEdit="1"/>
+              </p:cNvSpPr>
+              <p:nvPr/>
+            </p:nvSpPr>
+            <p:spPr>
+              <a:xfrm>
+                <a:off x="8820735" y="4110711"/>
+                <a:ext cx="1893194" cy="369332"/>
+              </a:xfrm>
+              <a:prstGeom prst="rect">
+                <a:avLst/>
+              </a:prstGeom>
+              <a:blipFill>
+                <a:blip r:embed="rId4"/>
+                <a:stretch>
+                  <a:fillRect/>
+                </a:stretch>
+              </a:blipFill>
+            </p:spPr>
+            <p:txBody>
+              <a:bodyPr/>
+              <a:lstStyle/>
+              <a:p>
+                <a:r>
+                  <a:rPr lang="en-US">
+                    <a:noFill/>
+                  </a:rPr>
+                  <a:t> </a:t>
+                </a:r>
+              </a:p>
+            </p:txBody>
+          </p:sp>
+        </mc:Fallback>
+      </mc:AlternateContent>
+      <mc:AlternateContent xmlns:mc="http://schemas.openxmlformats.org/markup-compatibility/2006">
+        <mc:Choice xmlns:a14="http://schemas.microsoft.com/office/drawing/2010/main" Requires="a14">
+          <p:sp>
+            <p:nvSpPr>
+              <p:cNvPr id="9" name="Rectangle 8">
+                <a:extLst>
+                  <a:ext uri="{FF2B5EF4-FFF2-40B4-BE49-F238E27FC236}">
+                    <a16:creationId xmlns:a16="http://schemas.microsoft.com/office/drawing/2014/main" id="{BEF3998E-922C-41A0-AFFE-FEC51174B480}"/>
+                  </a:ext>
+                </a:extLst>
+              </p:cNvPr>
+              <p:cNvSpPr/>
+              <p:nvPr/>
+            </p:nvSpPr>
+            <p:spPr>
+              <a:xfrm>
+                <a:off x="8950818" y="4648132"/>
+                <a:ext cx="1455783" cy="369332"/>
+              </a:xfrm>
+              <a:prstGeom prst="rect">
+                <a:avLst/>
+              </a:prstGeom>
+            </p:spPr>
+            <p:txBody>
+              <a:bodyPr wrap="none">
+                <a:spAutoFit/>
+              </a:bodyPr>
+              <a:lstStyle/>
+              <a:p>
+                <a14:m>
+                  <m:oMathPara xmlns:m="http://schemas.openxmlformats.org/officeDocument/2006/math">
+                    <m:oMathParaPr>
+                      <m:jc m:val="centerGroup"/>
+                    </m:oMathParaPr>
+                    <m:oMath xmlns:m="http://schemas.openxmlformats.org/officeDocument/2006/math">
+                      <m:r>
+                        <m:rPr>
+                          <m:sty m:val="p"/>
+                        </m:rPr>
+                        <a:rPr lang="tr-TR" b="0" i="0" smtClean="0">
+                          <a:latin typeface="Cambria Math" panose="02040503050406030204" pitchFamily="18" charset="0"/>
+                        </a:rPr>
+                        <m:t>Δ</m:t>
+                      </m:r>
+                      <m:r>
+                        <a:rPr lang="tr-TR" b="0" i="1" smtClean="0">
+                          <a:latin typeface="Cambria Math" panose="02040503050406030204" pitchFamily="18" charset="0"/>
+                        </a:rPr>
+                        <m:t>𝐼</m:t>
+                      </m:r>
+                      <m:r>
+                        <a:rPr lang="tr-TR" b="0" i="1" smtClean="0">
+                          <a:latin typeface="Cambria Math" panose="02040503050406030204" pitchFamily="18" charset="0"/>
+                        </a:rPr>
+                        <m:t> =0.5</m:t>
+                      </m:r>
+                      <m:r>
+                        <a:rPr lang="tr-TR" b="0" i="1" smtClean="0">
+                          <a:latin typeface="Cambria Math" panose="02040503050406030204" pitchFamily="18" charset="0"/>
+                        </a:rPr>
+                        <m:t>2 </m:t>
+                      </m:r>
+                      <m:r>
+                        <a:rPr lang="tr-TR" b="0" i="1" smtClean="0">
+                          <a:latin typeface="Cambria Math" panose="02040503050406030204" pitchFamily="18" charset="0"/>
+                        </a:rPr>
+                        <m:t>𝐴</m:t>
+                      </m:r>
+                    </m:oMath>
+                  </m:oMathPara>
+                </a14:m>
+                <a:endParaRPr lang="en-US" dirty="0"/>
+              </a:p>
+            </p:txBody>
+          </p:sp>
+        </mc:Choice>
+        <mc:Fallback>
+          <p:sp>
+            <p:nvSpPr>
+              <p:cNvPr id="9" name="Rectangle 8">
+                <a:extLst>
+                  <a:ext uri="{FF2B5EF4-FFF2-40B4-BE49-F238E27FC236}">
+                    <a16:creationId xmlns:a16="http://schemas.microsoft.com/office/drawing/2014/main" id="{BEF3998E-922C-41A0-AFFE-FEC51174B480}"/>
+                  </a:ext>
+                </a:extLst>
+              </p:cNvPr>
+              <p:cNvSpPr>
+                <a:spLocks noRot="1" noChangeAspect="1" noMove="1" noResize="1" noEditPoints="1" noAdjustHandles="1" noChangeArrowheads="1" noChangeShapeType="1" noTextEdit="1"/>
+              </p:cNvSpPr>
+              <p:nvPr/>
+            </p:nvSpPr>
+            <p:spPr>
+              <a:xfrm>
+                <a:off x="8950818" y="4648132"/>
+                <a:ext cx="1455783" cy="369332"/>
+              </a:xfrm>
+              <a:prstGeom prst="rect">
+                <a:avLst/>
+              </a:prstGeom>
+              <a:blipFill>
+                <a:blip r:embed="rId5"/>
+                <a:stretch>
+                  <a:fillRect/>
+                </a:stretch>
+              </a:blipFill>
+            </p:spPr>
+            <p:txBody>
+              <a:bodyPr/>
+              <a:lstStyle/>
+              <a:p>
+                <a:r>
+                  <a:rPr lang="en-US">
+                    <a:noFill/>
+                  </a:rPr>
+                  <a:t> </a:t>
+                </a:r>
+              </a:p>
+            </p:txBody>
+          </p:sp>
+        </mc:Fallback>
+      </mc:AlternateContent>
+      <mc:AlternateContent xmlns:mc="http://schemas.openxmlformats.org/markup-compatibility/2006">
+        <mc:Choice xmlns:a14="http://schemas.microsoft.com/office/drawing/2010/main" Requires="a14">
+          <p:sp>
+            <p:nvSpPr>
+              <p:cNvPr id="10" name="Rectangle 9">
+                <a:extLst>
+                  <a:ext uri="{FF2B5EF4-FFF2-40B4-BE49-F238E27FC236}">
+                    <a16:creationId xmlns:a16="http://schemas.microsoft.com/office/drawing/2014/main" id="{AAA0616A-B690-447F-AA6F-5A763D1DA46F}"/>
+                  </a:ext>
+                </a:extLst>
+              </p:cNvPr>
+              <p:cNvSpPr/>
+              <p:nvPr/>
+            </p:nvSpPr>
+            <p:spPr>
+              <a:xfrm>
+                <a:off x="8950818" y="5122626"/>
+                <a:ext cx="1939442" cy="659540"/>
+              </a:xfrm>
+              <a:prstGeom prst="rect">
+                <a:avLst/>
+              </a:prstGeom>
+            </p:spPr>
+            <p:txBody>
+              <a:bodyPr wrap="none">
+                <a:spAutoFit/>
+              </a:bodyPr>
+              <a:lstStyle/>
+              <a:p>
+                <a:pPr/>
+                <a14:m>
+                  <m:oMathPara xmlns:m="http://schemas.openxmlformats.org/officeDocument/2006/math">
+                    <m:oMathParaPr>
+                      <m:jc m:val="centerGroup"/>
+                    </m:oMathParaPr>
+                    <m:oMath xmlns:m="http://schemas.openxmlformats.org/officeDocument/2006/math">
+                      <m:f>
+                        <m:fPr>
+                          <m:ctrlPr>
+                            <a:rPr lang="tr-TR" b="0" i="1" smtClean="0">
+                              <a:latin typeface="Cambria Math" panose="02040503050406030204" pitchFamily="18" charset="0"/>
+                            </a:rPr>
+                          </m:ctrlPr>
+                        </m:fPr>
+                        <m:num>
+                          <m:r>
+                            <m:rPr>
+                              <m:sty m:val="p"/>
+                            </m:rPr>
+                            <a:rPr lang="tr-TR" smtClean="0">
+                              <a:latin typeface="Cambria Math" panose="02040503050406030204" pitchFamily="18" charset="0"/>
+                            </a:rPr>
+                            <m:t>Δ</m:t>
+                          </m:r>
+                          <m:r>
+                            <a:rPr lang="tr-TR" i="1">
+                              <a:latin typeface="Cambria Math" panose="02040503050406030204" pitchFamily="18" charset="0"/>
+                            </a:rPr>
+                            <m:t>𝐼</m:t>
+                          </m:r>
+                        </m:num>
+                        <m:den>
+                          <m:sSub>
+                            <m:sSubPr>
+                              <m:ctrlPr>
+                                <a:rPr lang="tr-TR" i="1">
+                                  <a:latin typeface="Cambria Math" panose="02040503050406030204" pitchFamily="18" charset="0"/>
+                                </a:rPr>
+                              </m:ctrlPr>
+                            </m:sSubPr>
+                            <m:e>
+                              <m:r>
+                                <a:rPr lang="tr-TR" i="1">
+                                  <a:latin typeface="Cambria Math" panose="02040503050406030204" pitchFamily="18" charset="0"/>
+                                </a:rPr>
+                                <m:t>𝐼</m:t>
+                              </m:r>
+                            </m:e>
+                            <m:sub>
+                              <m:r>
+                                <a:rPr lang="tr-TR" i="1">
+                                  <a:latin typeface="Cambria Math" panose="02040503050406030204" pitchFamily="18" charset="0"/>
+                                </a:rPr>
+                                <m:t>𝑟𝑚𝑠</m:t>
+                              </m:r>
+                            </m:sub>
+                          </m:sSub>
+                        </m:den>
+                      </m:f>
+                      <m:r>
+                        <a:rPr lang="tr-TR" i="1">
+                          <a:latin typeface="Cambria Math" panose="02040503050406030204" pitchFamily="18" charset="0"/>
+                        </a:rPr>
+                        <m:t> </m:t>
+                      </m:r>
+                      <m:r>
+                        <a:rPr lang="tr-TR" b="0" i="1" smtClean="0">
+                          <a:latin typeface="Cambria Math" panose="02040503050406030204" pitchFamily="18" charset="0"/>
+                        </a:rPr>
+                        <m:t>%</m:t>
+                      </m:r>
+                      <m:r>
+                        <a:rPr lang="tr-TR" i="1">
+                          <a:latin typeface="Cambria Math" panose="02040503050406030204" pitchFamily="18" charset="0"/>
+                        </a:rPr>
+                        <m:t>=</m:t>
+                      </m:r>
+                      <m:r>
+                        <a:rPr lang="tr-TR" b="0" i="1" smtClean="0">
+                          <a:latin typeface="Cambria Math" panose="02040503050406030204" pitchFamily="18" charset="0"/>
+                        </a:rPr>
+                        <m:t>9.22%</m:t>
+                      </m:r>
+                      <m:r>
+                        <a:rPr lang="tr-TR" i="1">
+                          <a:latin typeface="Cambria Math" panose="02040503050406030204" pitchFamily="18" charset="0"/>
+                        </a:rPr>
+                        <m:t> </m:t>
+                      </m:r>
+                    </m:oMath>
+                  </m:oMathPara>
+                </a14:m>
+                <a:endParaRPr lang="en-US" dirty="0"/>
+              </a:p>
+            </p:txBody>
+          </p:sp>
+        </mc:Choice>
+        <mc:Fallback>
+          <p:sp>
+            <p:nvSpPr>
+              <p:cNvPr id="10" name="Rectangle 9">
+                <a:extLst>
+                  <a:ext uri="{FF2B5EF4-FFF2-40B4-BE49-F238E27FC236}">
+                    <a16:creationId xmlns:a16="http://schemas.microsoft.com/office/drawing/2014/main" id="{AAA0616A-B690-447F-AA6F-5A763D1DA46F}"/>
+                  </a:ext>
+                </a:extLst>
+              </p:cNvPr>
+              <p:cNvSpPr>
+                <a:spLocks noRot="1" noChangeAspect="1" noMove="1" noResize="1" noEditPoints="1" noAdjustHandles="1" noChangeArrowheads="1" noChangeShapeType="1" noTextEdit="1"/>
+              </p:cNvSpPr>
+              <p:nvPr/>
+            </p:nvSpPr>
+            <p:spPr>
+              <a:xfrm>
+                <a:off x="8950818" y="5122626"/>
+                <a:ext cx="1939442" cy="659540"/>
+              </a:xfrm>
+              <a:prstGeom prst="rect">
+                <a:avLst/>
+              </a:prstGeom>
+              <a:blipFill>
+                <a:blip r:embed="rId6"/>
+                <a:stretch>
+                  <a:fillRect/>
+                </a:stretch>
+              </a:blipFill>
+            </p:spPr>
+            <p:txBody>
+              <a:bodyPr/>
+              <a:lstStyle/>
+              <a:p>
+                <a:r>
+                  <a:rPr lang="en-US">
+                    <a:noFill/>
+                  </a:rPr>
+                  <a:t> </a:t>
+                </a:r>
+              </a:p>
+            </p:txBody>
+          </p:sp>
+        </mc:Fallback>
+      </mc:AlternateContent>
+    </p:spTree>
+    <p:extLst>
+      <p:ext uri="{BB962C8B-B14F-4D97-AF65-F5344CB8AC3E}">
+        <p14:creationId xmlns:p14="http://schemas.microsoft.com/office/powerpoint/2010/main" val="2379347639"/>
       </p:ext>
     </p:extLst>
   </p:cSld>
@@ -32565,8 +41889,8 @@
           </a:p>
         </p:txBody>
       </p:sp>
-      <mc:AlternateContent xmlns:mc="http://schemas.openxmlformats.org/markup-compatibility/2006">
-        <mc:Choice xmlns:a14="http://schemas.microsoft.com/office/drawing/2010/main" Requires="a14">
+      <mc:AlternateContent xmlns:mc="http://schemas.openxmlformats.org/markup-compatibility/2006" xmlns:a14="http://schemas.microsoft.com/office/drawing/2010/main">
+        <mc:Choice Requires="a14">
           <p:sp>
             <p:nvSpPr>
               <p:cNvPr id="8" name="TextBox 7">
@@ -32771,7 +42095,7 @@
             </p:txBody>
           </p:sp>
         </mc:Choice>
-        <mc:Fallback>
+        <mc:Fallback xmlns="">
           <p:sp>
             <p:nvSpPr>
               <p:cNvPr id="8" name="TextBox 7">
@@ -33018,8 +42342,8 @@
           </a:p>
         </p:txBody>
       </p:sp>
-      <mc:AlternateContent xmlns:mc="http://schemas.openxmlformats.org/markup-compatibility/2006">
-        <mc:Choice xmlns:a14="http://schemas.microsoft.com/office/drawing/2010/main" Requires="a14">
+      <mc:AlternateContent xmlns:mc="http://schemas.openxmlformats.org/markup-compatibility/2006" xmlns:a14="http://schemas.microsoft.com/office/drawing/2010/main">
+        <mc:Choice Requires="a14">
           <p:sp>
             <p:nvSpPr>
               <p:cNvPr id="14" name="TextBox 13">
@@ -33224,7 +42548,7 @@
             </p:txBody>
           </p:sp>
         </mc:Choice>
-        <mc:Fallback>
+        <mc:Fallback xmlns="">
           <p:sp>
             <p:nvSpPr>
               <p:cNvPr id="14" name="TextBox 13">
